--- a/葉登發/第四組 浪跡天涯（公版).pptx
+++ b/葉登發/第四組 浪跡天涯（公版).pptx
@@ -123,7 +123,7 @@
   </p:defaultTextStyle>
   <p:extLst>
     <p:ext uri="{EFAFB233-063F-42B5-8137-9DF3F51BA10A}">
-      <p15:sldGuideLst xmlns="" xmlns:p15="http://schemas.microsoft.com/office/powerpoint/2012/main">
+      <p15:sldGuideLst xmlns:p15="http://schemas.microsoft.com/office/powerpoint/2012/main">
         <p15:guide id="1" orient="horz" pos="2160">
           <p15:clr>
             <a:srgbClr val="A4A3A4"/>
@@ -923,7 +923,7 @@
 </file>
 
 <file path=ppt/diagrams/colors2.xml><?xml version="1.0" encoding="utf-8"?>
-<dgm:colorsDef xmlns:dgm="http://schemas.openxmlformats.org/drawingml/2006/diagram" xmlns:a="http://schemas.openxmlformats.org/drawingml/2006/main" uniqueId="urn:microsoft.com/office/officeart/2005/8/colors/colorful1">
+<dgm:colorsDef xmlns:dgm="http://schemas.openxmlformats.org/drawingml/2006/diagram" xmlns:a="http://schemas.openxmlformats.org/drawingml/2006/main" uniqueId="urn:microsoft.com/office/officeart/2005/8/colors/colorful1#1">
   <dgm:title val=""/>
   <dgm:desc val=""/>
   <dgm:catLst>
@@ -1863,7 +1863,7 @@
         <a:lstStyle/>
         <a:p>
           <a:r>
-            <a:rPr lang="zh-TW" altLang="en-US" sz="2400" dirty="0" smtClean="0">
+            <a:rPr lang="zh-TW" altLang="en-US" sz="2800" b="1" dirty="0">
               <a:latin typeface="微軟正黑體" pitchFamily="34" charset="-120"/>
               <a:ea typeface="微軟正黑體" pitchFamily="34" charset="-120"/>
             </a:rPr>
@@ -1919,7 +1919,7 @@
         <a:lstStyle/>
         <a:p>
           <a:r>
-            <a:rPr lang="zh-TW" altLang="en-US" sz="2400" b="1" smtClean="0">
+            <a:rPr lang="zh-TW" altLang="en-US" sz="2400" b="1" dirty="0">
               <a:effectLst>
                 <a:outerShdw blurRad="50800" dist="38100" dir="5400000" algn="t" rotWithShape="0">
                   <a:prstClr val="black">
@@ -1932,17 +1932,6 @@
             </a:rPr>
             <a:t>首頁</a:t>
           </a:r>
-          <a:endParaRPr lang="zh-TW" altLang="en-US" sz="2400" b="1" dirty="0" smtClean="0">
-            <a:effectLst>
-              <a:outerShdw blurRad="50800" dist="38100" dir="5400000" algn="t" rotWithShape="0">
-                <a:prstClr val="black">
-                  <a:alpha val="40000"/>
-                </a:prstClr>
-              </a:outerShdw>
-            </a:effectLst>
-            <a:latin typeface="微軟正黑體" pitchFamily="34" charset="-120"/>
-            <a:ea typeface="微軟正黑體" pitchFamily="34" charset="-120"/>
-          </a:endParaRPr>
         </a:p>
       </dgm:t>
     </dgm:pt>
@@ -1976,7 +1965,7 @@
         <a:lstStyle/>
         <a:p>
           <a:r>
-            <a:rPr lang="zh-TW" altLang="en-US" sz="1600" dirty="0" smtClean="0">
+            <a:rPr lang="zh-TW" altLang="en-US" sz="1800" dirty="0">
               <a:latin typeface="微軟正黑體" pitchFamily="34" charset="-120"/>
               <a:ea typeface="微軟正黑體" pitchFamily="34" charset="-120"/>
             </a:rPr>
@@ -2040,7 +2029,7 @@
             </a:spcAft>
           </a:pPr>
           <a:r>
-            <a:rPr lang="zh-TW" altLang="en-US" sz="2000" b="1" spc="-150" dirty="0" smtClean="0">
+            <a:rPr lang="zh-TW" altLang="en-US" sz="2000" b="1" spc="-150" dirty="0">
               <a:effectLst>
                 <a:outerShdw blurRad="50800" dist="38100" dir="5400000" algn="t" rotWithShape="0">
                   <a:prstClr val="black">
@@ -2053,7 +2042,7 @@
             </a:rPr>
             <a:t>流浪救援</a:t>
           </a:r>
-          <a:endParaRPr lang="en-US" altLang="zh-TW" sz="2000" b="1" spc="-150" dirty="0" smtClean="0">
+          <a:endParaRPr lang="en-US" altLang="zh-TW" sz="2000" b="1" spc="-150" dirty="0">
             <a:effectLst>
               <a:outerShdw blurRad="50800" dist="38100" dir="5400000" algn="t" rotWithShape="0">
                 <a:prstClr val="black">
@@ -2075,7 +2064,7 @@
             </a:spcAft>
           </a:pPr>
           <a:r>
-            <a:rPr lang="zh-TW" altLang="en-US" sz="2000" b="1" spc="-150" dirty="0" smtClean="0">
+            <a:rPr lang="zh-TW" altLang="en-US" sz="2000" b="1" spc="-150" dirty="0">
               <a:effectLst>
                 <a:outerShdw blurRad="50800" dist="38100" dir="5400000" algn="t" rotWithShape="0">
                   <a:prstClr val="black">
@@ -2114,7 +2103,7 @@
       </dgm:t>
     </dgm:pt>
     <dgm:pt modelId="{6CA09A5E-B8A0-4A71-ADD4-346908CF8A6E}">
-      <dgm:prSet phldrT="[文字]">
+      <dgm:prSet phldrT="[文字]" custT="1">
         <dgm:style>
           <a:lnRef idx="2">
             <a:schemeClr val="accent2">
@@ -2138,7 +2127,7 @@
         <a:lstStyle/>
         <a:p>
           <a:r>
-            <a:rPr lang="zh-TW" altLang="en-US" b="1" dirty="0" smtClean="0">
+            <a:rPr lang="zh-TW" altLang="en-US" sz="2400" b="1" dirty="0">
               <a:effectLst>
                 <a:outerShdw blurRad="50800" dist="38100" dir="5400000" algn="t" rotWithShape="0">
                   <a:prstClr val="black">
@@ -2177,7 +2166,7 @@
       </dgm:t>
     </dgm:pt>
     <dgm:pt modelId="{88701BC0-3BC4-4D6E-A745-608E267D8549}">
-      <dgm:prSet phldrT="[文字]">
+      <dgm:prSet phldrT="[文字]" custT="1">
         <dgm:style>
           <a:lnRef idx="2">
             <a:schemeClr val="accent2">
@@ -2201,7 +2190,7 @@
         <a:lstStyle/>
         <a:p>
           <a:r>
-            <a:rPr lang="zh-TW" altLang="en-US" b="1" dirty="0" smtClean="0">
+            <a:rPr lang="zh-TW" altLang="en-US" sz="2400" b="1" dirty="0">
               <a:effectLst>
                 <a:outerShdw blurRad="50800" dist="38100" dir="5400000" algn="t" rotWithShape="0">
                   <a:prstClr val="black">
@@ -2239,112 +2228,6 @@
         </a:p>
       </dgm:t>
     </dgm:pt>
-    <dgm:pt modelId="{DAE9D4C1-9529-4971-9C00-376C900FC858}">
-      <dgm:prSet phldrT="[文字]">
-        <dgm:style>
-          <a:lnRef idx="2">
-            <a:schemeClr val="accent2">
-              <a:shade val="50000"/>
-            </a:schemeClr>
-          </a:lnRef>
-          <a:fillRef idx="1">
-            <a:schemeClr val="accent2"/>
-          </a:fillRef>
-          <a:effectRef idx="0">
-            <a:schemeClr val="accent2"/>
-          </a:effectRef>
-          <a:fontRef idx="minor">
-            <a:schemeClr val="lt1"/>
-          </a:fontRef>
-        </dgm:style>
-      </dgm:prSet>
-      <dgm:spPr/>
-      <dgm:t>
-        <a:bodyPr/>
-        <a:lstStyle/>
-        <a:p>
-          <a:r>
-            <a:rPr lang="zh-TW" altLang="en-US" b="1" dirty="0" smtClean="0">
-              <a:effectLst>
-                <a:outerShdw blurRad="50800" dist="38100" dir="5400000" algn="t" rotWithShape="0">
-                  <a:prstClr val="black">
-                    <a:alpha val="40000"/>
-                  </a:prstClr>
-                </a:outerShdw>
-              </a:effectLst>
-              <a:latin typeface="微軟正黑體" pitchFamily="34" charset="-120"/>
-              <a:ea typeface="微軟正黑體" pitchFamily="34" charset="-120"/>
-            </a:rPr>
-            <a:t>常見問題</a:t>
-          </a:r>
-        </a:p>
-      </dgm:t>
-    </dgm:pt>
-    <dgm:pt modelId="{BFD6A540-3C43-4134-BB4B-68127730A919}" type="parTrans" cxnId="{9E5E2B59-52EE-4B60-B206-0F393EB95020}">
-      <dgm:prSet/>
-      <dgm:spPr/>
-      <dgm:t>
-        <a:bodyPr/>
-        <a:lstStyle/>
-        <a:p>
-          <a:endParaRPr lang="zh-TW" altLang="en-US"/>
-        </a:p>
-      </dgm:t>
-    </dgm:pt>
-    <dgm:pt modelId="{5AF9875D-8909-447F-BB36-ABBE791610AD}" type="sibTrans" cxnId="{9E5E2B59-52EE-4B60-B206-0F393EB95020}">
-      <dgm:prSet/>
-      <dgm:spPr/>
-      <dgm:t>
-        <a:bodyPr/>
-        <a:lstStyle/>
-        <a:p>
-          <a:endParaRPr lang="zh-TW" altLang="en-US"/>
-        </a:p>
-      </dgm:t>
-    </dgm:pt>
-    <dgm:pt modelId="{1012EB51-3AA4-4528-B8C0-4CEFBC667C49}">
-      <dgm:prSet phldrT="[文字]" custT="1"/>
-      <dgm:spPr/>
-      <dgm:t>
-        <a:bodyPr/>
-        <a:lstStyle/>
-        <a:p>
-          <a:r>
-            <a:rPr lang="zh-TW" altLang="en-US" sz="1600" smtClean="0">
-              <a:latin typeface="微軟正黑體" pitchFamily="34" charset="-120"/>
-              <a:ea typeface="微軟正黑體" pitchFamily="34" charset="-120"/>
-            </a:rPr>
-            <a:t>問題回報</a:t>
-          </a:r>
-          <a:endParaRPr lang="zh-TW" altLang="en-US" sz="1600" dirty="0" smtClean="0">
-            <a:latin typeface="微軟正黑體" pitchFamily="34" charset="-120"/>
-            <a:ea typeface="微軟正黑體" pitchFamily="34" charset="-120"/>
-          </a:endParaRPr>
-        </a:p>
-      </dgm:t>
-    </dgm:pt>
-    <dgm:pt modelId="{32DC2203-3464-49DC-BFB6-7B62C1F6291A}" type="parTrans" cxnId="{FBE6AF83-AD82-4557-8B55-96CF2128F6A9}">
-      <dgm:prSet/>
-      <dgm:spPr/>
-      <dgm:t>
-        <a:bodyPr/>
-        <a:lstStyle/>
-        <a:p>
-          <a:endParaRPr lang="zh-TW" altLang="en-US"/>
-        </a:p>
-      </dgm:t>
-    </dgm:pt>
-    <dgm:pt modelId="{BE126115-FA60-4EA4-95A9-C0E81FD4C21B}" type="sibTrans" cxnId="{FBE6AF83-AD82-4557-8B55-96CF2128F6A9}">
-      <dgm:prSet/>
-      <dgm:spPr/>
-      <dgm:t>
-        <a:bodyPr/>
-        <a:lstStyle/>
-        <a:p>
-          <a:endParaRPr lang="zh-TW" altLang="en-US"/>
-        </a:p>
-      </dgm:t>
-    </dgm:pt>
     <dgm:pt modelId="{C9FE2CFE-33B3-428A-A71B-F919C91E56A9}">
       <dgm:prSet phldrT="[文字]" custT="1"/>
       <dgm:spPr/>
@@ -2353,7 +2236,7 @@
         <a:lstStyle/>
         <a:p>
           <a:r>
-            <a:rPr lang="zh-TW" altLang="en-US" sz="1600" dirty="0" smtClean="0">
+            <a:rPr lang="zh-TW" altLang="en-US" sz="1800" dirty="0">
               <a:latin typeface="微軟正黑體" pitchFamily="34" charset="-120"/>
               <a:ea typeface="微軟正黑體" pitchFamily="34" charset="-120"/>
             </a:rPr>
@@ -2392,16 +2275,12 @@
         <a:lstStyle/>
         <a:p>
           <a:r>
-            <a:rPr lang="zh-TW" altLang="en-US" sz="1600" smtClean="0">
+            <a:rPr lang="zh-TW" altLang="en-US" sz="1800" dirty="0">
               <a:latin typeface="微軟正黑體" pitchFamily="34" charset="-120"/>
               <a:ea typeface="微軟正黑體" pitchFamily="34" charset="-120"/>
             </a:rPr>
             <a:t>流浪動物展示</a:t>
           </a:r>
-          <a:endParaRPr lang="zh-TW" altLang="en-US" sz="1600" dirty="0" smtClean="0">
-            <a:latin typeface="微軟正黑體" pitchFamily="34" charset="-120"/>
-            <a:ea typeface="微軟正黑體" pitchFamily="34" charset="-120"/>
-          </a:endParaRPr>
         </a:p>
       </dgm:t>
     </dgm:pt>
@@ -2435,16 +2314,12 @@
         <a:lstStyle/>
         <a:p>
           <a:r>
-            <a:rPr lang="zh-TW" altLang="en-US" sz="1600" smtClean="0">
+            <a:rPr lang="zh-TW" altLang="en-US" sz="1800" dirty="0">
               <a:latin typeface="微軟正黑體" pitchFamily="34" charset="-120"/>
               <a:ea typeface="微軟正黑體" pitchFamily="34" charset="-120"/>
             </a:rPr>
             <a:t>會員通報</a:t>
           </a:r>
-          <a:endParaRPr lang="zh-TW" altLang="en-US" sz="1600" dirty="0" smtClean="0">
-            <a:latin typeface="微軟正黑體" pitchFamily="34" charset="-120"/>
-            <a:ea typeface="微軟正黑體" pitchFamily="34" charset="-120"/>
-          </a:endParaRPr>
         </a:p>
       </dgm:t>
     </dgm:pt>
@@ -2478,13 +2353,13 @@
         <a:lstStyle/>
         <a:p>
           <a:r>
-            <a:rPr lang="zh-TW" altLang="en-US" sz="1600" smtClean="0">
+            <a:rPr lang="zh-TW" altLang="en-US" sz="1800">
               <a:latin typeface="微軟正黑體" pitchFamily="34" charset="-120"/>
               <a:ea typeface="微軟正黑體" pitchFamily="34" charset="-120"/>
             </a:rPr>
             <a:t>會員追蹤管理</a:t>
           </a:r>
-          <a:endParaRPr lang="zh-TW" altLang="en-US" sz="1600" dirty="0" smtClean="0">
+          <a:endParaRPr lang="zh-TW" altLang="en-US" sz="1800" dirty="0">
             <a:latin typeface="微軟正黑體" pitchFamily="34" charset="-120"/>
             <a:ea typeface="微軟正黑體" pitchFamily="34" charset="-120"/>
           </a:endParaRPr>
@@ -2521,13 +2396,13 @@
         <a:lstStyle/>
         <a:p>
           <a:r>
-            <a:rPr lang="zh-TW" altLang="en-US" sz="1600" smtClean="0">
+            <a:rPr lang="zh-TW" altLang="en-US" sz="1800">
               <a:latin typeface="微軟正黑體" pitchFamily="34" charset="-120"/>
               <a:ea typeface="微軟正黑體" pitchFamily="34" charset="-120"/>
             </a:rPr>
             <a:t>會員基本資料</a:t>
           </a:r>
-          <a:endParaRPr lang="zh-TW" altLang="en-US" sz="1600" dirty="0" smtClean="0">
+          <a:endParaRPr lang="zh-TW" altLang="en-US" sz="1800" dirty="0">
             <a:latin typeface="微軟正黑體" pitchFamily="34" charset="-120"/>
             <a:ea typeface="微軟正黑體" pitchFamily="34" charset="-120"/>
           </a:endParaRPr>
@@ -2564,16 +2439,12 @@
         <a:lstStyle/>
         <a:p>
           <a:r>
-            <a:rPr lang="zh-TW" altLang="en-US" sz="1600" smtClean="0">
+            <a:rPr lang="zh-TW" altLang="en-US" sz="1800" dirty="0">
               <a:latin typeface="微軟正黑體" pitchFamily="34" charset="-120"/>
               <a:ea typeface="微軟正黑體" pitchFamily="34" charset="-120"/>
             </a:rPr>
             <a:t>搜尋系統</a:t>
           </a:r>
-          <a:endParaRPr lang="zh-TW" altLang="en-US" sz="1600" dirty="0" smtClean="0">
-            <a:latin typeface="微軟正黑體" pitchFamily="34" charset="-120"/>
-            <a:ea typeface="微軟正黑體" pitchFamily="34" charset="-120"/>
-          </a:endParaRPr>
         </a:p>
       </dgm:t>
     </dgm:pt>
@@ -2607,27 +2478,27 @@
         <a:lstStyle/>
         <a:p>
           <a:r>
-            <a:rPr lang="zh-TW" altLang="en-US" sz="1600" smtClean="0">
+            <a:rPr lang="zh-TW" altLang="en-US" sz="1800">
               <a:latin typeface="微軟正黑體" pitchFamily="34" charset="-120"/>
               <a:ea typeface="微軟正黑體" pitchFamily="34" charset="-120"/>
             </a:rPr>
             <a:t>登入</a:t>
           </a:r>
           <a:r>
-            <a:rPr lang="en-US" altLang="zh-TW" sz="1600" smtClean="0">
+            <a:rPr lang="en-US" altLang="zh-TW" sz="1800">
               <a:latin typeface="微軟正黑體" pitchFamily="34" charset="-120"/>
               <a:ea typeface="微軟正黑體" pitchFamily="34" charset="-120"/>
             </a:rPr>
             <a:t>/</a:t>
           </a:r>
           <a:r>
-            <a:rPr lang="zh-TW" altLang="en-US" sz="1600" smtClean="0">
+            <a:rPr lang="zh-TW" altLang="en-US" sz="1800">
               <a:latin typeface="微軟正黑體" pitchFamily="34" charset="-120"/>
               <a:ea typeface="微軟正黑體" pitchFamily="34" charset="-120"/>
             </a:rPr>
             <a:t>註冊</a:t>
           </a:r>
-          <a:endParaRPr lang="zh-TW" altLang="en-US" sz="1600" dirty="0" smtClean="0">
+          <a:endParaRPr lang="zh-TW" altLang="en-US" sz="1800" dirty="0">
             <a:latin typeface="微軟正黑體" pitchFamily="34" charset="-120"/>
             <a:ea typeface="微軟正黑體" pitchFamily="34" charset="-120"/>
           </a:endParaRPr>
@@ -2668,13 +2539,6 @@
         </dgm:presLayoutVars>
       </dgm:prSet>
       <dgm:spPr/>
-      <dgm:t>
-        <a:bodyPr/>
-        <a:lstStyle/>
-        <a:p>
-          <a:endParaRPr lang="zh-TW" altLang="en-US"/>
-        </a:p>
-      </dgm:t>
     </dgm:pt>
     <dgm:pt modelId="{8AC159B6-ACBE-45C7-B5BD-856E7FF1547A}" type="pres">
       <dgm:prSet presAssocID="{FD751965-2BDC-438B-947B-D07B08C2B1EB}" presName="hierRoot1" presStyleCnt="0">
@@ -2683,24 +2547,10 @@
         </dgm:presLayoutVars>
       </dgm:prSet>
       <dgm:spPr/>
-      <dgm:t>
-        <a:bodyPr/>
-        <a:lstStyle/>
-        <a:p>
-          <a:endParaRPr lang="zh-TW" altLang="en-US"/>
-        </a:p>
-      </dgm:t>
     </dgm:pt>
     <dgm:pt modelId="{7243BD77-DD01-4D35-9163-00750BE4F3FC}" type="pres">
       <dgm:prSet presAssocID="{FD751965-2BDC-438B-947B-D07B08C2B1EB}" presName="rootComposite1" presStyleCnt="0"/>
       <dgm:spPr/>
-      <dgm:t>
-        <a:bodyPr/>
-        <a:lstStyle/>
-        <a:p>
-          <a:endParaRPr lang="zh-TW" altLang="en-US"/>
-        </a:p>
-      </dgm:t>
     </dgm:pt>
     <dgm:pt modelId="{5A39BE46-6F34-4222-95A5-784F3CFF3102}" type="pres">
       <dgm:prSet presAssocID="{FD751965-2BDC-438B-947B-D07B08C2B1EB}" presName="rootText1" presStyleLbl="node0" presStyleIdx="0" presStyleCnt="1">
@@ -2713,46 +2563,18 @@
           <a:avLst/>
         </a:prstGeom>
       </dgm:spPr>
-      <dgm:t>
-        <a:bodyPr/>
-        <a:lstStyle/>
-        <a:p>
-          <a:endParaRPr lang="zh-TW" altLang="en-US"/>
-        </a:p>
-      </dgm:t>
     </dgm:pt>
     <dgm:pt modelId="{B2855A30-360C-47D4-9654-10E3DF27B6CF}" type="pres">
       <dgm:prSet presAssocID="{FD751965-2BDC-438B-947B-D07B08C2B1EB}" presName="rootConnector1" presStyleLbl="node1" presStyleIdx="0" presStyleCnt="0"/>
       <dgm:spPr/>
-      <dgm:t>
-        <a:bodyPr/>
-        <a:lstStyle/>
-        <a:p>
-          <a:endParaRPr lang="zh-TW" altLang="en-US"/>
-        </a:p>
-      </dgm:t>
     </dgm:pt>
     <dgm:pt modelId="{24611BE9-483D-472C-BD40-F21D021997FF}" type="pres">
       <dgm:prSet presAssocID="{FD751965-2BDC-438B-947B-D07B08C2B1EB}" presName="hierChild2" presStyleCnt="0"/>
       <dgm:spPr/>
-      <dgm:t>
-        <a:bodyPr/>
-        <a:lstStyle/>
-        <a:p>
-          <a:endParaRPr lang="zh-TW" altLang="en-US"/>
-        </a:p>
-      </dgm:t>
     </dgm:pt>
     <dgm:pt modelId="{264D0045-93E4-47DA-A38A-DCD39CDED102}" type="pres">
-      <dgm:prSet presAssocID="{6251823C-0D5B-4272-8B95-4BFB4B26389D}" presName="Name37" presStyleLbl="parChTrans1D2" presStyleIdx="0" presStyleCnt="5"/>
+      <dgm:prSet presAssocID="{6251823C-0D5B-4272-8B95-4BFB4B26389D}" presName="Name37" presStyleLbl="parChTrans1D2" presStyleIdx="0" presStyleCnt="4"/>
       <dgm:spPr/>
-      <dgm:t>
-        <a:bodyPr/>
-        <a:lstStyle/>
-        <a:p>
-          <a:endParaRPr lang="zh-TW" altLang="en-US"/>
-        </a:p>
-      </dgm:t>
     </dgm:pt>
     <dgm:pt modelId="{2984EB87-602A-4DC0-A823-FD478059F14B}" type="pres">
       <dgm:prSet presAssocID="{D7134094-D23B-4867-B1C0-8B467B464B57}" presName="hierRoot2" presStyleCnt="0">
@@ -2761,72 +2583,30 @@
         </dgm:presLayoutVars>
       </dgm:prSet>
       <dgm:spPr/>
-      <dgm:t>
-        <a:bodyPr/>
-        <a:lstStyle/>
-        <a:p>
-          <a:endParaRPr lang="zh-TW" altLang="en-US"/>
-        </a:p>
-      </dgm:t>
     </dgm:pt>
     <dgm:pt modelId="{662999E0-654C-44CD-BBDF-74DB5D114AF1}" type="pres">
       <dgm:prSet presAssocID="{D7134094-D23B-4867-B1C0-8B467B464B57}" presName="rootComposite" presStyleCnt="0"/>
       <dgm:spPr/>
-      <dgm:t>
-        <a:bodyPr/>
-        <a:lstStyle/>
-        <a:p>
-          <a:endParaRPr lang="zh-TW" altLang="en-US"/>
-        </a:p>
-      </dgm:t>
     </dgm:pt>
     <dgm:pt modelId="{7A8C1E97-CAEA-4C10-A3BA-F2C556BACFE7}" type="pres">
-      <dgm:prSet presAssocID="{D7134094-D23B-4867-B1C0-8B467B464B57}" presName="rootText" presStyleLbl="node2" presStyleIdx="0" presStyleCnt="5">
+      <dgm:prSet presAssocID="{D7134094-D23B-4867-B1C0-8B467B464B57}" presName="rootText" presStyleLbl="node2" presStyleIdx="0" presStyleCnt="4">
         <dgm:presLayoutVars>
           <dgm:chPref val="3"/>
         </dgm:presLayoutVars>
       </dgm:prSet>
       <dgm:spPr/>
-      <dgm:t>
-        <a:bodyPr/>
-        <a:lstStyle/>
-        <a:p>
-          <a:endParaRPr lang="zh-TW" altLang="en-US"/>
-        </a:p>
-      </dgm:t>
     </dgm:pt>
     <dgm:pt modelId="{37A92CAB-72B8-4C79-B2CB-E86DAEEDC8C4}" type="pres">
-      <dgm:prSet presAssocID="{D7134094-D23B-4867-B1C0-8B467B464B57}" presName="rootConnector" presStyleLbl="node2" presStyleIdx="0" presStyleCnt="5"/>
+      <dgm:prSet presAssocID="{D7134094-D23B-4867-B1C0-8B467B464B57}" presName="rootConnector" presStyleLbl="node2" presStyleIdx="0" presStyleCnt="4"/>
       <dgm:spPr/>
-      <dgm:t>
-        <a:bodyPr/>
-        <a:lstStyle/>
-        <a:p>
-          <a:endParaRPr lang="zh-TW" altLang="en-US"/>
-        </a:p>
-      </dgm:t>
     </dgm:pt>
     <dgm:pt modelId="{9DC34CED-2A20-4D0A-AF2E-3CE2E8959EE6}" type="pres">
       <dgm:prSet presAssocID="{D7134094-D23B-4867-B1C0-8B467B464B57}" presName="hierChild4" presStyleCnt="0"/>
       <dgm:spPr/>
-      <dgm:t>
-        <a:bodyPr/>
-        <a:lstStyle/>
-        <a:p>
-          <a:endParaRPr lang="zh-TW" altLang="en-US"/>
-        </a:p>
-      </dgm:t>
     </dgm:pt>
     <dgm:pt modelId="{FC29A3EE-7F43-4509-8DFC-D59B745502B1}" type="pres">
-      <dgm:prSet presAssocID="{8A06145A-C8D0-49A6-B1D3-0BBAF37DD652}" presName="Name37" presStyleLbl="parChTrans1D3" presStyleIdx="0" presStyleCnt="9"/>
+      <dgm:prSet presAssocID="{8A06145A-C8D0-49A6-B1D3-0BBAF37DD652}" presName="Name37" presStyleLbl="parChTrans1D3" presStyleIdx="0" presStyleCnt="8"/>
       <dgm:spPr/>
-      <dgm:t>
-        <a:bodyPr/>
-        <a:lstStyle/>
-        <a:p>
-          <a:endParaRPr lang="zh-TW" altLang="en-US"/>
-        </a:p>
-      </dgm:t>
     </dgm:pt>
     <dgm:pt modelId="{26A1108C-6627-4609-87E8-A97D535A9031}" type="pres">
       <dgm:prSet presAssocID="{627DF427-CD0D-4E70-878D-4AA51C8A005C}" presName="hierRoot2" presStyleCnt="0">
@@ -2835,27 +2615,13 @@
         </dgm:presLayoutVars>
       </dgm:prSet>
       <dgm:spPr/>
-      <dgm:t>
-        <a:bodyPr/>
-        <a:lstStyle/>
-        <a:p>
-          <a:endParaRPr lang="zh-TW" altLang="en-US"/>
-        </a:p>
-      </dgm:t>
     </dgm:pt>
     <dgm:pt modelId="{3233993E-D6B3-4284-A97D-ABA92CDFE34C}" type="pres">
       <dgm:prSet presAssocID="{627DF427-CD0D-4E70-878D-4AA51C8A005C}" presName="rootComposite" presStyleCnt="0"/>
       <dgm:spPr/>
-      <dgm:t>
-        <a:bodyPr/>
-        <a:lstStyle/>
-        <a:p>
-          <a:endParaRPr lang="zh-TW" altLang="en-US"/>
-        </a:p>
-      </dgm:t>
     </dgm:pt>
     <dgm:pt modelId="{58F8D231-E10A-4891-BA3A-DF6162AC1084}" type="pres">
-      <dgm:prSet presAssocID="{627DF427-CD0D-4E70-878D-4AA51C8A005C}" presName="rootText" presStyleLbl="node3" presStyleIdx="0" presStyleCnt="9" custScaleX="90909" custScaleY="90909" custLinFactNeighborX="-2829" custLinFactNeighborY="-11368">
+      <dgm:prSet presAssocID="{627DF427-CD0D-4E70-878D-4AA51C8A005C}" presName="rootText" presStyleLbl="node3" presStyleIdx="0" presStyleCnt="8" custScaleX="90909" custScaleY="90909" custLinFactNeighborX="-2829" custLinFactNeighborY="-11368">
         <dgm:presLayoutVars>
           <dgm:chPref val="3"/>
         </dgm:presLayoutVars>
@@ -2865,68 +2631,26 @@
           <a:avLst/>
         </a:prstGeom>
       </dgm:spPr>
-      <dgm:t>
-        <a:bodyPr/>
-        <a:lstStyle/>
-        <a:p>
-          <a:endParaRPr lang="zh-TW" altLang="en-US"/>
-        </a:p>
-      </dgm:t>
     </dgm:pt>
     <dgm:pt modelId="{3050518C-0F47-41E1-9EEA-562169427DA0}" type="pres">
-      <dgm:prSet presAssocID="{627DF427-CD0D-4E70-878D-4AA51C8A005C}" presName="rootConnector" presStyleLbl="node3" presStyleIdx="0" presStyleCnt="9"/>
+      <dgm:prSet presAssocID="{627DF427-CD0D-4E70-878D-4AA51C8A005C}" presName="rootConnector" presStyleLbl="node3" presStyleIdx="0" presStyleCnt="8"/>
       <dgm:spPr/>
-      <dgm:t>
-        <a:bodyPr/>
-        <a:lstStyle/>
-        <a:p>
-          <a:endParaRPr lang="zh-TW" altLang="en-US"/>
-        </a:p>
-      </dgm:t>
     </dgm:pt>
     <dgm:pt modelId="{E07C6937-2954-4B05-B110-CF5627639A9E}" type="pres">
       <dgm:prSet presAssocID="{627DF427-CD0D-4E70-878D-4AA51C8A005C}" presName="hierChild4" presStyleCnt="0"/>
       <dgm:spPr/>
-      <dgm:t>
-        <a:bodyPr/>
-        <a:lstStyle/>
-        <a:p>
-          <a:endParaRPr lang="zh-TW" altLang="en-US"/>
-        </a:p>
-      </dgm:t>
     </dgm:pt>
     <dgm:pt modelId="{BA5FEC8A-9A01-4C9E-8D72-73CE910D760E}" type="pres">
       <dgm:prSet presAssocID="{627DF427-CD0D-4E70-878D-4AA51C8A005C}" presName="hierChild5" presStyleCnt="0"/>
       <dgm:spPr/>
-      <dgm:t>
-        <a:bodyPr/>
-        <a:lstStyle/>
-        <a:p>
-          <a:endParaRPr lang="zh-TW" altLang="en-US"/>
-        </a:p>
-      </dgm:t>
     </dgm:pt>
     <dgm:pt modelId="{7CC7C91D-C99F-4E49-A056-D34A87082114}" type="pres">
       <dgm:prSet presAssocID="{D7134094-D23B-4867-B1C0-8B467B464B57}" presName="hierChild5" presStyleCnt="0"/>
       <dgm:spPr/>
-      <dgm:t>
-        <a:bodyPr/>
-        <a:lstStyle/>
-        <a:p>
-          <a:endParaRPr lang="zh-TW" altLang="en-US"/>
-        </a:p>
-      </dgm:t>
     </dgm:pt>
     <dgm:pt modelId="{F87E183A-7BB0-4B2A-A2A7-CBA8E8BFBD21}" type="pres">
-      <dgm:prSet presAssocID="{27320119-E80F-4162-8F3A-3CB8909E795C}" presName="Name37" presStyleLbl="parChTrans1D2" presStyleIdx="1" presStyleCnt="5"/>
+      <dgm:prSet presAssocID="{27320119-E80F-4162-8F3A-3CB8909E795C}" presName="Name37" presStyleLbl="parChTrans1D2" presStyleIdx="1" presStyleCnt="4"/>
       <dgm:spPr/>
-      <dgm:t>
-        <a:bodyPr/>
-        <a:lstStyle/>
-        <a:p>
-          <a:endParaRPr lang="zh-TW" altLang="en-US"/>
-        </a:p>
-      </dgm:t>
     </dgm:pt>
     <dgm:pt modelId="{2D403463-579A-4DD2-A2C0-39A7870FB4C5}" type="pres">
       <dgm:prSet presAssocID="{065C42A1-F9DA-4035-B731-3CDB539A67E7}" presName="hierRoot2" presStyleCnt="0">
@@ -2935,72 +2659,30 @@
         </dgm:presLayoutVars>
       </dgm:prSet>
       <dgm:spPr/>
-      <dgm:t>
-        <a:bodyPr/>
-        <a:lstStyle/>
-        <a:p>
-          <a:endParaRPr lang="zh-TW" altLang="en-US"/>
-        </a:p>
-      </dgm:t>
     </dgm:pt>
     <dgm:pt modelId="{ADCD8B51-F890-4A94-9462-9589C842B78D}" type="pres">
       <dgm:prSet presAssocID="{065C42A1-F9DA-4035-B731-3CDB539A67E7}" presName="rootComposite" presStyleCnt="0"/>
       <dgm:spPr/>
-      <dgm:t>
-        <a:bodyPr/>
-        <a:lstStyle/>
-        <a:p>
-          <a:endParaRPr lang="zh-TW" altLang="en-US"/>
-        </a:p>
-      </dgm:t>
     </dgm:pt>
     <dgm:pt modelId="{3C742D52-E814-4314-AE86-D431494B2FD6}" type="pres">
-      <dgm:prSet presAssocID="{065C42A1-F9DA-4035-B731-3CDB539A67E7}" presName="rootText" presStyleLbl="node2" presStyleIdx="1" presStyleCnt="5">
+      <dgm:prSet presAssocID="{065C42A1-F9DA-4035-B731-3CDB539A67E7}" presName="rootText" presStyleLbl="node2" presStyleIdx="1" presStyleCnt="4">
         <dgm:presLayoutVars>
           <dgm:chPref val="3"/>
         </dgm:presLayoutVars>
       </dgm:prSet>
       <dgm:spPr/>
-      <dgm:t>
-        <a:bodyPr/>
-        <a:lstStyle/>
-        <a:p>
-          <a:endParaRPr lang="zh-TW" altLang="en-US"/>
-        </a:p>
-      </dgm:t>
     </dgm:pt>
     <dgm:pt modelId="{BA564F73-3FDB-4C3A-9837-45278937B477}" type="pres">
-      <dgm:prSet presAssocID="{065C42A1-F9DA-4035-B731-3CDB539A67E7}" presName="rootConnector" presStyleLbl="node2" presStyleIdx="1" presStyleCnt="5"/>
+      <dgm:prSet presAssocID="{065C42A1-F9DA-4035-B731-3CDB539A67E7}" presName="rootConnector" presStyleLbl="node2" presStyleIdx="1" presStyleCnt="4"/>
       <dgm:spPr/>
-      <dgm:t>
-        <a:bodyPr/>
-        <a:lstStyle/>
-        <a:p>
-          <a:endParaRPr lang="zh-TW" altLang="en-US"/>
-        </a:p>
-      </dgm:t>
     </dgm:pt>
     <dgm:pt modelId="{B33964C7-964E-46CA-8B94-1DDD6C21ED94}" type="pres">
       <dgm:prSet presAssocID="{065C42A1-F9DA-4035-B731-3CDB539A67E7}" presName="hierChild4" presStyleCnt="0"/>
       <dgm:spPr/>
-      <dgm:t>
-        <a:bodyPr/>
-        <a:lstStyle/>
-        <a:p>
-          <a:endParaRPr lang="zh-TW" altLang="en-US"/>
-        </a:p>
-      </dgm:t>
     </dgm:pt>
     <dgm:pt modelId="{D686A4DD-0432-408F-BE4B-506D71F04291}" type="pres">
-      <dgm:prSet presAssocID="{03092E38-7CE8-4281-AACE-C88713121475}" presName="Name37" presStyleLbl="parChTrans1D3" presStyleIdx="1" presStyleCnt="9"/>
+      <dgm:prSet presAssocID="{03092E38-7CE8-4281-AACE-C88713121475}" presName="Name37" presStyleLbl="parChTrans1D3" presStyleIdx="1" presStyleCnt="8"/>
       <dgm:spPr/>
-      <dgm:t>
-        <a:bodyPr/>
-        <a:lstStyle/>
-        <a:p>
-          <a:endParaRPr lang="zh-TW" altLang="en-US"/>
-        </a:p>
-      </dgm:t>
     </dgm:pt>
     <dgm:pt modelId="{9D10307E-4BCF-460D-9EE9-C2EFD9AE6BFA}" type="pres">
       <dgm:prSet presAssocID="{7E6144F2-4DD5-477A-91C4-5DC6A2AE156A}" presName="hierRoot2" presStyleCnt="0">
@@ -3009,27 +2691,13 @@
         </dgm:presLayoutVars>
       </dgm:prSet>
       <dgm:spPr/>
-      <dgm:t>
-        <a:bodyPr/>
-        <a:lstStyle/>
-        <a:p>
-          <a:endParaRPr lang="zh-TW" altLang="en-US"/>
-        </a:p>
-      </dgm:t>
     </dgm:pt>
     <dgm:pt modelId="{AAAB48D1-35FC-4D90-AFD9-48023E589FA0}" type="pres">
       <dgm:prSet presAssocID="{7E6144F2-4DD5-477A-91C4-5DC6A2AE156A}" presName="rootComposite" presStyleCnt="0"/>
       <dgm:spPr/>
-      <dgm:t>
-        <a:bodyPr/>
-        <a:lstStyle/>
-        <a:p>
-          <a:endParaRPr lang="zh-TW" altLang="en-US"/>
-        </a:p>
-      </dgm:t>
     </dgm:pt>
     <dgm:pt modelId="{FAF4249F-74CB-4177-B266-42B3F35A48EF}" type="pres">
-      <dgm:prSet presAssocID="{7E6144F2-4DD5-477A-91C4-5DC6A2AE156A}" presName="rootText" presStyleLbl="node3" presStyleIdx="1" presStyleCnt="9" custScaleX="90909" custScaleY="90909" custLinFactNeighborX="-2240" custLinFactNeighborY="-11198">
+      <dgm:prSet presAssocID="{7E6144F2-4DD5-477A-91C4-5DC6A2AE156A}" presName="rootText" presStyleLbl="node3" presStyleIdx="1" presStyleCnt="8" custScaleX="90909" custScaleY="90909" custLinFactNeighborX="-2240" custLinFactNeighborY="-11198">
         <dgm:presLayoutVars>
           <dgm:chPref val="3"/>
         </dgm:presLayoutVars>
@@ -3039,57 +2707,22 @@
           <a:avLst/>
         </a:prstGeom>
       </dgm:spPr>
-      <dgm:t>
-        <a:bodyPr/>
-        <a:lstStyle/>
-        <a:p>
-          <a:endParaRPr lang="zh-TW" altLang="en-US"/>
-        </a:p>
-      </dgm:t>
     </dgm:pt>
     <dgm:pt modelId="{D3519E94-C413-4BF1-B8EA-1755D9E51015}" type="pres">
-      <dgm:prSet presAssocID="{7E6144F2-4DD5-477A-91C4-5DC6A2AE156A}" presName="rootConnector" presStyleLbl="node3" presStyleIdx="1" presStyleCnt="9"/>
+      <dgm:prSet presAssocID="{7E6144F2-4DD5-477A-91C4-5DC6A2AE156A}" presName="rootConnector" presStyleLbl="node3" presStyleIdx="1" presStyleCnt="8"/>
       <dgm:spPr/>
-      <dgm:t>
-        <a:bodyPr/>
-        <a:lstStyle/>
-        <a:p>
-          <a:endParaRPr lang="zh-TW" altLang="en-US"/>
-        </a:p>
-      </dgm:t>
     </dgm:pt>
     <dgm:pt modelId="{55EF27D3-3FC2-4CDD-A613-B64A5E32049F}" type="pres">
       <dgm:prSet presAssocID="{7E6144F2-4DD5-477A-91C4-5DC6A2AE156A}" presName="hierChild4" presStyleCnt="0"/>
       <dgm:spPr/>
-      <dgm:t>
-        <a:bodyPr/>
-        <a:lstStyle/>
-        <a:p>
-          <a:endParaRPr lang="zh-TW" altLang="en-US"/>
-        </a:p>
-      </dgm:t>
     </dgm:pt>
     <dgm:pt modelId="{B56A1FDD-4E81-4C7C-BAF2-57E75754FBD8}" type="pres">
       <dgm:prSet presAssocID="{7E6144F2-4DD5-477A-91C4-5DC6A2AE156A}" presName="hierChild5" presStyleCnt="0"/>
       <dgm:spPr/>
-      <dgm:t>
-        <a:bodyPr/>
-        <a:lstStyle/>
-        <a:p>
-          <a:endParaRPr lang="zh-TW" altLang="en-US"/>
-        </a:p>
-      </dgm:t>
     </dgm:pt>
     <dgm:pt modelId="{5A91E01C-0B7A-4F13-BC3B-4EE50BCB126E}" type="pres">
-      <dgm:prSet presAssocID="{8EDF0F6A-29B5-416B-9345-20D833EBE4C6}" presName="Name37" presStyleLbl="parChTrans1D3" presStyleIdx="2" presStyleCnt="9"/>
+      <dgm:prSet presAssocID="{8EDF0F6A-29B5-416B-9345-20D833EBE4C6}" presName="Name37" presStyleLbl="parChTrans1D3" presStyleIdx="2" presStyleCnt="8"/>
       <dgm:spPr/>
-      <dgm:t>
-        <a:bodyPr/>
-        <a:lstStyle/>
-        <a:p>
-          <a:endParaRPr lang="zh-TW" altLang="en-US"/>
-        </a:p>
-      </dgm:t>
     </dgm:pt>
     <dgm:pt modelId="{8BD94E4D-C05B-4B7D-8485-D2E2BB74F37A}" type="pres">
       <dgm:prSet presAssocID="{DE7543DB-7592-4EAD-8AF5-4D870EDC4FEF}" presName="hierRoot2" presStyleCnt="0">
@@ -3098,27 +2731,13 @@
         </dgm:presLayoutVars>
       </dgm:prSet>
       <dgm:spPr/>
-      <dgm:t>
-        <a:bodyPr/>
-        <a:lstStyle/>
-        <a:p>
-          <a:endParaRPr lang="zh-TW" altLang="en-US"/>
-        </a:p>
-      </dgm:t>
     </dgm:pt>
     <dgm:pt modelId="{1A3619AF-948D-4ACA-85CE-8A4BADA45624}" type="pres">
       <dgm:prSet presAssocID="{DE7543DB-7592-4EAD-8AF5-4D870EDC4FEF}" presName="rootComposite" presStyleCnt="0"/>
       <dgm:spPr/>
-      <dgm:t>
-        <a:bodyPr/>
-        <a:lstStyle/>
-        <a:p>
-          <a:endParaRPr lang="zh-TW" altLang="en-US"/>
-        </a:p>
-      </dgm:t>
     </dgm:pt>
     <dgm:pt modelId="{8780EF36-5FF2-42AC-B5DF-0A83BD959276}" type="pres">
-      <dgm:prSet presAssocID="{DE7543DB-7592-4EAD-8AF5-4D870EDC4FEF}" presName="rootText" presStyleLbl="node3" presStyleIdx="2" presStyleCnt="9" custScaleX="90909" custScaleY="90909" custLinFactNeighborX="-560" custLinFactNeighborY="-30240">
+      <dgm:prSet presAssocID="{DE7543DB-7592-4EAD-8AF5-4D870EDC4FEF}" presName="rootText" presStyleLbl="node3" presStyleIdx="2" presStyleCnt="8" custScaleX="90909" custScaleY="90909" custLinFactNeighborX="-560" custLinFactNeighborY="-30240">
         <dgm:presLayoutVars>
           <dgm:chPref val="3"/>
         </dgm:presLayoutVars>
@@ -3128,57 +2747,22 @@
           <a:avLst/>
         </a:prstGeom>
       </dgm:spPr>
-      <dgm:t>
-        <a:bodyPr/>
-        <a:lstStyle/>
-        <a:p>
-          <a:endParaRPr lang="zh-TW" altLang="en-US"/>
-        </a:p>
-      </dgm:t>
     </dgm:pt>
     <dgm:pt modelId="{27DB3943-37A0-4E9E-AD70-035EC189E8B8}" type="pres">
-      <dgm:prSet presAssocID="{DE7543DB-7592-4EAD-8AF5-4D870EDC4FEF}" presName="rootConnector" presStyleLbl="node3" presStyleIdx="2" presStyleCnt="9"/>
+      <dgm:prSet presAssocID="{DE7543DB-7592-4EAD-8AF5-4D870EDC4FEF}" presName="rootConnector" presStyleLbl="node3" presStyleIdx="2" presStyleCnt="8"/>
       <dgm:spPr/>
-      <dgm:t>
-        <a:bodyPr/>
-        <a:lstStyle/>
-        <a:p>
-          <a:endParaRPr lang="zh-TW" altLang="en-US"/>
-        </a:p>
-      </dgm:t>
     </dgm:pt>
     <dgm:pt modelId="{33C41E20-74CA-47B9-B2F3-790C847B7C0F}" type="pres">
       <dgm:prSet presAssocID="{DE7543DB-7592-4EAD-8AF5-4D870EDC4FEF}" presName="hierChild4" presStyleCnt="0"/>
       <dgm:spPr/>
-      <dgm:t>
-        <a:bodyPr/>
-        <a:lstStyle/>
-        <a:p>
-          <a:endParaRPr lang="zh-TW" altLang="en-US"/>
-        </a:p>
-      </dgm:t>
     </dgm:pt>
     <dgm:pt modelId="{431C821B-18FA-48D0-BC34-E83B4F66F624}" type="pres">
       <dgm:prSet presAssocID="{DE7543DB-7592-4EAD-8AF5-4D870EDC4FEF}" presName="hierChild5" presStyleCnt="0"/>
       <dgm:spPr/>
-      <dgm:t>
-        <a:bodyPr/>
-        <a:lstStyle/>
-        <a:p>
-          <a:endParaRPr lang="zh-TW" altLang="en-US"/>
-        </a:p>
-      </dgm:t>
     </dgm:pt>
     <dgm:pt modelId="{43DDFD52-ABBA-4B36-9E55-C7B224745957}" type="pres">
-      <dgm:prSet presAssocID="{5318C7FD-06A4-4388-B613-2F342972AB53}" presName="Name37" presStyleLbl="parChTrans1D3" presStyleIdx="3" presStyleCnt="9"/>
+      <dgm:prSet presAssocID="{5318C7FD-06A4-4388-B613-2F342972AB53}" presName="Name37" presStyleLbl="parChTrans1D3" presStyleIdx="3" presStyleCnt="8"/>
       <dgm:spPr/>
-      <dgm:t>
-        <a:bodyPr/>
-        <a:lstStyle/>
-        <a:p>
-          <a:endParaRPr lang="zh-TW" altLang="en-US"/>
-        </a:p>
-      </dgm:t>
     </dgm:pt>
     <dgm:pt modelId="{D14065F6-BC0E-4C55-A0EA-E71CDB20B8A7}" type="pres">
       <dgm:prSet presAssocID="{E9CAD86E-CB21-46CE-B94B-22D35AC3A8BF}" presName="hierRoot2" presStyleCnt="0">
@@ -3187,27 +2771,13 @@
         </dgm:presLayoutVars>
       </dgm:prSet>
       <dgm:spPr/>
-      <dgm:t>
-        <a:bodyPr/>
-        <a:lstStyle/>
-        <a:p>
-          <a:endParaRPr lang="zh-TW" altLang="en-US"/>
-        </a:p>
-      </dgm:t>
     </dgm:pt>
     <dgm:pt modelId="{204EEF18-0D06-4737-8DC8-6559E3A51C59}" type="pres">
       <dgm:prSet presAssocID="{E9CAD86E-CB21-46CE-B94B-22D35AC3A8BF}" presName="rootComposite" presStyleCnt="0"/>
       <dgm:spPr/>
-      <dgm:t>
-        <a:bodyPr/>
-        <a:lstStyle/>
-        <a:p>
-          <a:endParaRPr lang="zh-TW" altLang="en-US"/>
-        </a:p>
-      </dgm:t>
     </dgm:pt>
     <dgm:pt modelId="{21014A0C-7FC5-40B0-B906-E20543D43CA2}" type="pres">
-      <dgm:prSet presAssocID="{E9CAD86E-CB21-46CE-B94B-22D35AC3A8BF}" presName="rootText" presStyleLbl="node3" presStyleIdx="3" presStyleCnt="9" custScaleX="90909" custScaleY="90909" custLinFactNeighborX="-560" custLinFactNeighborY="-47040">
+      <dgm:prSet presAssocID="{E9CAD86E-CB21-46CE-B94B-22D35AC3A8BF}" presName="rootText" presStyleLbl="node3" presStyleIdx="3" presStyleCnt="8" custScaleX="90909" custScaleY="90909" custLinFactNeighborX="-560" custLinFactNeighborY="-47040">
         <dgm:presLayoutVars>
           <dgm:chPref val="3"/>
         </dgm:presLayoutVars>
@@ -3217,68 +2787,26 @@
           <a:avLst/>
         </a:prstGeom>
       </dgm:spPr>
-      <dgm:t>
-        <a:bodyPr/>
-        <a:lstStyle/>
-        <a:p>
-          <a:endParaRPr lang="zh-TW" altLang="en-US"/>
-        </a:p>
-      </dgm:t>
     </dgm:pt>
     <dgm:pt modelId="{C3A3E138-5EB8-42D0-BB9B-5CF8E78410A5}" type="pres">
-      <dgm:prSet presAssocID="{E9CAD86E-CB21-46CE-B94B-22D35AC3A8BF}" presName="rootConnector" presStyleLbl="node3" presStyleIdx="3" presStyleCnt="9"/>
+      <dgm:prSet presAssocID="{E9CAD86E-CB21-46CE-B94B-22D35AC3A8BF}" presName="rootConnector" presStyleLbl="node3" presStyleIdx="3" presStyleCnt="8"/>
       <dgm:spPr/>
-      <dgm:t>
-        <a:bodyPr/>
-        <a:lstStyle/>
-        <a:p>
-          <a:endParaRPr lang="zh-TW" altLang="en-US"/>
-        </a:p>
-      </dgm:t>
     </dgm:pt>
     <dgm:pt modelId="{B85AD854-E1E8-4ECE-A957-90FC0BCF3AF4}" type="pres">
       <dgm:prSet presAssocID="{E9CAD86E-CB21-46CE-B94B-22D35AC3A8BF}" presName="hierChild4" presStyleCnt="0"/>
       <dgm:spPr/>
-      <dgm:t>
-        <a:bodyPr/>
-        <a:lstStyle/>
-        <a:p>
-          <a:endParaRPr lang="zh-TW" altLang="en-US"/>
-        </a:p>
-      </dgm:t>
     </dgm:pt>
     <dgm:pt modelId="{E3382F51-BB61-478E-A15B-47D01B16C67C}" type="pres">
       <dgm:prSet presAssocID="{E9CAD86E-CB21-46CE-B94B-22D35AC3A8BF}" presName="hierChild5" presStyleCnt="0"/>
       <dgm:spPr/>
-      <dgm:t>
-        <a:bodyPr/>
-        <a:lstStyle/>
-        <a:p>
-          <a:endParaRPr lang="zh-TW" altLang="en-US"/>
-        </a:p>
-      </dgm:t>
     </dgm:pt>
     <dgm:pt modelId="{FF726E40-0A94-4BA6-8EC7-DB378912463F}" type="pres">
       <dgm:prSet presAssocID="{065C42A1-F9DA-4035-B731-3CDB539A67E7}" presName="hierChild5" presStyleCnt="0"/>
       <dgm:spPr/>
-      <dgm:t>
-        <a:bodyPr/>
-        <a:lstStyle/>
-        <a:p>
-          <a:endParaRPr lang="zh-TW" altLang="en-US"/>
-        </a:p>
-      </dgm:t>
     </dgm:pt>
     <dgm:pt modelId="{A1DE884E-05B8-4BDA-8B97-EB107522A13B}" type="pres">
-      <dgm:prSet presAssocID="{74A45DA7-6203-427C-95E6-97496B209C6A}" presName="Name37" presStyleLbl="parChTrans1D2" presStyleIdx="2" presStyleCnt="5"/>
+      <dgm:prSet presAssocID="{74A45DA7-6203-427C-95E6-97496B209C6A}" presName="Name37" presStyleLbl="parChTrans1D2" presStyleIdx="2" presStyleCnt="4"/>
       <dgm:spPr/>
-      <dgm:t>
-        <a:bodyPr/>
-        <a:lstStyle/>
-        <a:p>
-          <a:endParaRPr lang="zh-TW" altLang="en-US"/>
-        </a:p>
-      </dgm:t>
     </dgm:pt>
     <dgm:pt modelId="{F191BDBE-142C-47E2-9354-8844F32E188C}" type="pres">
       <dgm:prSet presAssocID="{6CA09A5E-B8A0-4A71-ADD4-346908CF8A6E}" presName="hierRoot2" presStyleCnt="0">
@@ -3287,72 +2815,30 @@
         </dgm:presLayoutVars>
       </dgm:prSet>
       <dgm:spPr/>
-      <dgm:t>
-        <a:bodyPr/>
-        <a:lstStyle/>
-        <a:p>
-          <a:endParaRPr lang="zh-TW" altLang="en-US"/>
-        </a:p>
-      </dgm:t>
     </dgm:pt>
     <dgm:pt modelId="{84E7BC7C-8A20-4327-9335-CAB66C72CA4B}" type="pres">
       <dgm:prSet presAssocID="{6CA09A5E-B8A0-4A71-ADD4-346908CF8A6E}" presName="rootComposite" presStyleCnt="0"/>
       <dgm:spPr/>
-      <dgm:t>
-        <a:bodyPr/>
-        <a:lstStyle/>
-        <a:p>
-          <a:endParaRPr lang="zh-TW" altLang="en-US"/>
-        </a:p>
-      </dgm:t>
     </dgm:pt>
     <dgm:pt modelId="{F7DE2FBB-2B3A-4552-868C-42F64B9B986F}" type="pres">
-      <dgm:prSet presAssocID="{6CA09A5E-B8A0-4A71-ADD4-346908CF8A6E}" presName="rootText" presStyleLbl="node2" presStyleIdx="2" presStyleCnt="5">
+      <dgm:prSet presAssocID="{6CA09A5E-B8A0-4A71-ADD4-346908CF8A6E}" presName="rootText" presStyleLbl="node2" presStyleIdx="2" presStyleCnt="4">
         <dgm:presLayoutVars>
           <dgm:chPref val="3"/>
         </dgm:presLayoutVars>
       </dgm:prSet>
       <dgm:spPr/>
-      <dgm:t>
-        <a:bodyPr/>
-        <a:lstStyle/>
-        <a:p>
-          <a:endParaRPr lang="zh-TW" altLang="en-US"/>
-        </a:p>
-      </dgm:t>
     </dgm:pt>
     <dgm:pt modelId="{833ADFAF-9E72-4045-B33C-ECE4CF3FA42D}" type="pres">
-      <dgm:prSet presAssocID="{6CA09A5E-B8A0-4A71-ADD4-346908CF8A6E}" presName="rootConnector" presStyleLbl="node2" presStyleIdx="2" presStyleCnt="5"/>
+      <dgm:prSet presAssocID="{6CA09A5E-B8A0-4A71-ADD4-346908CF8A6E}" presName="rootConnector" presStyleLbl="node2" presStyleIdx="2" presStyleCnt="4"/>
       <dgm:spPr/>
-      <dgm:t>
-        <a:bodyPr/>
-        <a:lstStyle/>
-        <a:p>
-          <a:endParaRPr lang="zh-TW" altLang="en-US"/>
-        </a:p>
-      </dgm:t>
     </dgm:pt>
     <dgm:pt modelId="{DFAFD2E4-F66A-4151-9AFC-CA9182B3F0BC}" type="pres">
       <dgm:prSet presAssocID="{6CA09A5E-B8A0-4A71-ADD4-346908CF8A6E}" presName="hierChild4" presStyleCnt="0"/>
       <dgm:spPr/>
-      <dgm:t>
-        <a:bodyPr/>
-        <a:lstStyle/>
-        <a:p>
-          <a:endParaRPr lang="zh-TW" altLang="en-US"/>
-        </a:p>
-      </dgm:t>
     </dgm:pt>
     <dgm:pt modelId="{93BC48DE-105A-41DD-8BF6-6040C58E9A13}" type="pres">
-      <dgm:prSet presAssocID="{F4571858-FC3A-4093-B8F7-1E141991EFC7}" presName="Name37" presStyleLbl="parChTrans1D3" presStyleIdx="4" presStyleCnt="9"/>
+      <dgm:prSet presAssocID="{F4571858-FC3A-4093-B8F7-1E141991EFC7}" presName="Name37" presStyleLbl="parChTrans1D3" presStyleIdx="4" presStyleCnt="8"/>
       <dgm:spPr/>
-      <dgm:t>
-        <a:bodyPr/>
-        <a:lstStyle/>
-        <a:p>
-          <a:endParaRPr lang="zh-TW" altLang="en-US"/>
-        </a:p>
-      </dgm:t>
     </dgm:pt>
     <dgm:pt modelId="{6DDEA65B-5ED7-4676-8323-CE36C098682B}" type="pres">
       <dgm:prSet presAssocID="{C9FE2CFE-33B3-428A-A71B-F919C91E56A9}" presName="hierRoot2" presStyleCnt="0">
@@ -3361,27 +2847,13 @@
         </dgm:presLayoutVars>
       </dgm:prSet>
       <dgm:spPr/>
-      <dgm:t>
-        <a:bodyPr/>
-        <a:lstStyle/>
-        <a:p>
-          <a:endParaRPr lang="zh-TW" altLang="en-US"/>
-        </a:p>
-      </dgm:t>
     </dgm:pt>
     <dgm:pt modelId="{5B631370-FEF1-4C4A-AD37-5908FE7D56A4}" type="pres">
       <dgm:prSet presAssocID="{C9FE2CFE-33B3-428A-A71B-F919C91E56A9}" presName="rootComposite" presStyleCnt="0"/>
       <dgm:spPr/>
-      <dgm:t>
-        <a:bodyPr/>
-        <a:lstStyle/>
-        <a:p>
-          <a:endParaRPr lang="zh-TW" altLang="en-US"/>
-        </a:p>
-      </dgm:t>
     </dgm:pt>
     <dgm:pt modelId="{3325CEB1-74F3-47EA-9103-89A74C3BFD21}" type="pres">
-      <dgm:prSet presAssocID="{C9FE2CFE-33B3-428A-A71B-F919C91E56A9}" presName="rootText" presStyleLbl="node3" presStyleIdx="4" presStyleCnt="9" custScaleX="90909" custScaleY="90909" custLinFactNeighborY="-10080">
+      <dgm:prSet presAssocID="{C9FE2CFE-33B3-428A-A71B-F919C91E56A9}" presName="rootText" presStyleLbl="node3" presStyleIdx="4" presStyleCnt="8" custScaleX="90909" custScaleY="90909" custLinFactNeighborY="-10080">
         <dgm:presLayoutVars>
           <dgm:chPref val="3"/>
         </dgm:presLayoutVars>
@@ -3391,68 +2863,26 @@
           <a:avLst/>
         </a:prstGeom>
       </dgm:spPr>
-      <dgm:t>
-        <a:bodyPr/>
-        <a:lstStyle/>
-        <a:p>
-          <a:endParaRPr lang="zh-TW" altLang="en-US"/>
-        </a:p>
-      </dgm:t>
     </dgm:pt>
     <dgm:pt modelId="{B44BC3D0-5E73-423E-9FF3-3D41C3E3D1DE}" type="pres">
-      <dgm:prSet presAssocID="{C9FE2CFE-33B3-428A-A71B-F919C91E56A9}" presName="rootConnector" presStyleLbl="node3" presStyleIdx="4" presStyleCnt="9"/>
+      <dgm:prSet presAssocID="{C9FE2CFE-33B3-428A-A71B-F919C91E56A9}" presName="rootConnector" presStyleLbl="node3" presStyleIdx="4" presStyleCnt="8"/>
       <dgm:spPr/>
-      <dgm:t>
-        <a:bodyPr/>
-        <a:lstStyle/>
-        <a:p>
-          <a:endParaRPr lang="zh-TW" altLang="en-US"/>
-        </a:p>
-      </dgm:t>
     </dgm:pt>
     <dgm:pt modelId="{7511CDE9-404A-4066-B1F7-E9641939160E}" type="pres">
       <dgm:prSet presAssocID="{C9FE2CFE-33B3-428A-A71B-F919C91E56A9}" presName="hierChild4" presStyleCnt="0"/>
       <dgm:spPr/>
-      <dgm:t>
-        <a:bodyPr/>
-        <a:lstStyle/>
-        <a:p>
-          <a:endParaRPr lang="zh-TW" altLang="en-US"/>
-        </a:p>
-      </dgm:t>
     </dgm:pt>
     <dgm:pt modelId="{1FDD4D03-C8B2-4D77-9410-BF1DCFF1803F}" type="pres">
       <dgm:prSet presAssocID="{C9FE2CFE-33B3-428A-A71B-F919C91E56A9}" presName="hierChild5" presStyleCnt="0"/>
       <dgm:spPr/>
-      <dgm:t>
-        <a:bodyPr/>
-        <a:lstStyle/>
-        <a:p>
-          <a:endParaRPr lang="zh-TW" altLang="en-US"/>
-        </a:p>
-      </dgm:t>
     </dgm:pt>
     <dgm:pt modelId="{099E988A-2C97-4B78-827F-052DFB20565D}" type="pres">
       <dgm:prSet presAssocID="{6CA09A5E-B8A0-4A71-ADD4-346908CF8A6E}" presName="hierChild5" presStyleCnt="0"/>
       <dgm:spPr/>
-      <dgm:t>
-        <a:bodyPr/>
-        <a:lstStyle/>
-        <a:p>
-          <a:endParaRPr lang="zh-TW" altLang="en-US"/>
-        </a:p>
-      </dgm:t>
     </dgm:pt>
     <dgm:pt modelId="{AE85C9AC-A96D-453C-B30C-912E36B3230A}" type="pres">
-      <dgm:prSet presAssocID="{6701841D-B29D-4F43-A04A-C0F448C8EE4B}" presName="Name37" presStyleLbl="parChTrans1D2" presStyleIdx="3" presStyleCnt="5"/>
+      <dgm:prSet presAssocID="{6701841D-B29D-4F43-A04A-C0F448C8EE4B}" presName="Name37" presStyleLbl="parChTrans1D2" presStyleIdx="3" presStyleCnt="4"/>
       <dgm:spPr/>
-      <dgm:t>
-        <a:bodyPr/>
-        <a:lstStyle/>
-        <a:p>
-          <a:endParaRPr lang="zh-TW" altLang="en-US"/>
-        </a:p>
-      </dgm:t>
     </dgm:pt>
     <dgm:pt modelId="{E245E270-5D78-4AD0-B292-4FB6E38D7AA4}" type="pres">
       <dgm:prSet presAssocID="{88701BC0-3BC4-4D6E-A745-608E267D8549}" presName="hierRoot2" presStyleCnt="0">
@@ -3461,72 +2891,30 @@
         </dgm:presLayoutVars>
       </dgm:prSet>
       <dgm:spPr/>
-      <dgm:t>
-        <a:bodyPr/>
-        <a:lstStyle/>
-        <a:p>
-          <a:endParaRPr lang="zh-TW" altLang="en-US"/>
-        </a:p>
-      </dgm:t>
     </dgm:pt>
     <dgm:pt modelId="{3789BC93-96EE-4F4C-BF12-FD5715AEA5F3}" type="pres">
       <dgm:prSet presAssocID="{88701BC0-3BC4-4D6E-A745-608E267D8549}" presName="rootComposite" presStyleCnt="0"/>
       <dgm:spPr/>
-      <dgm:t>
-        <a:bodyPr/>
-        <a:lstStyle/>
-        <a:p>
-          <a:endParaRPr lang="zh-TW" altLang="en-US"/>
-        </a:p>
-      </dgm:t>
     </dgm:pt>
     <dgm:pt modelId="{E4285E3A-DB7A-4B47-9876-F8739183FC7A}" type="pres">
-      <dgm:prSet presAssocID="{88701BC0-3BC4-4D6E-A745-608E267D8549}" presName="rootText" presStyleLbl="node2" presStyleIdx="3" presStyleCnt="5">
+      <dgm:prSet presAssocID="{88701BC0-3BC4-4D6E-A745-608E267D8549}" presName="rootText" presStyleLbl="node2" presStyleIdx="3" presStyleCnt="4">
         <dgm:presLayoutVars>
           <dgm:chPref val="3"/>
         </dgm:presLayoutVars>
       </dgm:prSet>
       <dgm:spPr/>
-      <dgm:t>
-        <a:bodyPr/>
-        <a:lstStyle/>
-        <a:p>
-          <a:endParaRPr lang="zh-TW" altLang="en-US"/>
-        </a:p>
-      </dgm:t>
     </dgm:pt>
     <dgm:pt modelId="{C0B8DD2D-5460-4E33-89E1-5D3026ACFDC9}" type="pres">
-      <dgm:prSet presAssocID="{88701BC0-3BC4-4D6E-A745-608E267D8549}" presName="rootConnector" presStyleLbl="node2" presStyleIdx="3" presStyleCnt="5"/>
+      <dgm:prSet presAssocID="{88701BC0-3BC4-4D6E-A745-608E267D8549}" presName="rootConnector" presStyleLbl="node2" presStyleIdx="3" presStyleCnt="4"/>
       <dgm:spPr/>
-      <dgm:t>
-        <a:bodyPr/>
-        <a:lstStyle/>
-        <a:p>
-          <a:endParaRPr lang="zh-TW" altLang="en-US"/>
-        </a:p>
-      </dgm:t>
     </dgm:pt>
     <dgm:pt modelId="{0EDC8715-9A38-49BD-9760-5FB3BFF47A1B}" type="pres">
       <dgm:prSet presAssocID="{88701BC0-3BC4-4D6E-A745-608E267D8549}" presName="hierChild4" presStyleCnt="0"/>
       <dgm:spPr/>
-      <dgm:t>
-        <a:bodyPr/>
-        <a:lstStyle/>
-        <a:p>
-          <a:endParaRPr lang="zh-TW" altLang="en-US"/>
-        </a:p>
-      </dgm:t>
     </dgm:pt>
     <dgm:pt modelId="{5776753B-DC49-435F-995D-2AA14F866BEA}" type="pres">
-      <dgm:prSet presAssocID="{830AFFBF-7265-45F5-BE7A-CAF76103F757}" presName="Name37" presStyleLbl="parChTrans1D3" presStyleIdx="5" presStyleCnt="9"/>
+      <dgm:prSet presAssocID="{830AFFBF-7265-45F5-BE7A-CAF76103F757}" presName="Name37" presStyleLbl="parChTrans1D3" presStyleIdx="5" presStyleCnt="8"/>
       <dgm:spPr/>
-      <dgm:t>
-        <a:bodyPr/>
-        <a:lstStyle/>
-        <a:p>
-          <a:endParaRPr lang="zh-TW" altLang="en-US"/>
-        </a:p>
-      </dgm:t>
     </dgm:pt>
     <dgm:pt modelId="{67ED27F1-E98F-4FE6-A87C-304BFF5F3C9A}" type="pres">
       <dgm:prSet presAssocID="{F76FE35E-0007-412A-BB13-57DA750A5E9C}" presName="hierRoot2" presStyleCnt="0">
@@ -3535,27 +2923,13 @@
         </dgm:presLayoutVars>
       </dgm:prSet>
       <dgm:spPr/>
-      <dgm:t>
-        <a:bodyPr/>
-        <a:lstStyle/>
-        <a:p>
-          <a:endParaRPr lang="zh-TW" altLang="en-US"/>
-        </a:p>
-      </dgm:t>
     </dgm:pt>
     <dgm:pt modelId="{17A4F2E3-5058-4CEE-9F17-55A648D603CA}" type="pres">
       <dgm:prSet presAssocID="{F76FE35E-0007-412A-BB13-57DA750A5E9C}" presName="rootComposite" presStyleCnt="0"/>
       <dgm:spPr/>
-      <dgm:t>
-        <a:bodyPr/>
-        <a:lstStyle/>
-        <a:p>
-          <a:endParaRPr lang="zh-TW" altLang="en-US"/>
-        </a:p>
-      </dgm:t>
     </dgm:pt>
     <dgm:pt modelId="{88997EF4-2904-47BD-A092-4DD3D6084653}" type="pres">
-      <dgm:prSet presAssocID="{F76FE35E-0007-412A-BB13-57DA750A5E9C}" presName="rootText" presStyleLbl="node3" presStyleIdx="5" presStyleCnt="9" custScaleX="90909" custScaleY="90909" custLinFactNeighborY="-10080">
+      <dgm:prSet presAssocID="{F76FE35E-0007-412A-BB13-57DA750A5E9C}" presName="rootText" presStyleLbl="node3" presStyleIdx="5" presStyleCnt="8" custScaleX="90909" custScaleY="90909" custLinFactNeighborY="-10080">
         <dgm:presLayoutVars>
           <dgm:chPref val="3"/>
         </dgm:presLayoutVars>
@@ -3565,57 +2939,22 @@
           <a:avLst/>
         </a:prstGeom>
       </dgm:spPr>
-      <dgm:t>
-        <a:bodyPr/>
-        <a:lstStyle/>
-        <a:p>
-          <a:endParaRPr lang="zh-TW" altLang="en-US"/>
-        </a:p>
-      </dgm:t>
     </dgm:pt>
     <dgm:pt modelId="{EB26E828-0942-4AD7-8883-5E2E6C40E665}" type="pres">
-      <dgm:prSet presAssocID="{F76FE35E-0007-412A-BB13-57DA750A5E9C}" presName="rootConnector" presStyleLbl="node3" presStyleIdx="5" presStyleCnt="9"/>
+      <dgm:prSet presAssocID="{F76FE35E-0007-412A-BB13-57DA750A5E9C}" presName="rootConnector" presStyleLbl="node3" presStyleIdx="5" presStyleCnt="8"/>
       <dgm:spPr/>
-      <dgm:t>
-        <a:bodyPr/>
-        <a:lstStyle/>
-        <a:p>
-          <a:endParaRPr lang="zh-TW" altLang="en-US"/>
-        </a:p>
-      </dgm:t>
     </dgm:pt>
     <dgm:pt modelId="{0BA4BBE3-AA88-4D0F-91B6-5F3C64F20B43}" type="pres">
       <dgm:prSet presAssocID="{F76FE35E-0007-412A-BB13-57DA750A5E9C}" presName="hierChild4" presStyleCnt="0"/>
       <dgm:spPr/>
-      <dgm:t>
-        <a:bodyPr/>
-        <a:lstStyle/>
-        <a:p>
-          <a:endParaRPr lang="zh-TW" altLang="en-US"/>
-        </a:p>
-      </dgm:t>
     </dgm:pt>
     <dgm:pt modelId="{0B70F82F-E8B5-4459-BD31-A561299F12D5}" type="pres">
       <dgm:prSet presAssocID="{F76FE35E-0007-412A-BB13-57DA750A5E9C}" presName="hierChild5" presStyleCnt="0"/>
       <dgm:spPr/>
-      <dgm:t>
-        <a:bodyPr/>
-        <a:lstStyle/>
-        <a:p>
-          <a:endParaRPr lang="zh-TW" altLang="en-US"/>
-        </a:p>
-      </dgm:t>
     </dgm:pt>
     <dgm:pt modelId="{44FBA387-EEBB-4BF5-8D3B-608998B9E7FD}" type="pres">
-      <dgm:prSet presAssocID="{321C0BC4-7A3B-4036-871C-D296A2CB2DDB}" presName="Name37" presStyleLbl="parChTrans1D3" presStyleIdx="6" presStyleCnt="9"/>
+      <dgm:prSet presAssocID="{321C0BC4-7A3B-4036-871C-D296A2CB2DDB}" presName="Name37" presStyleLbl="parChTrans1D3" presStyleIdx="6" presStyleCnt="8"/>
       <dgm:spPr/>
-      <dgm:t>
-        <a:bodyPr/>
-        <a:lstStyle/>
-        <a:p>
-          <a:endParaRPr lang="zh-TW" altLang="en-US"/>
-        </a:p>
-      </dgm:t>
     </dgm:pt>
     <dgm:pt modelId="{82E280E3-1EB5-4ADE-995A-E22FFEAF5BA1}" type="pres">
       <dgm:prSet presAssocID="{0D73AC28-ACED-48D0-A079-4DA81711ADCB}" presName="hierRoot2" presStyleCnt="0">
@@ -3624,27 +2963,13 @@
         </dgm:presLayoutVars>
       </dgm:prSet>
       <dgm:spPr/>
-      <dgm:t>
-        <a:bodyPr/>
-        <a:lstStyle/>
-        <a:p>
-          <a:endParaRPr lang="zh-TW" altLang="en-US"/>
-        </a:p>
-      </dgm:t>
     </dgm:pt>
     <dgm:pt modelId="{EC74CCD5-F866-4AA7-87DB-470CA5AAEF86}" type="pres">
       <dgm:prSet presAssocID="{0D73AC28-ACED-48D0-A079-4DA81711ADCB}" presName="rootComposite" presStyleCnt="0"/>
       <dgm:spPr/>
-      <dgm:t>
-        <a:bodyPr/>
-        <a:lstStyle/>
-        <a:p>
-          <a:endParaRPr lang="zh-TW" altLang="en-US"/>
-        </a:p>
-      </dgm:t>
     </dgm:pt>
     <dgm:pt modelId="{EEA0B25C-A04A-4FF8-894A-419F43B58887}" type="pres">
-      <dgm:prSet presAssocID="{0D73AC28-ACED-48D0-A079-4DA81711ADCB}" presName="rootText" presStyleLbl="node3" presStyleIdx="6" presStyleCnt="9" custScaleX="90909" custScaleY="90909" custLinFactNeighborX="-560" custLinFactNeighborY="-30240">
+      <dgm:prSet presAssocID="{0D73AC28-ACED-48D0-A079-4DA81711ADCB}" presName="rootText" presStyleLbl="node3" presStyleIdx="6" presStyleCnt="8" custScaleX="90909" custScaleY="90909" custLinFactNeighborX="-560" custLinFactNeighborY="-30240">
         <dgm:presLayoutVars>
           <dgm:chPref val="3"/>
         </dgm:presLayoutVars>
@@ -3654,57 +2979,22 @@
           <a:avLst/>
         </a:prstGeom>
       </dgm:spPr>
-      <dgm:t>
-        <a:bodyPr/>
-        <a:lstStyle/>
-        <a:p>
-          <a:endParaRPr lang="zh-TW" altLang="en-US"/>
-        </a:p>
-      </dgm:t>
     </dgm:pt>
     <dgm:pt modelId="{8137936B-7370-45A3-A6F4-D3CC008BC629}" type="pres">
-      <dgm:prSet presAssocID="{0D73AC28-ACED-48D0-A079-4DA81711ADCB}" presName="rootConnector" presStyleLbl="node3" presStyleIdx="6" presStyleCnt="9"/>
+      <dgm:prSet presAssocID="{0D73AC28-ACED-48D0-A079-4DA81711ADCB}" presName="rootConnector" presStyleLbl="node3" presStyleIdx="6" presStyleCnt="8"/>
       <dgm:spPr/>
-      <dgm:t>
-        <a:bodyPr/>
-        <a:lstStyle/>
-        <a:p>
-          <a:endParaRPr lang="zh-TW" altLang="en-US"/>
-        </a:p>
-      </dgm:t>
     </dgm:pt>
     <dgm:pt modelId="{D4420624-D02B-4DE9-8B97-5E33323BA787}" type="pres">
       <dgm:prSet presAssocID="{0D73AC28-ACED-48D0-A079-4DA81711ADCB}" presName="hierChild4" presStyleCnt="0"/>
       <dgm:spPr/>
-      <dgm:t>
-        <a:bodyPr/>
-        <a:lstStyle/>
-        <a:p>
-          <a:endParaRPr lang="zh-TW" altLang="en-US"/>
-        </a:p>
-      </dgm:t>
     </dgm:pt>
     <dgm:pt modelId="{221093CC-9643-45AE-B96B-4608F28BC368}" type="pres">
       <dgm:prSet presAssocID="{0D73AC28-ACED-48D0-A079-4DA81711ADCB}" presName="hierChild5" presStyleCnt="0"/>
       <dgm:spPr/>
-      <dgm:t>
-        <a:bodyPr/>
-        <a:lstStyle/>
-        <a:p>
-          <a:endParaRPr lang="zh-TW" altLang="en-US"/>
-        </a:p>
-      </dgm:t>
     </dgm:pt>
     <dgm:pt modelId="{DEE13216-85AE-4378-85FD-4F9CF1B8E0AF}" type="pres">
-      <dgm:prSet presAssocID="{87B2436D-3DC2-4117-A31C-771DC7AA57DB}" presName="Name37" presStyleLbl="parChTrans1D3" presStyleIdx="7" presStyleCnt="9"/>
+      <dgm:prSet presAssocID="{87B2436D-3DC2-4117-A31C-771DC7AA57DB}" presName="Name37" presStyleLbl="parChTrans1D3" presStyleIdx="7" presStyleCnt="8"/>
       <dgm:spPr/>
-      <dgm:t>
-        <a:bodyPr/>
-        <a:lstStyle/>
-        <a:p>
-          <a:endParaRPr lang="zh-TW" altLang="en-US"/>
-        </a:p>
-      </dgm:t>
     </dgm:pt>
     <dgm:pt modelId="{0AFD943C-DD45-459C-AE62-15BD24253139}" type="pres">
       <dgm:prSet presAssocID="{512B5851-4D20-436F-A149-7CC370866394}" presName="hierRoot2" presStyleCnt="0">
@@ -3713,27 +3003,13 @@
         </dgm:presLayoutVars>
       </dgm:prSet>
       <dgm:spPr/>
-      <dgm:t>
-        <a:bodyPr/>
-        <a:lstStyle/>
-        <a:p>
-          <a:endParaRPr lang="zh-TW" altLang="en-US"/>
-        </a:p>
-      </dgm:t>
     </dgm:pt>
     <dgm:pt modelId="{0AFB9BC3-0823-4E2D-9E35-B3DAB78E6BFE}" type="pres">
       <dgm:prSet presAssocID="{512B5851-4D20-436F-A149-7CC370866394}" presName="rootComposite" presStyleCnt="0"/>
       <dgm:spPr/>
-      <dgm:t>
-        <a:bodyPr/>
-        <a:lstStyle/>
-        <a:p>
-          <a:endParaRPr lang="zh-TW" altLang="en-US"/>
-        </a:p>
-      </dgm:t>
     </dgm:pt>
     <dgm:pt modelId="{AEAD0110-FF99-4697-B796-25890CE39880}" type="pres">
-      <dgm:prSet presAssocID="{512B5851-4D20-436F-A149-7CC370866394}" presName="rootText" presStyleLbl="node3" presStyleIdx="7" presStyleCnt="9" custScaleX="90909" custScaleY="90909" custLinFactNeighborX="-560" custLinFactNeighborY="-47040">
+      <dgm:prSet presAssocID="{512B5851-4D20-436F-A149-7CC370866394}" presName="rootText" presStyleLbl="node3" presStyleIdx="7" presStyleCnt="8" custScaleX="90909" custScaleY="90909" custLinFactNeighborX="-560" custLinFactNeighborY="-47040">
         <dgm:presLayoutVars>
           <dgm:chPref val="3"/>
         </dgm:presLayoutVars>
@@ -3743,305 +3019,81 @@
           <a:avLst/>
         </a:prstGeom>
       </dgm:spPr>
-      <dgm:t>
-        <a:bodyPr/>
-        <a:lstStyle/>
-        <a:p>
-          <a:endParaRPr lang="zh-TW" altLang="en-US"/>
-        </a:p>
-      </dgm:t>
     </dgm:pt>
     <dgm:pt modelId="{1EEBB9B4-0545-45CE-99FE-2B3C1DCB29A3}" type="pres">
-      <dgm:prSet presAssocID="{512B5851-4D20-436F-A149-7CC370866394}" presName="rootConnector" presStyleLbl="node3" presStyleIdx="7" presStyleCnt="9"/>
+      <dgm:prSet presAssocID="{512B5851-4D20-436F-A149-7CC370866394}" presName="rootConnector" presStyleLbl="node3" presStyleIdx="7" presStyleCnt="8"/>
       <dgm:spPr/>
-      <dgm:t>
-        <a:bodyPr/>
-        <a:lstStyle/>
-        <a:p>
-          <a:endParaRPr lang="zh-TW" altLang="en-US"/>
-        </a:p>
-      </dgm:t>
     </dgm:pt>
     <dgm:pt modelId="{EB3548A1-CC8B-4DC3-B951-06C1486A2BCA}" type="pres">
       <dgm:prSet presAssocID="{512B5851-4D20-436F-A149-7CC370866394}" presName="hierChild4" presStyleCnt="0"/>
       <dgm:spPr/>
-      <dgm:t>
-        <a:bodyPr/>
-        <a:lstStyle/>
-        <a:p>
-          <a:endParaRPr lang="zh-TW" altLang="en-US"/>
-        </a:p>
-      </dgm:t>
     </dgm:pt>
     <dgm:pt modelId="{5478BFDF-E4A3-4855-AD4D-688D9F36E100}" type="pres">
       <dgm:prSet presAssocID="{512B5851-4D20-436F-A149-7CC370866394}" presName="hierChild5" presStyleCnt="0"/>
       <dgm:spPr/>
-      <dgm:t>
-        <a:bodyPr/>
-        <a:lstStyle/>
-        <a:p>
-          <a:endParaRPr lang="zh-TW" altLang="en-US"/>
-        </a:p>
-      </dgm:t>
     </dgm:pt>
     <dgm:pt modelId="{9E1B5E60-2B2C-4EA5-95B9-CA873997E2DB}" type="pres">
       <dgm:prSet presAssocID="{88701BC0-3BC4-4D6E-A745-608E267D8549}" presName="hierChild5" presStyleCnt="0"/>
       <dgm:spPr/>
-      <dgm:t>
-        <a:bodyPr/>
-        <a:lstStyle/>
-        <a:p>
-          <a:endParaRPr lang="zh-TW" altLang="en-US"/>
-        </a:p>
-      </dgm:t>
-    </dgm:pt>
-    <dgm:pt modelId="{F1132BB0-AF75-47A3-8609-4D2E7A897F1D}" type="pres">
-      <dgm:prSet presAssocID="{BFD6A540-3C43-4134-BB4B-68127730A919}" presName="Name37" presStyleLbl="parChTrans1D2" presStyleIdx="4" presStyleCnt="5"/>
-      <dgm:spPr/>
-      <dgm:t>
-        <a:bodyPr/>
-        <a:lstStyle/>
-        <a:p>
-          <a:endParaRPr lang="zh-TW" altLang="en-US"/>
-        </a:p>
-      </dgm:t>
-    </dgm:pt>
-    <dgm:pt modelId="{7742BC2B-6084-4155-95F1-B748CCFEF1AA}" type="pres">
-      <dgm:prSet presAssocID="{DAE9D4C1-9529-4971-9C00-376C900FC858}" presName="hierRoot2" presStyleCnt="0">
-        <dgm:presLayoutVars>
-          <dgm:hierBranch val="init"/>
-        </dgm:presLayoutVars>
-      </dgm:prSet>
-      <dgm:spPr/>
-      <dgm:t>
-        <a:bodyPr/>
-        <a:lstStyle/>
-        <a:p>
-          <a:endParaRPr lang="zh-TW" altLang="en-US"/>
-        </a:p>
-      </dgm:t>
-    </dgm:pt>
-    <dgm:pt modelId="{90816E69-E891-43D7-85FF-202E3A2DBF6F}" type="pres">
-      <dgm:prSet presAssocID="{DAE9D4C1-9529-4971-9C00-376C900FC858}" presName="rootComposite" presStyleCnt="0"/>
-      <dgm:spPr/>
-      <dgm:t>
-        <a:bodyPr/>
-        <a:lstStyle/>
-        <a:p>
-          <a:endParaRPr lang="zh-TW" altLang="en-US"/>
-        </a:p>
-      </dgm:t>
-    </dgm:pt>
-    <dgm:pt modelId="{231A9892-CBAB-4E69-8CDD-37E341789991}" type="pres">
-      <dgm:prSet presAssocID="{DAE9D4C1-9529-4971-9C00-376C900FC858}" presName="rootText" presStyleLbl="node2" presStyleIdx="4" presStyleCnt="5">
-        <dgm:presLayoutVars>
-          <dgm:chPref val="3"/>
-        </dgm:presLayoutVars>
-      </dgm:prSet>
-      <dgm:spPr/>
-      <dgm:t>
-        <a:bodyPr/>
-        <a:lstStyle/>
-        <a:p>
-          <a:endParaRPr lang="zh-TW" altLang="en-US"/>
-        </a:p>
-      </dgm:t>
-    </dgm:pt>
-    <dgm:pt modelId="{E11D7C7D-8591-45B3-AFAA-F2E0AD6CABC5}" type="pres">
-      <dgm:prSet presAssocID="{DAE9D4C1-9529-4971-9C00-376C900FC858}" presName="rootConnector" presStyleLbl="node2" presStyleIdx="4" presStyleCnt="5"/>
-      <dgm:spPr/>
-      <dgm:t>
-        <a:bodyPr/>
-        <a:lstStyle/>
-        <a:p>
-          <a:endParaRPr lang="zh-TW" altLang="en-US"/>
-        </a:p>
-      </dgm:t>
-    </dgm:pt>
-    <dgm:pt modelId="{A6F03E78-9792-4DB3-8887-3DCE0CD130E9}" type="pres">
-      <dgm:prSet presAssocID="{DAE9D4C1-9529-4971-9C00-376C900FC858}" presName="hierChild4" presStyleCnt="0"/>
-      <dgm:spPr/>
-      <dgm:t>
-        <a:bodyPr/>
-        <a:lstStyle/>
-        <a:p>
-          <a:endParaRPr lang="zh-TW" altLang="en-US"/>
-        </a:p>
-      </dgm:t>
-    </dgm:pt>
-    <dgm:pt modelId="{6B70AEF7-7B86-4FA5-A0AB-BA667FF95188}" type="pres">
-      <dgm:prSet presAssocID="{32DC2203-3464-49DC-BFB6-7B62C1F6291A}" presName="Name37" presStyleLbl="parChTrans1D3" presStyleIdx="8" presStyleCnt="9"/>
-      <dgm:spPr/>
-      <dgm:t>
-        <a:bodyPr/>
-        <a:lstStyle/>
-        <a:p>
-          <a:endParaRPr lang="zh-TW" altLang="en-US"/>
-        </a:p>
-      </dgm:t>
-    </dgm:pt>
-    <dgm:pt modelId="{074128B6-06AD-46D9-8EED-5F7F3E50450E}" type="pres">
-      <dgm:prSet presAssocID="{1012EB51-3AA4-4528-B8C0-4CEFBC667C49}" presName="hierRoot2" presStyleCnt="0">
-        <dgm:presLayoutVars>
-          <dgm:hierBranch val="init"/>
-        </dgm:presLayoutVars>
-      </dgm:prSet>
-      <dgm:spPr/>
-      <dgm:t>
-        <a:bodyPr/>
-        <a:lstStyle/>
-        <a:p>
-          <a:endParaRPr lang="zh-TW" altLang="en-US"/>
-        </a:p>
-      </dgm:t>
-    </dgm:pt>
-    <dgm:pt modelId="{FF86D76A-EF59-4808-8430-91F88C629390}" type="pres">
-      <dgm:prSet presAssocID="{1012EB51-3AA4-4528-B8C0-4CEFBC667C49}" presName="rootComposite" presStyleCnt="0"/>
-      <dgm:spPr/>
-      <dgm:t>
-        <a:bodyPr/>
-        <a:lstStyle/>
-        <a:p>
-          <a:endParaRPr lang="zh-TW" altLang="en-US"/>
-        </a:p>
-      </dgm:t>
-    </dgm:pt>
-    <dgm:pt modelId="{99AEAEB4-D6DB-4791-89AD-233421E02782}" type="pres">
-      <dgm:prSet presAssocID="{1012EB51-3AA4-4528-B8C0-4CEFBC667C49}" presName="rootText" presStyleLbl="node3" presStyleIdx="8" presStyleCnt="9" custScaleX="90909" custScaleY="90909" custLinFactNeighborX="-6539" custLinFactNeighborY="-8424">
-        <dgm:presLayoutVars>
-          <dgm:chPref val="3"/>
-        </dgm:presLayoutVars>
-      </dgm:prSet>
-      <dgm:spPr>
-        <a:prstGeom prst="roundRect">
-          <a:avLst/>
-        </a:prstGeom>
-      </dgm:spPr>
-      <dgm:t>
-        <a:bodyPr/>
-        <a:lstStyle/>
-        <a:p>
-          <a:endParaRPr lang="zh-TW" altLang="en-US"/>
-        </a:p>
-      </dgm:t>
-    </dgm:pt>
-    <dgm:pt modelId="{E05BF53D-69E6-499E-84E3-704A9CCFE55E}" type="pres">
-      <dgm:prSet presAssocID="{1012EB51-3AA4-4528-B8C0-4CEFBC667C49}" presName="rootConnector" presStyleLbl="node3" presStyleIdx="8" presStyleCnt="9"/>
-      <dgm:spPr/>
-      <dgm:t>
-        <a:bodyPr/>
-        <a:lstStyle/>
-        <a:p>
-          <a:endParaRPr lang="zh-TW" altLang="en-US"/>
-        </a:p>
-      </dgm:t>
-    </dgm:pt>
-    <dgm:pt modelId="{2831F261-8105-4D5D-B6D3-72FFBF7E4DFA}" type="pres">
-      <dgm:prSet presAssocID="{1012EB51-3AA4-4528-B8C0-4CEFBC667C49}" presName="hierChild4" presStyleCnt="0"/>
-      <dgm:spPr/>
-      <dgm:t>
-        <a:bodyPr/>
-        <a:lstStyle/>
-        <a:p>
-          <a:endParaRPr lang="zh-TW" altLang="en-US"/>
-        </a:p>
-      </dgm:t>
-    </dgm:pt>
-    <dgm:pt modelId="{4968063C-4A37-4CCA-891D-03D34AB9AFB7}" type="pres">
-      <dgm:prSet presAssocID="{1012EB51-3AA4-4528-B8C0-4CEFBC667C49}" presName="hierChild5" presStyleCnt="0"/>
-      <dgm:spPr/>
-      <dgm:t>
-        <a:bodyPr/>
-        <a:lstStyle/>
-        <a:p>
-          <a:endParaRPr lang="zh-TW" altLang="en-US"/>
-        </a:p>
-      </dgm:t>
-    </dgm:pt>
-    <dgm:pt modelId="{31274CDD-51B7-4E77-972D-621B9CD544CE}" type="pres">
-      <dgm:prSet presAssocID="{DAE9D4C1-9529-4971-9C00-376C900FC858}" presName="hierChild5" presStyleCnt="0"/>
-      <dgm:spPr/>
-      <dgm:t>
-        <a:bodyPr/>
-        <a:lstStyle/>
-        <a:p>
-          <a:endParaRPr lang="zh-TW" altLang="en-US"/>
-        </a:p>
-      </dgm:t>
     </dgm:pt>
     <dgm:pt modelId="{5B9DE34F-A3FC-4D89-BE89-746EDAA6698F}" type="pres">
       <dgm:prSet presAssocID="{FD751965-2BDC-438B-947B-D07B08C2B1EB}" presName="hierChild3" presStyleCnt="0"/>
       <dgm:spPr/>
-      <dgm:t>
-        <a:bodyPr/>
-        <a:lstStyle/>
-        <a:p>
-          <a:endParaRPr lang="zh-TW" altLang="en-US"/>
-        </a:p>
-      </dgm:t>
     </dgm:pt>
   </dgm:ptLst>
   <dgm:cxnLst>
-    <dgm:cxn modelId="{A6CE5A71-930D-409C-965D-E3EC5910741F}" srcId="{D7134094-D23B-4867-B1C0-8B467B464B57}" destId="{627DF427-CD0D-4E70-878D-4AA51C8A005C}" srcOrd="0" destOrd="0" parTransId="{8A06145A-C8D0-49A6-B1D3-0BBAF37DD652}" sibTransId="{D01C5705-F547-4BB9-846D-3977ED505D59}"/>
-    <dgm:cxn modelId="{80753897-E5B5-4ED8-9549-5100AF089CFB}" srcId="{6CA09A5E-B8A0-4A71-ADD4-346908CF8A6E}" destId="{C9FE2CFE-33B3-428A-A71B-F919C91E56A9}" srcOrd="0" destOrd="0" parTransId="{F4571858-FC3A-4093-B8F7-1E141991EFC7}" sibTransId="{A4286B5A-0778-4A0B-A600-F7CDFBC7DE95}"/>
-    <dgm:cxn modelId="{3EAEFDA9-C508-48A2-A7A6-B8AAD6C751EA}" type="presOf" srcId="{DAE9D4C1-9529-4971-9C00-376C900FC858}" destId="{231A9892-CBAB-4E69-8CDD-37E341789991}" srcOrd="0" destOrd="0" presId="urn:microsoft.com/office/officeart/2005/8/layout/orgChart1"/>
-    <dgm:cxn modelId="{C40C296E-62A8-4DAF-B59E-C4BE71D4D5C5}" srcId="{FD751965-2BDC-438B-947B-D07B08C2B1EB}" destId="{D7134094-D23B-4867-B1C0-8B467B464B57}" srcOrd="0" destOrd="0" parTransId="{6251823C-0D5B-4272-8B95-4BFB4B26389D}" sibTransId="{2D5FD406-0298-43FD-AB8D-A90374CC4AC6}"/>
-    <dgm:cxn modelId="{0F030692-9BE4-4189-95F1-A7595B860FDE}" type="presOf" srcId="{F4571858-FC3A-4093-B8F7-1E141991EFC7}" destId="{93BC48DE-105A-41DD-8BF6-6040C58E9A13}" srcOrd="0" destOrd="0" presId="urn:microsoft.com/office/officeart/2005/8/layout/orgChart1"/>
+    <dgm:cxn modelId="{B1017A09-108E-4A0A-BD1F-DB728A2179F3}" srcId="{88701BC0-3BC4-4D6E-A745-608E267D8549}" destId="{0D73AC28-ACED-48D0-A079-4DA81711ADCB}" srcOrd="1" destOrd="0" parTransId="{321C0BC4-7A3B-4036-871C-D296A2CB2DDB}" sibTransId="{DBF30BB3-CAC6-410B-8E97-14FD0CD14DAA}"/>
+    <dgm:cxn modelId="{FA9F530E-A804-4D59-8FDD-4D0E880B15D4}" type="presOf" srcId="{321C0BC4-7A3B-4036-871C-D296A2CB2DDB}" destId="{44FBA387-EEBB-4BF5-8D3B-608998B9E7FD}" srcOrd="0" destOrd="0" presId="urn:microsoft.com/office/officeart/2005/8/layout/orgChart1"/>
+    <dgm:cxn modelId="{60CE510F-A0CB-4E77-8707-C14FD08739CE}" type="presOf" srcId="{5318C7FD-06A4-4388-B613-2F342972AB53}" destId="{43DDFD52-ABBA-4B36-9E55-C7B224745957}" srcOrd="0" destOrd="0" presId="urn:microsoft.com/office/officeart/2005/8/layout/orgChart1"/>
+    <dgm:cxn modelId="{404A6619-D770-4499-ADCF-0C0F469E991F}" type="presOf" srcId="{C9FE2CFE-33B3-428A-A71B-F919C91E56A9}" destId="{3325CEB1-74F3-47EA-9103-89A74C3BFD21}" srcOrd="0" destOrd="0" presId="urn:microsoft.com/office/officeart/2005/8/layout/orgChart1"/>
+    <dgm:cxn modelId="{2FD59C24-7052-4579-824A-9D23776F9369}" type="presOf" srcId="{6701841D-B29D-4F43-A04A-C0F448C8EE4B}" destId="{AE85C9AC-A96D-453C-B30C-912E36B3230A}" srcOrd="0" destOrd="0" presId="urn:microsoft.com/office/officeart/2005/8/layout/orgChart1"/>
+    <dgm:cxn modelId="{91059C27-FB1F-44AA-922C-AA87C3D553D7}" type="presOf" srcId="{065C42A1-F9DA-4035-B731-3CDB539A67E7}" destId="{BA564F73-3FDB-4C3A-9837-45278937B477}" srcOrd="1" destOrd="0" presId="urn:microsoft.com/office/officeart/2005/8/layout/orgChart1"/>
+    <dgm:cxn modelId="{1D89D729-C56F-433E-A7EA-C221E1631A44}" type="presOf" srcId="{D7134094-D23B-4867-B1C0-8B467B464B57}" destId="{37A92CAB-72B8-4C79-B2CB-E86DAEEDC8C4}" srcOrd="1" destOrd="0" presId="urn:microsoft.com/office/officeart/2005/8/layout/orgChart1"/>
+    <dgm:cxn modelId="{F3D4C73C-7003-4F4D-8A06-11DA63457C50}" type="presOf" srcId="{87B2436D-3DC2-4117-A31C-771DC7AA57DB}" destId="{DEE13216-85AE-4378-85FD-4F9CF1B8E0AF}" srcOrd="0" destOrd="0" presId="urn:microsoft.com/office/officeart/2005/8/layout/orgChart1"/>
+    <dgm:cxn modelId="{F5E9345D-EFF1-4B8E-A3C0-325BA831B35E}" srcId="{065C42A1-F9DA-4035-B731-3CDB539A67E7}" destId="{7E6144F2-4DD5-477A-91C4-5DC6A2AE156A}" srcOrd="0" destOrd="0" parTransId="{03092E38-7CE8-4281-AACE-C88713121475}" sibTransId="{078EA66B-FA38-4AF1-8E86-BB4A1ABD456A}"/>
+    <dgm:cxn modelId="{D671E85E-55C3-482E-9068-B836ECBFFD96}" type="presOf" srcId="{8EDF0F6A-29B5-416B-9345-20D833EBE4C6}" destId="{5A91E01C-0B7A-4F13-BC3B-4EE50BCB126E}" srcOrd="0" destOrd="0" presId="urn:microsoft.com/office/officeart/2005/8/layout/orgChart1"/>
+    <dgm:cxn modelId="{1E99F045-C2A4-4D47-841A-744AFD6CC975}" type="presOf" srcId="{8A06145A-C8D0-49A6-B1D3-0BBAF37DD652}" destId="{FC29A3EE-7F43-4509-8DFC-D59B745502B1}" srcOrd="0" destOrd="0" presId="urn:microsoft.com/office/officeart/2005/8/layout/orgChart1"/>
+    <dgm:cxn modelId="{B2465746-37AE-4885-A1BE-9676B73C774D}" srcId="{FD751965-2BDC-438B-947B-D07B08C2B1EB}" destId="{88701BC0-3BC4-4D6E-A745-608E267D8549}" srcOrd="3" destOrd="0" parTransId="{6701841D-B29D-4F43-A04A-C0F448C8EE4B}" sibTransId="{C42A5B7E-E971-4220-A17D-C94516963056}"/>
+    <dgm:cxn modelId="{FEB6AB47-C768-4566-B351-AF7CEE33662D}" srcId="{88701BC0-3BC4-4D6E-A745-608E267D8549}" destId="{F76FE35E-0007-412A-BB13-57DA750A5E9C}" srcOrd="0" destOrd="0" parTransId="{830AFFBF-7265-45F5-BE7A-CAF76103F757}" sibTransId="{EE8989F4-C5DF-4849-A1D7-4C286C860460}"/>
+    <dgm:cxn modelId="{71940248-4FDA-4D96-9A39-9BCE1AA752DD}" type="presOf" srcId="{512B5851-4D20-436F-A149-7CC370866394}" destId="{AEAD0110-FF99-4697-B796-25890CE39880}" srcOrd="0" destOrd="0" presId="urn:microsoft.com/office/officeart/2005/8/layout/orgChart1"/>
+    <dgm:cxn modelId="{280CDF48-ADBB-47FD-BE10-6787FE6CFA19}" type="presOf" srcId="{E9CAD86E-CB21-46CE-B94B-22D35AC3A8BF}" destId="{C3A3E138-5EB8-42D0-BB9B-5CF8E78410A5}" srcOrd="1" destOrd="0" presId="urn:microsoft.com/office/officeart/2005/8/layout/orgChart1"/>
+    <dgm:cxn modelId="{FBBE684C-7EA9-4192-9F54-917D05DB4B41}" type="presOf" srcId="{627DF427-CD0D-4E70-878D-4AA51C8A005C}" destId="{3050518C-0F47-41E1-9EEA-562169427DA0}" srcOrd="1" destOrd="0" presId="urn:microsoft.com/office/officeart/2005/8/layout/orgChart1"/>
     <dgm:cxn modelId="{B8DDD66C-0EA2-47BA-BEDD-FDD1EC2EDBDC}" type="presOf" srcId="{E9CAD86E-CB21-46CE-B94B-22D35AC3A8BF}" destId="{21014A0C-7FC5-40B0-B906-E20543D43CA2}" srcOrd="0" destOrd="0" presId="urn:microsoft.com/office/officeart/2005/8/layout/orgChart1"/>
     <dgm:cxn modelId="{8F28A64D-9339-4D5F-9B10-38937A7B30F7}" type="presOf" srcId="{FD751965-2BDC-438B-947B-D07B08C2B1EB}" destId="{5A39BE46-6F34-4222-95A5-784F3CFF3102}" srcOrd="0" destOrd="0" presId="urn:microsoft.com/office/officeart/2005/8/layout/orgChart1"/>
+    <dgm:cxn modelId="{420AFC4D-1BC0-4617-A369-3A6DB39E9C57}" srcId="{FD751965-2BDC-438B-947B-D07B08C2B1EB}" destId="{065C42A1-F9DA-4035-B731-3CDB539A67E7}" srcOrd="1" destOrd="0" parTransId="{27320119-E80F-4162-8F3A-3CB8909E795C}" sibTransId="{D9D1A045-241A-4511-B621-F52B845D7544}"/>
+    <dgm:cxn modelId="{C40C296E-62A8-4DAF-B59E-C4BE71D4D5C5}" srcId="{FD751965-2BDC-438B-947B-D07B08C2B1EB}" destId="{D7134094-D23B-4867-B1C0-8B467B464B57}" srcOrd="0" destOrd="0" parTransId="{6251823C-0D5B-4272-8B95-4BFB4B26389D}" sibTransId="{2D5FD406-0298-43FD-AB8D-A90374CC4AC6}"/>
+    <dgm:cxn modelId="{07D02971-0785-41B4-B60E-6D3CE1507497}" type="presOf" srcId="{830AFFBF-7265-45F5-BE7A-CAF76103F757}" destId="{5776753B-DC49-435F-995D-2AA14F866BEA}" srcOrd="0" destOrd="0" presId="urn:microsoft.com/office/officeart/2005/8/layout/orgChart1"/>
+    <dgm:cxn modelId="{A6CE5A71-930D-409C-965D-E3EC5910741F}" srcId="{D7134094-D23B-4867-B1C0-8B467B464B57}" destId="{627DF427-CD0D-4E70-878D-4AA51C8A005C}" srcOrd="0" destOrd="0" parTransId="{8A06145A-C8D0-49A6-B1D3-0BBAF37DD652}" sibTransId="{D01C5705-F547-4BB9-846D-3977ED505D59}"/>
+    <dgm:cxn modelId="{13931C75-27B7-411B-AD09-A789B622D1AC}" type="presOf" srcId="{88701BC0-3BC4-4D6E-A745-608E267D8549}" destId="{E4285E3A-DB7A-4B47-9876-F8739183FC7A}" srcOrd="0" destOrd="0" presId="urn:microsoft.com/office/officeart/2005/8/layout/orgChart1"/>
+    <dgm:cxn modelId="{F604C255-42F2-47E5-A7DC-80780BE07DA3}" type="presOf" srcId="{C9FE2CFE-33B3-428A-A71B-F919C91E56A9}" destId="{B44BC3D0-5E73-423E-9FF3-3D41C3E3D1DE}" srcOrd="1" destOrd="0" presId="urn:microsoft.com/office/officeart/2005/8/layout/orgChart1"/>
+    <dgm:cxn modelId="{4590D775-249B-42CC-8F96-DD59B4526917}" type="presOf" srcId="{DE7543DB-7592-4EAD-8AF5-4D870EDC4FEF}" destId="{27DB3943-37A0-4E9E-AD70-035EC189E8B8}" srcOrd="1" destOrd="0" presId="urn:microsoft.com/office/officeart/2005/8/layout/orgChart1"/>
+    <dgm:cxn modelId="{8100F955-8455-41CB-B1D9-6D95AB42DCB4}" srcId="{065C42A1-F9DA-4035-B731-3CDB539A67E7}" destId="{E9CAD86E-CB21-46CE-B94B-22D35AC3A8BF}" srcOrd="2" destOrd="0" parTransId="{5318C7FD-06A4-4388-B613-2F342972AB53}" sibTransId="{230254FA-09E8-470F-8D00-AA06A8F35EBE}"/>
+    <dgm:cxn modelId="{D0E0A956-E2AD-4612-85D3-D7A6A3985D84}" type="presOf" srcId="{7E6144F2-4DD5-477A-91C4-5DC6A2AE156A}" destId="{D3519E94-C413-4BF1-B8EA-1755D9E51015}" srcOrd="1" destOrd="0" presId="urn:microsoft.com/office/officeart/2005/8/layout/orgChart1"/>
+    <dgm:cxn modelId="{3A6FB876-DE9D-47FE-9B55-9C8F37A34A60}" srcId="{065C42A1-F9DA-4035-B731-3CDB539A67E7}" destId="{DE7543DB-7592-4EAD-8AF5-4D870EDC4FEF}" srcOrd="1" destOrd="0" parTransId="{8EDF0F6A-29B5-416B-9345-20D833EBE4C6}" sibTransId="{D800E5EB-88F2-4055-838A-86E57DB0521F}"/>
+    <dgm:cxn modelId="{CDDAED5A-C604-40AF-B5F3-04CB3259FE39}" type="presOf" srcId="{DE7543DB-7592-4EAD-8AF5-4D870EDC4FEF}" destId="{8780EF36-5FF2-42AC-B5DF-0A83BD959276}" srcOrd="0" destOrd="0" presId="urn:microsoft.com/office/officeart/2005/8/layout/orgChart1"/>
+    <dgm:cxn modelId="{B5E03885-0DC8-4DE6-BF8F-45ED21B06B51}" type="presOf" srcId="{6CA09A5E-B8A0-4A71-ADD4-346908CF8A6E}" destId="{F7DE2FBB-2B3A-4552-868C-42F64B9B986F}" srcOrd="0" destOrd="0" presId="urn:microsoft.com/office/officeart/2005/8/layout/orgChart1"/>
     <dgm:cxn modelId="{CF503B8C-8103-4A18-80D8-ED09CA1B42A7}" srcId="{FD751965-2BDC-438B-947B-D07B08C2B1EB}" destId="{6CA09A5E-B8A0-4A71-ADD4-346908CF8A6E}" srcOrd="2" destOrd="0" parTransId="{74A45DA7-6203-427C-95E6-97496B209C6A}" sibTransId="{3727E362-0704-4530-B65C-D2B207B108AD}"/>
+    <dgm:cxn modelId="{55C5C48D-F2F0-468E-807F-0196A207E3AD}" type="presOf" srcId="{0D73AC28-ACED-48D0-A079-4DA81711ADCB}" destId="{EEA0B25C-A04A-4FF8-894A-419F43B58887}" srcOrd="0" destOrd="0" presId="urn:microsoft.com/office/officeart/2005/8/layout/orgChart1"/>
+    <dgm:cxn modelId="{0F030692-9BE4-4189-95F1-A7595B860FDE}" type="presOf" srcId="{F4571858-FC3A-4093-B8F7-1E141991EFC7}" destId="{93BC48DE-105A-41DD-8BF6-6040C58E9A13}" srcOrd="0" destOrd="0" presId="urn:microsoft.com/office/officeart/2005/8/layout/orgChart1"/>
+    <dgm:cxn modelId="{80753897-E5B5-4ED8-9549-5100AF089CFB}" srcId="{6CA09A5E-B8A0-4A71-ADD4-346908CF8A6E}" destId="{C9FE2CFE-33B3-428A-A71B-F919C91E56A9}" srcOrd="0" destOrd="0" parTransId="{F4571858-FC3A-4093-B8F7-1E141991EFC7}" sibTransId="{A4286B5A-0778-4A0B-A600-F7CDFBC7DE95}"/>
     <dgm:cxn modelId="{18D742A1-B1A6-4025-81A2-142C4288915F}" type="presOf" srcId="{627DF427-CD0D-4E70-878D-4AA51C8A005C}" destId="{58F8D231-E10A-4891-BA3A-DF6162AC1084}" srcOrd="0" destOrd="0" presId="urn:microsoft.com/office/officeart/2005/8/layout/orgChart1"/>
-    <dgm:cxn modelId="{F604C255-42F2-47E5-A7DC-80780BE07DA3}" type="presOf" srcId="{C9FE2CFE-33B3-428A-A71B-F919C91E56A9}" destId="{B44BC3D0-5E73-423E-9FF3-3D41C3E3D1DE}" srcOrd="1" destOrd="0" presId="urn:microsoft.com/office/officeart/2005/8/layout/orgChart1"/>
+    <dgm:cxn modelId="{82A6D5AC-85AE-4542-826F-42ACD31DCC6A}" type="presOf" srcId="{74A45DA7-6203-427C-95E6-97496B209C6A}" destId="{A1DE884E-05B8-4BDA-8B97-EB107522A13B}" srcOrd="0" destOrd="0" presId="urn:microsoft.com/office/officeart/2005/8/layout/orgChart1"/>
+    <dgm:cxn modelId="{EE6BD4B1-B6C3-4800-97C3-DCDE512D8AA7}" type="presOf" srcId="{D7134094-D23B-4867-B1C0-8B467B464B57}" destId="{7A8C1E97-CAEA-4C10-A3BA-F2C556BACFE7}" srcOrd="0" destOrd="0" presId="urn:microsoft.com/office/officeart/2005/8/layout/orgChart1"/>
+    <dgm:cxn modelId="{6EEA26B3-5CC6-4EDA-B300-D8D717AEDED6}" srcId="{822A8367-F08A-4A9E-B6EE-8B49DD314881}" destId="{FD751965-2BDC-438B-947B-D07B08C2B1EB}" srcOrd="0" destOrd="0" parTransId="{D4881C79-E3A6-4A11-A561-16944FDA7E3D}" sibTransId="{12EFC5DB-9CDD-4F3B-A3AC-272CAF5B3C58}"/>
+    <dgm:cxn modelId="{0B311FB8-AA63-442B-857E-8CBD33C17462}" type="presOf" srcId="{F76FE35E-0007-412A-BB13-57DA750A5E9C}" destId="{EB26E828-0942-4AD7-8883-5E2E6C40E665}" srcOrd="1" destOrd="0" presId="urn:microsoft.com/office/officeart/2005/8/layout/orgChart1"/>
     <dgm:cxn modelId="{894940BC-498F-4238-B8A1-AE9C0500231A}" type="presOf" srcId="{27320119-E80F-4162-8F3A-3CB8909E795C}" destId="{F87E183A-7BB0-4B2A-A2A7-CBA8E8BFBD21}" srcOrd="0" destOrd="0" presId="urn:microsoft.com/office/officeart/2005/8/layout/orgChart1"/>
-    <dgm:cxn modelId="{FEB6AB47-C768-4566-B351-AF7CEE33662D}" srcId="{88701BC0-3BC4-4D6E-A745-608E267D8549}" destId="{F76FE35E-0007-412A-BB13-57DA750A5E9C}" srcOrd="0" destOrd="0" parTransId="{830AFFBF-7265-45F5-BE7A-CAF76103F757}" sibTransId="{EE8989F4-C5DF-4849-A1D7-4C286C860460}"/>
+    <dgm:cxn modelId="{FEDC69C4-9CF1-4AE5-8DBF-E139381DF2A5}" type="presOf" srcId="{0D73AC28-ACED-48D0-A079-4DA81711ADCB}" destId="{8137936B-7370-45A3-A6F4-D3CC008BC629}" srcOrd="1" destOrd="0" presId="urn:microsoft.com/office/officeart/2005/8/layout/orgChart1"/>
+    <dgm:cxn modelId="{6FBF46CE-2BB0-4D7D-8957-4D08134DA5B9}" type="presOf" srcId="{6251823C-0D5B-4272-8B95-4BFB4B26389D}" destId="{264D0045-93E4-47DA-A38A-DCD39CDED102}" srcOrd="0" destOrd="0" presId="urn:microsoft.com/office/officeart/2005/8/layout/orgChart1"/>
+    <dgm:cxn modelId="{AB65EFD7-06A7-4ED8-8A8C-92E3A9AD6B3A}" type="presOf" srcId="{F76FE35E-0007-412A-BB13-57DA750A5E9C}" destId="{88997EF4-2904-47BD-A092-4DD3D6084653}" srcOrd="0" destOrd="0" presId="urn:microsoft.com/office/officeart/2005/8/layout/orgChart1"/>
+    <dgm:cxn modelId="{9A2777D9-9329-4992-93ED-6EC474B6B523}" type="presOf" srcId="{88701BC0-3BC4-4D6E-A745-608E267D8549}" destId="{C0B8DD2D-5460-4E33-89E1-5D3026ACFDC9}" srcOrd="1" destOrd="0" presId="urn:microsoft.com/office/officeart/2005/8/layout/orgChart1"/>
+    <dgm:cxn modelId="{3F4CC6DB-4B67-4192-84E1-7923AC888870}" type="presOf" srcId="{065C42A1-F9DA-4035-B731-3CDB539A67E7}" destId="{3C742D52-E814-4314-AE86-D431494B2FD6}" srcOrd="0" destOrd="0" presId="urn:microsoft.com/office/officeart/2005/8/layout/orgChart1"/>
+    <dgm:cxn modelId="{9AAEAEE3-2FEE-4FB3-9433-C9290E6BF1CA}" type="presOf" srcId="{7E6144F2-4DD5-477A-91C4-5DC6A2AE156A}" destId="{FAF4249F-74CB-4177-B266-42B3F35A48EF}" srcOrd="0" destOrd="0" presId="urn:microsoft.com/office/officeart/2005/8/layout/orgChart1"/>
+    <dgm:cxn modelId="{55E599ED-6794-471D-9079-232BDDABA128}" type="presOf" srcId="{03092E38-7CE8-4281-AACE-C88713121475}" destId="{D686A4DD-0432-408F-BE4B-506D71F04291}" srcOrd="0" destOrd="0" presId="urn:microsoft.com/office/officeart/2005/8/layout/orgChart1"/>
     <dgm:cxn modelId="{928EF1F6-484D-43AB-96E4-592900A87BF2}" type="presOf" srcId="{6CA09A5E-B8A0-4A71-ADD4-346908CF8A6E}" destId="{833ADFAF-9E72-4045-B33C-ECE4CF3FA42D}" srcOrd="1" destOrd="0" presId="urn:microsoft.com/office/officeart/2005/8/layout/orgChart1"/>
-    <dgm:cxn modelId="{C0FD573E-2878-4502-907C-36DE59CBD08D}" type="presOf" srcId="{1012EB51-3AA4-4528-B8C0-4CEFBC667C49}" destId="{99AEAEB4-D6DB-4791-89AD-233421E02782}" srcOrd="0" destOrd="0" presId="urn:microsoft.com/office/officeart/2005/8/layout/orgChart1"/>
-    <dgm:cxn modelId="{13931C75-27B7-411B-AD09-A789B622D1AC}" type="presOf" srcId="{88701BC0-3BC4-4D6E-A745-608E267D8549}" destId="{E4285E3A-DB7A-4B47-9876-F8739183FC7A}" srcOrd="0" destOrd="0" presId="urn:microsoft.com/office/officeart/2005/8/layout/orgChart1"/>
-    <dgm:cxn modelId="{8E3CF48D-F420-431B-A6E7-E8CB81C8E544}" type="presOf" srcId="{BFD6A540-3C43-4134-BB4B-68127730A919}" destId="{F1132BB0-AF75-47A3-8609-4D2E7A897F1D}" srcOrd="0" destOrd="0" presId="urn:microsoft.com/office/officeart/2005/8/layout/orgChart1"/>
-    <dgm:cxn modelId="{9AAEAEE3-2FEE-4FB3-9433-C9290E6BF1CA}" type="presOf" srcId="{7E6144F2-4DD5-477A-91C4-5DC6A2AE156A}" destId="{FAF4249F-74CB-4177-B266-42B3F35A48EF}" srcOrd="0" destOrd="0" presId="urn:microsoft.com/office/officeart/2005/8/layout/orgChart1"/>
-    <dgm:cxn modelId="{FA9F530E-A804-4D59-8FDD-4D0E880B15D4}" type="presOf" srcId="{321C0BC4-7A3B-4036-871C-D296A2CB2DDB}" destId="{44FBA387-EEBB-4BF5-8D3B-608998B9E7FD}" srcOrd="0" destOrd="0" presId="urn:microsoft.com/office/officeart/2005/8/layout/orgChart1"/>
-    <dgm:cxn modelId="{FBBE684C-7EA9-4192-9F54-917D05DB4B41}" type="presOf" srcId="{627DF427-CD0D-4E70-878D-4AA51C8A005C}" destId="{3050518C-0F47-41E1-9EEA-562169427DA0}" srcOrd="1" destOrd="0" presId="urn:microsoft.com/office/officeart/2005/8/layout/orgChart1"/>
-    <dgm:cxn modelId="{71940248-4FDA-4D96-9A39-9BCE1AA752DD}" type="presOf" srcId="{512B5851-4D20-436F-A149-7CC370866394}" destId="{AEAD0110-FF99-4697-B796-25890CE39880}" srcOrd="0" destOrd="0" presId="urn:microsoft.com/office/officeart/2005/8/layout/orgChart1"/>
-    <dgm:cxn modelId="{CDDAED5A-C604-40AF-B5F3-04CB3259FE39}" type="presOf" srcId="{DE7543DB-7592-4EAD-8AF5-4D870EDC4FEF}" destId="{8780EF36-5FF2-42AC-B5DF-0A83BD959276}" srcOrd="0" destOrd="0" presId="urn:microsoft.com/office/officeart/2005/8/layout/orgChart1"/>
-    <dgm:cxn modelId="{B2465746-37AE-4885-A1BE-9676B73C774D}" srcId="{FD751965-2BDC-438B-947B-D07B08C2B1EB}" destId="{88701BC0-3BC4-4D6E-A745-608E267D8549}" srcOrd="3" destOrd="0" parTransId="{6701841D-B29D-4F43-A04A-C0F448C8EE4B}" sibTransId="{C42A5B7E-E971-4220-A17D-C94516963056}"/>
-    <dgm:cxn modelId="{60CE510F-A0CB-4E77-8707-C14FD08739CE}" type="presOf" srcId="{5318C7FD-06A4-4388-B613-2F342972AB53}" destId="{43DDFD52-ABBA-4B36-9E55-C7B224745957}" srcOrd="0" destOrd="0" presId="urn:microsoft.com/office/officeart/2005/8/layout/orgChart1"/>
     <dgm:cxn modelId="{7EF905FA-FA8D-4CB1-8D9B-263AA0F7EC1F}" type="presOf" srcId="{512B5851-4D20-436F-A149-7CC370866394}" destId="{1EEBB9B4-0545-45CE-99FE-2B3C1DCB29A3}" srcOrd="1" destOrd="0" presId="urn:microsoft.com/office/officeart/2005/8/layout/orgChart1"/>
-    <dgm:cxn modelId="{6EEA26B3-5CC6-4EDA-B300-D8D717AEDED6}" srcId="{822A8367-F08A-4A9E-B6EE-8B49DD314881}" destId="{FD751965-2BDC-438B-947B-D07B08C2B1EB}" srcOrd="0" destOrd="0" parTransId="{D4881C79-E3A6-4A11-A561-16944FDA7E3D}" sibTransId="{12EFC5DB-9CDD-4F3B-A3AC-272CAF5B3C58}"/>
-    <dgm:cxn modelId="{280CDF48-ADBB-47FD-BE10-6787FE6CFA19}" type="presOf" srcId="{E9CAD86E-CB21-46CE-B94B-22D35AC3A8BF}" destId="{C3A3E138-5EB8-42D0-BB9B-5CF8E78410A5}" srcOrd="1" destOrd="0" presId="urn:microsoft.com/office/officeart/2005/8/layout/orgChart1"/>
-    <dgm:cxn modelId="{8100F955-8455-41CB-B1D9-6D95AB42DCB4}" srcId="{065C42A1-F9DA-4035-B731-3CDB539A67E7}" destId="{E9CAD86E-CB21-46CE-B94B-22D35AC3A8BF}" srcOrd="2" destOrd="0" parTransId="{5318C7FD-06A4-4388-B613-2F342972AB53}" sibTransId="{230254FA-09E8-470F-8D00-AA06A8F35EBE}"/>
-    <dgm:cxn modelId="{55C5C48D-F2F0-468E-807F-0196A207E3AD}" type="presOf" srcId="{0D73AC28-ACED-48D0-A079-4DA81711ADCB}" destId="{EEA0B25C-A04A-4FF8-894A-419F43B58887}" srcOrd="0" destOrd="0" presId="urn:microsoft.com/office/officeart/2005/8/layout/orgChart1"/>
-    <dgm:cxn modelId="{FEDC69C4-9CF1-4AE5-8DBF-E139381DF2A5}" type="presOf" srcId="{0D73AC28-ACED-48D0-A079-4DA81711ADCB}" destId="{8137936B-7370-45A3-A6F4-D3CC008BC629}" srcOrd="1" destOrd="0" presId="urn:microsoft.com/office/officeart/2005/8/layout/orgChart1"/>
-    <dgm:cxn modelId="{9E5E2B59-52EE-4B60-B206-0F393EB95020}" srcId="{FD751965-2BDC-438B-947B-D07B08C2B1EB}" destId="{DAE9D4C1-9529-4971-9C00-376C900FC858}" srcOrd="4" destOrd="0" parTransId="{BFD6A540-3C43-4134-BB4B-68127730A919}" sibTransId="{5AF9875D-8909-447F-BB36-ABBE791610AD}"/>
+    <dgm:cxn modelId="{CF276AFA-B95F-44A5-B28D-E4E028B24262}" type="presOf" srcId="{822A8367-F08A-4A9E-B6EE-8B49DD314881}" destId="{820C8BCB-CB0D-4B2B-A2A1-6529BE6B777B}" srcOrd="0" destOrd="0" presId="urn:microsoft.com/office/officeart/2005/8/layout/orgChart1"/>
+    <dgm:cxn modelId="{688548FF-6AC3-4B8A-BE0F-C655EE4339FC}" type="presOf" srcId="{FD751965-2BDC-438B-947B-D07B08C2B1EB}" destId="{B2855A30-360C-47D4-9654-10E3DF27B6CF}" srcOrd="1" destOrd="0" presId="urn:microsoft.com/office/officeart/2005/8/layout/orgChart1"/>
     <dgm:cxn modelId="{0D2BF8FF-27A3-40FD-BD35-890425A52DD5}" srcId="{88701BC0-3BC4-4D6E-A745-608E267D8549}" destId="{512B5851-4D20-436F-A149-7CC370866394}" srcOrd="2" destOrd="0" parTransId="{87B2436D-3DC2-4117-A31C-771DC7AA57DB}" sibTransId="{43FD5A31-1690-4F5A-AE1E-A0A4CEED32C5}"/>
-    <dgm:cxn modelId="{688548FF-6AC3-4B8A-BE0F-C655EE4339FC}" type="presOf" srcId="{FD751965-2BDC-438B-947B-D07B08C2B1EB}" destId="{B2855A30-360C-47D4-9654-10E3DF27B6CF}" srcOrd="1" destOrd="0" presId="urn:microsoft.com/office/officeart/2005/8/layout/orgChart1"/>
-    <dgm:cxn modelId="{FBE6AF83-AD82-4557-8B55-96CF2128F6A9}" srcId="{DAE9D4C1-9529-4971-9C00-376C900FC858}" destId="{1012EB51-3AA4-4528-B8C0-4CEFBC667C49}" srcOrd="0" destOrd="0" parTransId="{32DC2203-3464-49DC-BFB6-7B62C1F6291A}" sibTransId="{BE126115-FA60-4EA4-95A9-C0E81FD4C21B}"/>
-    <dgm:cxn modelId="{01A91E21-DF52-4FCB-837F-67CDD726CBCD}" type="presOf" srcId="{DAE9D4C1-9529-4971-9C00-376C900FC858}" destId="{E11D7C7D-8591-45B3-AFAA-F2E0AD6CABC5}" srcOrd="1" destOrd="0" presId="urn:microsoft.com/office/officeart/2005/8/layout/orgChart1"/>
-    <dgm:cxn modelId="{C11D29F5-2930-477F-80D2-4E9BDA2DE97D}" type="presOf" srcId="{1012EB51-3AA4-4528-B8C0-4CEFBC667C49}" destId="{E05BF53D-69E6-499E-84E3-704A9CCFE55E}" srcOrd="1" destOrd="0" presId="urn:microsoft.com/office/officeart/2005/8/layout/orgChart1"/>
-    <dgm:cxn modelId="{3A6FB876-DE9D-47FE-9B55-9C8F37A34A60}" srcId="{065C42A1-F9DA-4035-B731-3CDB539A67E7}" destId="{DE7543DB-7592-4EAD-8AF5-4D870EDC4FEF}" srcOrd="1" destOrd="0" parTransId="{8EDF0F6A-29B5-416B-9345-20D833EBE4C6}" sibTransId="{D800E5EB-88F2-4055-838A-86E57DB0521F}"/>
-    <dgm:cxn modelId="{B5E03885-0DC8-4DE6-BF8F-45ED21B06B51}" type="presOf" srcId="{6CA09A5E-B8A0-4A71-ADD4-346908CF8A6E}" destId="{F7DE2FBB-2B3A-4552-868C-42F64B9B986F}" srcOrd="0" destOrd="0" presId="urn:microsoft.com/office/officeart/2005/8/layout/orgChart1"/>
-    <dgm:cxn modelId="{1D89D729-C56F-433E-A7EA-C221E1631A44}" type="presOf" srcId="{D7134094-D23B-4867-B1C0-8B467B464B57}" destId="{37A92CAB-72B8-4C79-B2CB-E86DAEEDC8C4}" srcOrd="1" destOrd="0" presId="urn:microsoft.com/office/officeart/2005/8/layout/orgChart1"/>
-    <dgm:cxn modelId="{55E599ED-6794-471D-9079-232BDDABA128}" type="presOf" srcId="{03092E38-7CE8-4281-AACE-C88713121475}" destId="{D686A4DD-0432-408F-BE4B-506D71F04291}" srcOrd="0" destOrd="0" presId="urn:microsoft.com/office/officeart/2005/8/layout/orgChart1"/>
-    <dgm:cxn modelId="{0B311FB8-AA63-442B-857E-8CBD33C17462}" type="presOf" srcId="{F76FE35E-0007-412A-BB13-57DA750A5E9C}" destId="{EB26E828-0942-4AD7-8883-5E2E6C40E665}" srcOrd="1" destOrd="0" presId="urn:microsoft.com/office/officeart/2005/8/layout/orgChart1"/>
-    <dgm:cxn modelId="{AB65EFD7-06A7-4ED8-8A8C-92E3A9AD6B3A}" type="presOf" srcId="{F76FE35E-0007-412A-BB13-57DA750A5E9C}" destId="{88997EF4-2904-47BD-A092-4DD3D6084653}" srcOrd="0" destOrd="0" presId="urn:microsoft.com/office/officeart/2005/8/layout/orgChart1"/>
-    <dgm:cxn modelId="{91059C27-FB1F-44AA-922C-AA87C3D553D7}" type="presOf" srcId="{065C42A1-F9DA-4035-B731-3CDB539A67E7}" destId="{BA564F73-3FDB-4C3A-9837-45278937B477}" srcOrd="1" destOrd="0" presId="urn:microsoft.com/office/officeart/2005/8/layout/orgChart1"/>
-    <dgm:cxn modelId="{CF276AFA-B95F-44A5-B28D-E4E028B24262}" type="presOf" srcId="{822A8367-F08A-4A9E-B6EE-8B49DD314881}" destId="{820C8BCB-CB0D-4B2B-A2A1-6529BE6B777B}" srcOrd="0" destOrd="0" presId="urn:microsoft.com/office/officeart/2005/8/layout/orgChart1"/>
-    <dgm:cxn modelId="{3F4CC6DB-4B67-4192-84E1-7923AC888870}" type="presOf" srcId="{065C42A1-F9DA-4035-B731-3CDB539A67E7}" destId="{3C742D52-E814-4314-AE86-D431494B2FD6}" srcOrd="0" destOrd="0" presId="urn:microsoft.com/office/officeart/2005/8/layout/orgChart1"/>
-    <dgm:cxn modelId="{6FBF46CE-2BB0-4D7D-8957-4D08134DA5B9}" type="presOf" srcId="{6251823C-0D5B-4272-8B95-4BFB4B26389D}" destId="{264D0045-93E4-47DA-A38A-DCD39CDED102}" srcOrd="0" destOrd="0" presId="urn:microsoft.com/office/officeart/2005/8/layout/orgChart1"/>
-    <dgm:cxn modelId="{F3D4C73C-7003-4F4D-8A06-11DA63457C50}" type="presOf" srcId="{87B2436D-3DC2-4117-A31C-771DC7AA57DB}" destId="{DEE13216-85AE-4378-85FD-4F9CF1B8E0AF}" srcOrd="0" destOrd="0" presId="urn:microsoft.com/office/officeart/2005/8/layout/orgChart1"/>
-    <dgm:cxn modelId="{4590D775-249B-42CC-8F96-DD59B4526917}" type="presOf" srcId="{DE7543DB-7592-4EAD-8AF5-4D870EDC4FEF}" destId="{27DB3943-37A0-4E9E-AD70-035EC189E8B8}" srcOrd="1" destOrd="0" presId="urn:microsoft.com/office/officeart/2005/8/layout/orgChart1"/>
-    <dgm:cxn modelId="{D671E85E-55C3-482E-9068-B836ECBFFD96}" type="presOf" srcId="{8EDF0F6A-29B5-416B-9345-20D833EBE4C6}" destId="{5A91E01C-0B7A-4F13-BC3B-4EE50BCB126E}" srcOrd="0" destOrd="0" presId="urn:microsoft.com/office/officeart/2005/8/layout/orgChart1"/>
-    <dgm:cxn modelId="{EE6BD4B1-B6C3-4800-97C3-DCDE512D8AA7}" type="presOf" srcId="{D7134094-D23B-4867-B1C0-8B467B464B57}" destId="{7A8C1E97-CAEA-4C10-A3BA-F2C556BACFE7}" srcOrd="0" destOrd="0" presId="urn:microsoft.com/office/officeart/2005/8/layout/orgChart1"/>
-    <dgm:cxn modelId="{2FD59C24-7052-4579-824A-9D23776F9369}" type="presOf" srcId="{6701841D-B29D-4F43-A04A-C0F448C8EE4B}" destId="{AE85C9AC-A96D-453C-B30C-912E36B3230A}" srcOrd="0" destOrd="0" presId="urn:microsoft.com/office/officeart/2005/8/layout/orgChart1"/>
-    <dgm:cxn modelId="{D0E0A956-E2AD-4612-85D3-D7A6A3985D84}" type="presOf" srcId="{7E6144F2-4DD5-477A-91C4-5DC6A2AE156A}" destId="{D3519E94-C413-4BF1-B8EA-1755D9E51015}" srcOrd="1" destOrd="0" presId="urn:microsoft.com/office/officeart/2005/8/layout/orgChart1"/>
-    <dgm:cxn modelId="{F5E9345D-EFF1-4B8E-A3C0-325BA831B35E}" srcId="{065C42A1-F9DA-4035-B731-3CDB539A67E7}" destId="{7E6144F2-4DD5-477A-91C4-5DC6A2AE156A}" srcOrd="0" destOrd="0" parTransId="{03092E38-7CE8-4281-AACE-C88713121475}" sibTransId="{078EA66B-FA38-4AF1-8E86-BB4A1ABD456A}"/>
-    <dgm:cxn modelId="{B1017A09-108E-4A0A-BD1F-DB728A2179F3}" srcId="{88701BC0-3BC4-4D6E-A745-608E267D8549}" destId="{0D73AC28-ACED-48D0-A079-4DA81711ADCB}" srcOrd="1" destOrd="0" parTransId="{321C0BC4-7A3B-4036-871C-D296A2CB2DDB}" sibTransId="{DBF30BB3-CAC6-410B-8E97-14FD0CD14DAA}"/>
-    <dgm:cxn modelId="{3FA8E316-8C8B-481D-AC85-0BFBEFBD4EE2}" type="presOf" srcId="{32DC2203-3464-49DC-BFB6-7B62C1F6291A}" destId="{6B70AEF7-7B86-4FA5-A0AB-BA667FF95188}" srcOrd="0" destOrd="0" presId="urn:microsoft.com/office/officeart/2005/8/layout/orgChart1"/>
-    <dgm:cxn modelId="{07D02971-0785-41B4-B60E-6D3CE1507497}" type="presOf" srcId="{830AFFBF-7265-45F5-BE7A-CAF76103F757}" destId="{5776753B-DC49-435F-995D-2AA14F866BEA}" srcOrd="0" destOrd="0" presId="urn:microsoft.com/office/officeart/2005/8/layout/orgChart1"/>
-    <dgm:cxn modelId="{9A2777D9-9329-4992-93ED-6EC474B6B523}" type="presOf" srcId="{88701BC0-3BC4-4D6E-A745-608E267D8549}" destId="{C0B8DD2D-5460-4E33-89E1-5D3026ACFDC9}" srcOrd="1" destOrd="0" presId="urn:microsoft.com/office/officeart/2005/8/layout/orgChart1"/>
-    <dgm:cxn modelId="{1E99F045-C2A4-4D47-841A-744AFD6CC975}" type="presOf" srcId="{8A06145A-C8D0-49A6-B1D3-0BBAF37DD652}" destId="{FC29A3EE-7F43-4509-8DFC-D59B745502B1}" srcOrd="0" destOrd="0" presId="urn:microsoft.com/office/officeart/2005/8/layout/orgChart1"/>
-    <dgm:cxn modelId="{420AFC4D-1BC0-4617-A369-3A6DB39E9C57}" srcId="{FD751965-2BDC-438B-947B-D07B08C2B1EB}" destId="{065C42A1-F9DA-4035-B731-3CDB539A67E7}" srcOrd="1" destOrd="0" parTransId="{27320119-E80F-4162-8F3A-3CB8909E795C}" sibTransId="{D9D1A045-241A-4511-B621-F52B845D7544}"/>
-    <dgm:cxn modelId="{404A6619-D770-4499-ADCF-0C0F469E991F}" type="presOf" srcId="{C9FE2CFE-33B3-428A-A71B-F919C91E56A9}" destId="{3325CEB1-74F3-47EA-9103-89A74C3BFD21}" srcOrd="0" destOrd="0" presId="urn:microsoft.com/office/officeart/2005/8/layout/orgChart1"/>
-    <dgm:cxn modelId="{82A6D5AC-85AE-4542-826F-42ACD31DCC6A}" type="presOf" srcId="{74A45DA7-6203-427C-95E6-97496B209C6A}" destId="{A1DE884E-05B8-4BDA-8B97-EB107522A13B}" srcOrd="0" destOrd="0" presId="urn:microsoft.com/office/officeart/2005/8/layout/orgChart1"/>
     <dgm:cxn modelId="{C6599321-2190-4417-9CC1-CF034FDB213A}" type="presParOf" srcId="{820C8BCB-CB0D-4B2B-A2A1-6529BE6B777B}" destId="{8AC159B6-ACBE-45C7-B5BD-856E7FF1547A}" srcOrd="0" destOrd="0" presId="urn:microsoft.com/office/officeart/2005/8/layout/orgChart1"/>
     <dgm:cxn modelId="{A44C2431-D844-4294-9842-4A48B7662FD7}" type="presParOf" srcId="{8AC159B6-ACBE-45C7-B5BD-856E7FF1547A}" destId="{7243BD77-DD01-4D35-9163-00750BE4F3FC}" srcOrd="0" destOrd="0" presId="urn:microsoft.com/office/officeart/2005/8/layout/orgChart1"/>
     <dgm:cxn modelId="{C084884C-21C9-4443-B94E-B5BB33F9B8E6}" type="presParOf" srcId="{7243BD77-DD01-4D35-9163-00750BE4F3FC}" destId="{5A39BE46-6F34-4222-95A5-784F3CFF3102}" srcOrd="0" destOrd="0" presId="urn:microsoft.com/office/officeart/2005/8/layout/orgChart1"/>
@@ -4131,24 +3183,15 @@
     <dgm:cxn modelId="{35EE4324-4F90-48F3-80A2-7268296CF9F3}" type="presParOf" srcId="{0AFD943C-DD45-459C-AE62-15BD24253139}" destId="{EB3548A1-CC8B-4DC3-B951-06C1486A2BCA}" srcOrd="1" destOrd="0" presId="urn:microsoft.com/office/officeart/2005/8/layout/orgChart1"/>
     <dgm:cxn modelId="{A98D0B28-89C7-408B-AE91-29C21D0FC6DD}" type="presParOf" srcId="{0AFD943C-DD45-459C-AE62-15BD24253139}" destId="{5478BFDF-E4A3-4855-AD4D-688D9F36E100}" srcOrd="2" destOrd="0" presId="urn:microsoft.com/office/officeart/2005/8/layout/orgChart1"/>
     <dgm:cxn modelId="{4455DC13-4DEE-423A-8023-436D08A669FD}" type="presParOf" srcId="{E245E270-5D78-4AD0-B292-4FB6E38D7AA4}" destId="{9E1B5E60-2B2C-4EA5-95B9-CA873997E2DB}" srcOrd="2" destOrd="0" presId="urn:microsoft.com/office/officeart/2005/8/layout/orgChart1"/>
-    <dgm:cxn modelId="{419AFB79-C9D5-405D-811F-353A0B1CD39A}" type="presParOf" srcId="{24611BE9-483D-472C-BD40-F21D021997FF}" destId="{F1132BB0-AF75-47A3-8609-4D2E7A897F1D}" srcOrd="8" destOrd="0" presId="urn:microsoft.com/office/officeart/2005/8/layout/orgChart1"/>
-    <dgm:cxn modelId="{A415A42D-F7C7-4259-8B45-028EDD7F78E3}" type="presParOf" srcId="{24611BE9-483D-472C-BD40-F21D021997FF}" destId="{7742BC2B-6084-4155-95F1-B748CCFEF1AA}" srcOrd="9" destOrd="0" presId="urn:microsoft.com/office/officeart/2005/8/layout/orgChart1"/>
-    <dgm:cxn modelId="{A8573D34-0A43-43BD-9380-2762A4930FB7}" type="presParOf" srcId="{7742BC2B-6084-4155-95F1-B748CCFEF1AA}" destId="{90816E69-E891-43D7-85FF-202E3A2DBF6F}" srcOrd="0" destOrd="0" presId="urn:microsoft.com/office/officeart/2005/8/layout/orgChart1"/>
-    <dgm:cxn modelId="{E8D25FB3-7B76-4294-B103-23C7FFE4D7AA}" type="presParOf" srcId="{90816E69-E891-43D7-85FF-202E3A2DBF6F}" destId="{231A9892-CBAB-4E69-8CDD-37E341789991}" srcOrd="0" destOrd="0" presId="urn:microsoft.com/office/officeart/2005/8/layout/orgChart1"/>
-    <dgm:cxn modelId="{1EBE49AF-80C6-4AAC-B5D0-AAB74082CA68}" type="presParOf" srcId="{90816E69-E891-43D7-85FF-202E3A2DBF6F}" destId="{E11D7C7D-8591-45B3-AFAA-F2E0AD6CABC5}" srcOrd="1" destOrd="0" presId="urn:microsoft.com/office/officeart/2005/8/layout/orgChart1"/>
-    <dgm:cxn modelId="{B41690A1-D5A4-4D42-ACA9-53E81D5A818E}" type="presParOf" srcId="{7742BC2B-6084-4155-95F1-B748CCFEF1AA}" destId="{A6F03E78-9792-4DB3-8887-3DCE0CD130E9}" srcOrd="1" destOrd="0" presId="urn:microsoft.com/office/officeart/2005/8/layout/orgChart1"/>
-    <dgm:cxn modelId="{6FA53FC2-CF95-4C06-8914-BDD573E6A5D5}" type="presParOf" srcId="{A6F03E78-9792-4DB3-8887-3DCE0CD130E9}" destId="{6B70AEF7-7B86-4FA5-A0AB-BA667FF95188}" srcOrd="0" destOrd="0" presId="urn:microsoft.com/office/officeart/2005/8/layout/orgChart1"/>
-    <dgm:cxn modelId="{5E066289-F65C-409B-A741-E8D2D71D0D07}" type="presParOf" srcId="{A6F03E78-9792-4DB3-8887-3DCE0CD130E9}" destId="{074128B6-06AD-46D9-8EED-5F7F3E50450E}" srcOrd="1" destOrd="0" presId="urn:microsoft.com/office/officeart/2005/8/layout/orgChart1"/>
-    <dgm:cxn modelId="{C144729D-BDBE-4154-850C-192EA15A9E7B}" type="presParOf" srcId="{074128B6-06AD-46D9-8EED-5F7F3E50450E}" destId="{FF86D76A-EF59-4808-8430-91F88C629390}" srcOrd="0" destOrd="0" presId="urn:microsoft.com/office/officeart/2005/8/layout/orgChart1"/>
-    <dgm:cxn modelId="{CBF13888-88F0-4238-BEDD-1FA225290FBC}" type="presParOf" srcId="{FF86D76A-EF59-4808-8430-91F88C629390}" destId="{99AEAEB4-D6DB-4791-89AD-233421E02782}" srcOrd="0" destOrd="0" presId="urn:microsoft.com/office/officeart/2005/8/layout/orgChart1"/>
-    <dgm:cxn modelId="{B0D6EF72-BBBD-4F6E-9322-EDFEA6A3A0CC}" type="presParOf" srcId="{FF86D76A-EF59-4808-8430-91F88C629390}" destId="{E05BF53D-69E6-499E-84E3-704A9CCFE55E}" srcOrd="1" destOrd="0" presId="urn:microsoft.com/office/officeart/2005/8/layout/orgChart1"/>
-    <dgm:cxn modelId="{83D88344-9402-420B-9A9E-634E51CCFCC0}" type="presParOf" srcId="{074128B6-06AD-46D9-8EED-5F7F3E50450E}" destId="{2831F261-8105-4D5D-B6D3-72FFBF7E4DFA}" srcOrd="1" destOrd="0" presId="urn:microsoft.com/office/officeart/2005/8/layout/orgChart1"/>
-    <dgm:cxn modelId="{4D84C9B5-6964-4C20-AB7C-6D912103DC95}" type="presParOf" srcId="{074128B6-06AD-46D9-8EED-5F7F3E50450E}" destId="{4968063C-4A37-4CCA-891D-03D34AB9AFB7}" srcOrd="2" destOrd="0" presId="urn:microsoft.com/office/officeart/2005/8/layout/orgChart1"/>
-    <dgm:cxn modelId="{6104471B-017C-453B-9050-45EE32F73950}" type="presParOf" srcId="{7742BC2B-6084-4155-95F1-B748CCFEF1AA}" destId="{31274CDD-51B7-4E77-972D-621B9CD544CE}" srcOrd="2" destOrd="0" presId="urn:microsoft.com/office/officeart/2005/8/layout/orgChart1"/>
     <dgm:cxn modelId="{4F26A7EC-1CA5-4071-A593-98112D348174}" type="presParOf" srcId="{8AC159B6-ACBE-45C7-B5BD-856E7FF1547A}" destId="{5B9DE34F-A3FC-4D89-BE89-746EDAA6698F}" srcOrd="2" destOrd="0" presId="urn:microsoft.com/office/officeart/2005/8/layout/orgChart1"/>
   </dgm:cxnLst>
   <dgm:bg/>
   <dgm:whole/>
+  <dgm:extLst>
+    <a:ext uri="http://schemas.microsoft.com/office/drawing/2008/diagram">
+      <dsp:dataModelExt xmlns:dsp="http://schemas.microsoft.com/office/drawing/2008/diagram" relId="rId6" minVer="http://schemas.openxmlformats.org/drawingml/2006/diagram"/>
+    </a:ext>
+  </dgm:extLst>
 </dgm:dataModel>
 </file>
 
@@ -4156,7 +3199,7 @@
 <dgm:dataModel xmlns:dgm="http://schemas.openxmlformats.org/drawingml/2006/diagram" xmlns:a="http://schemas.openxmlformats.org/drawingml/2006/main">
   <dgm:ptLst>
     <dgm:pt modelId="{B1C65449-F2F1-4D80-B6DD-1D44579B3D57}" type="doc">
-      <dgm:prSet loTypeId="urn:microsoft.com/office/officeart/2005/8/layout/matrix3" loCatId="matrix" qsTypeId="urn:microsoft.com/office/officeart/2005/8/quickstyle/simple3" qsCatId="simple" csTypeId="urn:microsoft.com/office/officeart/2005/8/colors/colorful1" csCatId="colorful" phldr="1"/>
+      <dgm:prSet loTypeId="urn:microsoft.com/office/officeart/2005/8/layout/matrix3" loCatId="matrix" qsTypeId="urn:microsoft.com/office/officeart/2005/8/quickstyle/simple3" qsCatId="simple" csTypeId="urn:microsoft.com/office/officeart/2005/8/colors/colorful1#1" csCatId="colorful" phldr="1"/>
       <dgm:spPr/>
       <dgm:t>
         <a:bodyPr/>
@@ -4182,7 +3225,7 @@
             </a:spcAft>
           </a:pPr>
           <a:r>
-            <a:rPr lang="en-US" altLang="zh-TW" sz="2800" b="0" i="0" u="none" strike="noStrike" kern="1200" cap="none" dirty="0" smtClean="0">
+            <a:rPr lang="en-US" altLang="zh-TW" sz="2800" b="0" i="0" u="none" strike="noStrike" kern="1200" cap="none" dirty="0">
               <a:latin typeface="MS UI Gothic" pitchFamily="34" charset="-128"/>
               <a:ea typeface="MS UI Gothic" pitchFamily="34" charset="-128"/>
               <a:cs typeface="Nunito"/>
@@ -4191,7 +3234,7 @@
             <a:t>S </a:t>
           </a:r>
           <a:r>
-            <a:rPr lang="zh-TW" altLang="en-US" sz="2800" b="0" i="0" u="none" strike="noStrike" kern="1200" cap="none" dirty="0" smtClean="0">
+            <a:rPr lang="zh-TW" altLang="en-US" sz="2800" b="0" i="0" u="none" strike="noStrike" kern="1200" cap="none" dirty="0">
               <a:latin typeface="MS UI Gothic" pitchFamily="34" charset="-128"/>
               <a:ea typeface="MS UI Gothic" pitchFamily="34" charset="-128"/>
               <a:cs typeface="Nunito"/>
@@ -4199,7 +3242,7 @@
             </a:rPr>
             <a:t>優勢</a:t>
           </a:r>
-          <a:endParaRPr lang="en-US" altLang="zh-TW" sz="2800" b="0" i="0" u="none" strike="noStrike" kern="1200" cap="none" dirty="0" smtClean="0">
+          <a:endParaRPr lang="en-US" altLang="zh-TW" sz="2800" b="0" i="0" u="none" strike="noStrike" kern="1200" cap="none" dirty="0">
             <a:latin typeface="MS UI Gothic" pitchFamily="34" charset="-128"/>
             <a:ea typeface="MS UI Gothic" pitchFamily="34" charset="-128"/>
             <a:cs typeface="Nunito"/>
@@ -4216,13 +3259,13 @@
             </a:spcAft>
           </a:pPr>
           <a:r>
-            <a:rPr lang="zh-TW" altLang="en-US" sz="1200" kern="0" baseline="0" dirty="0" smtClean="0">
+            <a:rPr lang="zh-TW" altLang="en-US" sz="1200" kern="0" baseline="0" dirty="0">
               <a:latin typeface="微軟正黑體" pitchFamily="34" charset="-120"/>
               <a:ea typeface="微軟正黑體" pitchFamily="34" charset="-120"/>
             </a:rPr>
             <a:t>提供免費平台供使用者進行交流</a:t>
           </a:r>
-          <a:endParaRPr lang="en-US" altLang="zh-TW" sz="1200" kern="0" baseline="0" dirty="0" smtClean="0">
+          <a:endParaRPr lang="en-US" altLang="zh-TW" sz="1200" kern="0" baseline="0" dirty="0">
             <a:latin typeface="微軟正黑體" pitchFamily="34" charset="-120"/>
             <a:ea typeface="微軟正黑體" pitchFamily="34" charset="-120"/>
           </a:endParaRPr>
@@ -4237,13 +3280,13 @@
             </a:spcAft>
           </a:pPr>
           <a:r>
-            <a:rPr lang="zh-TW" altLang="en-US" sz="1200" kern="0" baseline="0" dirty="0" smtClean="0">
+            <a:rPr lang="zh-TW" altLang="en-US" sz="1200" kern="0" baseline="0" dirty="0">
               <a:latin typeface="微軟正黑體" pitchFamily="34" charset="-120"/>
               <a:ea typeface="微軟正黑體" pitchFamily="34" charset="-120"/>
             </a:rPr>
             <a:t>使用者可以追蹤自己喜歡的案件</a:t>
           </a:r>
-          <a:endParaRPr lang="en-US" altLang="zh-TW" sz="1200" kern="0" baseline="0" dirty="0" smtClean="0">
+          <a:endParaRPr lang="en-US" altLang="zh-TW" sz="1200" kern="0" baseline="0" dirty="0">
             <a:latin typeface="微軟正黑體" pitchFamily="34" charset="-120"/>
             <a:ea typeface="微軟正黑體" pitchFamily="34" charset="-120"/>
           </a:endParaRPr>
@@ -4258,7 +3301,7 @@
             </a:spcAft>
           </a:pPr>
           <a:r>
-            <a:rPr lang="zh-TW" altLang="en-US" sz="1200" kern="0" baseline="0" dirty="0" smtClean="0">
+            <a:rPr lang="zh-TW" altLang="en-US" sz="1200" kern="0" baseline="0" dirty="0">
               <a:latin typeface="微軟正黑體" pitchFamily="34" charset="-120"/>
               <a:ea typeface="微軟正黑體" pitchFamily="34" charset="-120"/>
             </a:rPr>
@@ -4306,7 +3349,7 @@
             </a:spcAft>
           </a:pPr>
           <a:r>
-            <a:rPr lang="en-US" altLang="zh-TW" sz="2800" b="0" i="0" u="none" strike="noStrike" kern="1200" cap="none" smtClean="0">
+            <a:rPr lang="en-US" altLang="zh-TW" sz="2800" b="0" i="0" u="none" strike="noStrike" kern="1200" cap="none">
               <a:latin typeface="MS UI Gothic" pitchFamily="34" charset="-128"/>
               <a:ea typeface="MS UI Gothic" pitchFamily="34" charset="-128"/>
               <a:cs typeface="Nunito"/>
@@ -4315,7 +3358,7 @@
             <a:t>W</a:t>
           </a:r>
           <a:r>
-            <a:rPr lang="zh-TW" altLang="en-US" sz="2800" b="0" i="0" u="none" strike="noStrike" kern="1200" cap="none" smtClean="0">
+            <a:rPr lang="zh-TW" altLang="en-US" sz="2800" b="0" i="0" u="none" strike="noStrike" kern="1200" cap="none">
               <a:latin typeface="MS UI Gothic" pitchFamily="34" charset="-128"/>
               <a:ea typeface="MS UI Gothic" pitchFamily="34" charset="-128"/>
               <a:cs typeface="Nunito"/>
@@ -4323,7 +3366,7 @@
             </a:rPr>
             <a:t> 劣勢</a:t>
           </a:r>
-          <a:endParaRPr lang="en-US" altLang="zh-TW" sz="2800" b="0" i="0" u="none" strike="noStrike" kern="1200" cap="none" smtClean="0">
+          <a:endParaRPr lang="en-US" altLang="zh-TW" sz="2800" b="0" i="0" u="none" strike="noStrike" kern="1200" cap="none">
             <a:latin typeface="MS UI Gothic" pitchFamily="34" charset="-128"/>
             <a:ea typeface="MS UI Gothic" pitchFamily="34" charset="-128"/>
             <a:cs typeface="Nunito"/>
@@ -4340,13 +3383,13 @@
             </a:spcAft>
           </a:pPr>
           <a:r>
-            <a:rPr lang="zh-TW" altLang="en-US" sz="1200" kern="0" baseline="0" smtClean="0">
+            <a:rPr lang="zh-TW" altLang="en-US" sz="1200" kern="0" baseline="0">
               <a:latin typeface="微軟正黑體" pitchFamily="34" charset="-120"/>
               <a:ea typeface="微軟正黑體" pitchFamily="34" charset="-120"/>
             </a:rPr>
             <a:t>自身網站目前並無提救援服務項目</a:t>
           </a:r>
-          <a:endParaRPr lang="en-US" altLang="zh-TW" sz="1200" kern="0" baseline="0" smtClean="0">
+          <a:endParaRPr lang="en-US" altLang="zh-TW" sz="1200" kern="0" baseline="0">
             <a:latin typeface="微軟正黑體" pitchFamily="34" charset="-120"/>
             <a:ea typeface="微軟正黑體" pitchFamily="34" charset="-120"/>
           </a:endParaRPr>
@@ -4361,13 +3404,13 @@
             </a:spcAft>
           </a:pPr>
           <a:r>
-            <a:rPr lang="zh-TW" altLang="en-US" sz="1200" kern="0" baseline="0" smtClean="0">
+            <a:rPr lang="zh-TW" altLang="en-US" sz="1200" kern="0" baseline="0">
               <a:latin typeface="微軟正黑體" pitchFamily="34" charset="-120"/>
               <a:ea typeface="微軟正黑體" pitchFamily="34" charset="-120"/>
             </a:rPr>
             <a:t>或收容場所</a:t>
           </a:r>
-          <a:endParaRPr lang="en-US" altLang="zh-TW" sz="1200" kern="0" baseline="0" smtClean="0">
+          <a:endParaRPr lang="en-US" altLang="zh-TW" sz="1200" kern="0" baseline="0">
             <a:latin typeface="微軟正黑體" pitchFamily="34" charset="-120"/>
             <a:ea typeface="微軟正黑體" pitchFamily="34" charset="-120"/>
           </a:endParaRPr>
@@ -4382,27 +3425,27 @@
             </a:spcAft>
           </a:pPr>
           <a:r>
-            <a:rPr lang="en-US" altLang="zh-TW" sz="1200" kern="0" baseline="0" smtClean="0">
+            <a:rPr lang="en-US" altLang="zh-TW" sz="1200" kern="0" baseline="0">
               <a:latin typeface="微軟正黑體" pitchFamily="34" charset="-120"/>
               <a:ea typeface="微軟正黑體" pitchFamily="34" charset="-120"/>
             </a:rPr>
             <a:t>(</a:t>
           </a:r>
           <a:r>
-            <a:rPr lang="zh-TW" altLang="en-US" sz="1200" kern="0" baseline="0" smtClean="0">
+            <a:rPr lang="zh-TW" altLang="en-US" sz="1200" kern="0" baseline="0">
               <a:latin typeface="微軟正黑體" pitchFamily="34" charset="-120"/>
               <a:ea typeface="微軟正黑體" pitchFamily="34" charset="-120"/>
             </a:rPr>
             <a:t>僅能提供資料請求第三方協助</a:t>
           </a:r>
           <a:r>
-            <a:rPr lang="en-US" altLang="zh-TW" sz="1200" kern="0" baseline="0" smtClean="0">
+            <a:rPr lang="en-US" altLang="zh-TW" sz="1200" kern="0" baseline="0">
               <a:latin typeface="微軟正黑體" pitchFamily="34" charset="-120"/>
               <a:ea typeface="微軟正黑體" pitchFamily="34" charset="-120"/>
             </a:rPr>
             <a:t>)</a:t>
           </a:r>
-          <a:endParaRPr lang="zh-TW" altLang="en-US" sz="1200" kern="0" baseline="0" dirty="0" smtClean="0">
+          <a:endParaRPr lang="zh-TW" altLang="en-US" sz="1200" kern="0" baseline="0" dirty="0">
             <a:latin typeface="微軟正黑體" pitchFamily="34" charset="-120"/>
             <a:ea typeface="微軟正黑體" pitchFamily="34" charset="-120"/>
           </a:endParaRPr>
@@ -4439,7 +3482,7 @@
         <a:lstStyle/>
         <a:p>
           <a:r>
-            <a:rPr lang="en-US" altLang="zh-TW" sz="2800" b="0" i="0" u="none" strike="noStrike" cap="none" smtClean="0">
+            <a:rPr lang="en-US" altLang="zh-TW" sz="2800" b="0" i="0" u="none" strike="noStrike" cap="none">
               <a:latin typeface="MS UI Gothic" pitchFamily="34" charset="-128"/>
               <a:ea typeface="MS UI Gothic" pitchFamily="34" charset="-128"/>
               <a:cs typeface="Nunito"/>
@@ -4448,7 +3491,7 @@
             <a:t>O</a:t>
           </a:r>
           <a:r>
-            <a:rPr lang="zh-TW" altLang="en-US" sz="2800" b="0" i="0" u="none" strike="noStrike" cap="none" smtClean="0">
+            <a:rPr lang="zh-TW" altLang="en-US" sz="2800" b="0" i="0" u="none" strike="noStrike" cap="none">
               <a:latin typeface="MS UI Gothic" pitchFamily="34" charset="-128"/>
               <a:ea typeface="MS UI Gothic" pitchFamily="34" charset="-128"/>
               <a:cs typeface="Nunito"/>
@@ -4459,13 +3502,13 @@
         </a:p>
         <a:p>
           <a:r>
-            <a:rPr lang="zh-TW" altLang="en-US" sz="1200" smtClean="0">
+            <a:rPr lang="zh-TW" altLang="en-US" sz="1200">
               <a:latin typeface="微軟正黑體" pitchFamily="34" charset="-120"/>
               <a:ea typeface="微軟正黑體" pitchFamily="34" charset="-120"/>
             </a:rPr>
             <a:t>社會至今仍有許多流浪動物，動物保護的理念慢慢建築在人們的觀念教育宣導逐漸增加，讓大眾更了解流浪動物的問題。</a:t>
           </a:r>
-          <a:endParaRPr lang="en-US" altLang="zh-TW" sz="1200" dirty="0" smtClean="0">
+          <a:endParaRPr lang="en-US" altLang="zh-TW" sz="1200" dirty="0">
             <a:latin typeface="微軟正黑體" pitchFamily="34" charset="-120"/>
             <a:ea typeface="微軟正黑體" pitchFamily="34" charset="-120"/>
           </a:endParaRPr>
@@ -4502,7 +3545,7 @@
         <a:lstStyle/>
         <a:p>
           <a:r>
-            <a:rPr lang="en-US" altLang="zh-TW" sz="2800" b="0" i="0" u="none" strike="noStrike" cap="none" smtClean="0">
+            <a:rPr lang="en-US" altLang="zh-TW" sz="2800" b="0" i="0" u="none" strike="noStrike" cap="none">
               <a:latin typeface="MS UI Gothic" pitchFamily="34" charset="-128"/>
               <a:ea typeface="MS UI Gothic" pitchFamily="34" charset="-128"/>
               <a:cs typeface="Nunito"/>
@@ -4511,7 +3554,7 @@
             <a:t>T</a:t>
           </a:r>
           <a:r>
-            <a:rPr lang="zh-TW" altLang="en-US" sz="2800" b="0" i="0" u="none" strike="noStrike" cap="none" smtClean="0">
+            <a:rPr lang="zh-TW" altLang="en-US" sz="2800" b="0" i="0" u="none" strike="noStrike" cap="none">
               <a:latin typeface="MS UI Gothic" pitchFamily="34" charset="-128"/>
               <a:ea typeface="MS UI Gothic" pitchFamily="34" charset="-128"/>
               <a:cs typeface="Nunito"/>
@@ -4519,7 +3562,7 @@
             </a:rPr>
             <a:t> 威脅</a:t>
           </a:r>
-          <a:endParaRPr lang="en-US" altLang="zh-TW" sz="2800" b="0" i="0" u="none" strike="noStrike" cap="none" smtClean="0">
+          <a:endParaRPr lang="en-US" altLang="zh-TW" sz="2800" b="0" i="0" u="none" strike="noStrike" cap="none">
             <a:latin typeface="MS UI Gothic" pitchFamily="34" charset="-128"/>
             <a:ea typeface="MS UI Gothic" pitchFamily="34" charset="-128"/>
             <a:cs typeface="Nunito"/>
@@ -4528,19 +3571,19 @@
         </a:p>
         <a:p>
           <a:r>
-            <a:rPr lang="zh-TW" altLang="en-US" sz="1200" smtClean="0">
+            <a:rPr lang="zh-TW" altLang="en-US" sz="1200">
               <a:latin typeface="微軟正黑體" pitchFamily="34" charset="-120"/>
               <a:ea typeface="微軟正黑體" pitchFamily="34" charset="-120"/>
             </a:rPr>
             <a:t>網站使用率會影響到資訊的傳遞</a:t>
           </a:r>
-          <a:endParaRPr lang="en-US" altLang="zh-TW" sz="1200" smtClean="0">
+          <a:endParaRPr lang="en-US" altLang="zh-TW" sz="1200">
             <a:latin typeface="微軟正黑體" pitchFamily="34" charset="-120"/>
             <a:ea typeface="微軟正黑體" pitchFamily="34" charset="-120"/>
           </a:endParaRPr>
         </a:p>
         <a:p>
-          <a:endParaRPr lang="en-US" altLang="zh-TW" sz="1200" dirty="0" smtClean="0"/>
+          <a:endParaRPr lang="en-US" altLang="zh-TW" sz="1200" dirty="0"/>
         </a:p>
       </dgm:t>
     </dgm:pt>
@@ -4575,24 +3618,10 @@
         </dgm:presLayoutVars>
       </dgm:prSet>
       <dgm:spPr/>
-      <dgm:t>
-        <a:bodyPr/>
-        <a:lstStyle/>
-        <a:p>
-          <a:endParaRPr lang="zh-TW" altLang="en-US"/>
-        </a:p>
-      </dgm:t>
     </dgm:pt>
     <dgm:pt modelId="{72CD40D8-85B6-4E34-97EB-4DA0DF347757}" type="pres">
       <dgm:prSet presAssocID="{B1C65449-F2F1-4D80-B6DD-1D44579B3D57}" presName="diamond" presStyleLbl="bgShp" presStyleIdx="0" presStyleCnt="1"/>
       <dgm:spPr/>
-      <dgm:t>
-        <a:bodyPr/>
-        <a:lstStyle/>
-        <a:p>
-          <a:endParaRPr lang="zh-TW" altLang="en-US"/>
-        </a:p>
-      </dgm:t>
     </dgm:pt>
     <dgm:pt modelId="{2DC065FB-B2BF-4D31-B8BF-3169A4E089D3}" type="pres">
       <dgm:prSet presAssocID="{B1C65449-F2F1-4D80-B6DD-1D44579B3D57}" presName="quad1" presStyleLbl="node1" presStyleIdx="0" presStyleCnt="4" custScaleX="204407" custLinFactNeighborX="-52483" custLinFactNeighborY="-401">
@@ -4603,13 +3632,6 @@
         </dgm:presLayoutVars>
       </dgm:prSet>
       <dgm:spPr/>
-      <dgm:t>
-        <a:bodyPr/>
-        <a:lstStyle/>
-        <a:p>
-          <a:endParaRPr lang="zh-TW" altLang="en-US"/>
-        </a:p>
-      </dgm:t>
     </dgm:pt>
     <dgm:pt modelId="{3084FC60-27C3-442D-9386-366F9828B96E}" type="pres">
       <dgm:prSet presAssocID="{B1C65449-F2F1-4D80-B6DD-1D44579B3D57}" presName="quad2" presStyleLbl="node1" presStyleIdx="1" presStyleCnt="4" custScaleX="202398" custLinFactNeighborX="52086" custLinFactNeighborY="-1">
@@ -4620,13 +3642,6 @@
         </dgm:presLayoutVars>
       </dgm:prSet>
       <dgm:spPr/>
-      <dgm:t>
-        <a:bodyPr/>
-        <a:lstStyle/>
-        <a:p>
-          <a:endParaRPr lang="zh-TW" altLang="en-US"/>
-        </a:p>
-      </dgm:t>
     </dgm:pt>
     <dgm:pt modelId="{C4C91AFB-1A07-404F-9A1B-8A21826D22AE}" type="pres">
       <dgm:prSet presAssocID="{B1C65449-F2F1-4D80-B6DD-1D44579B3D57}" presName="quad3" presStyleLbl="node1" presStyleIdx="2" presStyleCnt="4" custScaleX="202716" custLinFactNeighborX="-52484" custLinFactNeighborY="-2">
@@ -4637,13 +3652,6 @@
         </dgm:presLayoutVars>
       </dgm:prSet>
       <dgm:spPr/>
-      <dgm:t>
-        <a:bodyPr/>
-        <a:lstStyle/>
-        <a:p>
-          <a:endParaRPr lang="zh-TW" altLang="en-US"/>
-        </a:p>
-      </dgm:t>
     </dgm:pt>
     <dgm:pt modelId="{EA45ED88-AFA6-43F3-BAF4-5C1E6EBF87D6}" type="pres">
       <dgm:prSet presAssocID="{B1C65449-F2F1-4D80-B6DD-1D44579B3D57}" presName="quad4" presStyleLbl="node1" presStyleIdx="3" presStyleCnt="4" custScaleX="199935" custLinFactNeighborX="50879">
@@ -4654,24 +3662,17 @@
         </dgm:presLayoutVars>
       </dgm:prSet>
       <dgm:spPr/>
-      <dgm:t>
-        <a:bodyPr/>
-        <a:lstStyle/>
-        <a:p>
-          <a:endParaRPr lang="zh-TW" altLang="en-US"/>
-        </a:p>
-      </dgm:t>
     </dgm:pt>
   </dgm:ptLst>
   <dgm:cxnLst>
+    <dgm:cxn modelId="{BA0B721C-0905-42A0-8244-A256C7A7032A}" srcId="{B1C65449-F2F1-4D80-B6DD-1D44579B3D57}" destId="{7552028F-E008-4954-ADC7-5EE8994A443B}" srcOrd="2" destOrd="0" parTransId="{E3ABFC9E-A3B1-4EB0-A904-684AC81CD15A}" sibTransId="{E3A83E3E-44D8-44CE-9B9D-810F1E12C96A}"/>
     <dgm:cxn modelId="{42153748-43F8-4238-B5E8-E10E50C15600}" type="presOf" srcId="{893A72DD-9B23-484E-A46A-E34A31FCFD20}" destId="{3084FC60-27C3-442D-9386-366F9828B96E}" srcOrd="0" destOrd="0" presId="urn:microsoft.com/office/officeart/2005/8/layout/matrix3"/>
     <dgm:cxn modelId="{1CCFD469-C399-474C-95AA-D4A204BD0BFD}" type="presOf" srcId="{B1C65449-F2F1-4D80-B6DD-1D44579B3D57}" destId="{8A7E462B-E649-488B-81FB-A6847FDD50C8}" srcOrd="0" destOrd="0" presId="urn:microsoft.com/office/officeart/2005/8/layout/matrix3"/>
+    <dgm:cxn modelId="{B6A3FF70-7AFC-46BA-9B2E-E0AFD14F2FA6}" type="presOf" srcId="{78673C81-D223-404F-A570-2091DBE07E56}" destId="{EA45ED88-AFA6-43F3-BAF4-5C1E6EBF87D6}" srcOrd="0" destOrd="0" presId="urn:microsoft.com/office/officeart/2005/8/layout/matrix3"/>
+    <dgm:cxn modelId="{5F09207F-5276-48ED-A2D8-A99E091454D8}" srcId="{B1C65449-F2F1-4D80-B6DD-1D44579B3D57}" destId="{893A72DD-9B23-484E-A46A-E34A31FCFD20}" srcOrd="1" destOrd="0" parTransId="{D4085825-B038-4592-9782-78AFF8DA2424}" sibTransId="{14696414-243A-47FF-9AFC-BBD33DA949EF}"/>
+    <dgm:cxn modelId="{C63E809C-7953-4231-B833-04916C683715}" srcId="{B1C65449-F2F1-4D80-B6DD-1D44579B3D57}" destId="{6099A837-DAEE-4F51-9D41-7F44C9F540A4}" srcOrd="0" destOrd="0" parTransId="{7FB262C9-5941-46AE-8BCB-9F603A6C3F94}" sibTransId="{786E8605-FBCC-454C-8FBE-96CC7C644518}"/>
+    <dgm:cxn modelId="{E71671B9-A9DA-422F-9D59-5B266D573248}" type="presOf" srcId="{7552028F-E008-4954-ADC7-5EE8994A443B}" destId="{C4C91AFB-1A07-404F-9A1B-8A21826D22AE}" srcOrd="0" destOrd="0" presId="urn:microsoft.com/office/officeart/2005/8/layout/matrix3"/>
     <dgm:cxn modelId="{E6E923C0-EA5E-4D56-89AC-1080901BA53F}" srcId="{B1C65449-F2F1-4D80-B6DD-1D44579B3D57}" destId="{78673C81-D223-404F-A570-2091DBE07E56}" srcOrd="3" destOrd="0" parTransId="{977298DF-4720-467D-AA4F-36B07FF30D54}" sibTransId="{A5CEC6B7-4B66-4726-85D0-4946AAE2C55B}"/>
-    <dgm:cxn modelId="{C63E809C-7953-4231-B833-04916C683715}" srcId="{B1C65449-F2F1-4D80-B6DD-1D44579B3D57}" destId="{6099A837-DAEE-4F51-9D41-7F44C9F540A4}" srcOrd="0" destOrd="0" parTransId="{7FB262C9-5941-46AE-8BCB-9F603A6C3F94}" sibTransId="{786E8605-FBCC-454C-8FBE-96CC7C644518}"/>
-    <dgm:cxn modelId="{B6A3FF70-7AFC-46BA-9B2E-E0AFD14F2FA6}" type="presOf" srcId="{78673C81-D223-404F-A570-2091DBE07E56}" destId="{EA45ED88-AFA6-43F3-BAF4-5C1E6EBF87D6}" srcOrd="0" destOrd="0" presId="urn:microsoft.com/office/officeart/2005/8/layout/matrix3"/>
-    <dgm:cxn modelId="{E71671B9-A9DA-422F-9D59-5B266D573248}" type="presOf" srcId="{7552028F-E008-4954-ADC7-5EE8994A443B}" destId="{C4C91AFB-1A07-404F-9A1B-8A21826D22AE}" srcOrd="0" destOrd="0" presId="urn:microsoft.com/office/officeart/2005/8/layout/matrix3"/>
-    <dgm:cxn modelId="{5F09207F-5276-48ED-A2D8-A99E091454D8}" srcId="{B1C65449-F2F1-4D80-B6DD-1D44579B3D57}" destId="{893A72DD-9B23-484E-A46A-E34A31FCFD20}" srcOrd="1" destOrd="0" parTransId="{D4085825-B038-4592-9782-78AFF8DA2424}" sibTransId="{14696414-243A-47FF-9AFC-BBD33DA949EF}"/>
-    <dgm:cxn modelId="{BA0B721C-0905-42A0-8244-A256C7A7032A}" srcId="{B1C65449-F2F1-4D80-B6DD-1D44579B3D57}" destId="{7552028F-E008-4954-ADC7-5EE8994A443B}" srcOrd="2" destOrd="0" parTransId="{E3ABFC9E-A3B1-4EB0-A904-684AC81CD15A}" sibTransId="{E3A83E3E-44D8-44CE-9B9D-810F1E12C96A}"/>
     <dgm:cxn modelId="{A15BCEF1-07A4-416B-8C6B-6C1FAB12DE71}" type="presOf" srcId="{6099A837-DAEE-4F51-9D41-7F44C9F540A4}" destId="{2DC065FB-B2BF-4D31-B8BF-3169A4E089D3}" srcOrd="0" destOrd="0" presId="urn:microsoft.com/office/officeart/2005/8/layout/matrix3"/>
     <dgm:cxn modelId="{C57CAF0F-FD4D-463B-B7C8-163669142D97}" type="presParOf" srcId="{8A7E462B-E649-488B-81FB-A6847FDD50C8}" destId="{72CD40D8-85B6-4E34-97EB-4DA0DF347757}" srcOrd="0" destOrd="0" presId="urn:microsoft.com/office/officeart/2005/8/layout/matrix3"/>
     <dgm:cxn modelId="{EE077A2A-28AC-4D55-91F4-9F83EC29EF81}" type="presParOf" srcId="{8A7E462B-E649-488B-81FB-A6847FDD50C8}" destId="{2DC065FB-B2BF-4D31-B8BF-3169A4E089D3}" srcOrd="1" destOrd="0" presId="urn:microsoft.com/office/officeart/2005/8/layout/matrix3"/>
@@ -4681,7 +3682,2902 @@
   </dgm:cxnLst>
   <dgm:bg/>
   <dgm:whole/>
+  <dgm:extLst>
+    <a:ext uri="http://schemas.microsoft.com/office/drawing/2008/diagram">
+      <dsp:dataModelExt xmlns:dsp="http://schemas.microsoft.com/office/drawing/2008/diagram" relId="rId6" minVer="http://schemas.openxmlformats.org/drawingml/2006/diagram"/>
+    </a:ext>
+  </dgm:extLst>
 </dgm:dataModel>
+</file>
+
+<file path=ppt/diagrams/drawing1.xml><?xml version="1.0" encoding="utf-8"?>
+<dsp:drawing xmlns:dgm="http://schemas.openxmlformats.org/drawingml/2006/diagram" xmlns:dsp="http://schemas.microsoft.com/office/drawing/2008/diagram" xmlns:a="http://schemas.openxmlformats.org/drawingml/2006/main">
+  <dsp:spTree>
+    <dsp:nvGrpSpPr>
+      <dsp:cNvPr id="0" name=""/>
+      <dsp:cNvGrpSpPr/>
+    </dsp:nvGrpSpPr>
+    <dsp:grpSpPr/>
+    <dsp:sp modelId="{DEE13216-85AE-4378-85FD-4F9CF1B8E0AF}">
+      <dsp:nvSpPr>
+        <dsp:cNvPr id="0" name=""/>
+        <dsp:cNvSpPr/>
+      </dsp:nvSpPr>
+      <dsp:spPr>
+        <a:xfrm>
+          <a:off x="6736346" y="1993741"/>
+          <a:ext cx="237885" cy="2522442"/>
+        </a:xfrm>
+        <a:custGeom>
+          <a:avLst/>
+          <a:gdLst/>
+          <a:ahLst/>
+          <a:cxnLst/>
+          <a:rect l="0" t="0" r="0" b="0"/>
+          <a:pathLst>
+            <a:path>
+              <a:moveTo>
+                <a:pt x="0" y="0"/>
+              </a:moveTo>
+              <a:lnTo>
+                <a:pt x="0" y="2522442"/>
+              </a:lnTo>
+              <a:lnTo>
+                <a:pt x="237885" y="2522442"/>
+              </a:lnTo>
+            </a:path>
+          </a:pathLst>
+        </a:custGeom>
+        <a:noFill/>
+        <a:ln w="12700" cap="flat" cmpd="sng" algn="ctr">
+          <a:solidFill>
+            <a:schemeClr val="accent5">
+              <a:hueOff val="0"/>
+              <a:satOff val="0"/>
+              <a:lumOff val="0"/>
+              <a:alphaOff val="0"/>
+            </a:schemeClr>
+          </a:solidFill>
+          <a:prstDash val="solid"/>
+          <a:miter lim="800000"/>
+        </a:ln>
+        <a:effectLst/>
+      </dsp:spPr>
+      <dsp:style>
+        <a:lnRef idx="2">
+          <a:scrgbClr r="0" g="0" b="0"/>
+        </a:lnRef>
+        <a:fillRef idx="0">
+          <a:scrgbClr r="0" g="0" b="0"/>
+        </a:fillRef>
+        <a:effectRef idx="0">
+          <a:scrgbClr r="0" g="0" b="0"/>
+        </a:effectRef>
+        <a:fontRef idx="minor"/>
+      </dsp:style>
+    </dsp:sp>
+    <dsp:sp modelId="{44FBA387-EEBB-4BF5-8D3B-608998B9E7FD}">
+      <dsp:nvSpPr>
+        <dsp:cNvPr id="0" name=""/>
+        <dsp:cNvSpPr/>
+      </dsp:nvSpPr>
+      <dsp:spPr>
+        <a:xfrm>
+          <a:off x="6736346" y="1993741"/>
+          <a:ext cx="237885" cy="1566050"/>
+        </a:xfrm>
+        <a:custGeom>
+          <a:avLst/>
+          <a:gdLst/>
+          <a:ahLst/>
+          <a:cxnLst/>
+          <a:rect l="0" t="0" r="0" b="0"/>
+          <a:pathLst>
+            <a:path>
+              <a:moveTo>
+                <a:pt x="0" y="0"/>
+              </a:moveTo>
+              <a:lnTo>
+                <a:pt x="0" y="1566050"/>
+              </a:lnTo>
+              <a:lnTo>
+                <a:pt x="237885" y="1566050"/>
+              </a:lnTo>
+            </a:path>
+          </a:pathLst>
+        </a:custGeom>
+        <a:noFill/>
+        <a:ln w="12700" cap="flat" cmpd="sng" algn="ctr">
+          <a:solidFill>
+            <a:schemeClr val="accent5">
+              <a:hueOff val="0"/>
+              <a:satOff val="0"/>
+              <a:lumOff val="0"/>
+              <a:alphaOff val="0"/>
+            </a:schemeClr>
+          </a:solidFill>
+          <a:prstDash val="solid"/>
+          <a:miter lim="800000"/>
+        </a:ln>
+        <a:effectLst/>
+      </dsp:spPr>
+      <dsp:style>
+        <a:lnRef idx="2">
+          <a:scrgbClr r="0" g="0" b="0"/>
+        </a:lnRef>
+        <a:fillRef idx="0">
+          <a:scrgbClr r="0" g="0" b="0"/>
+        </a:fillRef>
+        <a:effectRef idx="0">
+          <a:scrgbClr r="0" g="0" b="0"/>
+        </a:effectRef>
+        <a:fontRef idx="minor"/>
+      </dsp:style>
+    </dsp:sp>
+    <dsp:sp modelId="{5776753B-DC49-435F-995D-2AA14F866BEA}">
+      <dsp:nvSpPr>
+        <dsp:cNvPr id="0" name=""/>
+        <dsp:cNvSpPr/>
+      </dsp:nvSpPr>
+      <dsp:spPr>
+        <a:xfrm>
+          <a:off x="6736346" y="1993741"/>
+          <a:ext cx="247110" cy="637335"/>
+        </a:xfrm>
+        <a:custGeom>
+          <a:avLst/>
+          <a:gdLst/>
+          <a:ahLst/>
+          <a:cxnLst/>
+          <a:rect l="0" t="0" r="0" b="0"/>
+          <a:pathLst>
+            <a:path>
+              <a:moveTo>
+                <a:pt x="0" y="0"/>
+              </a:moveTo>
+              <a:lnTo>
+                <a:pt x="0" y="637335"/>
+              </a:lnTo>
+              <a:lnTo>
+                <a:pt x="247110" y="637335"/>
+              </a:lnTo>
+            </a:path>
+          </a:pathLst>
+        </a:custGeom>
+        <a:noFill/>
+        <a:ln w="12700" cap="flat" cmpd="sng" algn="ctr">
+          <a:solidFill>
+            <a:schemeClr val="accent5">
+              <a:hueOff val="0"/>
+              <a:satOff val="0"/>
+              <a:lumOff val="0"/>
+              <a:alphaOff val="0"/>
+            </a:schemeClr>
+          </a:solidFill>
+          <a:prstDash val="solid"/>
+          <a:miter lim="800000"/>
+        </a:ln>
+        <a:effectLst/>
+      </dsp:spPr>
+      <dsp:style>
+        <a:lnRef idx="2">
+          <a:scrgbClr r="0" g="0" b="0"/>
+        </a:lnRef>
+        <a:fillRef idx="0">
+          <a:scrgbClr r="0" g="0" b="0"/>
+        </a:fillRef>
+        <a:effectRef idx="0">
+          <a:scrgbClr r="0" g="0" b="0"/>
+        </a:effectRef>
+        <a:fontRef idx="minor"/>
+      </dsp:style>
+    </dsp:sp>
+    <dsp:sp modelId="{AE85C9AC-A96D-453C-B30C-912E36B3230A}">
+      <dsp:nvSpPr>
+        <dsp:cNvPr id="0" name=""/>
+        <dsp:cNvSpPr/>
+      </dsp:nvSpPr>
+      <dsp:spPr>
+        <a:xfrm>
+          <a:off x="4405270" y="824084"/>
+          <a:ext cx="2990037" cy="345954"/>
+        </a:xfrm>
+        <a:custGeom>
+          <a:avLst/>
+          <a:gdLst/>
+          <a:ahLst/>
+          <a:cxnLst/>
+          <a:rect l="0" t="0" r="0" b="0"/>
+          <a:pathLst>
+            <a:path>
+              <a:moveTo>
+                <a:pt x="0" y="0"/>
+              </a:moveTo>
+              <a:lnTo>
+                <a:pt x="0" y="172977"/>
+              </a:lnTo>
+              <a:lnTo>
+                <a:pt x="2990037" y="172977"/>
+              </a:lnTo>
+              <a:lnTo>
+                <a:pt x="2990037" y="345954"/>
+              </a:lnTo>
+            </a:path>
+          </a:pathLst>
+        </a:custGeom>
+        <a:noFill/>
+        <a:ln w="12700" cap="flat" cmpd="sng" algn="ctr">
+          <a:solidFill>
+            <a:schemeClr val="accent4">
+              <a:hueOff val="0"/>
+              <a:satOff val="0"/>
+              <a:lumOff val="0"/>
+              <a:alphaOff val="0"/>
+            </a:schemeClr>
+          </a:solidFill>
+          <a:prstDash val="solid"/>
+          <a:miter lim="800000"/>
+        </a:ln>
+        <a:effectLst/>
+      </dsp:spPr>
+      <dsp:style>
+        <a:lnRef idx="2">
+          <a:scrgbClr r="0" g="0" b="0"/>
+        </a:lnRef>
+        <a:fillRef idx="0">
+          <a:scrgbClr r="0" g="0" b="0"/>
+        </a:fillRef>
+        <a:effectRef idx="0">
+          <a:scrgbClr r="0" g="0" b="0"/>
+        </a:effectRef>
+        <a:fontRef idx="minor"/>
+      </dsp:style>
+    </dsp:sp>
+    <dsp:sp modelId="{93BC48DE-105A-41DD-8BF6-6040C58E9A13}">
+      <dsp:nvSpPr>
+        <dsp:cNvPr id="0" name=""/>
+        <dsp:cNvSpPr/>
+      </dsp:nvSpPr>
+      <dsp:spPr>
+        <a:xfrm>
+          <a:off x="4742988" y="1993741"/>
+          <a:ext cx="247110" cy="637335"/>
+        </a:xfrm>
+        <a:custGeom>
+          <a:avLst/>
+          <a:gdLst/>
+          <a:ahLst/>
+          <a:cxnLst/>
+          <a:rect l="0" t="0" r="0" b="0"/>
+          <a:pathLst>
+            <a:path>
+              <a:moveTo>
+                <a:pt x="0" y="0"/>
+              </a:moveTo>
+              <a:lnTo>
+                <a:pt x="0" y="637335"/>
+              </a:lnTo>
+              <a:lnTo>
+                <a:pt x="247110" y="637335"/>
+              </a:lnTo>
+            </a:path>
+          </a:pathLst>
+        </a:custGeom>
+        <a:noFill/>
+        <a:ln w="12700" cap="flat" cmpd="sng" algn="ctr">
+          <a:solidFill>
+            <a:schemeClr val="accent5">
+              <a:hueOff val="0"/>
+              <a:satOff val="0"/>
+              <a:lumOff val="0"/>
+              <a:alphaOff val="0"/>
+            </a:schemeClr>
+          </a:solidFill>
+          <a:prstDash val="solid"/>
+          <a:miter lim="800000"/>
+        </a:ln>
+        <a:effectLst/>
+      </dsp:spPr>
+      <dsp:style>
+        <a:lnRef idx="2">
+          <a:scrgbClr r="0" g="0" b="0"/>
+        </a:lnRef>
+        <a:fillRef idx="0">
+          <a:scrgbClr r="0" g="0" b="0"/>
+        </a:fillRef>
+        <a:effectRef idx="0">
+          <a:scrgbClr r="0" g="0" b="0"/>
+        </a:effectRef>
+        <a:fontRef idx="minor"/>
+      </dsp:style>
+    </dsp:sp>
+    <dsp:sp modelId="{A1DE884E-05B8-4BDA-8B97-EB107522A13B}">
+      <dsp:nvSpPr>
+        <dsp:cNvPr id="0" name=""/>
+        <dsp:cNvSpPr/>
+      </dsp:nvSpPr>
+      <dsp:spPr>
+        <a:xfrm>
+          <a:off x="4405270" y="824084"/>
+          <a:ext cx="996679" cy="345954"/>
+        </a:xfrm>
+        <a:custGeom>
+          <a:avLst/>
+          <a:gdLst/>
+          <a:ahLst/>
+          <a:cxnLst/>
+          <a:rect l="0" t="0" r="0" b="0"/>
+          <a:pathLst>
+            <a:path>
+              <a:moveTo>
+                <a:pt x="0" y="0"/>
+              </a:moveTo>
+              <a:lnTo>
+                <a:pt x="0" y="172977"/>
+              </a:lnTo>
+              <a:lnTo>
+                <a:pt x="996679" y="172977"/>
+              </a:lnTo>
+              <a:lnTo>
+                <a:pt x="996679" y="345954"/>
+              </a:lnTo>
+            </a:path>
+          </a:pathLst>
+        </a:custGeom>
+        <a:noFill/>
+        <a:ln w="12700" cap="flat" cmpd="sng" algn="ctr">
+          <a:solidFill>
+            <a:schemeClr val="accent4">
+              <a:hueOff val="0"/>
+              <a:satOff val="0"/>
+              <a:lumOff val="0"/>
+              <a:alphaOff val="0"/>
+            </a:schemeClr>
+          </a:solidFill>
+          <a:prstDash val="solid"/>
+          <a:miter lim="800000"/>
+        </a:ln>
+        <a:effectLst/>
+      </dsp:spPr>
+      <dsp:style>
+        <a:lnRef idx="2">
+          <a:scrgbClr r="0" g="0" b="0"/>
+        </a:lnRef>
+        <a:fillRef idx="0">
+          <a:scrgbClr r="0" g="0" b="0"/>
+        </a:fillRef>
+        <a:effectRef idx="0">
+          <a:scrgbClr r="0" g="0" b="0"/>
+        </a:effectRef>
+        <a:fontRef idx="minor"/>
+      </dsp:style>
+    </dsp:sp>
+    <dsp:sp modelId="{43DDFD52-ABBA-4B36-9E55-C7B224745957}">
+      <dsp:nvSpPr>
+        <dsp:cNvPr id="0" name=""/>
+        <dsp:cNvSpPr/>
+      </dsp:nvSpPr>
+      <dsp:spPr>
+        <a:xfrm>
+          <a:off x="2749629" y="1993741"/>
+          <a:ext cx="237885" cy="2522442"/>
+        </a:xfrm>
+        <a:custGeom>
+          <a:avLst/>
+          <a:gdLst/>
+          <a:ahLst/>
+          <a:cxnLst/>
+          <a:rect l="0" t="0" r="0" b="0"/>
+          <a:pathLst>
+            <a:path>
+              <a:moveTo>
+                <a:pt x="0" y="0"/>
+              </a:moveTo>
+              <a:lnTo>
+                <a:pt x="0" y="2522442"/>
+              </a:lnTo>
+              <a:lnTo>
+                <a:pt x="237885" y="2522442"/>
+              </a:lnTo>
+            </a:path>
+          </a:pathLst>
+        </a:custGeom>
+        <a:noFill/>
+        <a:ln w="12700" cap="flat" cmpd="sng" algn="ctr">
+          <a:solidFill>
+            <a:schemeClr val="accent5">
+              <a:hueOff val="0"/>
+              <a:satOff val="0"/>
+              <a:lumOff val="0"/>
+              <a:alphaOff val="0"/>
+            </a:schemeClr>
+          </a:solidFill>
+          <a:prstDash val="solid"/>
+          <a:miter lim="800000"/>
+        </a:ln>
+        <a:effectLst/>
+      </dsp:spPr>
+      <dsp:style>
+        <a:lnRef idx="2">
+          <a:scrgbClr r="0" g="0" b="0"/>
+        </a:lnRef>
+        <a:fillRef idx="0">
+          <a:scrgbClr r="0" g="0" b="0"/>
+        </a:fillRef>
+        <a:effectRef idx="0">
+          <a:scrgbClr r="0" g="0" b="0"/>
+        </a:effectRef>
+        <a:fontRef idx="minor"/>
+      </dsp:style>
+    </dsp:sp>
+    <dsp:sp modelId="{5A91E01C-0B7A-4F13-BC3B-4EE50BCB126E}">
+      <dsp:nvSpPr>
+        <dsp:cNvPr id="0" name=""/>
+        <dsp:cNvSpPr/>
+      </dsp:nvSpPr>
+      <dsp:spPr>
+        <a:xfrm>
+          <a:off x="2749629" y="1993741"/>
+          <a:ext cx="237885" cy="1566050"/>
+        </a:xfrm>
+        <a:custGeom>
+          <a:avLst/>
+          <a:gdLst/>
+          <a:ahLst/>
+          <a:cxnLst/>
+          <a:rect l="0" t="0" r="0" b="0"/>
+          <a:pathLst>
+            <a:path>
+              <a:moveTo>
+                <a:pt x="0" y="0"/>
+              </a:moveTo>
+              <a:lnTo>
+                <a:pt x="0" y="1566050"/>
+              </a:lnTo>
+              <a:lnTo>
+                <a:pt x="237885" y="1566050"/>
+              </a:lnTo>
+            </a:path>
+          </a:pathLst>
+        </a:custGeom>
+        <a:noFill/>
+        <a:ln w="12700" cap="flat" cmpd="sng" algn="ctr">
+          <a:solidFill>
+            <a:schemeClr val="accent5">
+              <a:hueOff val="0"/>
+              <a:satOff val="0"/>
+              <a:lumOff val="0"/>
+              <a:alphaOff val="0"/>
+            </a:schemeClr>
+          </a:solidFill>
+          <a:prstDash val="solid"/>
+          <a:miter lim="800000"/>
+        </a:ln>
+        <a:effectLst/>
+      </dsp:spPr>
+      <dsp:style>
+        <a:lnRef idx="2">
+          <a:scrgbClr r="0" g="0" b="0"/>
+        </a:lnRef>
+        <a:fillRef idx="0">
+          <a:scrgbClr r="0" g="0" b="0"/>
+        </a:fillRef>
+        <a:effectRef idx="0">
+          <a:scrgbClr r="0" g="0" b="0"/>
+        </a:effectRef>
+        <a:fontRef idx="minor"/>
+      </dsp:style>
+    </dsp:sp>
+    <dsp:sp modelId="{D686A4DD-0432-408F-BE4B-506D71F04291}">
+      <dsp:nvSpPr>
+        <dsp:cNvPr id="0" name=""/>
+        <dsp:cNvSpPr/>
+      </dsp:nvSpPr>
+      <dsp:spPr>
+        <a:xfrm>
+          <a:off x="2749629" y="1993741"/>
+          <a:ext cx="210208" cy="628126"/>
+        </a:xfrm>
+        <a:custGeom>
+          <a:avLst/>
+          <a:gdLst/>
+          <a:ahLst/>
+          <a:cxnLst/>
+          <a:rect l="0" t="0" r="0" b="0"/>
+          <a:pathLst>
+            <a:path>
+              <a:moveTo>
+                <a:pt x="0" y="0"/>
+              </a:moveTo>
+              <a:lnTo>
+                <a:pt x="0" y="628126"/>
+              </a:lnTo>
+              <a:lnTo>
+                <a:pt x="210208" y="628126"/>
+              </a:lnTo>
+            </a:path>
+          </a:pathLst>
+        </a:custGeom>
+        <a:noFill/>
+        <a:ln w="12700" cap="flat" cmpd="sng" algn="ctr">
+          <a:solidFill>
+            <a:schemeClr val="accent5">
+              <a:hueOff val="0"/>
+              <a:satOff val="0"/>
+              <a:lumOff val="0"/>
+              <a:alphaOff val="0"/>
+            </a:schemeClr>
+          </a:solidFill>
+          <a:prstDash val="solid"/>
+          <a:miter lim="800000"/>
+        </a:ln>
+        <a:effectLst/>
+      </dsp:spPr>
+      <dsp:style>
+        <a:lnRef idx="2">
+          <a:scrgbClr r="0" g="0" b="0"/>
+        </a:lnRef>
+        <a:fillRef idx="0">
+          <a:scrgbClr r="0" g="0" b="0"/>
+        </a:fillRef>
+        <a:effectRef idx="0">
+          <a:scrgbClr r="0" g="0" b="0"/>
+        </a:effectRef>
+        <a:fontRef idx="minor"/>
+      </dsp:style>
+    </dsp:sp>
+    <dsp:sp modelId="{F87E183A-7BB0-4B2A-A2A7-CBA8E8BFBD21}">
+      <dsp:nvSpPr>
+        <dsp:cNvPr id="0" name=""/>
+        <dsp:cNvSpPr/>
+      </dsp:nvSpPr>
+      <dsp:spPr>
+        <a:xfrm>
+          <a:off x="3408591" y="824084"/>
+          <a:ext cx="996679" cy="345954"/>
+        </a:xfrm>
+        <a:custGeom>
+          <a:avLst/>
+          <a:gdLst/>
+          <a:ahLst/>
+          <a:cxnLst/>
+          <a:rect l="0" t="0" r="0" b="0"/>
+          <a:pathLst>
+            <a:path>
+              <a:moveTo>
+                <a:pt x="996679" y="0"/>
+              </a:moveTo>
+              <a:lnTo>
+                <a:pt x="996679" y="172977"/>
+              </a:lnTo>
+              <a:lnTo>
+                <a:pt x="0" y="172977"/>
+              </a:lnTo>
+              <a:lnTo>
+                <a:pt x="0" y="345954"/>
+              </a:lnTo>
+            </a:path>
+          </a:pathLst>
+        </a:custGeom>
+        <a:noFill/>
+        <a:ln w="12700" cap="flat" cmpd="sng" algn="ctr">
+          <a:solidFill>
+            <a:schemeClr val="accent4">
+              <a:hueOff val="0"/>
+              <a:satOff val="0"/>
+              <a:lumOff val="0"/>
+              <a:alphaOff val="0"/>
+            </a:schemeClr>
+          </a:solidFill>
+          <a:prstDash val="solid"/>
+          <a:miter lim="800000"/>
+        </a:ln>
+        <a:effectLst/>
+      </dsp:spPr>
+      <dsp:style>
+        <a:lnRef idx="2">
+          <a:scrgbClr r="0" g="0" b="0"/>
+        </a:lnRef>
+        <a:fillRef idx="0">
+          <a:scrgbClr r="0" g="0" b="0"/>
+        </a:fillRef>
+        <a:effectRef idx="0">
+          <a:scrgbClr r="0" g="0" b="0"/>
+        </a:effectRef>
+        <a:fontRef idx="minor"/>
+      </dsp:style>
+    </dsp:sp>
+    <dsp:sp modelId="{FC29A3EE-7F43-4509-8DFC-D59B745502B1}">
+      <dsp:nvSpPr>
+        <dsp:cNvPr id="0" name=""/>
+        <dsp:cNvSpPr/>
+      </dsp:nvSpPr>
+      <dsp:spPr>
+        <a:xfrm>
+          <a:off x="756271" y="1993741"/>
+          <a:ext cx="200505" cy="626725"/>
+        </a:xfrm>
+        <a:custGeom>
+          <a:avLst/>
+          <a:gdLst/>
+          <a:ahLst/>
+          <a:cxnLst/>
+          <a:rect l="0" t="0" r="0" b="0"/>
+          <a:pathLst>
+            <a:path>
+              <a:moveTo>
+                <a:pt x="0" y="0"/>
+              </a:moveTo>
+              <a:lnTo>
+                <a:pt x="0" y="626725"/>
+              </a:lnTo>
+              <a:lnTo>
+                <a:pt x="200505" y="626725"/>
+              </a:lnTo>
+            </a:path>
+          </a:pathLst>
+        </a:custGeom>
+        <a:noFill/>
+        <a:ln w="12700" cap="flat" cmpd="sng" algn="ctr">
+          <a:solidFill>
+            <a:schemeClr val="accent5">
+              <a:hueOff val="0"/>
+              <a:satOff val="0"/>
+              <a:lumOff val="0"/>
+              <a:alphaOff val="0"/>
+            </a:schemeClr>
+          </a:solidFill>
+          <a:prstDash val="solid"/>
+          <a:miter lim="800000"/>
+        </a:ln>
+        <a:effectLst/>
+      </dsp:spPr>
+      <dsp:style>
+        <a:lnRef idx="2">
+          <a:scrgbClr r="0" g="0" b="0"/>
+        </a:lnRef>
+        <a:fillRef idx="0">
+          <a:scrgbClr r="0" g="0" b="0"/>
+        </a:fillRef>
+        <a:effectRef idx="0">
+          <a:scrgbClr r="0" g="0" b="0"/>
+        </a:effectRef>
+        <a:fontRef idx="minor"/>
+      </dsp:style>
+    </dsp:sp>
+    <dsp:sp modelId="{264D0045-93E4-47DA-A38A-DCD39CDED102}">
+      <dsp:nvSpPr>
+        <dsp:cNvPr id="0" name=""/>
+        <dsp:cNvSpPr/>
+      </dsp:nvSpPr>
+      <dsp:spPr>
+        <a:xfrm>
+          <a:off x="1415232" y="824084"/>
+          <a:ext cx="2990037" cy="345954"/>
+        </a:xfrm>
+        <a:custGeom>
+          <a:avLst/>
+          <a:gdLst/>
+          <a:ahLst/>
+          <a:cxnLst/>
+          <a:rect l="0" t="0" r="0" b="0"/>
+          <a:pathLst>
+            <a:path>
+              <a:moveTo>
+                <a:pt x="2990037" y="0"/>
+              </a:moveTo>
+              <a:lnTo>
+                <a:pt x="2990037" y="172977"/>
+              </a:lnTo>
+              <a:lnTo>
+                <a:pt x="0" y="172977"/>
+              </a:lnTo>
+              <a:lnTo>
+                <a:pt x="0" y="345954"/>
+              </a:lnTo>
+            </a:path>
+          </a:pathLst>
+        </a:custGeom>
+        <a:noFill/>
+        <a:ln w="12700" cap="flat" cmpd="sng" algn="ctr">
+          <a:solidFill>
+            <a:schemeClr val="accent4">
+              <a:hueOff val="0"/>
+              <a:satOff val="0"/>
+              <a:lumOff val="0"/>
+              <a:alphaOff val="0"/>
+            </a:schemeClr>
+          </a:solidFill>
+          <a:prstDash val="solid"/>
+          <a:miter lim="800000"/>
+        </a:ln>
+        <a:effectLst/>
+      </dsp:spPr>
+      <dsp:style>
+        <a:lnRef idx="2">
+          <a:scrgbClr r="0" g="0" b="0"/>
+        </a:lnRef>
+        <a:fillRef idx="0">
+          <a:scrgbClr r="0" g="0" b="0"/>
+        </a:fillRef>
+        <a:effectRef idx="0">
+          <a:scrgbClr r="0" g="0" b="0"/>
+        </a:effectRef>
+        <a:fontRef idx="minor"/>
+      </dsp:style>
+    </dsp:sp>
+    <dsp:sp modelId="{5A39BE46-6F34-4222-95A5-784F3CFF3102}">
+      <dsp:nvSpPr>
+        <dsp:cNvPr id="0" name=""/>
+        <dsp:cNvSpPr/>
+      </dsp:nvSpPr>
+      <dsp:spPr>
+        <a:xfrm>
+          <a:off x="3581568" y="382"/>
+          <a:ext cx="1647403" cy="823701"/>
+        </a:xfrm>
+        <a:prstGeom prst="roundRect">
+          <a:avLst/>
+        </a:prstGeom>
+        <a:gradFill rotWithShape="0">
+          <a:gsLst>
+            <a:gs pos="0">
+              <a:schemeClr val="accent2">
+                <a:hueOff val="0"/>
+                <a:satOff val="0"/>
+                <a:lumOff val="0"/>
+                <a:alphaOff val="0"/>
+                <a:lumMod val="110000"/>
+                <a:satMod val="105000"/>
+                <a:tint val="67000"/>
+              </a:schemeClr>
+            </a:gs>
+            <a:gs pos="50000">
+              <a:schemeClr val="accent2">
+                <a:hueOff val="0"/>
+                <a:satOff val="0"/>
+                <a:lumOff val="0"/>
+                <a:alphaOff val="0"/>
+                <a:lumMod val="105000"/>
+                <a:satMod val="103000"/>
+                <a:tint val="73000"/>
+              </a:schemeClr>
+            </a:gs>
+            <a:gs pos="100000">
+              <a:schemeClr val="accent2">
+                <a:hueOff val="0"/>
+                <a:satOff val="0"/>
+                <a:lumOff val="0"/>
+                <a:alphaOff val="0"/>
+                <a:lumMod val="105000"/>
+                <a:satMod val="109000"/>
+                <a:tint val="81000"/>
+              </a:schemeClr>
+            </a:gs>
+          </a:gsLst>
+          <a:lin ang="5400000" scaled="0"/>
+        </a:gradFill>
+        <a:ln>
+          <a:noFill/>
+        </a:ln>
+        <a:effectLst/>
+        <a:scene3d>
+          <a:camera prst="orthographicFront"/>
+          <a:lightRig rig="flat" dir="t"/>
+        </a:scene3d>
+        <a:sp3d prstMaterial="dkEdge">
+          <a:bevelT w="8200" h="38100"/>
+        </a:sp3d>
+      </dsp:spPr>
+      <dsp:style>
+        <a:lnRef idx="0">
+          <a:scrgbClr r="0" g="0" b="0"/>
+        </a:lnRef>
+        <a:fillRef idx="2">
+          <a:scrgbClr r="0" g="0" b="0"/>
+        </a:fillRef>
+        <a:effectRef idx="1">
+          <a:scrgbClr r="0" g="0" b="0"/>
+        </a:effectRef>
+        <a:fontRef idx="minor">
+          <a:schemeClr val="dk1"/>
+        </a:fontRef>
+      </dsp:style>
+      <dsp:txBody>
+        <a:bodyPr spcFirstLastPara="0" vert="horz" wrap="square" lIns="17780" tIns="17780" rIns="17780" bIns="17780" numCol="1" spcCol="1270" anchor="ctr" anchorCtr="0">
+          <a:noAutofit/>
+        </a:bodyPr>
+        <a:lstStyle/>
+        <a:p>
+          <a:pPr marL="0" lvl="0" indent="0" algn="ctr" defTabSz="1244600">
+            <a:lnSpc>
+              <a:spcPct val="90000"/>
+            </a:lnSpc>
+            <a:spcBef>
+              <a:spcPct val="0"/>
+            </a:spcBef>
+            <a:spcAft>
+              <a:spcPct val="35000"/>
+            </a:spcAft>
+            <a:buNone/>
+          </a:pPr>
+          <a:r>
+            <a:rPr lang="zh-TW" altLang="en-US" sz="2800" b="1" kern="1200" dirty="0">
+              <a:latin typeface="微軟正黑體" pitchFamily="34" charset="-120"/>
+              <a:ea typeface="微軟正黑體" pitchFamily="34" charset="-120"/>
+            </a:rPr>
+            <a:t>網站架構</a:t>
+          </a:r>
+        </a:p>
+      </dsp:txBody>
+      <dsp:txXfrm>
+        <a:off x="3621778" y="40592"/>
+        <a:ext cx="1566983" cy="743281"/>
+      </dsp:txXfrm>
+    </dsp:sp>
+    <dsp:sp modelId="{7A8C1E97-CAEA-4C10-A3BA-F2C556BACFE7}">
+      <dsp:nvSpPr>
+        <dsp:cNvPr id="0" name=""/>
+        <dsp:cNvSpPr/>
+      </dsp:nvSpPr>
+      <dsp:spPr>
+        <a:xfrm>
+          <a:off x="591530" y="1170039"/>
+          <a:ext cx="1647403" cy="823701"/>
+        </a:xfrm>
+        <a:prstGeom prst="rect">
+          <a:avLst/>
+        </a:prstGeom>
+        <a:solidFill>
+          <a:schemeClr val="accent2"/>
+        </a:solidFill>
+        <a:ln w="12700" cap="flat" cmpd="sng" algn="ctr">
+          <a:solidFill>
+            <a:schemeClr val="accent2">
+              <a:shade val="50000"/>
+            </a:schemeClr>
+          </a:solidFill>
+          <a:prstDash val="solid"/>
+          <a:miter lim="800000"/>
+        </a:ln>
+        <a:effectLst/>
+        <a:scene3d>
+          <a:camera prst="orthographicFront"/>
+          <a:lightRig rig="flat" dir="t"/>
+        </a:scene3d>
+        <a:sp3d/>
+      </dsp:spPr>
+      <dsp:style>
+        <a:lnRef idx="2">
+          <a:schemeClr val="accent2">
+            <a:shade val="50000"/>
+          </a:schemeClr>
+        </a:lnRef>
+        <a:fillRef idx="1">
+          <a:schemeClr val="accent2"/>
+        </a:fillRef>
+        <a:effectRef idx="0">
+          <a:schemeClr val="accent2"/>
+        </a:effectRef>
+        <a:fontRef idx="minor">
+          <a:schemeClr val="lt1"/>
+        </a:fontRef>
+      </dsp:style>
+      <dsp:txBody>
+        <a:bodyPr spcFirstLastPara="0" vert="horz" wrap="square" lIns="15240" tIns="15240" rIns="15240" bIns="15240" numCol="1" spcCol="1270" anchor="ctr" anchorCtr="0">
+          <a:noAutofit/>
+        </a:bodyPr>
+        <a:lstStyle/>
+        <a:p>
+          <a:pPr marL="0" lvl="0" indent="0" algn="ctr" defTabSz="1066800">
+            <a:lnSpc>
+              <a:spcPct val="90000"/>
+            </a:lnSpc>
+            <a:spcBef>
+              <a:spcPct val="0"/>
+            </a:spcBef>
+            <a:spcAft>
+              <a:spcPct val="35000"/>
+            </a:spcAft>
+            <a:buNone/>
+          </a:pPr>
+          <a:r>
+            <a:rPr lang="zh-TW" altLang="en-US" sz="2400" b="1" kern="1200" dirty="0">
+              <a:effectLst>
+                <a:outerShdw blurRad="50800" dist="38100" dir="5400000" algn="t" rotWithShape="0">
+                  <a:prstClr val="black">
+                    <a:alpha val="40000"/>
+                  </a:prstClr>
+                </a:outerShdw>
+              </a:effectLst>
+              <a:latin typeface="微軟正黑體" pitchFamily="34" charset="-120"/>
+              <a:ea typeface="微軟正黑體" pitchFamily="34" charset="-120"/>
+            </a:rPr>
+            <a:t>首頁</a:t>
+          </a:r>
+        </a:p>
+      </dsp:txBody>
+      <dsp:txXfrm>
+        <a:off x="591530" y="1170039"/>
+        <a:ext cx="1647403" cy="823701"/>
+      </dsp:txXfrm>
+    </dsp:sp>
+    <dsp:sp modelId="{58F8D231-E10A-4891-BA3A-DF6162AC1084}">
+      <dsp:nvSpPr>
+        <dsp:cNvPr id="0" name=""/>
+        <dsp:cNvSpPr/>
+      </dsp:nvSpPr>
+      <dsp:spPr>
+        <a:xfrm>
+          <a:off x="956776" y="2246057"/>
+          <a:ext cx="1497638" cy="748819"/>
+        </a:xfrm>
+        <a:prstGeom prst="roundRect">
+          <a:avLst/>
+        </a:prstGeom>
+        <a:gradFill rotWithShape="0">
+          <a:gsLst>
+            <a:gs pos="0">
+              <a:schemeClr val="accent5">
+                <a:hueOff val="0"/>
+                <a:satOff val="0"/>
+                <a:lumOff val="0"/>
+                <a:alphaOff val="0"/>
+                <a:lumMod val="110000"/>
+                <a:satMod val="105000"/>
+                <a:tint val="67000"/>
+              </a:schemeClr>
+            </a:gs>
+            <a:gs pos="50000">
+              <a:schemeClr val="accent5">
+                <a:hueOff val="0"/>
+                <a:satOff val="0"/>
+                <a:lumOff val="0"/>
+                <a:alphaOff val="0"/>
+                <a:lumMod val="105000"/>
+                <a:satMod val="103000"/>
+                <a:tint val="73000"/>
+              </a:schemeClr>
+            </a:gs>
+            <a:gs pos="100000">
+              <a:schemeClr val="accent5">
+                <a:hueOff val="0"/>
+                <a:satOff val="0"/>
+                <a:lumOff val="0"/>
+                <a:alphaOff val="0"/>
+                <a:lumMod val="105000"/>
+                <a:satMod val="109000"/>
+                <a:tint val="81000"/>
+              </a:schemeClr>
+            </a:gs>
+          </a:gsLst>
+          <a:lin ang="5400000" scaled="0"/>
+        </a:gradFill>
+        <a:ln>
+          <a:noFill/>
+        </a:ln>
+        <a:effectLst/>
+        <a:scene3d>
+          <a:camera prst="orthographicFront"/>
+          <a:lightRig rig="flat" dir="t"/>
+        </a:scene3d>
+        <a:sp3d prstMaterial="dkEdge">
+          <a:bevelT w="8200" h="38100"/>
+        </a:sp3d>
+      </dsp:spPr>
+      <dsp:style>
+        <a:lnRef idx="0">
+          <a:scrgbClr r="0" g="0" b="0"/>
+        </a:lnRef>
+        <a:fillRef idx="2">
+          <a:scrgbClr r="0" g="0" b="0"/>
+        </a:fillRef>
+        <a:effectRef idx="1">
+          <a:scrgbClr r="0" g="0" b="0"/>
+        </a:effectRef>
+        <a:fontRef idx="minor">
+          <a:schemeClr val="dk1"/>
+        </a:fontRef>
+      </dsp:style>
+      <dsp:txBody>
+        <a:bodyPr spcFirstLastPara="0" vert="horz" wrap="square" lIns="11430" tIns="11430" rIns="11430" bIns="11430" numCol="1" spcCol="1270" anchor="ctr" anchorCtr="0">
+          <a:noAutofit/>
+        </a:bodyPr>
+        <a:lstStyle/>
+        <a:p>
+          <a:pPr marL="0" lvl="0" indent="0" algn="ctr" defTabSz="800100">
+            <a:lnSpc>
+              <a:spcPct val="90000"/>
+            </a:lnSpc>
+            <a:spcBef>
+              <a:spcPct val="0"/>
+            </a:spcBef>
+            <a:spcAft>
+              <a:spcPct val="35000"/>
+            </a:spcAft>
+            <a:buNone/>
+          </a:pPr>
+          <a:r>
+            <a:rPr lang="zh-TW" altLang="en-US" sz="1800" kern="1200" dirty="0">
+              <a:latin typeface="微軟正黑體" pitchFamily="34" charset="-120"/>
+              <a:ea typeface="微軟正黑體" pitchFamily="34" charset="-120"/>
+            </a:rPr>
+            <a:t>各項功能連結</a:t>
+          </a:r>
+        </a:p>
+      </dsp:txBody>
+      <dsp:txXfrm>
+        <a:off x="993330" y="2282611"/>
+        <a:ext cx="1424530" cy="675711"/>
+      </dsp:txXfrm>
+    </dsp:sp>
+    <dsp:sp modelId="{3C742D52-E814-4314-AE86-D431494B2FD6}">
+      <dsp:nvSpPr>
+        <dsp:cNvPr id="0" name=""/>
+        <dsp:cNvSpPr/>
+      </dsp:nvSpPr>
+      <dsp:spPr>
+        <a:xfrm>
+          <a:off x="2584889" y="1170039"/>
+          <a:ext cx="1647403" cy="823701"/>
+        </a:xfrm>
+        <a:prstGeom prst="rect">
+          <a:avLst/>
+        </a:prstGeom>
+        <a:solidFill>
+          <a:schemeClr val="accent2"/>
+        </a:solidFill>
+        <a:ln w="12700" cap="flat" cmpd="sng" algn="ctr">
+          <a:solidFill>
+            <a:schemeClr val="accent2">
+              <a:shade val="50000"/>
+            </a:schemeClr>
+          </a:solidFill>
+          <a:prstDash val="solid"/>
+          <a:miter lim="800000"/>
+        </a:ln>
+        <a:effectLst/>
+        <a:scene3d>
+          <a:camera prst="orthographicFront"/>
+          <a:lightRig rig="flat" dir="t"/>
+        </a:scene3d>
+        <a:sp3d/>
+      </dsp:spPr>
+      <dsp:style>
+        <a:lnRef idx="2">
+          <a:schemeClr val="accent2">
+            <a:shade val="50000"/>
+          </a:schemeClr>
+        </a:lnRef>
+        <a:fillRef idx="1">
+          <a:schemeClr val="accent2"/>
+        </a:fillRef>
+        <a:effectRef idx="0">
+          <a:schemeClr val="accent2"/>
+        </a:effectRef>
+        <a:fontRef idx="minor">
+          <a:schemeClr val="lt1"/>
+        </a:fontRef>
+      </dsp:style>
+      <dsp:txBody>
+        <a:bodyPr spcFirstLastPara="0" vert="horz" wrap="square" lIns="12700" tIns="12700" rIns="12700" bIns="12700" numCol="1" spcCol="1270" anchor="ctr" anchorCtr="0">
+          <a:noAutofit/>
+        </a:bodyPr>
+        <a:lstStyle/>
+        <a:p>
+          <a:pPr marL="0" lvl="0" indent="0" algn="ctr" defTabSz="889000">
+            <a:lnSpc>
+              <a:spcPct val="100000"/>
+            </a:lnSpc>
+            <a:spcBef>
+              <a:spcPct val="0"/>
+            </a:spcBef>
+            <a:spcAft>
+              <a:spcPts val="0"/>
+            </a:spcAft>
+            <a:buNone/>
+          </a:pPr>
+          <a:r>
+            <a:rPr lang="zh-TW" altLang="en-US" sz="2000" b="1" kern="1200" spc="-150" dirty="0">
+              <a:effectLst>
+                <a:outerShdw blurRad="50800" dist="38100" dir="5400000" algn="t" rotWithShape="0">
+                  <a:prstClr val="black">
+                    <a:alpha val="40000"/>
+                  </a:prstClr>
+                </a:outerShdw>
+              </a:effectLst>
+              <a:latin typeface="微軟正黑體" pitchFamily="34" charset="-120"/>
+              <a:ea typeface="微軟正黑體" pitchFamily="34" charset="-120"/>
+            </a:rPr>
+            <a:t>流浪救援</a:t>
+          </a:r>
+          <a:endParaRPr lang="en-US" altLang="zh-TW" sz="2000" b="1" kern="1200" spc="-150" dirty="0">
+            <a:effectLst>
+              <a:outerShdw blurRad="50800" dist="38100" dir="5400000" algn="t" rotWithShape="0">
+                <a:prstClr val="black">
+                  <a:alpha val="40000"/>
+                </a:prstClr>
+              </a:outerShdw>
+            </a:effectLst>
+            <a:latin typeface="微軟正黑體" pitchFamily="34" charset="-120"/>
+            <a:ea typeface="微軟正黑體" pitchFamily="34" charset="-120"/>
+          </a:endParaRPr>
+        </a:p>
+        <a:p>
+          <a:pPr marL="0" lvl="0" indent="0" algn="ctr" defTabSz="889000">
+            <a:lnSpc>
+              <a:spcPct val="90000"/>
+            </a:lnSpc>
+            <a:spcBef>
+              <a:spcPct val="0"/>
+            </a:spcBef>
+            <a:spcAft>
+              <a:spcPct val="35000"/>
+            </a:spcAft>
+            <a:buNone/>
+          </a:pPr>
+          <a:r>
+            <a:rPr lang="zh-TW" altLang="en-US" sz="2000" b="1" kern="1200" spc="-150" dirty="0">
+              <a:effectLst>
+                <a:outerShdw blurRad="50800" dist="38100" dir="5400000" algn="t" rotWithShape="0">
+                  <a:prstClr val="black">
+                    <a:alpha val="40000"/>
+                  </a:prstClr>
+                </a:outerShdw>
+              </a:effectLst>
+              <a:latin typeface="微軟正黑體" pitchFamily="34" charset="-120"/>
+              <a:ea typeface="微軟正黑體" pitchFamily="34" charset="-120"/>
+            </a:rPr>
+            <a:t>協尋、認養</a:t>
+          </a:r>
+        </a:p>
+      </dsp:txBody>
+      <dsp:txXfrm>
+        <a:off x="2584889" y="1170039"/>
+        <a:ext cx="1647403" cy="823701"/>
+      </dsp:txXfrm>
+    </dsp:sp>
+    <dsp:sp modelId="{FAF4249F-74CB-4177-B266-42B3F35A48EF}">
+      <dsp:nvSpPr>
+        <dsp:cNvPr id="0" name=""/>
+        <dsp:cNvSpPr/>
+      </dsp:nvSpPr>
+      <dsp:spPr>
+        <a:xfrm>
+          <a:off x="2959838" y="2247458"/>
+          <a:ext cx="1497638" cy="748819"/>
+        </a:xfrm>
+        <a:prstGeom prst="roundRect">
+          <a:avLst/>
+        </a:prstGeom>
+        <a:gradFill rotWithShape="0">
+          <a:gsLst>
+            <a:gs pos="0">
+              <a:schemeClr val="accent5">
+                <a:hueOff val="0"/>
+                <a:satOff val="0"/>
+                <a:lumOff val="0"/>
+                <a:alphaOff val="0"/>
+                <a:lumMod val="110000"/>
+                <a:satMod val="105000"/>
+                <a:tint val="67000"/>
+              </a:schemeClr>
+            </a:gs>
+            <a:gs pos="50000">
+              <a:schemeClr val="accent5">
+                <a:hueOff val="0"/>
+                <a:satOff val="0"/>
+                <a:lumOff val="0"/>
+                <a:alphaOff val="0"/>
+                <a:lumMod val="105000"/>
+                <a:satMod val="103000"/>
+                <a:tint val="73000"/>
+              </a:schemeClr>
+            </a:gs>
+            <a:gs pos="100000">
+              <a:schemeClr val="accent5">
+                <a:hueOff val="0"/>
+                <a:satOff val="0"/>
+                <a:lumOff val="0"/>
+                <a:alphaOff val="0"/>
+                <a:lumMod val="105000"/>
+                <a:satMod val="109000"/>
+                <a:tint val="81000"/>
+              </a:schemeClr>
+            </a:gs>
+          </a:gsLst>
+          <a:lin ang="5400000" scaled="0"/>
+        </a:gradFill>
+        <a:ln>
+          <a:noFill/>
+        </a:ln>
+        <a:effectLst/>
+        <a:scene3d>
+          <a:camera prst="orthographicFront"/>
+          <a:lightRig rig="flat" dir="t"/>
+        </a:scene3d>
+        <a:sp3d prstMaterial="dkEdge">
+          <a:bevelT w="8200" h="38100"/>
+        </a:sp3d>
+      </dsp:spPr>
+      <dsp:style>
+        <a:lnRef idx="0">
+          <a:scrgbClr r="0" g="0" b="0"/>
+        </a:lnRef>
+        <a:fillRef idx="2">
+          <a:scrgbClr r="0" g="0" b="0"/>
+        </a:fillRef>
+        <a:effectRef idx="1">
+          <a:scrgbClr r="0" g="0" b="0"/>
+        </a:effectRef>
+        <a:fontRef idx="minor">
+          <a:schemeClr val="dk1"/>
+        </a:fontRef>
+      </dsp:style>
+      <dsp:txBody>
+        <a:bodyPr spcFirstLastPara="0" vert="horz" wrap="square" lIns="11430" tIns="11430" rIns="11430" bIns="11430" numCol="1" spcCol="1270" anchor="ctr" anchorCtr="0">
+          <a:noAutofit/>
+        </a:bodyPr>
+        <a:lstStyle/>
+        <a:p>
+          <a:pPr marL="0" lvl="0" indent="0" algn="ctr" defTabSz="800100">
+            <a:lnSpc>
+              <a:spcPct val="90000"/>
+            </a:lnSpc>
+            <a:spcBef>
+              <a:spcPct val="0"/>
+            </a:spcBef>
+            <a:spcAft>
+              <a:spcPct val="35000"/>
+            </a:spcAft>
+            <a:buNone/>
+          </a:pPr>
+          <a:r>
+            <a:rPr lang="zh-TW" altLang="en-US" sz="1800" kern="1200" dirty="0">
+              <a:latin typeface="微軟正黑體" pitchFamily="34" charset="-120"/>
+              <a:ea typeface="微軟正黑體" pitchFamily="34" charset="-120"/>
+            </a:rPr>
+            <a:t>流浪動物展示</a:t>
+          </a:r>
+        </a:p>
+      </dsp:txBody>
+      <dsp:txXfrm>
+        <a:off x="2996392" y="2284012"/>
+        <a:ext cx="1424530" cy="675711"/>
+      </dsp:txXfrm>
+    </dsp:sp>
+    <dsp:sp modelId="{8780EF36-5FF2-42AC-B5DF-0A83BD959276}">
+      <dsp:nvSpPr>
+        <dsp:cNvPr id="0" name=""/>
+        <dsp:cNvSpPr/>
+      </dsp:nvSpPr>
+      <dsp:spPr>
+        <a:xfrm>
+          <a:off x="2987514" y="3185382"/>
+          <a:ext cx="1497638" cy="748819"/>
+        </a:xfrm>
+        <a:prstGeom prst="roundRect">
+          <a:avLst/>
+        </a:prstGeom>
+        <a:gradFill rotWithShape="0">
+          <a:gsLst>
+            <a:gs pos="0">
+              <a:schemeClr val="accent5">
+                <a:hueOff val="0"/>
+                <a:satOff val="0"/>
+                <a:lumOff val="0"/>
+                <a:alphaOff val="0"/>
+                <a:lumMod val="110000"/>
+                <a:satMod val="105000"/>
+                <a:tint val="67000"/>
+              </a:schemeClr>
+            </a:gs>
+            <a:gs pos="50000">
+              <a:schemeClr val="accent5">
+                <a:hueOff val="0"/>
+                <a:satOff val="0"/>
+                <a:lumOff val="0"/>
+                <a:alphaOff val="0"/>
+                <a:lumMod val="105000"/>
+                <a:satMod val="103000"/>
+                <a:tint val="73000"/>
+              </a:schemeClr>
+            </a:gs>
+            <a:gs pos="100000">
+              <a:schemeClr val="accent5">
+                <a:hueOff val="0"/>
+                <a:satOff val="0"/>
+                <a:lumOff val="0"/>
+                <a:alphaOff val="0"/>
+                <a:lumMod val="105000"/>
+                <a:satMod val="109000"/>
+                <a:tint val="81000"/>
+              </a:schemeClr>
+            </a:gs>
+          </a:gsLst>
+          <a:lin ang="5400000" scaled="0"/>
+        </a:gradFill>
+        <a:ln>
+          <a:noFill/>
+        </a:ln>
+        <a:effectLst/>
+        <a:scene3d>
+          <a:camera prst="orthographicFront"/>
+          <a:lightRig rig="flat" dir="t"/>
+        </a:scene3d>
+        <a:sp3d prstMaterial="dkEdge">
+          <a:bevelT w="8200" h="38100"/>
+        </a:sp3d>
+      </dsp:spPr>
+      <dsp:style>
+        <a:lnRef idx="0">
+          <a:scrgbClr r="0" g="0" b="0"/>
+        </a:lnRef>
+        <a:fillRef idx="2">
+          <a:scrgbClr r="0" g="0" b="0"/>
+        </a:fillRef>
+        <a:effectRef idx="1">
+          <a:scrgbClr r="0" g="0" b="0"/>
+        </a:effectRef>
+        <a:fontRef idx="minor">
+          <a:schemeClr val="dk1"/>
+        </a:fontRef>
+      </dsp:style>
+      <dsp:txBody>
+        <a:bodyPr spcFirstLastPara="0" vert="horz" wrap="square" lIns="11430" tIns="11430" rIns="11430" bIns="11430" numCol="1" spcCol="1270" anchor="ctr" anchorCtr="0">
+          <a:noAutofit/>
+        </a:bodyPr>
+        <a:lstStyle/>
+        <a:p>
+          <a:pPr marL="0" lvl="0" indent="0" algn="ctr" defTabSz="800100">
+            <a:lnSpc>
+              <a:spcPct val="90000"/>
+            </a:lnSpc>
+            <a:spcBef>
+              <a:spcPct val="0"/>
+            </a:spcBef>
+            <a:spcAft>
+              <a:spcPct val="35000"/>
+            </a:spcAft>
+            <a:buNone/>
+          </a:pPr>
+          <a:r>
+            <a:rPr lang="zh-TW" altLang="en-US" sz="1800" kern="1200" dirty="0">
+              <a:latin typeface="微軟正黑體" pitchFamily="34" charset="-120"/>
+              <a:ea typeface="微軟正黑體" pitchFamily="34" charset="-120"/>
+            </a:rPr>
+            <a:t>會員通報</a:t>
+          </a:r>
+        </a:p>
+      </dsp:txBody>
+      <dsp:txXfrm>
+        <a:off x="3024068" y="3221936"/>
+        <a:ext cx="1424530" cy="675711"/>
+      </dsp:txXfrm>
+    </dsp:sp>
+    <dsp:sp modelId="{21014A0C-7FC5-40B0-B906-E20543D43CA2}">
+      <dsp:nvSpPr>
+        <dsp:cNvPr id="0" name=""/>
+        <dsp:cNvSpPr/>
+      </dsp:nvSpPr>
+      <dsp:spPr>
+        <a:xfrm>
+          <a:off x="2987514" y="4141774"/>
+          <a:ext cx="1497638" cy="748819"/>
+        </a:xfrm>
+        <a:prstGeom prst="roundRect">
+          <a:avLst/>
+        </a:prstGeom>
+        <a:gradFill rotWithShape="0">
+          <a:gsLst>
+            <a:gs pos="0">
+              <a:schemeClr val="accent5">
+                <a:hueOff val="0"/>
+                <a:satOff val="0"/>
+                <a:lumOff val="0"/>
+                <a:alphaOff val="0"/>
+                <a:lumMod val="110000"/>
+                <a:satMod val="105000"/>
+                <a:tint val="67000"/>
+              </a:schemeClr>
+            </a:gs>
+            <a:gs pos="50000">
+              <a:schemeClr val="accent5">
+                <a:hueOff val="0"/>
+                <a:satOff val="0"/>
+                <a:lumOff val="0"/>
+                <a:alphaOff val="0"/>
+                <a:lumMod val="105000"/>
+                <a:satMod val="103000"/>
+                <a:tint val="73000"/>
+              </a:schemeClr>
+            </a:gs>
+            <a:gs pos="100000">
+              <a:schemeClr val="accent5">
+                <a:hueOff val="0"/>
+                <a:satOff val="0"/>
+                <a:lumOff val="0"/>
+                <a:alphaOff val="0"/>
+                <a:lumMod val="105000"/>
+                <a:satMod val="109000"/>
+                <a:tint val="81000"/>
+              </a:schemeClr>
+            </a:gs>
+          </a:gsLst>
+          <a:lin ang="5400000" scaled="0"/>
+        </a:gradFill>
+        <a:ln>
+          <a:noFill/>
+        </a:ln>
+        <a:effectLst/>
+        <a:scene3d>
+          <a:camera prst="orthographicFront"/>
+          <a:lightRig rig="flat" dir="t"/>
+        </a:scene3d>
+        <a:sp3d prstMaterial="dkEdge">
+          <a:bevelT w="8200" h="38100"/>
+        </a:sp3d>
+      </dsp:spPr>
+      <dsp:style>
+        <a:lnRef idx="0">
+          <a:scrgbClr r="0" g="0" b="0"/>
+        </a:lnRef>
+        <a:fillRef idx="2">
+          <a:scrgbClr r="0" g="0" b="0"/>
+        </a:fillRef>
+        <a:effectRef idx="1">
+          <a:scrgbClr r="0" g="0" b="0"/>
+        </a:effectRef>
+        <a:fontRef idx="minor">
+          <a:schemeClr val="dk1"/>
+        </a:fontRef>
+      </dsp:style>
+      <dsp:txBody>
+        <a:bodyPr spcFirstLastPara="0" vert="horz" wrap="square" lIns="11430" tIns="11430" rIns="11430" bIns="11430" numCol="1" spcCol="1270" anchor="ctr" anchorCtr="0">
+          <a:noAutofit/>
+        </a:bodyPr>
+        <a:lstStyle/>
+        <a:p>
+          <a:pPr marL="0" lvl="0" indent="0" algn="ctr" defTabSz="800100">
+            <a:lnSpc>
+              <a:spcPct val="90000"/>
+            </a:lnSpc>
+            <a:spcBef>
+              <a:spcPct val="0"/>
+            </a:spcBef>
+            <a:spcAft>
+              <a:spcPct val="35000"/>
+            </a:spcAft>
+            <a:buNone/>
+          </a:pPr>
+          <a:r>
+            <a:rPr lang="zh-TW" altLang="en-US" sz="1800" kern="1200" dirty="0">
+              <a:latin typeface="微軟正黑體" pitchFamily="34" charset="-120"/>
+              <a:ea typeface="微軟正黑體" pitchFamily="34" charset="-120"/>
+            </a:rPr>
+            <a:t>搜尋系統</a:t>
+          </a:r>
+        </a:p>
+      </dsp:txBody>
+      <dsp:txXfrm>
+        <a:off x="3024068" y="4178328"/>
+        <a:ext cx="1424530" cy="675711"/>
+      </dsp:txXfrm>
+    </dsp:sp>
+    <dsp:sp modelId="{F7DE2FBB-2B3A-4552-868C-42F64B9B986F}">
+      <dsp:nvSpPr>
+        <dsp:cNvPr id="0" name=""/>
+        <dsp:cNvSpPr/>
+      </dsp:nvSpPr>
+      <dsp:spPr>
+        <a:xfrm>
+          <a:off x="4578247" y="1170039"/>
+          <a:ext cx="1647403" cy="823701"/>
+        </a:xfrm>
+        <a:prstGeom prst="rect">
+          <a:avLst/>
+        </a:prstGeom>
+        <a:solidFill>
+          <a:schemeClr val="accent2"/>
+        </a:solidFill>
+        <a:ln w="12700" cap="flat" cmpd="sng" algn="ctr">
+          <a:solidFill>
+            <a:schemeClr val="accent2">
+              <a:shade val="50000"/>
+            </a:schemeClr>
+          </a:solidFill>
+          <a:prstDash val="solid"/>
+          <a:miter lim="800000"/>
+        </a:ln>
+        <a:effectLst/>
+        <a:scene3d>
+          <a:camera prst="orthographicFront"/>
+          <a:lightRig rig="flat" dir="t"/>
+        </a:scene3d>
+        <a:sp3d/>
+      </dsp:spPr>
+      <dsp:style>
+        <a:lnRef idx="2">
+          <a:schemeClr val="accent2">
+            <a:shade val="50000"/>
+          </a:schemeClr>
+        </a:lnRef>
+        <a:fillRef idx="1">
+          <a:schemeClr val="accent2"/>
+        </a:fillRef>
+        <a:effectRef idx="0">
+          <a:schemeClr val="accent2"/>
+        </a:effectRef>
+        <a:fontRef idx="minor">
+          <a:schemeClr val="lt1"/>
+        </a:fontRef>
+      </dsp:style>
+      <dsp:txBody>
+        <a:bodyPr spcFirstLastPara="0" vert="horz" wrap="square" lIns="15240" tIns="15240" rIns="15240" bIns="15240" numCol="1" spcCol="1270" anchor="ctr" anchorCtr="0">
+          <a:noAutofit/>
+        </a:bodyPr>
+        <a:lstStyle/>
+        <a:p>
+          <a:pPr marL="0" lvl="0" indent="0" algn="ctr" defTabSz="1066800">
+            <a:lnSpc>
+              <a:spcPct val="90000"/>
+            </a:lnSpc>
+            <a:spcBef>
+              <a:spcPct val="0"/>
+            </a:spcBef>
+            <a:spcAft>
+              <a:spcPct val="35000"/>
+            </a:spcAft>
+            <a:buNone/>
+          </a:pPr>
+          <a:r>
+            <a:rPr lang="zh-TW" altLang="en-US" sz="2400" b="1" kern="1200" dirty="0">
+              <a:effectLst>
+                <a:outerShdw blurRad="50800" dist="38100" dir="5400000" algn="t" rotWithShape="0">
+                  <a:prstClr val="black">
+                    <a:alpha val="40000"/>
+                  </a:prstClr>
+                </a:outerShdw>
+              </a:effectLst>
+              <a:latin typeface="微軟正黑體" pitchFamily="34" charset="-120"/>
+              <a:ea typeface="微軟正黑體" pitchFamily="34" charset="-120"/>
+            </a:rPr>
+            <a:t>關於我們</a:t>
+          </a:r>
+        </a:p>
+      </dsp:txBody>
+      <dsp:txXfrm>
+        <a:off x="4578247" y="1170039"/>
+        <a:ext cx="1647403" cy="823701"/>
+      </dsp:txXfrm>
+    </dsp:sp>
+    <dsp:sp modelId="{3325CEB1-74F3-47EA-9103-89A74C3BFD21}">
+      <dsp:nvSpPr>
+        <dsp:cNvPr id="0" name=""/>
+        <dsp:cNvSpPr/>
+      </dsp:nvSpPr>
+      <dsp:spPr>
+        <a:xfrm>
+          <a:off x="4990098" y="2256667"/>
+          <a:ext cx="1497638" cy="748819"/>
+        </a:xfrm>
+        <a:prstGeom prst="roundRect">
+          <a:avLst/>
+        </a:prstGeom>
+        <a:gradFill rotWithShape="0">
+          <a:gsLst>
+            <a:gs pos="0">
+              <a:schemeClr val="accent5">
+                <a:hueOff val="0"/>
+                <a:satOff val="0"/>
+                <a:lumOff val="0"/>
+                <a:alphaOff val="0"/>
+                <a:lumMod val="110000"/>
+                <a:satMod val="105000"/>
+                <a:tint val="67000"/>
+              </a:schemeClr>
+            </a:gs>
+            <a:gs pos="50000">
+              <a:schemeClr val="accent5">
+                <a:hueOff val="0"/>
+                <a:satOff val="0"/>
+                <a:lumOff val="0"/>
+                <a:alphaOff val="0"/>
+                <a:lumMod val="105000"/>
+                <a:satMod val="103000"/>
+                <a:tint val="73000"/>
+              </a:schemeClr>
+            </a:gs>
+            <a:gs pos="100000">
+              <a:schemeClr val="accent5">
+                <a:hueOff val="0"/>
+                <a:satOff val="0"/>
+                <a:lumOff val="0"/>
+                <a:alphaOff val="0"/>
+                <a:lumMod val="105000"/>
+                <a:satMod val="109000"/>
+                <a:tint val="81000"/>
+              </a:schemeClr>
+            </a:gs>
+          </a:gsLst>
+          <a:lin ang="5400000" scaled="0"/>
+        </a:gradFill>
+        <a:ln>
+          <a:noFill/>
+        </a:ln>
+        <a:effectLst/>
+        <a:scene3d>
+          <a:camera prst="orthographicFront"/>
+          <a:lightRig rig="flat" dir="t"/>
+        </a:scene3d>
+        <a:sp3d prstMaterial="dkEdge">
+          <a:bevelT w="8200" h="38100"/>
+        </a:sp3d>
+      </dsp:spPr>
+      <dsp:style>
+        <a:lnRef idx="0">
+          <a:scrgbClr r="0" g="0" b="0"/>
+        </a:lnRef>
+        <a:fillRef idx="2">
+          <a:scrgbClr r="0" g="0" b="0"/>
+        </a:fillRef>
+        <a:effectRef idx="1">
+          <a:scrgbClr r="0" g="0" b="0"/>
+        </a:effectRef>
+        <a:fontRef idx="minor">
+          <a:schemeClr val="dk1"/>
+        </a:fontRef>
+      </dsp:style>
+      <dsp:txBody>
+        <a:bodyPr spcFirstLastPara="0" vert="horz" wrap="square" lIns="11430" tIns="11430" rIns="11430" bIns="11430" numCol="1" spcCol="1270" anchor="ctr" anchorCtr="0">
+          <a:noAutofit/>
+        </a:bodyPr>
+        <a:lstStyle/>
+        <a:p>
+          <a:pPr marL="0" lvl="0" indent="0" algn="ctr" defTabSz="800100">
+            <a:lnSpc>
+              <a:spcPct val="90000"/>
+            </a:lnSpc>
+            <a:spcBef>
+              <a:spcPct val="0"/>
+            </a:spcBef>
+            <a:spcAft>
+              <a:spcPct val="35000"/>
+            </a:spcAft>
+            <a:buNone/>
+          </a:pPr>
+          <a:r>
+            <a:rPr lang="zh-TW" altLang="en-US" sz="1800" kern="1200" dirty="0">
+              <a:latin typeface="微軟正黑體" pitchFamily="34" charset="-120"/>
+              <a:ea typeface="微軟正黑體" pitchFamily="34" charset="-120"/>
+            </a:rPr>
+            <a:t>關於我們</a:t>
+          </a:r>
+        </a:p>
+      </dsp:txBody>
+      <dsp:txXfrm>
+        <a:off x="5026652" y="2293221"/>
+        <a:ext cx="1424530" cy="675711"/>
+      </dsp:txXfrm>
+    </dsp:sp>
+    <dsp:sp modelId="{E4285E3A-DB7A-4B47-9876-F8739183FC7A}">
+      <dsp:nvSpPr>
+        <dsp:cNvPr id="0" name=""/>
+        <dsp:cNvSpPr/>
+      </dsp:nvSpPr>
+      <dsp:spPr>
+        <a:xfrm>
+          <a:off x="6571606" y="1170039"/>
+          <a:ext cx="1647403" cy="823701"/>
+        </a:xfrm>
+        <a:prstGeom prst="rect">
+          <a:avLst/>
+        </a:prstGeom>
+        <a:solidFill>
+          <a:schemeClr val="accent2"/>
+        </a:solidFill>
+        <a:ln w="12700" cap="flat" cmpd="sng" algn="ctr">
+          <a:solidFill>
+            <a:schemeClr val="accent2">
+              <a:shade val="50000"/>
+            </a:schemeClr>
+          </a:solidFill>
+          <a:prstDash val="solid"/>
+          <a:miter lim="800000"/>
+        </a:ln>
+        <a:effectLst/>
+        <a:scene3d>
+          <a:camera prst="orthographicFront"/>
+          <a:lightRig rig="flat" dir="t"/>
+        </a:scene3d>
+        <a:sp3d/>
+      </dsp:spPr>
+      <dsp:style>
+        <a:lnRef idx="2">
+          <a:schemeClr val="accent2">
+            <a:shade val="50000"/>
+          </a:schemeClr>
+        </a:lnRef>
+        <a:fillRef idx="1">
+          <a:schemeClr val="accent2"/>
+        </a:fillRef>
+        <a:effectRef idx="0">
+          <a:schemeClr val="accent2"/>
+        </a:effectRef>
+        <a:fontRef idx="minor">
+          <a:schemeClr val="lt1"/>
+        </a:fontRef>
+      </dsp:style>
+      <dsp:txBody>
+        <a:bodyPr spcFirstLastPara="0" vert="horz" wrap="square" lIns="15240" tIns="15240" rIns="15240" bIns="15240" numCol="1" spcCol="1270" anchor="ctr" anchorCtr="0">
+          <a:noAutofit/>
+        </a:bodyPr>
+        <a:lstStyle/>
+        <a:p>
+          <a:pPr marL="0" lvl="0" indent="0" algn="ctr" defTabSz="1066800">
+            <a:lnSpc>
+              <a:spcPct val="90000"/>
+            </a:lnSpc>
+            <a:spcBef>
+              <a:spcPct val="0"/>
+            </a:spcBef>
+            <a:spcAft>
+              <a:spcPct val="35000"/>
+            </a:spcAft>
+            <a:buNone/>
+          </a:pPr>
+          <a:r>
+            <a:rPr lang="zh-TW" altLang="en-US" sz="2400" b="1" kern="1200" dirty="0">
+              <a:effectLst>
+                <a:outerShdw blurRad="50800" dist="38100" dir="5400000" algn="t" rotWithShape="0">
+                  <a:prstClr val="black">
+                    <a:alpha val="40000"/>
+                  </a:prstClr>
+                </a:outerShdw>
+              </a:effectLst>
+              <a:latin typeface="微軟正黑體" pitchFamily="34" charset="-120"/>
+              <a:ea typeface="微軟正黑體" pitchFamily="34" charset="-120"/>
+            </a:rPr>
+            <a:t>會員中心</a:t>
+          </a:r>
+        </a:p>
+      </dsp:txBody>
+      <dsp:txXfrm>
+        <a:off x="6571606" y="1170039"/>
+        <a:ext cx="1647403" cy="823701"/>
+      </dsp:txXfrm>
+    </dsp:sp>
+    <dsp:sp modelId="{88997EF4-2904-47BD-A092-4DD3D6084653}">
+      <dsp:nvSpPr>
+        <dsp:cNvPr id="0" name=""/>
+        <dsp:cNvSpPr/>
+      </dsp:nvSpPr>
+      <dsp:spPr>
+        <a:xfrm>
+          <a:off x="6983457" y="2256667"/>
+          <a:ext cx="1497638" cy="748819"/>
+        </a:xfrm>
+        <a:prstGeom prst="roundRect">
+          <a:avLst/>
+        </a:prstGeom>
+        <a:gradFill rotWithShape="0">
+          <a:gsLst>
+            <a:gs pos="0">
+              <a:schemeClr val="accent5">
+                <a:hueOff val="0"/>
+                <a:satOff val="0"/>
+                <a:lumOff val="0"/>
+                <a:alphaOff val="0"/>
+                <a:lumMod val="110000"/>
+                <a:satMod val="105000"/>
+                <a:tint val="67000"/>
+              </a:schemeClr>
+            </a:gs>
+            <a:gs pos="50000">
+              <a:schemeClr val="accent5">
+                <a:hueOff val="0"/>
+                <a:satOff val="0"/>
+                <a:lumOff val="0"/>
+                <a:alphaOff val="0"/>
+                <a:lumMod val="105000"/>
+                <a:satMod val="103000"/>
+                <a:tint val="73000"/>
+              </a:schemeClr>
+            </a:gs>
+            <a:gs pos="100000">
+              <a:schemeClr val="accent5">
+                <a:hueOff val="0"/>
+                <a:satOff val="0"/>
+                <a:lumOff val="0"/>
+                <a:alphaOff val="0"/>
+                <a:lumMod val="105000"/>
+                <a:satMod val="109000"/>
+                <a:tint val="81000"/>
+              </a:schemeClr>
+            </a:gs>
+          </a:gsLst>
+          <a:lin ang="5400000" scaled="0"/>
+        </a:gradFill>
+        <a:ln>
+          <a:noFill/>
+        </a:ln>
+        <a:effectLst/>
+        <a:scene3d>
+          <a:camera prst="orthographicFront"/>
+          <a:lightRig rig="flat" dir="t"/>
+        </a:scene3d>
+        <a:sp3d prstMaterial="dkEdge">
+          <a:bevelT w="8200" h="38100"/>
+        </a:sp3d>
+      </dsp:spPr>
+      <dsp:style>
+        <a:lnRef idx="0">
+          <a:scrgbClr r="0" g="0" b="0"/>
+        </a:lnRef>
+        <a:fillRef idx="2">
+          <a:scrgbClr r="0" g="0" b="0"/>
+        </a:fillRef>
+        <a:effectRef idx="1">
+          <a:scrgbClr r="0" g="0" b="0"/>
+        </a:effectRef>
+        <a:fontRef idx="minor">
+          <a:schemeClr val="dk1"/>
+        </a:fontRef>
+      </dsp:style>
+      <dsp:txBody>
+        <a:bodyPr spcFirstLastPara="0" vert="horz" wrap="square" lIns="11430" tIns="11430" rIns="11430" bIns="11430" numCol="1" spcCol="1270" anchor="ctr" anchorCtr="0">
+          <a:noAutofit/>
+        </a:bodyPr>
+        <a:lstStyle/>
+        <a:p>
+          <a:pPr marL="0" lvl="0" indent="0" algn="ctr" defTabSz="800100">
+            <a:lnSpc>
+              <a:spcPct val="90000"/>
+            </a:lnSpc>
+            <a:spcBef>
+              <a:spcPct val="0"/>
+            </a:spcBef>
+            <a:spcAft>
+              <a:spcPct val="35000"/>
+            </a:spcAft>
+            <a:buNone/>
+          </a:pPr>
+          <a:r>
+            <a:rPr lang="zh-TW" altLang="en-US" sz="1800" kern="1200">
+              <a:latin typeface="微軟正黑體" pitchFamily="34" charset="-120"/>
+              <a:ea typeface="微軟正黑體" pitchFamily="34" charset="-120"/>
+            </a:rPr>
+            <a:t>會員追蹤管理</a:t>
+          </a:r>
+          <a:endParaRPr lang="zh-TW" altLang="en-US" sz="1800" kern="1200" dirty="0">
+            <a:latin typeface="微軟正黑體" pitchFamily="34" charset="-120"/>
+            <a:ea typeface="微軟正黑體" pitchFamily="34" charset="-120"/>
+          </a:endParaRPr>
+        </a:p>
+      </dsp:txBody>
+      <dsp:txXfrm>
+        <a:off x="7020011" y="2293221"/>
+        <a:ext cx="1424530" cy="675711"/>
+      </dsp:txXfrm>
+    </dsp:sp>
+    <dsp:sp modelId="{EEA0B25C-A04A-4FF8-894A-419F43B58887}">
+      <dsp:nvSpPr>
+        <dsp:cNvPr id="0" name=""/>
+        <dsp:cNvSpPr/>
+      </dsp:nvSpPr>
+      <dsp:spPr>
+        <a:xfrm>
+          <a:off x="6974231" y="3185382"/>
+          <a:ext cx="1497638" cy="748819"/>
+        </a:xfrm>
+        <a:prstGeom prst="roundRect">
+          <a:avLst/>
+        </a:prstGeom>
+        <a:gradFill rotWithShape="0">
+          <a:gsLst>
+            <a:gs pos="0">
+              <a:schemeClr val="accent5">
+                <a:hueOff val="0"/>
+                <a:satOff val="0"/>
+                <a:lumOff val="0"/>
+                <a:alphaOff val="0"/>
+                <a:lumMod val="110000"/>
+                <a:satMod val="105000"/>
+                <a:tint val="67000"/>
+              </a:schemeClr>
+            </a:gs>
+            <a:gs pos="50000">
+              <a:schemeClr val="accent5">
+                <a:hueOff val="0"/>
+                <a:satOff val="0"/>
+                <a:lumOff val="0"/>
+                <a:alphaOff val="0"/>
+                <a:lumMod val="105000"/>
+                <a:satMod val="103000"/>
+                <a:tint val="73000"/>
+              </a:schemeClr>
+            </a:gs>
+            <a:gs pos="100000">
+              <a:schemeClr val="accent5">
+                <a:hueOff val="0"/>
+                <a:satOff val="0"/>
+                <a:lumOff val="0"/>
+                <a:alphaOff val="0"/>
+                <a:lumMod val="105000"/>
+                <a:satMod val="109000"/>
+                <a:tint val="81000"/>
+              </a:schemeClr>
+            </a:gs>
+          </a:gsLst>
+          <a:lin ang="5400000" scaled="0"/>
+        </a:gradFill>
+        <a:ln>
+          <a:noFill/>
+        </a:ln>
+        <a:effectLst/>
+        <a:scene3d>
+          <a:camera prst="orthographicFront"/>
+          <a:lightRig rig="flat" dir="t"/>
+        </a:scene3d>
+        <a:sp3d prstMaterial="dkEdge">
+          <a:bevelT w="8200" h="38100"/>
+        </a:sp3d>
+      </dsp:spPr>
+      <dsp:style>
+        <a:lnRef idx="0">
+          <a:scrgbClr r="0" g="0" b="0"/>
+        </a:lnRef>
+        <a:fillRef idx="2">
+          <a:scrgbClr r="0" g="0" b="0"/>
+        </a:fillRef>
+        <a:effectRef idx="1">
+          <a:scrgbClr r="0" g="0" b="0"/>
+        </a:effectRef>
+        <a:fontRef idx="minor">
+          <a:schemeClr val="dk1"/>
+        </a:fontRef>
+      </dsp:style>
+      <dsp:txBody>
+        <a:bodyPr spcFirstLastPara="0" vert="horz" wrap="square" lIns="11430" tIns="11430" rIns="11430" bIns="11430" numCol="1" spcCol="1270" anchor="ctr" anchorCtr="0">
+          <a:noAutofit/>
+        </a:bodyPr>
+        <a:lstStyle/>
+        <a:p>
+          <a:pPr marL="0" lvl="0" indent="0" algn="ctr" defTabSz="800100">
+            <a:lnSpc>
+              <a:spcPct val="90000"/>
+            </a:lnSpc>
+            <a:spcBef>
+              <a:spcPct val="0"/>
+            </a:spcBef>
+            <a:spcAft>
+              <a:spcPct val="35000"/>
+            </a:spcAft>
+            <a:buNone/>
+          </a:pPr>
+          <a:r>
+            <a:rPr lang="zh-TW" altLang="en-US" sz="1800" kern="1200">
+              <a:latin typeface="微軟正黑體" pitchFamily="34" charset="-120"/>
+              <a:ea typeface="微軟正黑體" pitchFamily="34" charset="-120"/>
+            </a:rPr>
+            <a:t>會員基本資料</a:t>
+          </a:r>
+          <a:endParaRPr lang="zh-TW" altLang="en-US" sz="1800" kern="1200" dirty="0">
+            <a:latin typeface="微軟正黑體" pitchFamily="34" charset="-120"/>
+            <a:ea typeface="微軟正黑體" pitchFamily="34" charset="-120"/>
+          </a:endParaRPr>
+        </a:p>
+      </dsp:txBody>
+      <dsp:txXfrm>
+        <a:off x="7010785" y="3221936"/>
+        <a:ext cx="1424530" cy="675711"/>
+      </dsp:txXfrm>
+    </dsp:sp>
+    <dsp:sp modelId="{AEAD0110-FF99-4697-B796-25890CE39880}">
+      <dsp:nvSpPr>
+        <dsp:cNvPr id="0" name=""/>
+        <dsp:cNvSpPr/>
+      </dsp:nvSpPr>
+      <dsp:spPr>
+        <a:xfrm>
+          <a:off x="6974231" y="4141774"/>
+          <a:ext cx="1497638" cy="748819"/>
+        </a:xfrm>
+        <a:prstGeom prst="roundRect">
+          <a:avLst/>
+        </a:prstGeom>
+        <a:gradFill rotWithShape="0">
+          <a:gsLst>
+            <a:gs pos="0">
+              <a:schemeClr val="accent5">
+                <a:hueOff val="0"/>
+                <a:satOff val="0"/>
+                <a:lumOff val="0"/>
+                <a:alphaOff val="0"/>
+                <a:lumMod val="110000"/>
+                <a:satMod val="105000"/>
+                <a:tint val="67000"/>
+              </a:schemeClr>
+            </a:gs>
+            <a:gs pos="50000">
+              <a:schemeClr val="accent5">
+                <a:hueOff val="0"/>
+                <a:satOff val="0"/>
+                <a:lumOff val="0"/>
+                <a:alphaOff val="0"/>
+                <a:lumMod val="105000"/>
+                <a:satMod val="103000"/>
+                <a:tint val="73000"/>
+              </a:schemeClr>
+            </a:gs>
+            <a:gs pos="100000">
+              <a:schemeClr val="accent5">
+                <a:hueOff val="0"/>
+                <a:satOff val="0"/>
+                <a:lumOff val="0"/>
+                <a:alphaOff val="0"/>
+                <a:lumMod val="105000"/>
+                <a:satMod val="109000"/>
+                <a:tint val="81000"/>
+              </a:schemeClr>
+            </a:gs>
+          </a:gsLst>
+          <a:lin ang="5400000" scaled="0"/>
+        </a:gradFill>
+        <a:ln>
+          <a:noFill/>
+        </a:ln>
+        <a:effectLst/>
+        <a:scene3d>
+          <a:camera prst="orthographicFront"/>
+          <a:lightRig rig="flat" dir="t"/>
+        </a:scene3d>
+        <a:sp3d prstMaterial="dkEdge">
+          <a:bevelT w="8200" h="38100"/>
+        </a:sp3d>
+      </dsp:spPr>
+      <dsp:style>
+        <a:lnRef idx="0">
+          <a:scrgbClr r="0" g="0" b="0"/>
+        </a:lnRef>
+        <a:fillRef idx="2">
+          <a:scrgbClr r="0" g="0" b="0"/>
+        </a:fillRef>
+        <a:effectRef idx="1">
+          <a:scrgbClr r="0" g="0" b="0"/>
+        </a:effectRef>
+        <a:fontRef idx="minor">
+          <a:schemeClr val="dk1"/>
+        </a:fontRef>
+      </dsp:style>
+      <dsp:txBody>
+        <a:bodyPr spcFirstLastPara="0" vert="horz" wrap="square" lIns="11430" tIns="11430" rIns="11430" bIns="11430" numCol="1" spcCol="1270" anchor="ctr" anchorCtr="0">
+          <a:noAutofit/>
+        </a:bodyPr>
+        <a:lstStyle/>
+        <a:p>
+          <a:pPr marL="0" lvl="0" indent="0" algn="ctr" defTabSz="800100">
+            <a:lnSpc>
+              <a:spcPct val="90000"/>
+            </a:lnSpc>
+            <a:spcBef>
+              <a:spcPct val="0"/>
+            </a:spcBef>
+            <a:spcAft>
+              <a:spcPct val="35000"/>
+            </a:spcAft>
+            <a:buNone/>
+          </a:pPr>
+          <a:r>
+            <a:rPr lang="zh-TW" altLang="en-US" sz="1800" kern="1200">
+              <a:latin typeface="微軟正黑體" pitchFamily="34" charset="-120"/>
+              <a:ea typeface="微軟正黑體" pitchFamily="34" charset="-120"/>
+            </a:rPr>
+            <a:t>登入</a:t>
+          </a:r>
+          <a:r>
+            <a:rPr lang="en-US" altLang="zh-TW" sz="1800" kern="1200">
+              <a:latin typeface="微軟正黑體" pitchFamily="34" charset="-120"/>
+              <a:ea typeface="微軟正黑體" pitchFamily="34" charset="-120"/>
+            </a:rPr>
+            <a:t>/</a:t>
+          </a:r>
+          <a:r>
+            <a:rPr lang="zh-TW" altLang="en-US" sz="1800" kern="1200">
+              <a:latin typeface="微軟正黑體" pitchFamily="34" charset="-120"/>
+              <a:ea typeface="微軟正黑體" pitchFamily="34" charset="-120"/>
+            </a:rPr>
+            <a:t>註冊</a:t>
+          </a:r>
+          <a:endParaRPr lang="zh-TW" altLang="en-US" sz="1800" kern="1200" dirty="0">
+            <a:latin typeface="微軟正黑體" pitchFamily="34" charset="-120"/>
+            <a:ea typeface="微軟正黑體" pitchFamily="34" charset="-120"/>
+          </a:endParaRPr>
+        </a:p>
+      </dsp:txBody>
+      <dsp:txXfrm>
+        <a:off x="7010785" y="4178328"/>
+        <a:ext cx="1424530" cy="675711"/>
+      </dsp:txXfrm>
+    </dsp:sp>
+  </dsp:spTree>
+</dsp:drawing>
+</file>
+
+<file path=ppt/diagrams/drawing2.xml><?xml version="1.0" encoding="utf-8"?>
+<dsp:drawing xmlns:dgm="http://schemas.openxmlformats.org/drawingml/2006/diagram" xmlns:dsp="http://schemas.microsoft.com/office/drawing/2008/diagram" xmlns:a="http://schemas.openxmlformats.org/drawingml/2006/main">
+  <dsp:spTree>
+    <dsp:nvGrpSpPr>
+      <dsp:cNvPr id="0" name=""/>
+      <dsp:cNvGrpSpPr/>
+    </dsp:nvGrpSpPr>
+    <dsp:grpSpPr/>
+    <dsp:sp modelId="{72CD40D8-85B6-4E34-97EB-4DA0DF347757}">
+      <dsp:nvSpPr>
+        <dsp:cNvPr id="0" name=""/>
+        <dsp:cNvSpPr/>
+      </dsp:nvSpPr>
+      <dsp:spPr>
+        <a:xfrm>
+          <a:off x="1585935" y="0"/>
+          <a:ext cx="4064000" cy="4064000"/>
+        </a:xfrm>
+        <a:prstGeom prst="diamond">
+          <a:avLst/>
+        </a:prstGeom>
+        <a:solidFill>
+          <a:schemeClr val="accent2">
+            <a:tint val="40000"/>
+            <a:hueOff val="0"/>
+            <a:satOff val="0"/>
+            <a:lumOff val="0"/>
+            <a:alphaOff val="0"/>
+          </a:schemeClr>
+        </a:solidFill>
+        <a:ln>
+          <a:noFill/>
+        </a:ln>
+        <a:effectLst/>
+      </dsp:spPr>
+      <dsp:style>
+        <a:lnRef idx="0">
+          <a:scrgbClr r="0" g="0" b="0"/>
+        </a:lnRef>
+        <a:fillRef idx="1">
+          <a:scrgbClr r="0" g="0" b="0"/>
+        </a:fillRef>
+        <a:effectRef idx="1">
+          <a:scrgbClr r="0" g="0" b="0"/>
+        </a:effectRef>
+        <a:fontRef idx="minor"/>
+      </dsp:style>
+    </dsp:sp>
+    <dsp:sp modelId="{2DC065FB-B2BF-4D31-B8BF-3169A4E089D3}">
+      <dsp:nvSpPr>
+        <dsp:cNvPr id="0" name=""/>
+        <dsp:cNvSpPr/>
+      </dsp:nvSpPr>
+      <dsp:spPr>
+        <a:xfrm>
+          <a:off x="312776" y="379724"/>
+          <a:ext cx="3239769" cy="1584960"/>
+        </a:xfrm>
+        <a:prstGeom prst="roundRect">
+          <a:avLst/>
+        </a:prstGeom>
+        <a:gradFill rotWithShape="0">
+          <a:gsLst>
+            <a:gs pos="0">
+              <a:schemeClr val="accent2">
+                <a:hueOff val="0"/>
+                <a:satOff val="0"/>
+                <a:lumOff val="0"/>
+                <a:alphaOff val="0"/>
+                <a:lumMod val="110000"/>
+                <a:satMod val="105000"/>
+                <a:tint val="67000"/>
+              </a:schemeClr>
+            </a:gs>
+            <a:gs pos="50000">
+              <a:schemeClr val="accent2">
+                <a:hueOff val="0"/>
+                <a:satOff val="0"/>
+                <a:lumOff val="0"/>
+                <a:alphaOff val="0"/>
+                <a:lumMod val="105000"/>
+                <a:satMod val="103000"/>
+                <a:tint val="73000"/>
+              </a:schemeClr>
+            </a:gs>
+            <a:gs pos="100000">
+              <a:schemeClr val="accent2">
+                <a:hueOff val="0"/>
+                <a:satOff val="0"/>
+                <a:lumOff val="0"/>
+                <a:alphaOff val="0"/>
+                <a:lumMod val="105000"/>
+                <a:satMod val="109000"/>
+                <a:tint val="81000"/>
+              </a:schemeClr>
+            </a:gs>
+          </a:gsLst>
+          <a:lin ang="5400000" scaled="0"/>
+        </a:gradFill>
+        <a:ln>
+          <a:noFill/>
+        </a:ln>
+        <a:effectLst/>
+        <a:scene3d>
+          <a:camera prst="orthographicFront"/>
+          <a:lightRig rig="flat" dir="t"/>
+        </a:scene3d>
+        <a:sp3d prstMaterial="dkEdge">
+          <a:bevelT w="8200" h="38100"/>
+        </a:sp3d>
+      </dsp:spPr>
+      <dsp:style>
+        <a:lnRef idx="0">
+          <a:scrgbClr r="0" g="0" b="0"/>
+        </a:lnRef>
+        <a:fillRef idx="2">
+          <a:scrgbClr r="0" g="0" b="0"/>
+        </a:fillRef>
+        <a:effectRef idx="1">
+          <a:scrgbClr r="0" g="0" b="0"/>
+        </a:effectRef>
+        <a:fontRef idx="minor">
+          <a:schemeClr val="dk1"/>
+        </a:fontRef>
+      </dsp:style>
+      <dsp:txBody>
+        <a:bodyPr spcFirstLastPara="0" vert="horz" wrap="square" lIns="106680" tIns="106680" rIns="106680" bIns="106680" numCol="1" spcCol="1270" anchor="ctr" anchorCtr="0">
+          <a:noAutofit/>
+        </a:bodyPr>
+        <a:lstStyle/>
+        <a:p>
+          <a:pPr marL="0" lvl="0" indent="0" algn="ctr" defTabSz="1244600">
+            <a:lnSpc>
+              <a:spcPct val="90000"/>
+            </a:lnSpc>
+            <a:spcBef>
+              <a:spcPct val="0"/>
+            </a:spcBef>
+            <a:spcAft>
+              <a:spcPct val="35000"/>
+            </a:spcAft>
+            <a:buNone/>
+          </a:pPr>
+          <a:r>
+            <a:rPr lang="en-US" altLang="zh-TW" sz="2800" b="0" i="0" u="none" strike="noStrike" kern="1200" cap="none" dirty="0">
+              <a:latin typeface="MS UI Gothic" pitchFamily="34" charset="-128"/>
+              <a:ea typeface="MS UI Gothic" pitchFamily="34" charset="-128"/>
+              <a:cs typeface="Nunito"/>
+              <a:sym typeface="Nunito"/>
+            </a:rPr>
+            <a:t>S </a:t>
+          </a:r>
+          <a:r>
+            <a:rPr lang="zh-TW" altLang="en-US" sz="2800" b="0" i="0" u="none" strike="noStrike" kern="1200" cap="none" dirty="0">
+              <a:latin typeface="MS UI Gothic" pitchFamily="34" charset="-128"/>
+              <a:ea typeface="MS UI Gothic" pitchFamily="34" charset="-128"/>
+              <a:cs typeface="Nunito"/>
+              <a:sym typeface="Nunito"/>
+            </a:rPr>
+            <a:t>優勢</a:t>
+          </a:r>
+          <a:endParaRPr lang="en-US" altLang="zh-TW" sz="2800" b="0" i="0" u="none" strike="noStrike" kern="1200" cap="none" dirty="0">
+            <a:latin typeface="MS UI Gothic" pitchFamily="34" charset="-128"/>
+            <a:ea typeface="MS UI Gothic" pitchFamily="34" charset="-128"/>
+            <a:cs typeface="Nunito"/>
+            <a:sym typeface="Nunito"/>
+          </a:endParaRPr>
+        </a:p>
+        <a:p>
+          <a:pPr marL="0" lvl="0" indent="0" algn="ctr" defTabSz="1244600">
+            <a:lnSpc>
+              <a:spcPts val="1800"/>
+            </a:lnSpc>
+            <a:spcBef>
+              <a:spcPct val="0"/>
+            </a:spcBef>
+            <a:spcAft>
+              <a:spcPts val="0"/>
+            </a:spcAft>
+            <a:buNone/>
+          </a:pPr>
+          <a:r>
+            <a:rPr lang="zh-TW" altLang="en-US" sz="1200" kern="0" baseline="0" dirty="0">
+              <a:latin typeface="微軟正黑體" pitchFamily="34" charset="-120"/>
+              <a:ea typeface="微軟正黑體" pitchFamily="34" charset="-120"/>
+            </a:rPr>
+            <a:t>提供免費平台供使用者進行交流</a:t>
+          </a:r>
+          <a:endParaRPr lang="en-US" altLang="zh-TW" sz="1200" kern="0" baseline="0" dirty="0">
+            <a:latin typeface="微軟正黑體" pitchFamily="34" charset="-120"/>
+            <a:ea typeface="微軟正黑體" pitchFamily="34" charset="-120"/>
+          </a:endParaRPr>
+        </a:p>
+        <a:p>
+          <a:pPr marL="0" lvl="0" indent="0" algn="ctr" defTabSz="1244600">
+            <a:lnSpc>
+              <a:spcPts val="1800"/>
+            </a:lnSpc>
+            <a:spcBef>
+              <a:spcPct val="0"/>
+            </a:spcBef>
+            <a:spcAft>
+              <a:spcPts val="0"/>
+            </a:spcAft>
+            <a:buNone/>
+          </a:pPr>
+          <a:r>
+            <a:rPr lang="zh-TW" altLang="en-US" sz="1200" kern="0" baseline="0" dirty="0">
+              <a:latin typeface="微軟正黑體" pitchFamily="34" charset="-120"/>
+              <a:ea typeface="微軟正黑體" pitchFamily="34" charset="-120"/>
+            </a:rPr>
+            <a:t>使用者可以追蹤自己喜歡的案件</a:t>
+          </a:r>
+          <a:endParaRPr lang="en-US" altLang="zh-TW" sz="1200" kern="0" baseline="0" dirty="0">
+            <a:latin typeface="微軟正黑體" pitchFamily="34" charset="-120"/>
+            <a:ea typeface="微軟正黑體" pitchFamily="34" charset="-120"/>
+          </a:endParaRPr>
+        </a:p>
+        <a:p>
+          <a:pPr marL="0" lvl="0" indent="0" algn="ctr" defTabSz="1244600">
+            <a:lnSpc>
+              <a:spcPts val="1800"/>
+            </a:lnSpc>
+            <a:spcBef>
+              <a:spcPct val="0"/>
+            </a:spcBef>
+            <a:spcAft>
+              <a:spcPts val="0"/>
+            </a:spcAft>
+            <a:buNone/>
+          </a:pPr>
+          <a:r>
+            <a:rPr lang="zh-TW" altLang="en-US" sz="1200" kern="0" baseline="0" dirty="0">
+              <a:latin typeface="微軟正黑體" pitchFamily="34" charset="-120"/>
+              <a:ea typeface="微軟正黑體" pitchFamily="34" charset="-120"/>
+            </a:rPr>
+            <a:t>能夠關注最新的流浪動物</a:t>
+          </a:r>
+          <a:endParaRPr lang="zh-TW" altLang="en-US" sz="1200" kern="1200" dirty="0"/>
+        </a:p>
+      </dsp:txBody>
+      <dsp:txXfrm>
+        <a:off x="390147" y="457095"/>
+        <a:ext cx="3085027" cy="1430218"/>
+      </dsp:txXfrm>
+    </dsp:sp>
+    <dsp:sp modelId="{3084FC60-27C3-442D-9386-366F9828B96E}">
+      <dsp:nvSpPr>
+        <dsp:cNvPr id="0" name=""/>
+        <dsp:cNvSpPr/>
+      </dsp:nvSpPr>
+      <dsp:spPr>
+        <a:xfrm>
+          <a:off x="3692954" y="386064"/>
+          <a:ext cx="3207927" cy="1584960"/>
+        </a:xfrm>
+        <a:prstGeom prst="roundRect">
+          <a:avLst/>
+        </a:prstGeom>
+        <a:gradFill rotWithShape="0">
+          <a:gsLst>
+            <a:gs pos="0">
+              <a:schemeClr val="accent3">
+                <a:hueOff val="0"/>
+                <a:satOff val="0"/>
+                <a:lumOff val="0"/>
+                <a:alphaOff val="0"/>
+                <a:lumMod val="110000"/>
+                <a:satMod val="105000"/>
+                <a:tint val="67000"/>
+              </a:schemeClr>
+            </a:gs>
+            <a:gs pos="50000">
+              <a:schemeClr val="accent3">
+                <a:hueOff val="0"/>
+                <a:satOff val="0"/>
+                <a:lumOff val="0"/>
+                <a:alphaOff val="0"/>
+                <a:lumMod val="105000"/>
+                <a:satMod val="103000"/>
+                <a:tint val="73000"/>
+              </a:schemeClr>
+            </a:gs>
+            <a:gs pos="100000">
+              <a:schemeClr val="accent3">
+                <a:hueOff val="0"/>
+                <a:satOff val="0"/>
+                <a:lumOff val="0"/>
+                <a:alphaOff val="0"/>
+                <a:lumMod val="105000"/>
+                <a:satMod val="109000"/>
+                <a:tint val="81000"/>
+              </a:schemeClr>
+            </a:gs>
+          </a:gsLst>
+          <a:lin ang="5400000" scaled="0"/>
+        </a:gradFill>
+        <a:ln>
+          <a:noFill/>
+        </a:ln>
+        <a:effectLst/>
+        <a:scene3d>
+          <a:camera prst="orthographicFront"/>
+          <a:lightRig rig="flat" dir="t"/>
+        </a:scene3d>
+        <a:sp3d prstMaterial="dkEdge">
+          <a:bevelT w="8200" h="38100"/>
+        </a:sp3d>
+      </dsp:spPr>
+      <dsp:style>
+        <a:lnRef idx="0">
+          <a:scrgbClr r="0" g="0" b="0"/>
+        </a:lnRef>
+        <a:fillRef idx="2">
+          <a:scrgbClr r="0" g="0" b="0"/>
+        </a:fillRef>
+        <a:effectRef idx="1">
+          <a:scrgbClr r="0" g="0" b="0"/>
+        </a:effectRef>
+        <a:fontRef idx="minor">
+          <a:schemeClr val="dk1"/>
+        </a:fontRef>
+      </dsp:style>
+      <dsp:txBody>
+        <a:bodyPr spcFirstLastPara="0" vert="horz" wrap="square" lIns="106680" tIns="106680" rIns="106680" bIns="106680" numCol="1" spcCol="1270" anchor="ctr" anchorCtr="0">
+          <a:noAutofit/>
+        </a:bodyPr>
+        <a:lstStyle/>
+        <a:p>
+          <a:pPr marL="0" lvl="0" indent="0" algn="ctr" defTabSz="1244600">
+            <a:lnSpc>
+              <a:spcPct val="90000"/>
+            </a:lnSpc>
+            <a:spcBef>
+              <a:spcPct val="0"/>
+            </a:spcBef>
+            <a:spcAft>
+              <a:spcPct val="35000"/>
+            </a:spcAft>
+            <a:buNone/>
+          </a:pPr>
+          <a:r>
+            <a:rPr lang="en-US" altLang="zh-TW" sz="2800" b="0" i="0" u="none" strike="noStrike" kern="1200" cap="none">
+              <a:latin typeface="MS UI Gothic" pitchFamily="34" charset="-128"/>
+              <a:ea typeface="MS UI Gothic" pitchFamily="34" charset="-128"/>
+              <a:cs typeface="Nunito"/>
+              <a:sym typeface="Nunito"/>
+            </a:rPr>
+            <a:t>W</a:t>
+          </a:r>
+          <a:r>
+            <a:rPr lang="zh-TW" altLang="en-US" sz="2800" b="0" i="0" u="none" strike="noStrike" kern="1200" cap="none">
+              <a:latin typeface="MS UI Gothic" pitchFamily="34" charset="-128"/>
+              <a:ea typeface="MS UI Gothic" pitchFamily="34" charset="-128"/>
+              <a:cs typeface="Nunito"/>
+              <a:sym typeface="Nunito"/>
+            </a:rPr>
+            <a:t> 劣勢</a:t>
+          </a:r>
+          <a:endParaRPr lang="en-US" altLang="zh-TW" sz="2800" b="0" i="0" u="none" strike="noStrike" kern="1200" cap="none">
+            <a:latin typeface="MS UI Gothic" pitchFamily="34" charset="-128"/>
+            <a:ea typeface="MS UI Gothic" pitchFamily="34" charset="-128"/>
+            <a:cs typeface="Nunito"/>
+            <a:sym typeface="Nunito"/>
+          </a:endParaRPr>
+        </a:p>
+        <a:p>
+          <a:pPr marL="0" lvl="0" indent="0" algn="ctr" defTabSz="1244600">
+            <a:lnSpc>
+              <a:spcPts val="1800"/>
+            </a:lnSpc>
+            <a:spcBef>
+              <a:spcPct val="0"/>
+            </a:spcBef>
+            <a:spcAft>
+              <a:spcPts val="0"/>
+            </a:spcAft>
+            <a:buNone/>
+          </a:pPr>
+          <a:r>
+            <a:rPr lang="zh-TW" altLang="en-US" sz="1200" kern="0" baseline="0">
+              <a:latin typeface="微軟正黑體" pitchFamily="34" charset="-120"/>
+              <a:ea typeface="微軟正黑體" pitchFamily="34" charset="-120"/>
+            </a:rPr>
+            <a:t>自身網站目前並無提救援服務項目</a:t>
+          </a:r>
+          <a:endParaRPr lang="en-US" altLang="zh-TW" sz="1200" kern="0" baseline="0">
+            <a:latin typeface="微軟正黑體" pitchFamily="34" charset="-120"/>
+            <a:ea typeface="微軟正黑體" pitchFamily="34" charset="-120"/>
+          </a:endParaRPr>
+        </a:p>
+        <a:p>
+          <a:pPr marL="0" lvl="0" indent="0" algn="ctr" defTabSz="1244600">
+            <a:lnSpc>
+              <a:spcPts val="1800"/>
+            </a:lnSpc>
+            <a:spcBef>
+              <a:spcPct val="0"/>
+            </a:spcBef>
+            <a:spcAft>
+              <a:spcPts val="0"/>
+            </a:spcAft>
+            <a:buNone/>
+          </a:pPr>
+          <a:r>
+            <a:rPr lang="zh-TW" altLang="en-US" sz="1200" kern="0" baseline="0">
+              <a:latin typeface="微軟正黑體" pitchFamily="34" charset="-120"/>
+              <a:ea typeface="微軟正黑體" pitchFamily="34" charset="-120"/>
+            </a:rPr>
+            <a:t>或收容場所</a:t>
+          </a:r>
+          <a:endParaRPr lang="en-US" altLang="zh-TW" sz="1200" kern="0" baseline="0">
+            <a:latin typeface="微軟正黑體" pitchFamily="34" charset="-120"/>
+            <a:ea typeface="微軟正黑體" pitchFamily="34" charset="-120"/>
+          </a:endParaRPr>
+        </a:p>
+        <a:p>
+          <a:pPr marL="0" lvl="0" indent="0" algn="ctr" defTabSz="1244600">
+            <a:lnSpc>
+              <a:spcPts val="1800"/>
+            </a:lnSpc>
+            <a:spcBef>
+              <a:spcPct val="0"/>
+            </a:spcBef>
+            <a:spcAft>
+              <a:spcPts val="0"/>
+            </a:spcAft>
+            <a:buNone/>
+          </a:pPr>
+          <a:r>
+            <a:rPr lang="en-US" altLang="zh-TW" sz="1200" kern="0" baseline="0">
+              <a:latin typeface="微軟正黑體" pitchFamily="34" charset="-120"/>
+              <a:ea typeface="微軟正黑體" pitchFamily="34" charset="-120"/>
+            </a:rPr>
+            <a:t>(</a:t>
+          </a:r>
+          <a:r>
+            <a:rPr lang="zh-TW" altLang="en-US" sz="1200" kern="0" baseline="0">
+              <a:latin typeface="微軟正黑體" pitchFamily="34" charset="-120"/>
+              <a:ea typeface="微軟正黑體" pitchFamily="34" charset="-120"/>
+            </a:rPr>
+            <a:t>僅能提供資料請求第三方協助</a:t>
+          </a:r>
+          <a:r>
+            <a:rPr lang="en-US" altLang="zh-TW" sz="1200" kern="0" baseline="0">
+              <a:latin typeface="微軟正黑體" pitchFamily="34" charset="-120"/>
+              <a:ea typeface="微軟正黑體" pitchFamily="34" charset="-120"/>
+            </a:rPr>
+            <a:t>)</a:t>
+          </a:r>
+          <a:endParaRPr lang="zh-TW" altLang="en-US" sz="1200" kern="0" baseline="0" dirty="0">
+            <a:latin typeface="微軟正黑體" pitchFamily="34" charset="-120"/>
+            <a:ea typeface="微軟正黑體" pitchFamily="34" charset="-120"/>
+          </a:endParaRPr>
+        </a:p>
+      </dsp:txBody>
+      <dsp:txXfrm>
+        <a:off x="3770325" y="463435"/>
+        <a:ext cx="3053185" cy="1430218"/>
+      </dsp:txXfrm>
+    </dsp:sp>
+    <dsp:sp modelId="{C4C91AFB-1A07-404F-9A1B-8A21826D22AE}">
+      <dsp:nvSpPr>
+        <dsp:cNvPr id="0" name=""/>
+        <dsp:cNvSpPr/>
+      </dsp:nvSpPr>
+      <dsp:spPr>
+        <a:xfrm>
+          <a:off x="326161" y="2092928"/>
+          <a:ext cx="3212967" cy="1584960"/>
+        </a:xfrm>
+        <a:prstGeom prst="roundRect">
+          <a:avLst/>
+        </a:prstGeom>
+        <a:gradFill rotWithShape="0">
+          <a:gsLst>
+            <a:gs pos="0">
+              <a:schemeClr val="accent4">
+                <a:hueOff val="0"/>
+                <a:satOff val="0"/>
+                <a:lumOff val="0"/>
+                <a:alphaOff val="0"/>
+                <a:lumMod val="110000"/>
+                <a:satMod val="105000"/>
+                <a:tint val="67000"/>
+              </a:schemeClr>
+            </a:gs>
+            <a:gs pos="50000">
+              <a:schemeClr val="accent4">
+                <a:hueOff val="0"/>
+                <a:satOff val="0"/>
+                <a:lumOff val="0"/>
+                <a:alphaOff val="0"/>
+                <a:lumMod val="105000"/>
+                <a:satMod val="103000"/>
+                <a:tint val="73000"/>
+              </a:schemeClr>
+            </a:gs>
+            <a:gs pos="100000">
+              <a:schemeClr val="accent4">
+                <a:hueOff val="0"/>
+                <a:satOff val="0"/>
+                <a:lumOff val="0"/>
+                <a:alphaOff val="0"/>
+                <a:lumMod val="105000"/>
+                <a:satMod val="109000"/>
+                <a:tint val="81000"/>
+              </a:schemeClr>
+            </a:gs>
+          </a:gsLst>
+          <a:lin ang="5400000" scaled="0"/>
+        </a:gradFill>
+        <a:ln>
+          <a:noFill/>
+        </a:ln>
+        <a:effectLst/>
+        <a:scene3d>
+          <a:camera prst="orthographicFront"/>
+          <a:lightRig rig="flat" dir="t"/>
+        </a:scene3d>
+        <a:sp3d prstMaterial="dkEdge">
+          <a:bevelT w="8200" h="38100"/>
+        </a:sp3d>
+      </dsp:spPr>
+      <dsp:style>
+        <a:lnRef idx="0">
+          <a:scrgbClr r="0" g="0" b="0"/>
+        </a:lnRef>
+        <a:fillRef idx="2">
+          <a:scrgbClr r="0" g="0" b="0"/>
+        </a:fillRef>
+        <a:effectRef idx="1">
+          <a:scrgbClr r="0" g="0" b="0"/>
+        </a:effectRef>
+        <a:fontRef idx="minor">
+          <a:schemeClr val="dk1"/>
+        </a:fontRef>
+      </dsp:style>
+      <dsp:txBody>
+        <a:bodyPr spcFirstLastPara="0" vert="horz" wrap="square" lIns="106680" tIns="106680" rIns="106680" bIns="106680" numCol="1" spcCol="1270" anchor="t" anchorCtr="0">
+          <a:noAutofit/>
+        </a:bodyPr>
+        <a:lstStyle/>
+        <a:p>
+          <a:pPr marL="0" lvl="0" indent="0" algn="ctr" defTabSz="1244600">
+            <a:lnSpc>
+              <a:spcPct val="90000"/>
+            </a:lnSpc>
+            <a:spcBef>
+              <a:spcPct val="0"/>
+            </a:spcBef>
+            <a:spcAft>
+              <a:spcPct val="35000"/>
+            </a:spcAft>
+            <a:buNone/>
+          </a:pPr>
+          <a:r>
+            <a:rPr lang="en-US" altLang="zh-TW" sz="2800" b="0" i="0" u="none" strike="noStrike" kern="1200" cap="none">
+              <a:latin typeface="MS UI Gothic" pitchFamily="34" charset="-128"/>
+              <a:ea typeface="MS UI Gothic" pitchFamily="34" charset="-128"/>
+              <a:cs typeface="Nunito"/>
+              <a:sym typeface="Nunito"/>
+            </a:rPr>
+            <a:t>O</a:t>
+          </a:r>
+          <a:r>
+            <a:rPr lang="zh-TW" altLang="en-US" sz="2800" b="0" i="0" u="none" strike="noStrike" kern="1200" cap="none">
+              <a:latin typeface="MS UI Gothic" pitchFamily="34" charset="-128"/>
+              <a:ea typeface="MS UI Gothic" pitchFamily="34" charset="-128"/>
+              <a:cs typeface="Nunito"/>
+              <a:sym typeface="Nunito"/>
+            </a:rPr>
+            <a:t> 機會</a:t>
+          </a:r>
+        </a:p>
+        <a:p>
+          <a:pPr marL="0" lvl="0" indent="0" algn="ctr" defTabSz="1244600">
+            <a:lnSpc>
+              <a:spcPct val="90000"/>
+            </a:lnSpc>
+            <a:spcBef>
+              <a:spcPct val="0"/>
+            </a:spcBef>
+            <a:spcAft>
+              <a:spcPct val="35000"/>
+            </a:spcAft>
+            <a:buNone/>
+          </a:pPr>
+          <a:r>
+            <a:rPr lang="zh-TW" altLang="en-US" sz="1200" kern="1200">
+              <a:latin typeface="微軟正黑體" pitchFamily="34" charset="-120"/>
+              <a:ea typeface="微軟正黑體" pitchFamily="34" charset="-120"/>
+            </a:rPr>
+            <a:t>社會至今仍有許多流浪動物，動物保護的理念慢慢建築在人們的觀念教育宣導逐漸增加，讓大眾更了解流浪動物的問題。</a:t>
+          </a:r>
+          <a:endParaRPr lang="en-US" altLang="zh-TW" sz="1200" kern="1200" dirty="0">
+            <a:latin typeface="微軟正黑體" pitchFamily="34" charset="-120"/>
+            <a:ea typeface="微軟正黑體" pitchFamily="34" charset="-120"/>
+          </a:endParaRPr>
+        </a:p>
+      </dsp:txBody>
+      <dsp:txXfrm>
+        <a:off x="403532" y="2170299"/>
+        <a:ext cx="3058225" cy="1430218"/>
+      </dsp:txXfrm>
+    </dsp:sp>
+    <dsp:sp modelId="{EA45ED88-AFA6-43F3-BAF4-5C1E6EBF87D6}">
+      <dsp:nvSpPr>
+        <dsp:cNvPr id="0" name=""/>
+        <dsp:cNvSpPr/>
+      </dsp:nvSpPr>
+      <dsp:spPr>
+        <a:xfrm>
+          <a:off x="3693342" y="2092960"/>
+          <a:ext cx="3168889" cy="1584960"/>
+        </a:xfrm>
+        <a:prstGeom prst="roundRect">
+          <a:avLst/>
+        </a:prstGeom>
+        <a:gradFill rotWithShape="0">
+          <a:gsLst>
+            <a:gs pos="0">
+              <a:schemeClr val="accent5">
+                <a:hueOff val="0"/>
+                <a:satOff val="0"/>
+                <a:lumOff val="0"/>
+                <a:alphaOff val="0"/>
+                <a:lumMod val="110000"/>
+                <a:satMod val="105000"/>
+                <a:tint val="67000"/>
+              </a:schemeClr>
+            </a:gs>
+            <a:gs pos="50000">
+              <a:schemeClr val="accent5">
+                <a:hueOff val="0"/>
+                <a:satOff val="0"/>
+                <a:lumOff val="0"/>
+                <a:alphaOff val="0"/>
+                <a:lumMod val="105000"/>
+                <a:satMod val="103000"/>
+                <a:tint val="73000"/>
+              </a:schemeClr>
+            </a:gs>
+            <a:gs pos="100000">
+              <a:schemeClr val="accent5">
+                <a:hueOff val="0"/>
+                <a:satOff val="0"/>
+                <a:lumOff val="0"/>
+                <a:alphaOff val="0"/>
+                <a:lumMod val="105000"/>
+                <a:satMod val="109000"/>
+                <a:tint val="81000"/>
+              </a:schemeClr>
+            </a:gs>
+          </a:gsLst>
+          <a:lin ang="5400000" scaled="0"/>
+        </a:gradFill>
+        <a:ln>
+          <a:noFill/>
+        </a:ln>
+        <a:effectLst/>
+        <a:scene3d>
+          <a:camera prst="orthographicFront"/>
+          <a:lightRig rig="flat" dir="t"/>
+        </a:scene3d>
+        <a:sp3d prstMaterial="dkEdge">
+          <a:bevelT w="8200" h="38100"/>
+        </a:sp3d>
+      </dsp:spPr>
+      <dsp:style>
+        <a:lnRef idx="0">
+          <a:scrgbClr r="0" g="0" b="0"/>
+        </a:lnRef>
+        <a:fillRef idx="2">
+          <a:scrgbClr r="0" g="0" b="0"/>
+        </a:fillRef>
+        <a:effectRef idx="1">
+          <a:scrgbClr r="0" g="0" b="0"/>
+        </a:effectRef>
+        <a:fontRef idx="minor">
+          <a:schemeClr val="dk1"/>
+        </a:fontRef>
+      </dsp:style>
+      <dsp:txBody>
+        <a:bodyPr spcFirstLastPara="0" vert="horz" wrap="square" lIns="106680" tIns="106680" rIns="106680" bIns="106680" numCol="1" spcCol="1270" anchor="ctr" anchorCtr="0">
+          <a:noAutofit/>
+        </a:bodyPr>
+        <a:lstStyle/>
+        <a:p>
+          <a:pPr marL="0" lvl="0" indent="0" algn="ctr" defTabSz="1244600">
+            <a:lnSpc>
+              <a:spcPct val="90000"/>
+            </a:lnSpc>
+            <a:spcBef>
+              <a:spcPct val="0"/>
+            </a:spcBef>
+            <a:spcAft>
+              <a:spcPct val="35000"/>
+            </a:spcAft>
+            <a:buNone/>
+          </a:pPr>
+          <a:r>
+            <a:rPr lang="en-US" altLang="zh-TW" sz="2800" b="0" i="0" u="none" strike="noStrike" kern="1200" cap="none">
+              <a:latin typeface="MS UI Gothic" pitchFamily="34" charset="-128"/>
+              <a:ea typeface="MS UI Gothic" pitchFamily="34" charset="-128"/>
+              <a:cs typeface="Nunito"/>
+              <a:sym typeface="Nunito"/>
+            </a:rPr>
+            <a:t>T</a:t>
+          </a:r>
+          <a:r>
+            <a:rPr lang="zh-TW" altLang="en-US" sz="2800" b="0" i="0" u="none" strike="noStrike" kern="1200" cap="none">
+              <a:latin typeface="MS UI Gothic" pitchFamily="34" charset="-128"/>
+              <a:ea typeface="MS UI Gothic" pitchFamily="34" charset="-128"/>
+              <a:cs typeface="Nunito"/>
+              <a:sym typeface="Nunito"/>
+            </a:rPr>
+            <a:t> 威脅</a:t>
+          </a:r>
+          <a:endParaRPr lang="en-US" altLang="zh-TW" sz="2800" b="0" i="0" u="none" strike="noStrike" kern="1200" cap="none">
+            <a:latin typeface="MS UI Gothic" pitchFamily="34" charset="-128"/>
+            <a:ea typeface="MS UI Gothic" pitchFamily="34" charset="-128"/>
+            <a:cs typeface="Nunito"/>
+            <a:sym typeface="Nunito"/>
+          </a:endParaRPr>
+        </a:p>
+        <a:p>
+          <a:pPr marL="0" lvl="0" indent="0" algn="ctr" defTabSz="1244600">
+            <a:lnSpc>
+              <a:spcPct val="90000"/>
+            </a:lnSpc>
+            <a:spcBef>
+              <a:spcPct val="0"/>
+            </a:spcBef>
+            <a:spcAft>
+              <a:spcPct val="35000"/>
+            </a:spcAft>
+            <a:buNone/>
+          </a:pPr>
+          <a:r>
+            <a:rPr lang="zh-TW" altLang="en-US" sz="1200" kern="1200">
+              <a:latin typeface="微軟正黑體" pitchFamily="34" charset="-120"/>
+              <a:ea typeface="微軟正黑體" pitchFamily="34" charset="-120"/>
+            </a:rPr>
+            <a:t>網站使用率會影響到資訊的傳遞</a:t>
+          </a:r>
+          <a:endParaRPr lang="en-US" altLang="zh-TW" sz="1200" kern="1200">
+            <a:latin typeface="微軟正黑體" pitchFamily="34" charset="-120"/>
+            <a:ea typeface="微軟正黑體" pitchFamily="34" charset="-120"/>
+          </a:endParaRPr>
+        </a:p>
+        <a:p>
+          <a:pPr marL="0" lvl="0" indent="0" algn="ctr" defTabSz="1244600">
+            <a:lnSpc>
+              <a:spcPct val="90000"/>
+            </a:lnSpc>
+            <a:spcBef>
+              <a:spcPct val="0"/>
+            </a:spcBef>
+            <a:spcAft>
+              <a:spcPct val="35000"/>
+            </a:spcAft>
+            <a:buNone/>
+          </a:pPr>
+          <a:endParaRPr lang="en-US" altLang="zh-TW" sz="1200" kern="1200" dirty="0"/>
+        </a:p>
+      </dsp:txBody>
+      <dsp:txXfrm>
+        <a:off x="3770713" y="2170331"/>
+        <a:ext cx="3014147" cy="1430218"/>
+      </dsp:txXfrm>
+    </dsp:sp>
+  </dsp:spTree>
+</dsp:drawing>
 </file>
 
 <file path=ppt/diagrams/layout1.xml><?xml version="1.0" encoding="utf-8"?>
@@ -8252,7 +10148,7 @@
             <a:fld id="{05BF5AB9-3463-4E65-AFD3-5431B79ADFDC}" type="datetimeFigureOut">
               <a:rPr lang="zh-TW" altLang="en-US" smtClean="0"/>
               <a:pPr/>
-              <a:t>2022/3/3</a:t>
+              <a:t>2022/3/5</a:t>
             </a:fld>
             <a:endParaRPr lang="zh-TW" altLang="en-US"/>
           </a:p>
@@ -8328,7 +10224,7 @@
     </p:spTree>
     <p:extLst>
       <p:ext uri="{BB962C8B-B14F-4D97-AF65-F5344CB8AC3E}">
-        <p14:creationId xmlns="" xmlns:p14="http://schemas.microsoft.com/office/powerpoint/2010/main" val="2352107376"/>
+        <p14:creationId xmlns:p14="http://schemas.microsoft.com/office/powerpoint/2010/main" val="2352107376"/>
       </p:ext>
     </p:extLst>
   </p:cSld>
@@ -8419,7 +10315,7 @@
             <a:fld id="{838FF680-7B6B-4655-B6A1-33A8AD0AE8B4}" type="datetimeFigureOut">
               <a:rPr lang="zh-TW" altLang="en-US" smtClean="0"/>
               <a:pPr/>
-              <a:t>2022/3/3</a:t>
+              <a:t>2022/3/5</a:t>
             </a:fld>
             <a:endParaRPr lang="zh-TW" altLang="en-US"/>
           </a:p>
@@ -8587,7 +10483,7 @@
     </p:spTree>
     <p:extLst>
       <p:ext uri="{BB962C8B-B14F-4D97-AF65-F5344CB8AC3E}">
-        <p14:creationId xmlns="" xmlns:p14="http://schemas.microsoft.com/office/powerpoint/2010/main" val="91953023"/>
+        <p14:creationId xmlns:p14="http://schemas.microsoft.com/office/powerpoint/2010/main" val="91953023"/>
       </p:ext>
     </p:extLst>
   </p:cSld>
@@ -8868,7 +10764,7 @@
     </p:spTree>
     <p:extLst>
       <p:ext uri="{BB962C8B-B14F-4D97-AF65-F5344CB8AC3E}">
-        <p14:creationId xmlns="" xmlns:p14="http://schemas.microsoft.com/office/powerpoint/2010/main" val="3554531283"/>
+        <p14:creationId xmlns:p14="http://schemas.microsoft.com/office/powerpoint/2010/main" val="3554531283"/>
       </p:ext>
     </p:extLst>
   </p:cSld>
@@ -9151,7 +11047,7 @@
     </p:spTree>
     <p:extLst>
       <p:ext uri="{BB962C8B-B14F-4D97-AF65-F5344CB8AC3E}">
-        <p14:creationId xmlns="" xmlns:p14="http://schemas.microsoft.com/office/powerpoint/2010/main" val="2915487638"/>
+        <p14:creationId xmlns:p14="http://schemas.microsoft.com/office/powerpoint/2010/main" val="2915487638"/>
       </p:ext>
     </p:extLst>
   </p:cSld>
@@ -9569,7 +11465,7 @@
     </p:spTree>
     <p:extLst>
       <p:ext uri="{BB962C8B-B14F-4D97-AF65-F5344CB8AC3E}">
-        <p14:creationId xmlns="" xmlns:p14="http://schemas.microsoft.com/office/powerpoint/2010/main" val="1321302552"/>
+        <p14:creationId xmlns:p14="http://schemas.microsoft.com/office/powerpoint/2010/main" val="1321302552"/>
       </p:ext>
     </p:extLst>
   </p:cSld>
@@ -9644,7 +11540,7 @@
     </p:spTree>
     <p:extLst>
       <p:ext uri="{BB962C8B-B14F-4D97-AF65-F5344CB8AC3E}">
-        <p14:creationId xmlns="" xmlns:p14="http://schemas.microsoft.com/office/powerpoint/2010/main" val="4108560607"/>
+        <p14:creationId xmlns:p14="http://schemas.microsoft.com/office/powerpoint/2010/main" val="4108560607"/>
       </p:ext>
     </p:extLst>
   </p:cSld>
@@ -9674,7 +11570,7 @@
     </p:spTree>
     <p:extLst>
       <p:ext uri="{BB962C8B-B14F-4D97-AF65-F5344CB8AC3E}">
-        <p14:creationId xmlns="" xmlns:p14="http://schemas.microsoft.com/office/powerpoint/2010/main" val="289152772"/>
+        <p14:creationId xmlns:p14="http://schemas.microsoft.com/office/powerpoint/2010/main" val="289152772"/>
       </p:ext>
     </p:extLst>
   </p:cSld>
@@ -9920,7 +11816,7 @@
     </p:spTree>
     <p:extLst>
       <p:ext uri="{BB962C8B-B14F-4D97-AF65-F5344CB8AC3E}">
-        <p14:creationId xmlns="" xmlns:p14="http://schemas.microsoft.com/office/powerpoint/2010/main" val="2352718898"/>
+        <p14:creationId xmlns:p14="http://schemas.microsoft.com/office/powerpoint/2010/main" val="2352718898"/>
       </p:ext>
     </p:extLst>
   </p:cSld>
@@ -10113,7 +12009,7 @@
     </p:spTree>
     <p:extLst>
       <p:ext uri="{BB962C8B-B14F-4D97-AF65-F5344CB8AC3E}">
-        <p14:creationId xmlns="" xmlns:p14="http://schemas.microsoft.com/office/powerpoint/2010/main" val="121933658"/>
+        <p14:creationId xmlns:p14="http://schemas.microsoft.com/office/powerpoint/2010/main" val="121933658"/>
       </p:ext>
     </p:extLst>
   </p:cSld>
@@ -10122,7 +12018,7 @@
   </p:clrMapOvr>
   <p:extLst>
     <p:ext uri="{DCECCB84-F9BA-43D5-87BE-67443E8EF086}">
-      <p15:sldGuideLst xmlns="" xmlns:p15="http://schemas.microsoft.com/office/powerpoint/2012/main">
+      <p15:sldGuideLst xmlns:p15="http://schemas.microsoft.com/office/powerpoint/2012/main">
         <p15:guide id="1" orient="horz" pos="2160">
           <p15:clr>
             <a:srgbClr val="FBAE40"/>
@@ -10300,7 +12196,7 @@
     </p:spTree>
     <p:extLst>
       <p:ext uri="{BB962C8B-B14F-4D97-AF65-F5344CB8AC3E}">
-        <p14:creationId xmlns="" xmlns:p14="http://schemas.microsoft.com/office/powerpoint/2010/main" val="157785957"/>
+        <p14:creationId xmlns:p14="http://schemas.microsoft.com/office/powerpoint/2010/main" val="157785957"/>
       </p:ext>
     </p:extLst>
   </p:cSld>
@@ -10374,7 +12270,7 @@
     </p:spTree>
     <p:extLst>
       <p:ext uri="{BB962C8B-B14F-4D97-AF65-F5344CB8AC3E}">
-        <p14:creationId xmlns="" xmlns:p14="http://schemas.microsoft.com/office/powerpoint/2010/main" val="2618894774"/>
+        <p14:creationId xmlns:p14="http://schemas.microsoft.com/office/powerpoint/2010/main" val="2618894774"/>
       </p:ext>
     </p:extLst>
   </p:cSld>
@@ -10541,7 +12437,7 @@
     </p:spTree>
     <p:extLst>
       <p:ext uri="{BB962C8B-B14F-4D97-AF65-F5344CB8AC3E}">
-        <p14:creationId xmlns="" xmlns:p14="http://schemas.microsoft.com/office/powerpoint/2010/main" val="1872930602"/>
+        <p14:creationId xmlns:p14="http://schemas.microsoft.com/office/powerpoint/2010/main" val="1872930602"/>
       </p:ext>
     </p:extLst>
   </p:cSld>
@@ -10756,7 +12652,7 @@
     </p:spTree>
     <p:extLst>
       <p:ext uri="{BB962C8B-B14F-4D97-AF65-F5344CB8AC3E}">
-        <p14:creationId xmlns="" xmlns:p14="http://schemas.microsoft.com/office/powerpoint/2010/main" val="4106461826"/>
+        <p14:creationId xmlns:p14="http://schemas.microsoft.com/office/powerpoint/2010/main" val="4106461826"/>
       </p:ext>
     </p:extLst>
   </p:cSld>
@@ -11015,7 +12911,7 @@
     </p:spTree>
     <p:extLst>
       <p:ext uri="{BB962C8B-B14F-4D97-AF65-F5344CB8AC3E}">
-        <p14:creationId xmlns="" xmlns:p14="http://schemas.microsoft.com/office/powerpoint/2010/main" val="3591219130"/>
+        <p14:creationId xmlns:p14="http://schemas.microsoft.com/office/powerpoint/2010/main" val="3591219130"/>
       </p:ext>
     </p:extLst>
   </p:cSld>
@@ -11263,7 +13159,7 @@
     </p:spTree>
     <p:extLst>
       <p:ext uri="{BB962C8B-B14F-4D97-AF65-F5344CB8AC3E}">
-        <p14:creationId xmlns="" xmlns:p14="http://schemas.microsoft.com/office/powerpoint/2010/main" val="1177517027"/>
+        <p14:creationId xmlns:p14="http://schemas.microsoft.com/office/powerpoint/2010/main" val="1177517027"/>
       </p:ext>
     </p:extLst>
   </p:cSld>
@@ -11338,7 +13234,7 @@
     </p:spTree>
     <p:extLst>
       <p:ext uri="{BB962C8B-B14F-4D97-AF65-F5344CB8AC3E}">
-        <p14:creationId xmlns="" xmlns:p14="http://schemas.microsoft.com/office/powerpoint/2010/main" val="4133833829"/>
+        <p14:creationId xmlns:p14="http://schemas.microsoft.com/office/powerpoint/2010/main" val="4133833829"/>
       </p:ext>
     </p:extLst>
   </p:cSld>
@@ -11523,7 +13419,7 @@
           <p:cNvPr id="6" name="圖片 5">
             <a:extLst>
               <a:ext uri="{FF2B5EF4-FFF2-40B4-BE49-F238E27FC236}">
-                <a16:creationId xmlns="" xmlns:a16="http://schemas.microsoft.com/office/drawing/2014/main" id="{A38F83B7-CC73-4E3F-9287-CF590BE57B63}"/>
+                <a16:creationId xmlns:a16="http://schemas.microsoft.com/office/drawing/2014/main" id="{A38F83B7-CC73-4E3F-9287-CF590BE57B63}"/>
               </a:ext>
             </a:extLst>
           </p:cNvPr>
@@ -11585,7 +13481,7 @@
           <p:cNvPr id="7" name="群組 6">
             <a:extLst>
               <a:ext uri="{FF2B5EF4-FFF2-40B4-BE49-F238E27FC236}">
-                <a16:creationId xmlns="" xmlns:a16="http://schemas.microsoft.com/office/drawing/2014/main" id="{C165526D-DB92-4A98-9E03-1227F7138DBB}"/>
+                <a16:creationId xmlns:a16="http://schemas.microsoft.com/office/drawing/2014/main" id="{C165526D-DB92-4A98-9E03-1227F7138DBB}"/>
               </a:ext>
             </a:extLst>
           </p:cNvPr>
@@ -11605,7 +13501,7 @@
             <p:cNvPr id="8" name="圖片 7">
               <a:extLst>
                 <a:ext uri="{FF2B5EF4-FFF2-40B4-BE49-F238E27FC236}">
-                  <a16:creationId xmlns="" xmlns:a16="http://schemas.microsoft.com/office/drawing/2014/main" id="{15CFBFC1-A069-4FBC-A453-306DD6015A7E}"/>
+                  <a16:creationId xmlns:a16="http://schemas.microsoft.com/office/drawing/2014/main" id="{15CFBFC1-A069-4FBC-A453-306DD6015A7E}"/>
                 </a:ext>
               </a:extLst>
             </p:cNvPr>
@@ -11635,7 +13531,7 @@
             <p:cNvPr id="9" name="文字方塊 8">
               <a:extLst>
                 <a:ext uri="{FF2B5EF4-FFF2-40B4-BE49-F238E27FC236}">
-                  <a16:creationId xmlns="" xmlns:a16="http://schemas.microsoft.com/office/drawing/2014/main" id="{3DEC8BE7-DA71-4BDA-8CB8-33EEA10823B6}"/>
+                  <a16:creationId xmlns:a16="http://schemas.microsoft.com/office/drawing/2014/main" id="{3DEC8BE7-DA71-4BDA-8CB8-33EEA10823B6}"/>
                 </a:ext>
               </a:extLst>
             </p:cNvPr>
@@ -11685,7 +13581,7 @@
             <p:cNvPr id="10" name="矩形 9">
               <a:extLst>
                 <a:ext uri="{FF2B5EF4-FFF2-40B4-BE49-F238E27FC236}">
-                  <a16:creationId xmlns="" xmlns:a16="http://schemas.microsoft.com/office/drawing/2014/main" id="{0E2543E6-D835-43CF-8323-BB5950B7F5DC}"/>
+                  <a16:creationId xmlns:a16="http://schemas.microsoft.com/office/drawing/2014/main" id="{0E2543E6-D835-43CF-8323-BB5950B7F5DC}"/>
                 </a:ext>
               </a:extLst>
             </p:cNvPr>
@@ -11729,7 +13625,7 @@
             <p:cNvPr id="11" name="文字方塊 10">
               <a:extLst>
                 <a:ext uri="{FF2B5EF4-FFF2-40B4-BE49-F238E27FC236}">
-                  <a16:creationId xmlns="" xmlns:a16="http://schemas.microsoft.com/office/drawing/2014/main" id="{56E7BB63-E6A1-4E5D-BBDE-09FA7D686D38}"/>
+                  <a16:creationId xmlns:a16="http://schemas.microsoft.com/office/drawing/2014/main" id="{56E7BB63-E6A1-4E5D-BBDE-09FA7D686D38}"/>
                 </a:ext>
               </a:extLst>
             </p:cNvPr>
@@ -11778,7 +13674,7 @@
             <p:cNvPr id="12" name="文字方塊 11">
               <a:extLst>
                 <a:ext uri="{FF2B5EF4-FFF2-40B4-BE49-F238E27FC236}">
-                  <a16:creationId xmlns="" xmlns:a16="http://schemas.microsoft.com/office/drawing/2014/main" id="{66D811A0-564C-4DD2-8EB6-01EBFFC8B991}"/>
+                  <a16:creationId xmlns:a16="http://schemas.microsoft.com/office/drawing/2014/main" id="{66D811A0-564C-4DD2-8EB6-01EBFFC8B991}"/>
                 </a:ext>
               </a:extLst>
             </p:cNvPr>
@@ -11827,7 +13723,7 @@
             <p:cNvPr id="13" name="文字方塊 12">
               <a:extLst>
                 <a:ext uri="{FF2B5EF4-FFF2-40B4-BE49-F238E27FC236}">
-                  <a16:creationId xmlns="" xmlns:a16="http://schemas.microsoft.com/office/drawing/2014/main" id="{B589B725-0E0C-40CC-9549-C1BDEC14B51E}"/>
+                  <a16:creationId xmlns:a16="http://schemas.microsoft.com/office/drawing/2014/main" id="{B589B725-0E0C-40CC-9549-C1BDEC14B51E}"/>
                 </a:ext>
               </a:extLst>
             </p:cNvPr>
@@ -11875,7 +13771,7 @@
     </p:spTree>
     <p:extLst>
       <p:ext uri="{BB962C8B-B14F-4D97-AF65-F5344CB8AC3E}">
-        <p14:creationId xmlns="" xmlns:p14="http://schemas.microsoft.com/office/powerpoint/2010/main" val="927912257"/>
+        <p14:creationId xmlns:p14="http://schemas.microsoft.com/office/powerpoint/2010/main" val="927912257"/>
       </p:ext>
     </p:extLst>
   </p:cSld>
@@ -12235,7 +14131,7 @@
           <a:lstStyle/>
           <a:p>
             <a:r>
-              <a:rPr altLang="en-US" sz="4800" dirty="0" smtClean="0">
+              <a:rPr altLang="en-US" sz="4800" dirty="0">
                 <a:solidFill>
                   <a:schemeClr val="accent4"/>
                 </a:solidFill>
@@ -12496,7 +14392,7 @@
               <a:t>組別 </a:t>
             </a:r>
             <a:r>
-              <a:rPr lang="en-US" altLang="zh-TW" sz="2400" b="0" dirty="0" smtClean="0">
+              <a:rPr lang="en-US" altLang="zh-TW" sz="2400" b="0" dirty="0">
                 <a:solidFill>
                   <a:schemeClr val="accent4"/>
                 </a:solidFill>
@@ -12504,7 +14400,7 @@
               <a:t>:</a:t>
             </a:r>
             <a:r>
-              <a:rPr lang="zh-TW" altLang="en-US" sz="2400" b="0" dirty="0" smtClean="0">
+              <a:rPr lang="zh-TW" altLang="en-US" sz="2400" b="0" dirty="0">
                 <a:solidFill>
                   <a:schemeClr val="accent4"/>
                 </a:solidFill>
@@ -12537,7 +14433,7 @@
               <a:t>組員 </a:t>
             </a:r>
             <a:r>
-              <a:rPr lang="en-US" altLang="zh-TW" sz="2400" b="0" dirty="0" smtClean="0">
+              <a:rPr lang="en-US" altLang="zh-TW" sz="2400" b="0" dirty="0">
                 <a:solidFill>
                   <a:schemeClr val="accent4"/>
                 </a:solidFill>
@@ -12545,7 +14441,7 @@
               <a:t>:</a:t>
             </a:r>
             <a:r>
-              <a:rPr lang="zh-TW" altLang="en-US" sz="2400" b="0" dirty="0" smtClean="0">
+              <a:rPr lang="zh-TW" altLang="en-US" sz="2400" b="0" dirty="0">
                 <a:solidFill>
                   <a:schemeClr val="accent4"/>
                 </a:solidFill>
@@ -12575,18 +14471,10 @@
                   <a:schemeClr val="accent4"/>
                 </a:solidFill>
               </a:rPr>
-              <a:t>指導</a:t>
-            </a:r>
-            <a:r>
-              <a:rPr lang="zh-TW" altLang="en-US" sz="2400" b="0" dirty="0" smtClean="0">
-                <a:solidFill>
-                  <a:schemeClr val="accent4"/>
-                </a:solidFill>
-              </a:rPr>
-              <a:t>老師</a:t>
-            </a:r>
-            <a:r>
-              <a:rPr lang="en-US" altLang="zh-TW" sz="2400" b="0" dirty="0" smtClean="0">
+              <a:t>指導老師</a:t>
+            </a:r>
+            <a:r>
+              <a:rPr lang="en-US" altLang="zh-TW" sz="2400" b="0" dirty="0">
                 <a:solidFill>
                   <a:schemeClr val="accent4"/>
                 </a:solidFill>
@@ -12594,7 +14482,7 @@
               <a:t>:</a:t>
             </a:r>
             <a:r>
-              <a:rPr lang="zh-TW" altLang="en-US" sz="2400" b="0" dirty="0" smtClean="0">
+              <a:rPr lang="zh-TW" altLang="en-US" sz="2400" b="0" dirty="0">
                 <a:solidFill>
                   <a:schemeClr val="accent4"/>
                 </a:solidFill>
@@ -12636,20 +14524,13 @@
     </p:spTree>
     <p:extLst>
       <p:ext uri="{BB962C8B-B14F-4D97-AF65-F5344CB8AC3E}">
-        <p14:creationId xmlns="" xmlns:p14="http://schemas.microsoft.com/office/powerpoint/2010/main" val="2586117660"/>
+        <p14:creationId xmlns:p14="http://schemas.microsoft.com/office/powerpoint/2010/main" val="2586117660"/>
       </p:ext>
     </p:extLst>
   </p:cSld>
   <p:clrMapOvr>
     <a:masterClrMapping/>
   </p:clrMapOvr>
-  <p:timing>
-    <p:tnLst>
-      <p:par>
-        <p:cTn id="1" dur="indefinite" restart="never" nodeType="tmRoot"/>
-      </p:par>
-    </p:tnLst>
-  </p:timing>
 </p:sld>
 </file>
 
@@ -12694,7 +14575,7 @@
           <a:p>
             <a:pPr algn="dist"/>
             <a:r>
-              <a:rPr lang="zh-TW" altLang="en-US" sz="4000" dirty="0" smtClean="0">
+              <a:rPr lang="zh-TW" altLang="en-US" sz="4000" dirty="0">
                 <a:solidFill>
                   <a:schemeClr val="accent1"/>
                 </a:solidFill>
@@ -12702,7 +14583,7 @@
               <a:t>成</a:t>
             </a:r>
             <a:r>
-              <a:rPr lang="zh-TW" altLang="en-US" sz="4000" dirty="0" smtClean="0">
+              <a:rPr lang="zh-TW" altLang="en-US" sz="4000" dirty="0">
                 <a:solidFill>
                   <a:schemeClr val="accent3"/>
                 </a:solidFill>
@@ -12710,7 +14591,7 @@
               <a:t>果</a:t>
             </a:r>
             <a:r>
-              <a:rPr lang="zh-TW" altLang="en-US" sz="4000" dirty="0" smtClean="0">
+              <a:rPr lang="zh-TW" altLang="en-US" sz="4000" dirty="0">
                 <a:solidFill>
                   <a:schemeClr val="accent5"/>
                 </a:solidFill>
@@ -12718,7 +14599,7 @@
               <a:t>展</a:t>
             </a:r>
             <a:r>
-              <a:rPr lang="zh-TW" altLang="en-US" sz="4000" dirty="0" smtClean="0">
+              <a:rPr lang="zh-TW" altLang="en-US" sz="4000" dirty="0">
                 <a:solidFill>
                   <a:schemeClr val="accent6"/>
                 </a:solidFill>
@@ -12736,7 +14617,7 @@
     </p:spTree>
     <p:extLst>
       <p:ext uri="{BB962C8B-B14F-4D97-AF65-F5344CB8AC3E}">
-        <p14:creationId xmlns="" xmlns:p14="http://schemas.microsoft.com/office/powerpoint/2010/main" val="4034723819"/>
+        <p14:creationId xmlns:p14="http://schemas.microsoft.com/office/powerpoint/2010/main" val="4034723819"/>
       </p:ext>
     </p:extLst>
   </p:cSld>
@@ -12744,13 +14625,6 @@
     <a:masterClrMapping/>
   </p:clrMapOvr>
   <p:transition/>
-  <p:timing>
-    <p:tnLst>
-      <p:par>
-        <p:cTn id="1" dur="indefinite" restart="never" nodeType="tmRoot"/>
-      </p:par>
-    </p:tnLst>
-  </p:timing>
 </p:sld>
 </file>
 
@@ -12787,10 +14661,9 @@
           <a:lstStyle/>
           <a:p>
             <a:r>
-              <a:rPr lang="zh-TW" altLang="en-US" dirty="0" smtClean="0"/>
+              <a:rPr lang="zh-TW" altLang="en-US" dirty="0"/>
               <a:t>影片站存區</a:t>
             </a:r>
-            <a:endParaRPr lang="zh-TW" altLang="en-US" dirty="0"/>
           </a:p>
         </p:txBody>
       </p:sp>
@@ -12800,13 +14673,6 @@
     <a:masterClrMapping/>
   </p:clrMapOvr>
   <p:transition/>
-  <p:timing>
-    <p:tnLst>
-      <p:par>
-        <p:cTn id="1" dur="indefinite" restart="never" nodeType="tmRoot"/>
-      </p:par>
-    </p:tnLst>
-  </p:timing>
 </p:sld>
 </file>
 
@@ -12850,7 +14716,7 @@
           <a:lstStyle/>
           <a:p>
             <a:r>
-              <a:rPr lang="en-US" altLang="zh-TW" sz="4000" dirty="0" smtClean="0">
+              <a:rPr lang="en-US" altLang="zh-TW" sz="4000" dirty="0">
                 <a:solidFill>
                   <a:schemeClr val="accent1"/>
                 </a:solidFill>
@@ -12858,7 +14724,7 @@
               <a:t>T</a:t>
             </a:r>
             <a:r>
-              <a:rPr lang="en-US" altLang="zh-TW" sz="4000" dirty="0" smtClean="0">
+              <a:rPr lang="en-US" altLang="zh-TW" sz="4000" dirty="0">
                 <a:solidFill>
                   <a:schemeClr val="accent2"/>
                 </a:solidFill>
@@ -12866,7 +14732,7 @@
               <a:t>h</a:t>
             </a:r>
             <a:r>
-              <a:rPr lang="en-US" altLang="zh-TW" sz="4000" dirty="0" smtClean="0">
+              <a:rPr lang="en-US" altLang="zh-TW" sz="4000" dirty="0">
                 <a:solidFill>
                   <a:schemeClr val="accent3"/>
                 </a:solidFill>
@@ -12874,7 +14740,7 @@
               <a:t>a</a:t>
             </a:r>
             <a:r>
-              <a:rPr lang="en-US" altLang="zh-TW" sz="4000" dirty="0" smtClean="0">
+              <a:rPr lang="en-US" altLang="zh-TW" sz="4000" dirty="0">
                 <a:solidFill>
                   <a:schemeClr val="accent4"/>
                 </a:solidFill>
@@ -12882,7 +14748,7 @@
               <a:t>n</a:t>
             </a:r>
             <a:r>
-              <a:rPr lang="en-US" altLang="zh-TW" sz="4000" dirty="0" smtClean="0">
+              <a:rPr lang="en-US" altLang="zh-TW" sz="4000" dirty="0">
                 <a:solidFill>
                   <a:schemeClr val="accent5"/>
                 </a:solidFill>
@@ -12890,7 +14756,7 @@
               <a:t>k</a:t>
             </a:r>
             <a:r>
-              <a:rPr lang="en-US" altLang="zh-TW" sz="4000" dirty="0" smtClean="0">
+              <a:rPr lang="en-US" altLang="zh-TW" sz="4000" dirty="0">
                 <a:solidFill>
                   <a:schemeClr val="tx1">
                     <a:lumMod val="75000"/>
@@ -12900,7 +14766,7 @@
               <a:t> </a:t>
             </a:r>
             <a:r>
-              <a:rPr lang="en-US" altLang="zh-TW" sz="4000" dirty="0" smtClean="0">
+              <a:rPr lang="en-US" altLang="zh-TW" sz="4000" dirty="0">
                 <a:solidFill>
                   <a:schemeClr val="accent6"/>
                 </a:solidFill>
@@ -12908,7 +14774,7 @@
               <a:t>y</a:t>
             </a:r>
             <a:r>
-              <a:rPr lang="en-US" altLang="zh-TW" sz="4000" dirty="0" smtClean="0">
+              <a:rPr lang="en-US" altLang="zh-TW" sz="4000" dirty="0">
                 <a:solidFill>
                   <a:schemeClr val="accent1"/>
                 </a:solidFill>
@@ -12916,7 +14782,7 @@
               <a:t>o</a:t>
             </a:r>
             <a:r>
-              <a:rPr lang="en-US" altLang="zh-TW" sz="4000" dirty="0" smtClean="0">
+              <a:rPr lang="en-US" altLang="zh-TW" sz="4000" dirty="0">
                 <a:solidFill>
                   <a:schemeClr val="accent3"/>
                 </a:solidFill>
@@ -12934,7 +14800,7 @@
     </p:spTree>
     <p:extLst>
       <p:ext uri="{BB962C8B-B14F-4D97-AF65-F5344CB8AC3E}">
-        <p14:creationId xmlns="" xmlns:p14="http://schemas.microsoft.com/office/powerpoint/2010/main" val="4034723819"/>
+        <p14:creationId xmlns:p14="http://schemas.microsoft.com/office/powerpoint/2010/main" val="4034723819"/>
       </p:ext>
     </p:extLst>
   </p:cSld>
@@ -12942,13 +14808,6 @@
     <a:masterClrMapping/>
   </p:clrMapOvr>
   <p:transition/>
-  <p:timing>
-    <p:tnLst>
-      <p:par>
-        <p:cTn id="1" dur="indefinite" restart="never" nodeType="tmRoot"/>
-      </p:par>
-    </p:tnLst>
-  </p:timing>
 </p:sld>
 </file>
 
@@ -13034,7 +14893,7 @@
               <a:buNone/>
             </a:pPr>
             <a:r>
-              <a:rPr lang="zh-TW" altLang="en-US" sz="2800" b="1" dirty="0" smtClean="0">
+              <a:rPr lang="zh-TW" altLang="en-US" sz="2800" b="1" dirty="0">
                 <a:solidFill>
                   <a:schemeClr val="accent3"/>
                 </a:solidFill>
@@ -13044,7 +14903,7 @@
               </a:rPr>
               <a:t>葉登發</a:t>
             </a:r>
-            <a:endParaRPr lang="en-US" altLang="zh-TW" sz="2800" b="1" dirty="0" smtClean="0">
+            <a:endParaRPr lang="en-US" altLang="zh-TW" sz="2800" b="1" dirty="0">
               <a:solidFill>
                 <a:schemeClr val="accent3"/>
               </a:solidFill>
@@ -13056,7 +14915,7 @@
           <a:p>
             <a:pPr lvl="0" indent="-828000"/>
             <a:r>
-              <a:rPr lang="zh-TW" altLang="en-US" sz="2000" dirty="0" smtClean="0">
+              <a:rPr lang="zh-TW" altLang="en-US" sz="2000" dirty="0">
                 <a:solidFill>
                   <a:schemeClr val="accent6"/>
                 </a:solidFill>
@@ -13067,7 +14926,7 @@
               <a:t>◆</a:t>
             </a:r>
             <a:r>
-              <a:rPr lang="zh-TW" altLang="en-US" sz="1700" dirty="0" smtClean="0">
+              <a:rPr lang="zh-TW" altLang="en-US" sz="1700" dirty="0">
                 <a:solidFill>
                   <a:srgbClr val="FFFFFF"/>
                 </a:solidFill>
@@ -13077,7 +14936,7 @@
               </a:rPr>
               <a:t>網站規劃</a:t>
             </a:r>
-            <a:endParaRPr lang="en-US" altLang="zh-TW" sz="1700" dirty="0" smtClean="0">
+            <a:endParaRPr lang="en-US" altLang="zh-TW" sz="1700" dirty="0">
               <a:solidFill>
                 <a:srgbClr val="FFFFFF"/>
               </a:solidFill>
@@ -13089,7 +14948,7 @@
           <a:p>
             <a:pPr indent="-828000"/>
             <a:r>
-              <a:rPr lang="zh-TW" altLang="en-US" sz="2000" dirty="0" smtClean="0">
+              <a:rPr lang="zh-TW" altLang="en-US" sz="2000" dirty="0">
                 <a:solidFill>
                   <a:srgbClr val="6ECBD4"/>
                 </a:solidFill>
@@ -13100,7 +14959,7 @@
               <a:t>◆ </a:t>
             </a:r>
             <a:r>
-              <a:rPr lang="en-US" altLang="zh-TW" sz="1700" dirty="0" smtClean="0">
+              <a:rPr lang="en-US" altLang="zh-TW" sz="1700" dirty="0">
                 <a:solidFill>
                   <a:srgbClr val="FFFFFF"/>
                 </a:solidFill>
@@ -13111,7 +14970,7 @@
               <a:t>LOGO</a:t>
             </a:r>
             <a:r>
-              <a:rPr lang="zh-TW" altLang="en-US" sz="1700" dirty="0" smtClean="0">
+              <a:rPr lang="zh-TW" altLang="en-US" sz="1700" dirty="0">
                 <a:solidFill>
                   <a:srgbClr val="FFFFFF"/>
                 </a:solidFill>
@@ -13121,7 +14980,7 @@
               </a:rPr>
               <a:t>設計</a:t>
             </a:r>
-            <a:endParaRPr lang="en-US" altLang="zh-TW" sz="1700" dirty="0" smtClean="0">
+            <a:endParaRPr lang="en-US" altLang="zh-TW" sz="1700" dirty="0">
               <a:solidFill>
                 <a:srgbClr val="FFFFFF"/>
               </a:solidFill>
@@ -13133,7 +14992,7 @@
           <a:p>
             <a:pPr lvl="0" indent="-828000"/>
             <a:r>
-              <a:rPr lang="zh-TW" altLang="en-US" sz="2000" dirty="0" smtClean="0">
+              <a:rPr lang="zh-TW" altLang="en-US" sz="2000" dirty="0">
                 <a:solidFill>
                   <a:srgbClr val="6ECBD4"/>
                 </a:solidFill>
@@ -13144,7 +15003,7 @@
               <a:t>◆</a:t>
             </a:r>
             <a:r>
-              <a:rPr lang="zh-TW" altLang="en-US" sz="1600" dirty="0" smtClean="0">
+              <a:rPr lang="zh-TW" altLang="en-US" sz="1600" dirty="0">
                 <a:solidFill>
                   <a:srgbClr val="6ECBD4"/>
                 </a:solidFill>
@@ -13155,7 +15014,7 @@
               <a:t> </a:t>
             </a:r>
             <a:r>
-              <a:rPr lang="en-US" altLang="zh-TW" sz="1700" dirty="0" smtClean="0">
+              <a:rPr lang="en-US" altLang="zh-TW" sz="1700" dirty="0">
                 <a:solidFill>
                   <a:srgbClr val="FFFFFF"/>
                 </a:solidFill>
@@ -13197,7 +15056,7 @@
           <a:lstStyle/>
           <a:p>
             <a:r>
-              <a:rPr lang="zh-TW" altLang="en-US" sz="2800" b="1" dirty="0" smtClean="0">
+              <a:rPr lang="zh-TW" altLang="en-US" sz="2800" b="1" dirty="0">
                 <a:solidFill>
                   <a:schemeClr val="accent3"/>
                 </a:solidFill>
@@ -13207,7 +15066,7 @@
               </a:rPr>
               <a:t>周揚竣</a:t>
             </a:r>
-            <a:endParaRPr lang="en-US" altLang="zh-TW" sz="2800" b="1" dirty="0" smtClean="0">
+            <a:endParaRPr lang="en-US" altLang="zh-TW" sz="2800" b="1" dirty="0">
               <a:solidFill>
                 <a:schemeClr val="accent3"/>
               </a:solidFill>
@@ -13218,7 +15077,7 @@
           </a:p>
           <a:p>
             <a:r>
-              <a:rPr lang="zh-TW" altLang="en-US" sz="2000" dirty="0" smtClean="0">
+              <a:rPr lang="zh-TW" altLang="en-US" sz="2000" dirty="0">
                 <a:solidFill>
                   <a:srgbClr val="6ECBD4"/>
                 </a:solidFill>
@@ -13229,7 +15088,7 @@
               <a:t>◆</a:t>
             </a:r>
             <a:r>
-              <a:rPr lang="zh-TW" altLang="en-US" sz="1700" dirty="0" smtClean="0">
+              <a:rPr lang="zh-TW" altLang="en-US" sz="1700" dirty="0">
                 <a:solidFill>
                   <a:srgbClr val="FFFFFF"/>
                 </a:solidFill>
@@ -13239,7 +15098,7 @@
               </a:rPr>
               <a:t>版面設計</a:t>
             </a:r>
-            <a:endParaRPr lang="en-US" altLang="zh-TW" sz="1700" dirty="0" smtClean="0">
+            <a:endParaRPr lang="en-US" altLang="zh-TW" sz="1700" dirty="0">
               <a:solidFill>
                 <a:srgbClr val="FFFFFF"/>
               </a:solidFill>
@@ -13250,7 +15109,7 @@
           </a:p>
           <a:p>
             <a:r>
-              <a:rPr lang="zh-TW" altLang="en-US" sz="2000" dirty="0" smtClean="0">
+              <a:rPr lang="zh-TW" altLang="en-US" sz="2000" dirty="0">
                 <a:solidFill>
                   <a:srgbClr val="6ECBD4"/>
                 </a:solidFill>
@@ -13261,7 +15120,7 @@
               <a:t>◆</a:t>
             </a:r>
             <a:r>
-              <a:rPr lang="zh-TW" altLang="en-US" sz="1700" dirty="0" smtClean="0">
+              <a:rPr lang="zh-TW" altLang="en-US" sz="1700" dirty="0">
                 <a:solidFill>
                   <a:srgbClr val="FFFFFF"/>
                 </a:solidFill>
@@ -13272,7 +15131,7 @@
               <a:t> </a:t>
             </a:r>
             <a:r>
-              <a:rPr lang="en-US" altLang="zh-TW" sz="1700" dirty="0" smtClean="0">
+              <a:rPr lang="en-US" altLang="zh-TW" sz="1700" dirty="0">
                 <a:solidFill>
                   <a:srgbClr val="FFFFFF"/>
                 </a:solidFill>
@@ -13285,7 +15144,7 @@
           </a:p>
           <a:p>
             <a:r>
-              <a:rPr lang="zh-TW" altLang="en-US" sz="2000" dirty="0" smtClean="0">
+              <a:rPr lang="zh-TW" altLang="en-US" sz="2000" dirty="0">
                 <a:solidFill>
                   <a:srgbClr val="6ECBD4"/>
                 </a:solidFill>
@@ -13296,7 +15155,7 @@
               <a:t>◆</a:t>
             </a:r>
             <a:r>
-              <a:rPr lang="zh-TW" altLang="en-US" sz="1700" dirty="0" smtClean="0">
+              <a:rPr lang="zh-TW" altLang="en-US" sz="1700" dirty="0">
                 <a:solidFill>
                   <a:srgbClr val="FFFFFF"/>
                 </a:solidFill>
@@ -13306,7 +15165,7 @@
               </a:rPr>
               <a:t>頁面整合</a:t>
             </a:r>
-            <a:endParaRPr lang="en-US" altLang="zh-TW" sz="1700" dirty="0" smtClean="0">
+            <a:endParaRPr lang="en-US" altLang="zh-TW" sz="1700" dirty="0">
               <a:solidFill>
                 <a:srgbClr val="FFFFFF"/>
               </a:solidFill>
@@ -13340,7 +15199,7 @@
           <a:lstStyle/>
           <a:p>
             <a:r>
-              <a:rPr lang="zh-TW" altLang="en-US" sz="2800" b="1" dirty="0" smtClean="0">
+              <a:rPr lang="zh-TW" altLang="en-US" sz="2800" b="1" dirty="0">
                 <a:solidFill>
                   <a:schemeClr val="accent3"/>
                 </a:solidFill>
@@ -13350,7 +15209,7 @@
               </a:rPr>
               <a:t>梁建功</a:t>
             </a:r>
-            <a:endParaRPr lang="en-US" altLang="zh-TW" sz="2800" b="1" dirty="0" smtClean="0">
+            <a:endParaRPr lang="en-US" altLang="zh-TW" sz="2800" b="1" dirty="0">
               <a:solidFill>
                 <a:schemeClr val="accent3"/>
               </a:solidFill>
@@ -13361,7 +15220,7 @@
           </a:p>
           <a:p>
             <a:r>
-              <a:rPr lang="zh-TW" altLang="en-US" sz="2000" dirty="0" smtClean="0">
+              <a:rPr lang="zh-TW" altLang="en-US" sz="2000" dirty="0">
                 <a:solidFill>
                   <a:srgbClr val="6ECBD4"/>
                 </a:solidFill>
@@ -13372,7 +15231,7 @@
               <a:t>◆</a:t>
             </a:r>
             <a:r>
-              <a:rPr lang="zh-TW" altLang="en-US" sz="1700" dirty="0" smtClean="0">
+              <a:rPr lang="zh-TW" altLang="en-US" sz="1700" dirty="0">
                 <a:solidFill>
                   <a:srgbClr val="FFFFFF"/>
                 </a:solidFill>
@@ -13382,7 +15241,7 @@
               </a:rPr>
               <a:t>會員功能</a:t>
             </a:r>
-            <a:endParaRPr lang="en-US" altLang="zh-TW" sz="1700" dirty="0" smtClean="0">
+            <a:endParaRPr lang="en-US" altLang="zh-TW" sz="1700" dirty="0">
               <a:solidFill>
                 <a:srgbClr val="FFFFFF"/>
               </a:solidFill>
@@ -13393,7 +15252,7 @@
           </a:p>
           <a:p>
             <a:r>
-              <a:rPr lang="zh-TW" altLang="en-US" sz="2000" dirty="0" smtClean="0">
+              <a:rPr lang="zh-TW" altLang="en-US" sz="2000" dirty="0">
                 <a:solidFill>
                   <a:srgbClr val="6ECBD4"/>
                 </a:solidFill>
@@ -13404,7 +15263,7 @@
               <a:t>◆</a:t>
             </a:r>
             <a:r>
-              <a:rPr lang="zh-TW" altLang="en-US" sz="1700" dirty="0" smtClean="0">
+              <a:rPr lang="zh-TW" altLang="en-US" sz="1700" dirty="0">
                 <a:solidFill>
                   <a:srgbClr val="FFFFFF"/>
                 </a:solidFill>
@@ -13414,7 +15273,7 @@
               </a:rPr>
               <a:t>前端細部微調</a:t>
             </a:r>
-            <a:endParaRPr lang="en-US" altLang="zh-TW" sz="1700" dirty="0" smtClean="0">
+            <a:endParaRPr lang="en-US" altLang="zh-TW" sz="1700" dirty="0">
               <a:solidFill>
                 <a:srgbClr val="FFFFFF"/>
               </a:solidFill>
@@ -13425,7 +15284,7 @@
           </a:p>
           <a:p>
             <a:r>
-              <a:rPr lang="zh-TW" altLang="en-US" sz="2000" dirty="0" smtClean="0">
+              <a:rPr lang="zh-TW" altLang="en-US" sz="2000" dirty="0">
                 <a:solidFill>
                   <a:srgbClr val="6ECBD4"/>
                 </a:solidFill>
@@ -13436,7 +15295,7 @@
               <a:t>◆</a:t>
             </a:r>
             <a:r>
-              <a:rPr lang="zh-TW" altLang="en-US" sz="1700" dirty="0" smtClean="0">
+              <a:rPr lang="zh-TW" altLang="en-US" sz="1700" dirty="0">
                 <a:solidFill>
                   <a:srgbClr val="FFFFFF"/>
                 </a:solidFill>
@@ -13475,7 +15334,7 @@
           <a:lstStyle/>
           <a:p>
             <a:r>
-              <a:rPr lang="zh-TW" altLang="en-US" sz="2800" b="1" dirty="0" smtClean="0">
+              <a:rPr lang="zh-TW" altLang="en-US" sz="2800" b="1" dirty="0">
                 <a:solidFill>
                   <a:schemeClr val="accent3"/>
                 </a:solidFill>
@@ -13485,7 +15344,7 @@
               </a:rPr>
               <a:t>牛禹喬</a:t>
             </a:r>
-            <a:endParaRPr lang="en-US" altLang="zh-TW" sz="2800" b="1" dirty="0" smtClean="0">
+            <a:endParaRPr lang="en-US" altLang="zh-TW" sz="2800" b="1" dirty="0">
               <a:solidFill>
                 <a:schemeClr val="accent3"/>
               </a:solidFill>
@@ -13496,7 +15355,7 @@
           </a:p>
           <a:p>
             <a:r>
-              <a:rPr lang="zh-TW" altLang="en-US" sz="2000" dirty="0" smtClean="0">
+              <a:rPr lang="zh-TW" altLang="en-US" sz="2000" dirty="0">
                 <a:solidFill>
                   <a:srgbClr val="6ECBD4"/>
                 </a:solidFill>
@@ -13507,7 +15366,7 @@
               <a:t>◆</a:t>
             </a:r>
             <a:r>
-              <a:rPr lang="zh-TW" altLang="en-US" sz="1700" dirty="0" smtClean="0">
+              <a:rPr lang="zh-TW" altLang="en-US" sz="1700" dirty="0">
                 <a:solidFill>
                   <a:srgbClr val="FFFFFF"/>
                 </a:solidFill>
@@ -13517,7 +15376,7 @@
               </a:rPr>
               <a:t>網站首頁設計</a:t>
             </a:r>
-            <a:endParaRPr lang="en-US" altLang="zh-TW" sz="1700" dirty="0" smtClean="0">
+            <a:endParaRPr lang="en-US" altLang="zh-TW" sz="1700" dirty="0">
               <a:solidFill>
                 <a:srgbClr val="FFFFFF"/>
               </a:solidFill>
@@ -13528,7 +15387,7 @@
           </a:p>
           <a:p>
             <a:r>
-              <a:rPr lang="zh-TW" altLang="en-US" sz="2000" dirty="0" smtClean="0">
+              <a:rPr lang="zh-TW" altLang="en-US" sz="2000" dirty="0">
                 <a:solidFill>
                   <a:srgbClr val="6ECBD4"/>
                 </a:solidFill>
@@ -13539,7 +15398,7 @@
               <a:t>◆</a:t>
             </a:r>
             <a:r>
-              <a:rPr lang="zh-TW" altLang="en-US" sz="1700" dirty="0" smtClean="0">
+              <a:rPr lang="zh-TW" altLang="en-US" sz="1700" dirty="0">
                 <a:solidFill>
                   <a:srgbClr val="FFFFFF"/>
                 </a:solidFill>
@@ -13549,7 +15408,7 @@
               </a:rPr>
               <a:t>資料庫</a:t>
             </a:r>
-            <a:endParaRPr lang="en-US" altLang="zh-TW" sz="1700" dirty="0" smtClean="0">
+            <a:endParaRPr lang="en-US" altLang="zh-TW" sz="1700" dirty="0">
               <a:solidFill>
                 <a:srgbClr val="FFFFFF"/>
               </a:solidFill>
@@ -13560,7 +15419,7 @@
           </a:p>
           <a:p>
             <a:r>
-              <a:rPr lang="zh-TW" altLang="en-US" sz="2000" dirty="0" smtClean="0">
+              <a:rPr lang="zh-TW" altLang="en-US" sz="2000" dirty="0">
                 <a:solidFill>
                   <a:srgbClr val="6ECBD4"/>
                 </a:solidFill>
@@ -13571,7 +15430,7 @@
               <a:t>◆ </a:t>
             </a:r>
             <a:r>
-              <a:rPr lang="en-US" altLang="zh-TW" sz="1700" dirty="0" smtClean="0">
+              <a:rPr lang="en-US" altLang="zh-TW" sz="1700" dirty="0">
                 <a:solidFill>
                   <a:srgbClr val="FFFFFF"/>
                 </a:solidFill>
@@ -13582,7 +15441,7 @@
               <a:t>API</a:t>
             </a:r>
             <a:r>
-              <a:rPr lang="zh-TW" altLang="en-US" sz="1700" dirty="0" smtClean="0">
+              <a:rPr lang="zh-TW" altLang="en-US" sz="1700" dirty="0">
                 <a:solidFill>
                   <a:srgbClr val="FFFFFF"/>
                 </a:solidFill>
@@ -13618,7 +15477,7 @@
           <a:lstStyle/>
           <a:p>
             <a:r>
-              <a:rPr lang="zh-TW" altLang="en-US" sz="2800" b="1" dirty="0" smtClean="0">
+              <a:rPr lang="zh-TW" altLang="en-US" sz="2800" b="1" dirty="0">
                 <a:solidFill>
                   <a:schemeClr val="accent3"/>
                 </a:solidFill>
@@ -13628,7 +15487,7 @@
               </a:rPr>
               <a:t>林平世</a:t>
             </a:r>
-            <a:endParaRPr lang="en-US" altLang="zh-TW" sz="2800" b="1" dirty="0" smtClean="0">
+            <a:endParaRPr lang="en-US" altLang="zh-TW" sz="2800" b="1" dirty="0">
               <a:solidFill>
                 <a:schemeClr val="accent3"/>
               </a:solidFill>
@@ -13639,7 +15498,7 @@
           </a:p>
           <a:p>
             <a:r>
-              <a:rPr lang="zh-TW" altLang="en-US" sz="2000" dirty="0" smtClean="0">
+              <a:rPr lang="zh-TW" altLang="en-US" sz="2000" dirty="0">
                 <a:solidFill>
                   <a:srgbClr val="6ECBD4"/>
                 </a:solidFill>
@@ -13650,7 +15509,7 @@
               <a:t>◆ </a:t>
             </a:r>
             <a:r>
-              <a:rPr lang="en-US" altLang="zh-TW" sz="1700" dirty="0" smtClean="0">
+              <a:rPr lang="en-US" altLang="zh-TW" sz="1700" dirty="0">
                 <a:solidFill>
                   <a:srgbClr val="FFFFFF"/>
                 </a:solidFill>
@@ -13661,7 +15520,7 @@
               <a:t>LOGO</a:t>
             </a:r>
             <a:r>
-              <a:rPr lang="zh-TW" altLang="en-US" sz="1700" dirty="0" smtClean="0">
+              <a:rPr lang="zh-TW" altLang="en-US" sz="1700" dirty="0">
                 <a:solidFill>
                   <a:srgbClr val="FFFFFF"/>
                 </a:solidFill>
@@ -13671,7 +15530,7 @@
               </a:rPr>
               <a:t>設計</a:t>
             </a:r>
-            <a:endParaRPr lang="en-US" altLang="zh-TW" sz="1700" dirty="0" smtClean="0">
+            <a:endParaRPr lang="en-US" altLang="zh-TW" sz="1700" dirty="0">
               <a:solidFill>
                 <a:srgbClr val="FFFFFF"/>
               </a:solidFill>
@@ -13682,7 +15541,7 @@
           </a:p>
           <a:p>
             <a:r>
-              <a:rPr lang="zh-TW" altLang="en-US" sz="2000" dirty="0" smtClean="0">
+              <a:rPr lang="zh-TW" altLang="en-US" sz="2000" dirty="0">
                 <a:solidFill>
                   <a:srgbClr val="6ECBD4"/>
                 </a:solidFill>
@@ -13693,7 +15552,7 @@
               <a:t>◆</a:t>
             </a:r>
             <a:r>
-              <a:rPr lang="zh-TW" altLang="en-US" sz="1700" dirty="0" smtClean="0">
+              <a:rPr lang="zh-TW" altLang="en-US" sz="1700" dirty="0">
                 <a:solidFill>
                   <a:srgbClr val="FFFFFF"/>
                 </a:solidFill>
@@ -13708,17 +15567,22 @@
       </p:sp>
       <p:pic>
         <p:nvPicPr>
-          <p:cNvPr id="10" name="圖片 9" descr="index_100.jpg"/>
+          <p:cNvPr id="10" name="圖片 9"/>
           <p:cNvPicPr>
             <a:picLocks noChangeAspect="1"/>
           </p:cNvPicPr>
           <p:nvPr/>
         </p:nvPicPr>
         <p:blipFill>
-          <a:blip r:embed="rId2" cstate="print"/>
-          <a:stretch>
-            <a:fillRect/>
-          </a:stretch>
+          <a:blip r:embed="rId2" cstate="print">
+            <a:extLst>
+              <a:ext uri="{28A0092B-C50C-407E-A947-70E740481C1C}">
+                <a14:useLocalDpi xmlns:a14="http://schemas.microsoft.com/office/drawing/2010/main" val="0"/>
+              </a:ext>
+            </a:extLst>
+          </a:blip>
+          <a:srcRect l="819" r="819"/>
+          <a:stretch/>
         </p:blipFill>
         <p:spPr>
           <a:xfrm>
@@ -13764,17 +15628,22 @@
       </p:pic>
       <p:pic>
         <p:nvPicPr>
-          <p:cNvPr id="12" name="圖片 11" descr="index_100.jpg"/>
+          <p:cNvPr id="12" name="圖片 11"/>
           <p:cNvPicPr>
             <a:picLocks noChangeAspect="1"/>
           </p:cNvPicPr>
           <p:nvPr/>
         </p:nvPicPr>
         <p:blipFill>
-          <a:blip r:embed="rId4" cstate="print"/>
-          <a:stretch>
-            <a:fillRect/>
-          </a:stretch>
+          <a:blip r:embed="rId4" cstate="print">
+            <a:extLst>
+              <a:ext uri="{28A0092B-C50C-407E-A947-70E740481C1C}">
+                <a14:useLocalDpi xmlns:a14="http://schemas.microsoft.com/office/drawing/2010/main" val="0"/>
+              </a:ext>
+            </a:extLst>
+          </a:blip>
+          <a:srcRect t="611" b="611"/>
+          <a:stretch/>
         </p:blipFill>
         <p:spPr>
           <a:xfrm>
@@ -13849,20 +15718,13 @@
     </p:spTree>
     <p:extLst>
       <p:ext uri="{BB962C8B-B14F-4D97-AF65-F5344CB8AC3E}">
-        <p14:creationId xmlns="" xmlns:p14="http://schemas.microsoft.com/office/powerpoint/2010/main" val="1179930141"/>
+        <p14:creationId xmlns:p14="http://schemas.microsoft.com/office/powerpoint/2010/main" val="1179930141"/>
       </p:ext>
     </p:extLst>
   </p:cSld>
   <p:clrMapOvr>
     <a:masterClrMapping/>
   </p:clrMapOvr>
-  <p:timing>
-    <p:tnLst>
-      <p:par>
-        <p:cTn id="1" dur="indefinite" restart="never" nodeType="tmRoot"/>
-      </p:par>
-    </p:tnLst>
-  </p:timing>
 </p:sld>
 </file>
 
@@ -13907,7 +15769,7 @@
           <a:lstStyle/>
           <a:p>
             <a:r>
-              <a:rPr altLang="en-US" dirty="0" smtClean="0"/>
+              <a:rPr altLang="en-US" dirty="0"/>
               <a:t>動機與目的</a:t>
             </a:r>
             <a:endParaRPr lang="zh-TW" altLang="en-US" dirty="0"/>
@@ -14126,14 +15988,14 @@
               <a:buChar char="l"/>
             </a:pPr>
             <a:r>
-              <a:rPr lang="zh-TW" altLang="en-US" dirty="0" smtClean="0">
+              <a:rPr lang="zh-TW" altLang="en-US" dirty="0">
                 <a:solidFill>
                   <a:schemeClr val="accent5"/>
                 </a:solidFill>
               </a:rPr>
               <a:t>動機</a:t>
             </a:r>
-            <a:endParaRPr lang="en-US" altLang="zh-TW" dirty="0" smtClean="0">
+            <a:endParaRPr lang="en-US" altLang="zh-TW" dirty="0">
               <a:solidFill>
                 <a:schemeClr val="accent5"/>
               </a:solidFill>
@@ -14152,7 +16014,7 @@
               <a:defRPr/>
             </a:pPr>
             <a:r>
-              <a:rPr lang="zh-TW" altLang="en-US" u="sng" dirty="0" smtClean="0">
+              <a:rPr lang="zh-TW" altLang="en-US" u="sng" dirty="0">
                 <a:solidFill>
                   <a:schemeClr val="bg1"/>
                 </a:solidFill>
@@ -14160,14 +16022,14 @@
               <a:t>在世界的許多角落，有很多的毛浪浪們，牠們滿身瘡痍、無家可歸，但只要有人願意分 給牠們一點愛，</a:t>
             </a:r>
             <a:r>
-              <a:rPr lang="zh-TW" altLang="en-US" sz="2400" u="sng" dirty="0" smtClean="0">
+              <a:rPr lang="zh-TW" altLang="en-US" sz="2400" u="sng" dirty="0">
                 <a:solidFill>
                   <a:schemeClr val="bg1"/>
                 </a:solidFill>
               </a:rPr>
               <a:t>這些浪浪就會脫胎換骨，變成人們最貼心的毛小孩。</a:t>
             </a:r>
-            <a:endParaRPr lang="en-US" altLang="zh-TW" sz="2400" u="sng" dirty="0" smtClean="0">
+            <a:endParaRPr lang="en-US" altLang="zh-TW" sz="2400" u="sng" dirty="0">
               <a:solidFill>
                 <a:schemeClr val="bg1"/>
               </a:solidFill>
@@ -14193,7 +16055,7 @@
               <a:tabLst/>
               <a:defRPr/>
             </a:pPr>
-            <a:endParaRPr kumimoji="0" lang="en-US" altLang="zh-TW" sz="2400" b="1" i="0" u="none" strike="noStrike" kern="1200" cap="none" spc="0" normalizeH="0" baseline="0" noProof="0" dirty="0" smtClean="0">
+            <a:endParaRPr kumimoji="0" lang="en-US" altLang="zh-TW" sz="2400" b="1" i="0" u="none" strike="noStrike" kern="1200" cap="none" spc="0" normalizeH="0" baseline="0" noProof="0" dirty="0">
               <a:ln>
                 <a:noFill/>
               </a:ln>
@@ -14217,14 +16079,14 @@
               <a:buChar char="l"/>
             </a:pPr>
             <a:r>
-              <a:rPr lang="zh-TW" altLang="en-US" dirty="0" smtClean="0">
+              <a:rPr lang="zh-TW" altLang="en-US" dirty="0">
                 <a:solidFill>
                   <a:schemeClr val="accent5"/>
                 </a:solidFill>
               </a:rPr>
               <a:t>目的</a:t>
             </a:r>
-            <a:endParaRPr lang="en-US" altLang="zh-TW" dirty="0" smtClean="0">
+            <a:endParaRPr lang="en-US" altLang="zh-TW" dirty="0">
               <a:solidFill>
                 <a:schemeClr val="accent5"/>
               </a:solidFill>
@@ -14243,7 +16105,7 @@
               <a:defRPr/>
             </a:pPr>
             <a:r>
-              <a:rPr lang="zh-TW" altLang="en-US" u="sng" dirty="0" smtClean="0">
+              <a:rPr lang="zh-TW" altLang="en-US" u="sng" dirty="0">
                 <a:solidFill>
                   <a:schemeClr val="bg1"/>
                 </a:solidFill>
@@ -14261,20 +16123,13 @@
     </p:spTree>
     <p:extLst>
       <p:ext uri="{BB962C8B-B14F-4D97-AF65-F5344CB8AC3E}">
-        <p14:creationId xmlns="" xmlns:p14="http://schemas.microsoft.com/office/powerpoint/2010/main" val="4201328092"/>
+        <p14:creationId xmlns:p14="http://schemas.microsoft.com/office/powerpoint/2010/main" val="4201328092"/>
       </p:ext>
     </p:extLst>
   </p:cSld>
   <p:clrMapOvr>
     <a:masterClrMapping/>
   </p:clrMapOvr>
-  <p:timing>
-    <p:tnLst>
-      <p:par>
-        <p:cTn id="1" dur="indefinite" restart="never" nodeType="tmRoot"/>
-      </p:par>
-    </p:tnLst>
-  </p:timing>
 </p:sld>
 </file>
 
@@ -14311,7 +16166,7 @@
           <a:lstStyle/>
           <a:p>
             <a:r>
-              <a:rPr altLang="en-US" dirty="0" smtClean="0"/>
+              <a:rPr altLang="en-US" dirty="0"/>
               <a:t>網頁架構與連結</a:t>
             </a:r>
             <a:endParaRPr lang="zh-TW" altLang="en-US" dirty="0"/>
@@ -14322,7 +16177,13 @@
         <p:nvGraphicFramePr>
           <p:cNvPr id="3" name="資料庫圖表 2"/>
           <p:cNvGraphicFramePr/>
-          <p:nvPr/>
+          <p:nvPr>
+            <p:extLst>
+              <p:ext uri="{D42A27DB-BD31-4B8C-83A1-F6EECF244321}">
+                <p14:modId xmlns:p14="http://schemas.microsoft.com/office/powerpoint/2010/main" val="1853432042"/>
+              </p:ext>
+            </p:extLst>
+          </p:nvPr>
         </p:nvGraphicFramePr>
         <p:xfrm>
           <a:off x="416687" y="714356"/>
@@ -14339,13 +16200,6 @@
   <p:clrMapOvr>
     <a:masterClrMapping/>
   </p:clrMapOvr>
-  <p:timing>
-    <p:tnLst>
-      <p:par>
-        <p:cTn id="1" dur="indefinite" restart="never" nodeType="tmRoot"/>
-      </p:par>
-    </p:tnLst>
-  </p:timing>
 </p:sld>
 </file>
 
@@ -14382,11 +16236,11 @@
           <a:lstStyle/>
           <a:p>
             <a:r>
-              <a:rPr lang="en-US" altLang="en-US" dirty="0" smtClean="0"/>
+              <a:rPr lang="en-US" altLang="en-US" dirty="0"/>
               <a:t>Ｌ</a:t>
             </a:r>
             <a:r>
-              <a:rPr altLang="en-US" dirty="0" smtClean="0"/>
+              <a:rPr altLang="en-US" dirty="0"/>
               <a:t>ｏｇｏ設計／色彩規劃</a:t>
             </a:r>
             <a:endParaRPr lang="zh-TW" altLang="en-US" dirty="0"/>
@@ -14464,14 +16318,14 @@
           <a:lstStyle/>
           <a:p>
             <a:r>
-              <a:rPr lang="zh-TW" altLang="en-US" dirty="0" smtClean="0">
+              <a:rPr lang="zh-TW" altLang="en-US" dirty="0">
                 <a:solidFill>
                   <a:schemeClr val="bg1"/>
                 </a:solidFill>
               </a:rPr>
               <a:t>使用藍色與綠色來呈現流浪動物的處境，讓不同動物依靠在一起來表達溫暖</a:t>
             </a:r>
-            <a:endParaRPr lang="en-US" altLang="zh-TW" dirty="0" smtClean="0">
+            <a:endParaRPr lang="en-US" altLang="zh-TW" dirty="0">
               <a:solidFill>
                 <a:schemeClr val="bg1"/>
               </a:solidFill>
@@ -14479,7 +16333,7 @@
           </a:p>
           <a:p>
             <a:r>
-              <a:rPr lang="zh-TW" altLang="en-US" dirty="0" smtClean="0">
+              <a:rPr lang="zh-TW" altLang="en-US" dirty="0">
                 <a:solidFill>
                   <a:schemeClr val="bg1"/>
                 </a:solidFill>
@@ -14530,7 +16384,7 @@
           <a:p>
             <a:pPr algn="ctr"/>
             <a:r>
-              <a:rPr lang="en-US" altLang="zh-TW" sz="2000" dirty="0" smtClean="0">
+              <a:rPr lang="en-US" altLang="zh-TW" sz="2000" dirty="0">
                 <a:effectLst>
                   <a:outerShdw blurRad="38100" dist="38100" dir="2700000" algn="tl">
                     <a:srgbClr val="000000">
@@ -14594,7 +16448,7 @@
           <a:p>
             <a:pPr algn="ctr"/>
             <a:r>
-              <a:rPr lang="en-US" altLang="zh-TW" sz="2000" dirty="0" smtClean="0">
+              <a:rPr lang="en-US" altLang="zh-TW" sz="2000" dirty="0">
                 <a:effectLst>
                   <a:outerShdw blurRad="38100" dist="38100" dir="2700000" algn="tl">
                     <a:srgbClr val="000000">
@@ -14606,7 +16460,7 @@
               <a:t>#66C7</a:t>
             </a:r>
             <a:r>
-              <a:rPr lang="en-US" altLang="zh-TW" sz="2000" spc="-100" dirty="0" smtClean="0">
+              <a:rPr lang="en-US" altLang="zh-TW" sz="2000" spc="-100" dirty="0">
                 <a:effectLst>
                   <a:outerShdw blurRad="38100" dist="38100" dir="2700000" algn="tl">
                     <a:srgbClr val="000000">
@@ -14670,7 +16524,7 @@
           <a:p>
             <a:pPr algn="ctr"/>
             <a:r>
-              <a:rPr lang="en-US" altLang="zh-TW" sz="2000" dirty="0" smtClean="0">
+              <a:rPr lang="en-US" altLang="zh-TW" sz="2000" dirty="0">
                 <a:effectLst>
                   <a:outerShdw blurRad="38100" dist="38100" dir="2700000" algn="tl">
                     <a:srgbClr val="000000">
@@ -14731,7 +16585,7 @@
           <a:p>
             <a:pPr algn="ctr"/>
             <a:r>
-              <a:rPr lang="en-US" altLang="zh-TW" sz="2000" dirty="0" smtClean="0">
+              <a:rPr lang="en-US" altLang="zh-TW" sz="2000" dirty="0">
                 <a:effectLst>
                   <a:outerShdw blurRad="38100" dist="38100" dir="2700000" algn="tl">
                     <a:srgbClr val="000000">
@@ -14759,13 +16613,6 @@
   <p:clrMapOvr>
     <a:masterClrMapping/>
   </p:clrMapOvr>
-  <p:timing>
-    <p:tnLst>
-      <p:par>
-        <p:cTn id="1" dur="indefinite" restart="never" nodeType="tmRoot"/>
-      </p:par>
-    </p:tnLst>
-  </p:timing>
 </p:sld>
 </file>
 
@@ -14802,7 +16649,7 @@
           <a:lstStyle/>
           <a:p>
             <a:r>
-              <a:rPr altLang="en-US" dirty="0" smtClean="0"/>
+              <a:rPr altLang="en-US" dirty="0"/>
               <a:t>受眾客群分析</a:t>
             </a:r>
             <a:endParaRPr lang="zh-TW" altLang="en-US" dirty="0"/>
@@ -14903,18 +16750,13 @@
           <a:p>
             <a:pPr algn="ctr"/>
             <a:r>
-              <a:rPr lang="zh-TW" altLang="en-US" dirty="0" smtClean="0">
+              <a:rPr lang="zh-TW" altLang="en-US" dirty="0">
                 <a:solidFill>
                   <a:schemeClr val="tx1"/>
                 </a:solidFill>
               </a:rPr>
               <a:t>動物基金會</a:t>
             </a:r>
-            <a:endParaRPr lang="zh-TW" altLang="en-US" dirty="0">
-              <a:solidFill>
-                <a:schemeClr val="tx1"/>
-              </a:solidFill>
-            </a:endParaRPr>
           </a:p>
         </p:txBody>
       </p:sp>
@@ -14958,18 +16800,13 @@
           <a:p>
             <a:pPr algn="ctr"/>
             <a:r>
-              <a:rPr lang="zh-TW" altLang="en-US" dirty="0" smtClean="0">
+              <a:rPr lang="zh-TW" altLang="en-US" dirty="0">
                 <a:solidFill>
                   <a:schemeClr val="tx1"/>
                 </a:solidFill>
               </a:rPr>
               <a:t>遺失寵物的人</a:t>
             </a:r>
-            <a:endParaRPr lang="zh-TW" altLang="en-US" dirty="0">
-              <a:solidFill>
-                <a:schemeClr val="tx1"/>
-              </a:solidFill>
-            </a:endParaRPr>
           </a:p>
         </p:txBody>
       </p:sp>
@@ -15013,18 +16850,13 @@
           <a:p>
             <a:pPr algn="ctr"/>
             <a:r>
-              <a:rPr lang="zh-TW" altLang="en-US" dirty="0" smtClean="0">
+              <a:rPr lang="zh-TW" altLang="en-US" dirty="0">
                 <a:solidFill>
                   <a:schemeClr val="tx1"/>
                 </a:solidFill>
               </a:rPr>
               <a:t>愛貓、愛狗人士</a:t>
             </a:r>
-            <a:endParaRPr lang="zh-TW" altLang="en-US" dirty="0">
-              <a:solidFill>
-                <a:schemeClr val="tx1"/>
-              </a:solidFill>
-            </a:endParaRPr>
           </a:p>
         </p:txBody>
       </p:sp>
@@ -15068,18 +16900,13 @@
           <a:p>
             <a:pPr algn="ctr"/>
             <a:r>
-              <a:rPr lang="zh-TW" altLang="en-US" dirty="0" smtClean="0">
+              <a:rPr lang="zh-TW" altLang="en-US" dirty="0">
                 <a:solidFill>
                   <a:schemeClr val="tx1"/>
                 </a:solidFill>
               </a:rPr>
               <a:t>熱心民眾</a:t>
             </a:r>
-            <a:endParaRPr lang="zh-TW" altLang="en-US" dirty="0">
-              <a:solidFill>
-                <a:schemeClr val="tx1"/>
-              </a:solidFill>
-            </a:endParaRPr>
           </a:p>
         </p:txBody>
       </p:sp>
@@ -15088,13 +16915,6 @@
   <p:clrMapOvr>
     <a:masterClrMapping/>
   </p:clrMapOvr>
-  <p:timing>
-    <p:tnLst>
-      <p:par>
-        <p:cTn id="1" dur="indefinite" restart="never" nodeType="tmRoot"/>
-      </p:par>
-    </p:tnLst>
-  </p:timing>
 </p:sld>
 </file>
 
@@ -15154,7 +16974,7 @@
           <a:lstStyle/>
           <a:p>
             <a:r>
-              <a:rPr dirty="0" smtClean="0"/>
+              <a:rPr dirty="0"/>
               <a:t>開發技術與使用工具</a:t>
             </a:r>
             <a:endParaRPr lang="zh-TW" altLang="en-US" dirty="0"/>
@@ -15184,7 +17004,7 @@
           <a:lstStyle/>
           <a:p>
             <a:r>
-              <a:rPr lang="zh-TW" altLang="en-US" sz="2400" b="1" dirty="0" smtClean="0">
+              <a:rPr lang="zh-TW" altLang="en-US" sz="2400" b="1" dirty="0">
                 <a:solidFill>
                   <a:schemeClr val="bg2"/>
                 </a:solidFill>
@@ -15195,15 +17015,6 @@
               </a:rPr>
               <a:t>前端</a:t>
             </a:r>
-            <a:endParaRPr lang="zh-TW" altLang="en-US" sz="2400" b="1" dirty="0">
-              <a:solidFill>
-                <a:schemeClr val="bg2"/>
-              </a:solidFill>
-              <a:latin typeface="微軟正黑體" pitchFamily="34" charset="-120"/>
-              <a:ea typeface="微軟正黑體" pitchFamily="34" charset="-120"/>
-              <a:cs typeface="Nunito"/>
-              <a:sym typeface="Nunito"/>
-            </a:endParaRPr>
           </a:p>
         </p:txBody>
       </p:sp>
@@ -15230,7 +17041,7 @@
           <a:lstStyle/>
           <a:p>
             <a:r>
-              <a:rPr lang="zh-TW" altLang="en-US" sz="2400" b="1" dirty="0" smtClean="0">
+              <a:rPr lang="zh-TW" altLang="en-US" sz="2400" b="1" dirty="0">
                 <a:solidFill>
                   <a:schemeClr val="bg2"/>
                 </a:solidFill>
@@ -15241,21 +17052,12 @@
               </a:rPr>
               <a:t>後端</a:t>
             </a:r>
-            <a:endParaRPr lang="zh-TW" altLang="en-US" sz="2400" b="1" dirty="0">
-              <a:solidFill>
-                <a:schemeClr val="bg2"/>
-              </a:solidFill>
-              <a:latin typeface="微軟正黑體" pitchFamily="34" charset="-120"/>
-              <a:ea typeface="微軟正黑體" pitchFamily="34" charset="-120"/>
-              <a:cs typeface="Nunito"/>
-              <a:sym typeface="Nunito"/>
-            </a:endParaRPr>
           </a:p>
         </p:txBody>
       </p:sp>
       <p:pic>
         <p:nvPicPr>
-          <p:cNvPr id="6" name="圖片 5" descr="60e828d815c1ffbc7ee86743_5da911dbd21c06c44f5791b6_Nodejs-blog-feature-img.jpeg"/>
+          <p:cNvPr id="7" name="圖片 6" descr="html5-with-wordmark-color-logo-4259B7F24F-seeklogo.com.png"/>
           <p:cNvPicPr>
             <a:picLocks noChangeAspect="1"/>
           </p:cNvPicPr>
@@ -15269,31 +17071,7 @@
         </p:blipFill>
         <p:spPr>
           <a:xfrm>
-            <a:off x="6407992" y="2880883"/>
-            <a:ext cx="1771650" cy="1181100"/>
-          </a:xfrm>
-          <a:prstGeom prst="ellipse">
-            <a:avLst/>
-          </a:prstGeom>
-        </p:spPr>
-      </p:pic>
-      <p:pic>
-        <p:nvPicPr>
-          <p:cNvPr id="7" name="圖片 6" descr="html5-with-wordmark-color-logo-4259B7F24F-seeklogo.com.png"/>
-          <p:cNvPicPr>
-            <a:picLocks noChangeAspect="1"/>
-          </p:cNvPicPr>
-          <p:nvPr/>
-        </p:nvPicPr>
-        <p:blipFill>
-          <a:blip r:embed="rId3" cstate="print"/>
-          <a:stretch>
-            <a:fillRect/>
-          </a:stretch>
-        </p:blipFill>
-        <p:spPr>
-          <a:xfrm>
-            <a:off x="2306705" y="2259425"/>
+            <a:off x="2630765" y="2259425"/>
             <a:ext cx="639904" cy="901273"/>
           </a:xfrm>
           <a:prstGeom prst="rect">
@@ -15310,14 +17088,14 @@
           <p:nvPr/>
         </p:nvPicPr>
         <p:blipFill>
-          <a:blip r:embed="rId4"/>
+          <a:blip r:embed="rId3"/>
           <a:stretch>
             <a:fillRect/>
           </a:stretch>
         </p:blipFill>
         <p:spPr>
           <a:xfrm>
-            <a:off x="1225759" y="2875574"/>
+            <a:off x="1554456" y="2875574"/>
             <a:ext cx="1035050" cy="1035050"/>
           </a:xfrm>
           <a:prstGeom prst="rect">
@@ -15334,14 +17112,14 @@
           <p:nvPr/>
         </p:nvPicPr>
         <p:blipFill>
-          <a:blip r:embed="rId5" cstate="print"/>
+          <a:blip r:embed="rId4" cstate="print"/>
           <a:stretch>
             <a:fillRect/>
           </a:stretch>
         </p:blipFill>
         <p:spPr>
           <a:xfrm>
-            <a:off x="3103873" y="2881925"/>
+            <a:off x="3432570" y="2881925"/>
             <a:ext cx="706336" cy="995933"/>
           </a:xfrm>
           <a:prstGeom prst="rect">
@@ -15358,39 +17136,15 @@
           <p:nvPr/>
         </p:nvPicPr>
         <p:blipFill>
-          <a:blip r:embed="rId6" cstate="print"/>
+          <a:blip r:embed="rId5" cstate="print"/>
           <a:stretch>
             <a:fillRect/>
           </a:stretch>
         </p:blipFill>
         <p:spPr>
           <a:xfrm>
-            <a:off x="2081532" y="3929674"/>
+            <a:off x="2410229" y="3929674"/>
             <a:ext cx="1080977" cy="907852"/>
-          </a:xfrm>
-          <a:prstGeom prst="rect">
-            <a:avLst/>
-          </a:prstGeom>
-        </p:spPr>
-      </p:pic>
-      <p:pic>
-        <p:nvPicPr>
-          <p:cNvPr id="11" name="圖片 10" descr="下載.png"/>
-          <p:cNvPicPr>
-            <a:picLocks noChangeAspect="1"/>
-          </p:cNvPicPr>
-          <p:nvPr/>
-        </p:nvPicPr>
-        <p:blipFill>
-          <a:blip r:embed="rId7"/>
-          <a:stretch>
-            <a:fillRect/>
-          </a:stretch>
-        </p:blipFill>
-        <p:spPr>
-          <a:xfrm>
-            <a:off x="5784103" y="2196671"/>
-            <a:ext cx="931863" cy="808130"/>
           </a:xfrm>
           <a:prstGeom prst="rect">
             <a:avLst/>
@@ -15406,14 +17160,14 @@
           <p:nvPr/>
         </p:nvPicPr>
         <p:blipFill>
-          <a:blip r:embed="rId8" cstate="print"/>
+          <a:blip r:embed="rId6" cstate="print"/>
           <a:stretch>
             <a:fillRect/>
           </a:stretch>
         </p:blipFill>
         <p:spPr>
           <a:xfrm>
-            <a:off x="5579316" y="3912440"/>
+            <a:off x="5658222" y="3877858"/>
             <a:ext cx="1422400" cy="799211"/>
           </a:xfrm>
           <a:prstGeom prst="rect">
@@ -15430,14 +17184,14 @@
           <p:nvPr/>
         </p:nvPicPr>
         <p:blipFill>
-          <a:blip r:embed="rId9" cstate="print"/>
+          <a:blip r:embed="rId7" cstate="print"/>
           <a:stretch>
             <a:fillRect/>
           </a:stretch>
         </p:blipFill>
         <p:spPr>
           <a:xfrm>
-            <a:off x="4506166" y="3128533"/>
+            <a:off x="5689972" y="2567117"/>
             <a:ext cx="1358900" cy="679450"/>
           </a:xfrm>
           <a:prstGeom prst="rect">
@@ -15453,7 +17207,7 @@
         </p:nvSpPr>
         <p:spPr>
           <a:xfrm>
-            <a:off x="2203450" y="1479550"/>
+            <a:off x="2550608" y="1479550"/>
             <a:ext cx="800219" cy="461665"/>
           </a:xfrm>
           <a:prstGeom prst="rect">
@@ -15468,7 +17222,7 @@
           <a:lstStyle/>
           <a:p>
             <a:r>
-              <a:rPr lang="zh-TW" altLang="en-US" sz="2400" b="1" dirty="0" smtClean="0">
+              <a:rPr lang="zh-TW" altLang="en-US" sz="2400" b="1" dirty="0">
                 <a:latin typeface="微軟正黑體" pitchFamily="34" charset="-120"/>
                 <a:ea typeface="微軟正黑體" pitchFamily="34" charset="-120"/>
                 <a:cs typeface="Nunito"/>
@@ -15476,12 +17230,6 @@
               </a:rPr>
               <a:t>前端</a:t>
             </a:r>
-            <a:endParaRPr lang="zh-TW" altLang="en-US" sz="2400" b="1" dirty="0">
-              <a:latin typeface="微軟正黑體" pitchFamily="34" charset="-120"/>
-              <a:ea typeface="微軟正黑體" pitchFamily="34" charset="-120"/>
-              <a:cs typeface="Nunito"/>
-              <a:sym typeface="Nunito"/>
-            </a:endParaRPr>
           </a:p>
         </p:txBody>
       </p:sp>
@@ -15493,7 +17241,7 @@
         </p:nvSpPr>
         <p:spPr>
           <a:xfrm>
-            <a:off x="5962650" y="1511300"/>
+            <a:off x="5969313" y="1474161"/>
             <a:ext cx="800219" cy="461665"/>
           </a:xfrm>
           <a:prstGeom prst="rect">
@@ -15508,7 +17256,7 @@
           <a:lstStyle/>
           <a:p>
             <a:r>
-              <a:rPr lang="zh-TW" altLang="en-US" sz="2400" b="1" dirty="0" smtClean="0">
+              <a:rPr lang="zh-TW" altLang="en-US" sz="2400" b="1" dirty="0">
                 <a:latin typeface="微軟正黑體" pitchFamily="34" charset="-120"/>
                 <a:ea typeface="微軟正黑體" pitchFamily="34" charset="-120"/>
                 <a:cs typeface="Nunito"/>
@@ -15516,12 +17264,6 @@
               </a:rPr>
               <a:t>後端</a:t>
             </a:r>
-            <a:endParaRPr lang="zh-TW" altLang="en-US" sz="2400" b="1" dirty="0">
-              <a:latin typeface="微軟正黑體" pitchFamily="34" charset="-120"/>
-              <a:ea typeface="微軟正黑體" pitchFamily="34" charset="-120"/>
-              <a:cs typeface="Nunito"/>
-              <a:sym typeface="Nunito"/>
-            </a:endParaRPr>
           </a:p>
         </p:txBody>
       </p:sp>
@@ -15637,7 +17379,7 @@
                                           </p:stCondLst>
                                         </p:cTn>
                                         <p:tgtEl>
-                                          <p:spTgt spid="6"/>
+                                          <p:spTgt spid="7"/>
                                         </p:tgtEl>
                                         <p:attrNameLst>
                                           <p:attrName>style.visibility</p:attrName>
@@ -15651,7 +17393,7 @@
                                       <p:cBhvr>
                                         <p:cTn id="13" dur="500"/>
                                         <p:tgtEl>
-                                          <p:spTgt spid="6"/>
+                                          <p:spTgt spid="7"/>
                                         </p:tgtEl>
                                       </p:cBhvr>
                                     </p:animEffect>
@@ -15672,7 +17414,7 @@
                                           </p:stCondLst>
                                         </p:cTn>
                                         <p:tgtEl>
-                                          <p:spTgt spid="7"/>
+                                          <p:spTgt spid="8"/>
                                         </p:tgtEl>
                                         <p:attrNameLst>
                                           <p:attrName>style.visibility</p:attrName>
@@ -15686,7 +17428,7 @@
                                       <p:cBhvr>
                                         <p:cTn id="16" dur="500"/>
                                         <p:tgtEl>
-                                          <p:spTgt spid="7"/>
+                                          <p:spTgt spid="8"/>
                                         </p:tgtEl>
                                       </p:cBhvr>
                                     </p:animEffect>
@@ -15707,7 +17449,7 @@
                                           </p:stCondLst>
                                         </p:cTn>
                                         <p:tgtEl>
-                                          <p:spTgt spid="8"/>
+                                          <p:spTgt spid="9"/>
                                         </p:tgtEl>
                                         <p:attrNameLst>
                                           <p:attrName>style.visibility</p:attrName>
@@ -15721,7 +17463,7 @@
                                       <p:cBhvr>
                                         <p:cTn id="19" dur="500"/>
                                         <p:tgtEl>
-                                          <p:spTgt spid="8"/>
+                                          <p:spTgt spid="9"/>
                                         </p:tgtEl>
                                       </p:cBhvr>
                                     </p:animEffect>
@@ -15742,7 +17484,7 @@
                                           </p:stCondLst>
                                         </p:cTn>
                                         <p:tgtEl>
-                                          <p:spTgt spid="9"/>
+                                          <p:spTgt spid="10"/>
                                         </p:tgtEl>
                                         <p:attrNameLst>
                                           <p:attrName>style.visibility</p:attrName>
@@ -15756,7 +17498,7 @@
                                       <p:cBhvr>
                                         <p:cTn id="22" dur="500"/>
                                         <p:tgtEl>
-                                          <p:spTgt spid="9"/>
+                                          <p:spTgt spid="10"/>
                                         </p:tgtEl>
                                       </p:cBhvr>
                                     </p:animEffect>
@@ -15777,7 +17519,7 @@
                                           </p:stCondLst>
                                         </p:cTn>
                                         <p:tgtEl>
-                                          <p:spTgt spid="10"/>
+                                          <p:spTgt spid="13"/>
                                         </p:tgtEl>
                                         <p:attrNameLst>
                                           <p:attrName>style.visibility</p:attrName>
@@ -15791,7 +17533,7 @@
                                       <p:cBhvr>
                                         <p:cTn id="25" dur="500"/>
                                         <p:tgtEl>
-                                          <p:spTgt spid="10"/>
+                                          <p:spTgt spid="13"/>
                                         </p:tgtEl>
                                       </p:cBhvr>
                                     </p:animEffect>
@@ -15812,7 +17554,7 @@
                                           </p:stCondLst>
                                         </p:cTn>
                                         <p:tgtEl>
-                                          <p:spTgt spid="11"/>
+                                          <p:spTgt spid="12"/>
                                         </p:tgtEl>
                                         <p:attrNameLst>
                                           <p:attrName>style.visibility</p:attrName>
@@ -15826,76 +17568,6 @@
                                       <p:cBhvr>
                                         <p:cTn id="28" dur="500"/>
                                         <p:tgtEl>
-                                          <p:spTgt spid="11"/>
-                                        </p:tgtEl>
-                                      </p:cBhvr>
-                                    </p:animEffect>
-                                  </p:childTnLst>
-                                </p:cTn>
-                              </p:par>
-                              <p:par>
-                                <p:cTn id="29" presetID="10" presetClass="entr" presetSubtype="0" fill="hold" nodeType="withEffect">
-                                  <p:stCondLst>
-                                    <p:cond delay="0"/>
-                                  </p:stCondLst>
-                                  <p:childTnLst>
-                                    <p:set>
-                                      <p:cBhvr>
-                                        <p:cTn id="30" dur="1" fill="hold">
-                                          <p:stCondLst>
-                                            <p:cond delay="0"/>
-                                          </p:stCondLst>
-                                        </p:cTn>
-                                        <p:tgtEl>
-                                          <p:spTgt spid="13"/>
-                                        </p:tgtEl>
-                                        <p:attrNameLst>
-                                          <p:attrName>style.visibility</p:attrName>
-                                        </p:attrNameLst>
-                                      </p:cBhvr>
-                                      <p:to>
-                                        <p:strVal val="visible"/>
-                                      </p:to>
-                                    </p:set>
-                                    <p:animEffect transition="in" filter="fade">
-                                      <p:cBhvr>
-                                        <p:cTn id="31" dur="500"/>
-                                        <p:tgtEl>
-                                          <p:spTgt spid="13"/>
-                                        </p:tgtEl>
-                                      </p:cBhvr>
-                                    </p:animEffect>
-                                  </p:childTnLst>
-                                </p:cTn>
-                              </p:par>
-                              <p:par>
-                                <p:cTn id="32" presetID="10" presetClass="entr" presetSubtype="0" fill="hold" nodeType="withEffect">
-                                  <p:stCondLst>
-                                    <p:cond delay="0"/>
-                                  </p:stCondLst>
-                                  <p:childTnLst>
-                                    <p:set>
-                                      <p:cBhvr>
-                                        <p:cTn id="33" dur="1" fill="hold">
-                                          <p:stCondLst>
-                                            <p:cond delay="0"/>
-                                          </p:stCondLst>
-                                        </p:cTn>
-                                        <p:tgtEl>
-                                          <p:spTgt spid="12"/>
-                                        </p:tgtEl>
-                                        <p:attrNameLst>
-                                          <p:attrName>style.visibility</p:attrName>
-                                        </p:attrNameLst>
-                                      </p:cBhvr>
-                                      <p:to>
-                                        <p:strVal val="visible"/>
-                                      </p:to>
-                                    </p:set>
-                                    <p:animEffect transition="in" filter="fade">
-                                      <p:cBhvr>
-                                        <p:cTn id="34" dur="500"/>
-                                        <p:tgtEl>
                                           <p:spTgt spid="12"/>
                                         </p:tgtEl>
                                       </p:cBhvr>
@@ -15907,20 +17579,20 @@
                           </p:cTn>
                         </p:par>
                         <p:par>
-                          <p:cTn id="35" fill="hold">
+                          <p:cTn id="29" fill="hold">
                             <p:stCondLst>
                               <p:cond delay="500"/>
                             </p:stCondLst>
                             <p:childTnLst>
                               <p:par>
-                                <p:cTn id="36" presetID="10" presetClass="entr" presetSubtype="0" fill="hold" grpId="0" nodeType="afterEffect">
+                                <p:cTn id="30" presetID="10" presetClass="entr" presetSubtype="0" fill="hold" grpId="0" nodeType="afterEffect">
                                   <p:stCondLst>
                                     <p:cond delay="0"/>
                                   </p:stCondLst>
                                   <p:childTnLst>
                                     <p:set>
                                       <p:cBhvr>
-                                        <p:cTn id="37" dur="1" fill="hold">
+                                        <p:cTn id="31" dur="1" fill="hold">
                                           <p:stCondLst>
                                             <p:cond delay="0"/>
                                           </p:stCondLst>
@@ -15938,7 +17610,7 @@
                                     </p:set>
                                     <p:animEffect transition="in" filter="fade">
                                       <p:cBhvr>
-                                        <p:cTn id="38" dur="500"/>
+                                        <p:cTn id="32" dur="500"/>
                                         <p:tgtEl>
                                           <p:spTgt spid="14"/>
                                         </p:tgtEl>
@@ -15948,14 +17620,14 @@
                                 </p:cTn>
                               </p:par>
                               <p:par>
-                                <p:cTn id="39" presetID="10" presetClass="entr" presetSubtype="0" fill="hold" grpId="0" nodeType="withEffect">
+                                <p:cTn id="33" presetID="10" presetClass="entr" presetSubtype="0" fill="hold" grpId="0" nodeType="withEffect">
                                   <p:stCondLst>
                                     <p:cond delay="0"/>
                                   </p:stCondLst>
                                   <p:childTnLst>
                                     <p:set>
                                       <p:cBhvr>
-                                        <p:cTn id="40" dur="1" fill="hold">
+                                        <p:cTn id="34" dur="1" fill="hold">
                                           <p:stCondLst>
                                             <p:cond delay="0"/>
                                           </p:stCondLst>
@@ -15973,7 +17645,7 @@
                                     </p:set>
                                     <p:animEffect transition="in" filter="fade">
                                       <p:cBhvr>
-                                        <p:cTn id="41" dur="500"/>
+                                        <p:cTn id="35" dur="500"/>
                                         <p:tgtEl>
                                           <p:spTgt spid="15"/>
                                         </p:tgtEl>
@@ -16075,7 +17747,7 @@
               <a:defRPr/>
             </a:pPr>
             <a:r>
-              <a:rPr kumimoji="0" lang="zh-TW" altLang="en-US" sz="3600" i="0" u="none" strike="noStrike" kern="1200" cap="none" spc="300" normalizeH="0" baseline="0" noProof="0" dirty="0" smtClean="0">
+              <a:rPr kumimoji="0" lang="zh-TW" altLang="en-US" sz="3600" i="0" u="none" strike="noStrike" kern="1200" cap="none" spc="300" normalizeH="0" baseline="0" noProof="0" dirty="0">
                 <a:ln>
                   <a:noFill/>
                 </a:ln>
@@ -16092,7 +17764,7 @@
               <a:t>專案 </a:t>
             </a:r>
             <a:r>
-              <a:rPr kumimoji="0" lang="en-US" altLang="zh-TW" sz="3600" i="0" u="none" strike="noStrike" kern="1200" cap="none" spc="300" normalizeH="0" baseline="0" noProof="0" dirty="0" smtClean="0">
+              <a:rPr kumimoji="0" lang="en-US" altLang="zh-TW" sz="3600" i="0" u="none" strike="noStrike" kern="1200" cap="none" spc="300" normalizeH="0" baseline="0" noProof="0" dirty="0">
                 <a:ln>
                   <a:noFill/>
                 </a:ln>
@@ -16109,7 +17781,7 @@
               <a:t>SWOT</a:t>
             </a:r>
             <a:r>
-              <a:rPr kumimoji="0" lang="zh-TW" altLang="en-US" sz="3600" i="0" u="none" strike="noStrike" kern="1200" cap="none" spc="300" normalizeH="0" baseline="0" noProof="0" dirty="0" smtClean="0">
+              <a:rPr kumimoji="0" lang="zh-TW" altLang="en-US" sz="3600" i="0" u="none" strike="noStrike" kern="1200" cap="none" spc="300" normalizeH="0" baseline="0" noProof="0" dirty="0">
                 <a:ln>
                   <a:noFill/>
                 </a:ln>
@@ -16125,20 +17797,6 @@
               </a:rPr>
               <a:t>分析</a:t>
             </a:r>
-            <a:endParaRPr kumimoji="0" lang="zh-TW" altLang="en-US" sz="3600" i="0" u="none" strike="noStrike" kern="1200" cap="none" spc="300" normalizeH="0" baseline="0" noProof="0" dirty="0">
-              <a:ln>
-                <a:noFill/>
-              </a:ln>
-              <a:solidFill>
-                <a:srgbClr val="FFC000"/>
-              </a:solidFill>
-              <a:effectLst/>
-              <a:uLnTx/>
-              <a:uFillTx/>
-              <a:latin typeface="MS UI Gothic" pitchFamily="34" charset="-128"/>
-              <a:ea typeface="MS UI Gothic" pitchFamily="34" charset="-128"/>
-              <a:cs typeface="+mj-cs"/>
-            </a:endParaRPr>
           </a:p>
         </p:txBody>
       </p:sp>
@@ -16335,10 +17993,10 @@
           <a:lstStyle/>
           <a:p>
             <a:r>
-              <a:rPr sz="4000" dirty="0" smtClean="0"/>
+              <a:rPr sz="4000" dirty="0"/>
               <a:t>參考來源</a:t>
             </a:r>
-            <a:endParaRPr lang="en-US" altLang="zh-TW" sz="4000" dirty="0" smtClean="0"/>
+            <a:endParaRPr lang="en-US" altLang="zh-TW" sz="4000" dirty="0"/>
           </a:p>
         </p:txBody>
       </p:sp>
@@ -16364,101 +18022,101 @@
           </a:bodyPr>
           <a:lstStyle/>
           <a:p>
-            <a:endParaRPr lang="en-US" altLang="zh-TW" sz="2400" dirty="0" smtClean="0"/>
+            <a:endParaRPr lang="en-US" altLang="zh-TW" sz="2400" dirty="0"/>
           </a:p>
           <a:p>
             <a:pPr algn="l"/>
             <a:r>
-              <a:rPr lang="zh-TW" altLang="en-US" sz="2400" dirty="0" smtClean="0"/>
+              <a:rPr lang="zh-TW" altLang="en-US" sz="2400" dirty="0"/>
               <a:t>浪浪別哭  </a:t>
             </a:r>
             <a:r>
-              <a:rPr lang="en-US" altLang="zh-TW" sz="2400" dirty="0" smtClean="0">
+              <a:rPr lang="en-US" altLang="zh-TW" sz="2400" dirty="0">
                 <a:hlinkClick r:id="rId2"/>
               </a:rPr>
               <a:t>http://www.langlangdontcry.com.tw/member.html</a:t>
             </a:r>
-            <a:endParaRPr lang="en-US" altLang="zh-TW" sz="2400" dirty="0" smtClean="0"/>
+            <a:endParaRPr lang="en-US" altLang="zh-TW" sz="2400" dirty="0"/>
           </a:p>
           <a:p>
-            <a:endParaRPr lang="en-US" altLang="zh-TW" sz="2400" dirty="0" smtClean="0"/>
+            <a:endParaRPr lang="en-US" altLang="zh-TW" sz="2400" dirty="0"/>
           </a:p>
           <a:p>
             <a:pPr algn="l"/>
             <a:r>
-              <a:rPr lang="zh-TW" altLang="en-US" sz="2400" dirty="0" smtClean="0"/>
+              <a:rPr lang="zh-TW" altLang="en-US" sz="2400" dirty="0"/>
               <a:t>浪途通報 </a:t>
             </a:r>
             <a:r>
-              <a:rPr lang="en-US" altLang="zh-TW" sz="2400" dirty="0" smtClean="0">
+              <a:rPr lang="en-US" altLang="zh-TW" sz="2400" dirty="0">
                 <a:hlinkClick r:id="rId3"/>
               </a:rPr>
               <a:t>https://noramichi.app/about</a:t>
             </a:r>
-            <a:endParaRPr lang="en-US" altLang="zh-TW" sz="2400" dirty="0" smtClean="0"/>
+            <a:endParaRPr lang="en-US" altLang="zh-TW" sz="2400" dirty="0"/>
           </a:p>
           <a:p>
             <a:pPr algn="l"/>
-            <a:endParaRPr lang="en-US" altLang="zh-TW" sz="2400" dirty="0" smtClean="0"/>
+            <a:endParaRPr lang="en-US" altLang="zh-TW" sz="2400" dirty="0"/>
           </a:p>
           <a:p>
             <a:pPr algn="l"/>
             <a:r>
-              <a:rPr lang="zh-TW" altLang="en-US" sz="2400" dirty="0" smtClean="0"/>
+              <a:rPr lang="zh-TW" altLang="en-US" sz="2400" dirty="0"/>
               <a:t>社團法人臺南市徐園長護生協會   </a:t>
             </a:r>
             <a:r>
-              <a:rPr lang="en-US" altLang="zh-TW" sz="2400" dirty="0" smtClean="0">
+              <a:rPr lang="en-US" altLang="zh-TW" sz="2400" dirty="0">
                 <a:hlinkClick r:id="rId4"/>
               </a:rPr>
               <a:t>https://hapatc.org.tw/index.php</a:t>
             </a:r>
-            <a:endParaRPr lang="en-US" altLang="zh-TW" sz="2400" dirty="0" smtClean="0"/>
+            <a:endParaRPr lang="en-US" altLang="zh-TW" sz="2400" dirty="0"/>
           </a:p>
           <a:p>
-            <a:endParaRPr lang="en-US" altLang="zh-TW" sz="2400" dirty="0" smtClean="0"/>
+            <a:endParaRPr lang="en-US" altLang="zh-TW" sz="2400" dirty="0"/>
           </a:p>
           <a:p>
             <a:pPr algn="l"/>
             <a:r>
-              <a:rPr lang="zh-TW" altLang="en-US" sz="2400" dirty="0" smtClean="0"/>
+              <a:rPr lang="zh-TW" altLang="en-US" sz="2400" dirty="0"/>
               <a:t>臺中動物之家  </a:t>
             </a:r>
-            <a:endParaRPr lang="en-US" altLang="zh-TW" sz="2400" dirty="0" smtClean="0"/>
+            <a:endParaRPr lang="en-US" altLang="zh-TW" sz="2400" dirty="0"/>
           </a:p>
           <a:p>
             <a:pPr algn="l"/>
             <a:r>
-              <a:rPr lang="en-US" altLang="zh-TW" sz="2400" dirty="0" smtClean="0">
+              <a:rPr lang="en-US" altLang="zh-TW" sz="2400" dirty="0">
                 <a:hlinkClick r:id="rId5"/>
               </a:rPr>
               <a:t>https://www.animal.taichung.gov.tw/1521481/Normalnodelist</a:t>
             </a:r>
-            <a:endParaRPr lang="en-US" altLang="zh-TW" sz="2400" dirty="0" smtClean="0"/>
+            <a:endParaRPr lang="en-US" altLang="zh-TW" sz="2400" dirty="0"/>
           </a:p>
           <a:p>
-            <a:endParaRPr lang="en-US" altLang="zh-TW" sz="2400" dirty="0" smtClean="0"/>
+            <a:endParaRPr lang="en-US" altLang="zh-TW" sz="2400" dirty="0"/>
           </a:p>
           <a:p>
             <a:pPr algn="l"/>
             <a:r>
-              <a:rPr lang="zh-TW" altLang="en-US" sz="2400" dirty="0" smtClean="0"/>
+              <a:rPr lang="zh-TW" altLang="en-US" sz="2400" dirty="0"/>
               <a:t>動物認領養 </a:t>
             </a:r>
             <a:r>
-              <a:rPr lang="en-US" altLang="zh-TW" sz="2400" dirty="0" smtClean="0"/>
+              <a:rPr lang="en-US" altLang="zh-TW" sz="2400" dirty="0"/>
               <a:t>- </a:t>
             </a:r>
             <a:r>
-              <a:rPr lang="zh-TW" altLang="en-US" sz="2400" dirty="0" smtClean="0"/>
+              <a:rPr lang="zh-TW" altLang="en-US" sz="2400" dirty="0"/>
               <a:t>全國動物收容系統  </a:t>
             </a:r>
-            <a:endParaRPr lang="en-US" altLang="zh-TW" sz="2400" dirty="0" smtClean="0"/>
+            <a:endParaRPr lang="en-US" altLang="zh-TW" sz="2400" dirty="0"/>
           </a:p>
           <a:p>
             <a:pPr algn="l"/>
             <a:r>
-              <a:rPr lang="en-US" altLang="zh-TW" sz="2400" dirty="0" smtClean="0">
+              <a:rPr lang="en-US" altLang="zh-TW" sz="2400" dirty="0">
                 <a:hlinkClick r:id="rId2"/>
               </a:rPr>
               <a:t>https://asms.coa.gov.tw/AmlApp/App/AnnounceMent.aspx?PageType=Adopt</a:t>
@@ -16474,20 +18132,13 @@
     </p:spTree>
     <p:extLst>
       <p:ext uri="{BB962C8B-B14F-4D97-AF65-F5344CB8AC3E}">
-        <p14:creationId xmlns="" xmlns:p14="http://schemas.microsoft.com/office/powerpoint/2010/main" val="1306577254"/>
+        <p14:creationId xmlns:p14="http://schemas.microsoft.com/office/powerpoint/2010/main" val="1306577254"/>
       </p:ext>
     </p:extLst>
   </p:cSld>
   <p:clrMapOvr>
     <a:masterClrMapping/>
   </p:clrMapOvr>
-  <p:timing>
-    <p:tnLst>
-      <p:par>
-        <p:cTn id="1" dur="indefinite" restart="never" nodeType="tmRoot"/>
-      </p:par>
-    </p:tnLst>
-  </p:timing>
 </p:sld>
 </file>
 
@@ -16743,7 +18394,7 @@
   <a:extraClrSchemeLst/>
   <a:extLst>
     <a:ext uri="{05A4C25C-085E-4340-85A3-A5531E510DB2}">
-      <thm15:themeFamily xmlns="" xmlns:thm15="http://schemas.microsoft.com/office/thememl/2012/main" name="資策會2021簡報範本_dark.potx" id="{81C76F81-1671-4B56-BD0F-02ECACBEA1CD}" vid="{64F81388-CB1B-4503-9A85-CB10ADCB8F38}"/>
+      <thm15:themeFamily xmlns:thm15="http://schemas.microsoft.com/office/thememl/2012/main" name="資策會2021簡報範本_dark.potx" id="{81C76F81-1671-4B56-BD0F-02ECACBEA1CD}" vid="{64F81388-CB1B-4503-9A85-CB10ADCB8F38}"/>
     </a:ext>
   </a:extLst>
 </a:theme>

--- a/葉登發/第四組 浪跡天涯（公版).pptx
+++ b/葉登發/第四組 浪跡天涯（公版).pptx
@@ -11,18 +11,18 @@
     <p:handoutMasterId r:id="rId15"/>
   </p:handoutMasterIdLst>
   <p:sldIdLst>
-    <p:sldId id="264" r:id="rId2"/>
-    <p:sldId id="273" r:id="rId3"/>
-    <p:sldId id="270" r:id="rId4"/>
-    <p:sldId id="276" r:id="rId5"/>
-    <p:sldId id="280" r:id="rId6"/>
-    <p:sldId id="275" r:id="rId7"/>
-    <p:sldId id="278" r:id="rId8"/>
-    <p:sldId id="274" r:id="rId9"/>
-    <p:sldId id="269" r:id="rId10"/>
-    <p:sldId id="260" r:id="rId11"/>
-    <p:sldId id="281" r:id="rId12"/>
-    <p:sldId id="279" r:id="rId13"/>
+    <p:sldId id="257" r:id="rId2"/>
+    <p:sldId id="258" r:id="rId3"/>
+    <p:sldId id="259" r:id="rId4"/>
+    <p:sldId id="260" r:id="rId5"/>
+    <p:sldId id="261" r:id="rId6"/>
+    <p:sldId id="262" r:id="rId7"/>
+    <p:sldId id="263" r:id="rId8"/>
+    <p:sldId id="264" r:id="rId9"/>
+    <p:sldId id="265" r:id="rId10"/>
+    <p:sldId id="266" r:id="rId11"/>
+    <p:sldId id="267" r:id="rId12"/>
+    <p:sldId id="268" r:id="rId13"/>
   </p:sldIdLst>
   <p:sldSz cx="9906000" cy="6858000" type="A4"/>
   <p:notesSz cx="6807200" cy="9939338"/>
@@ -123,7 +123,7 @@
   </p:defaultTextStyle>
   <p:extLst>
     <p:ext uri="{EFAFB233-063F-42B5-8137-9DF3F51BA10A}">
-      <p15:sldGuideLst xmlns:p15="http://schemas.microsoft.com/office/powerpoint/2012/main">
+      <p15:sldGuideLst xmlns:p15="http://schemas.microsoft.com/office/powerpoint/2012/main" xmlns="">
         <p15:guide id="1" orient="horz" pos="2160">
           <p15:clr>
             <a:srgbClr val="A4A3A4"/>
@@ -2353,16 +2353,12 @@
         <a:lstStyle/>
         <a:p>
           <a:r>
-            <a:rPr lang="zh-TW" altLang="en-US" sz="1800">
+            <a:rPr lang="zh-TW" altLang="en-US" sz="1800" dirty="0">
               <a:latin typeface="微軟正黑體" pitchFamily="34" charset="-120"/>
               <a:ea typeface="微軟正黑體" pitchFamily="34" charset="-120"/>
             </a:rPr>
             <a:t>會員追蹤管理</a:t>
           </a:r>
-          <a:endParaRPr lang="zh-TW" altLang="en-US" sz="1800" dirty="0">
-            <a:latin typeface="微軟正黑體" pitchFamily="34" charset="-120"/>
-            <a:ea typeface="微軟正黑體" pitchFamily="34" charset="-120"/>
-          </a:endParaRPr>
         </a:p>
       </dgm:t>
     </dgm:pt>
@@ -2396,16 +2392,12 @@
         <a:lstStyle/>
         <a:p>
           <a:r>
-            <a:rPr lang="zh-TW" altLang="en-US" sz="1800">
+            <a:rPr lang="zh-TW" altLang="en-US" sz="1800" dirty="0">
               <a:latin typeface="微軟正黑體" pitchFamily="34" charset="-120"/>
               <a:ea typeface="微軟正黑體" pitchFamily="34" charset="-120"/>
             </a:rPr>
             <a:t>會員基本資料</a:t>
           </a:r>
-          <a:endParaRPr lang="zh-TW" altLang="en-US" sz="1800" dirty="0">
-            <a:latin typeface="微軟正黑體" pitchFamily="34" charset="-120"/>
-            <a:ea typeface="微軟正黑體" pitchFamily="34" charset="-120"/>
-          </a:endParaRPr>
         </a:p>
       </dgm:t>
     </dgm:pt>
@@ -2478,30 +2470,26 @@
         <a:lstStyle/>
         <a:p>
           <a:r>
-            <a:rPr lang="zh-TW" altLang="en-US" sz="1800">
+            <a:rPr lang="zh-TW" altLang="en-US" sz="1800" dirty="0">
               <a:latin typeface="微軟正黑體" pitchFamily="34" charset="-120"/>
               <a:ea typeface="微軟正黑體" pitchFamily="34" charset="-120"/>
             </a:rPr>
             <a:t>登入</a:t>
           </a:r>
           <a:r>
-            <a:rPr lang="en-US" altLang="zh-TW" sz="1800">
+            <a:rPr lang="en-US" altLang="zh-TW" sz="1800" dirty="0">
               <a:latin typeface="微軟正黑體" pitchFamily="34" charset="-120"/>
               <a:ea typeface="微軟正黑體" pitchFamily="34" charset="-120"/>
             </a:rPr>
             <a:t>/</a:t>
           </a:r>
           <a:r>
-            <a:rPr lang="zh-TW" altLang="en-US" sz="1800">
+            <a:rPr lang="zh-TW" altLang="en-US" sz="1800" dirty="0">
               <a:latin typeface="微軟正黑體" pitchFamily="34" charset="-120"/>
               <a:ea typeface="微軟正黑體" pitchFamily="34" charset="-120"/>
             </a:rPr>
             <a:t>註冊</a:t>
           </a:r>
-          <a:endParaRPr lang="zh-TW" altLang="en-US" sz="1800" dirty="0">
-            <a:latin typeface="微軟正黑體" pitchFamily="34" charset="-120"/>
-            <a:ea typeface="微軟正黑體" pitchFamily="34" charset="-120"/>
-          </a:endParaRPr>
         </a:p>
       </dgm:t>
     </dgm:pt>
@@ -2539,6 +2527,13 @@
         </dgm:presLayoutVars>
       </dgm:prSet>
       <dgm:spPr/>
+      <dgm:t>
+        <a:bodyPr/>
+        <a:lstStyle/>
+        <a:p>
+          <a:endParaRPr lang="zh-TW" altLang="en-US"/>
+        </a:p>
+      </dgm:t>
     </dgm:pt>
     <dgm:pt modelId="{8AC159B6-ACBE-45C7-B5BD-856E7FF1547A}" type="pres">
       <dgm:prSet presAssocID="{FD751965-2BDC-438B-947B-D07B08C2B1EB}" presName="hierRoot1" presStyleCnt="0">
@@ -2563,10 +2558,24 @@
           <a:avLst/>
         </a:prstGeom>
       </dgm:spPr>
+      <dgm:t>
+        <a:bodyPr/>
+        <a:lstStyle/>
+        <a:p>
+          <a:endParaRPr lang="zh-TW" altLang="en-US"/>
+        </a:p>
+      </dgm:t>
     </dgm:pt>
     <dgm:pt modelId="{B2855A30-360C-47D4-9654-10E3DF27B6CF}" type="pres">
       <dgm:prSet presAssocID="{FD751965-2BDC-438B-947B-D07B08C2B1EB}" presName="rootConnector1" presStyleLbl="node1" presStyleIdx="0" presStyleCnt="0"/>
       <dgm:spPr/>
+      <dgm:t>
+        <a:bodyPr/>
+        <a:lstStyle/>
+        <a:p>
+          <a:endParaRPr lang="zh-TW" altLang="en-US"/>
+        </a:p>
+      </dgm:t>
     </dgm:pt>
     <dgm:pt modelId="{24611BE9-483D-472C-BD40-F21D021997FF}" type="pres">
       <dgm:prSet presAssocID="{FD751965-2BDC-438B-947B-D07B08C2B1EB}" presName="hierChild2" presStyleCnt="0"/>
@@ -2575,6 +2584,13 @@
     <dgm:pt modelId="{264D0045-93E4-47DA-A38A-DCD39CDED102}" type="pres">
       <dgm:prSet presAssocID="{6251823C-0D5B-4272-8B95-4BFB4B26389D}" presName="Name37" presStyleLbl="parChTrans1D2" presStyleIdx="0" presStyleCnt="4"/>
       <dgm:spPr/>
+      <dgm:t>
+        <a:bodyPr/>
+        <a:lstStyle/>
+        <a:p>
+          <a:endParaRPr lang="zh-TW" altLang="en-US"/>
+        </a:p>
+      </dgm:t>
     </dgm:pt>
     <dgm:pt modelId="{2984EB87-602A-4DC0-A823-FD478059F14B}" type="pres">
       <dgm:prSet presAssocID="{D7134094-D23B-4867-B1C0-8B467B464B57}" presName="hierRoot2" presStyleCnt="0">
@@ -2595,10 +2611,24 @@
         </dgm:presLayoutVars>
       </dgm:prSet>
       <dgm:spPr/>
+      <dgm:t>
+        <a:bodyPr/>
+        <a:lstStyle/>
+        <a:p>
+          <a:endParaRPr lang="zh-TW" altLang="en-US"/>
+        </a:p>
+      </dgm:t>
     </dgm:pt>
     <dgm:pt modelId="{37A92CAB-72B8-4C79-B2CB-E86DAEEDC8C4}" type="pres">
       <dgm:prSet presAssocID="{D7134094-D23B-4867-B1C0-8B467B464B57}" presName="rootConnector" presStyleLbl="node2" presStyleIdx="0" presStyleCnt="4"/>
       <dgm:spPr/>
+      <dgm:t>
+        <a:bodyPr/>
+        <a:lstStyle/>
+        <a:p>
+          <a:endParaRPr lang="zh-TW" altLang="en-US"/>
+        </a:p>
+      </dgm:t>
     </dgm:pt>
     <dgm:pt modelId="{9DC34CED-2A20-4D0A-AF2E-3CE2E8959EE6}" type="pres">
       <dgm:prSet presAssocID="{D7134094-D23B-4867-B1C0-8B467B464B57}" presName="hierChild4" presStyleCnt="0"/>
@@ -2607,6 +2637,13 @@
     <dgm:pt modelId="{FC29A3EE-7F43-4509-8DFC-D59B745502B1}" type="pres">
       <dgm:prSet presAssocID="{8A06145A-C8D0-49A6-B1D3-0BBAF37DD652}" presName="Name37" presStyleLbl="parChTrans1D3" presStyleIdx="0" presStyleCnt="8"/>
       <dgm:spPr/>
+      <dgm:t>
+        <a:bodyPr/>
+        <a:lstStyle/>
+        <a:p>
+          <a:endParaRPr lang="zh-TW" altLang="en-US"/>
+        </a:p>
+      </dgm:t>
     </dgm:pt>
     <dgm:pt modelId="{26A1108C-6627-4609-87E8-A97D535A9031}" type="pres">
       <dgm:prSet presAssocID="{627DF427-CD0D-4E70-878D-4AA51C8A005C}" presName="hierRoot2" presStyleCnt="0">
@@ -2631,10 +2668,24 @@
           <a:avLst/>
         </a:prstGeom>
       </dgm:spPr>
+      <dgm:t>
+        <a:bodyPr/>
+        <a:lstStyle/>
+        <a:p>
+          <a:endParaRPr lang="zh-TW" altLang="en-US"/>
+        </a:p>
+      </dgm:t>
     </dgm:pt>
     <dgm:pt modelId="{3050518C-0F47-41E1-9EEA-562169427DA0}" type="pres">
       <dgm:prSet presAssocID="{627DF427-CD0D-4E70-878D-4AA51C8A005C}" presName="rootConnector" presStyleLbl="node3" presStyleIdx="0" presStyleCnt="8"/>
       <dgm:spPr/>
+      <dgm:t>
+        <a:bodyPr/>
+        <a:lstStyle/>
+        <a:p>
+          <a:endParaRPr lang="zh-TW" altLang="en-US"/>
+        </a:p>
+      </dgm:t>
     </dgm:pt>
     <dgm:pt modelId="{E07C6937-2954-4B05-B110-CF5627639A9E}" type="pres">
       <dgm:prSet presAssocID="{627DF427-CD0D-4E70-878D-4AA51C8A005C}" presName="hierChild4" presStyleCnt="0"/>
@@ -2651,6 +2702,13 @@
     <dgm:pt modelId="{F87E183A-7BB0-4B2A-A2A7-CBA8E8BFBD21}" type="pres">
       <dgm:prSet presAssocID="{27320119-E80F-4162-8F3A-3CB8909E795C}" presName="Name37" presStyleLbl="parChTrans1D2" presStyleIdx="1" presStyleCnt="4"/>
       <dgm:spPr/>
+      <dgm:t>
+        <a:bodyPr/>
+        <a:lstStyle/>
+        <a:p>
+          <a:endParaRPr lang="zh-TW" altLang="en-US"/>
+        </a:p>
+      </dgm:t>
     </dgm:pt>
     <dgm:pt modelId="{2D403463-579A-4DD2-A2C0-39A7870FB4C5}" type="pres">
       <dgm:prSet presAssocID="{065C42A1-F9DA-4035-B731-3CDB539A67E7}" presName="hierRoot2" presStyleCnt="0">
@@ -2671,10 +2729,24 @@
         </dgm:presLayoutVars>
       </dgm:prSet>
       <dgm:spPr/>
+      <dgm:t>
+        <a:bodyPr/>
+        <a:lstStyle/>
+        <a:p>
+          <a:endParaRPr lang="zh-TW" altLang="en-US"/>
+        </a:p>
+      </dgm:t>
     </dgm:pt>
     <dgm:pt modelId="{BA564F73-3FDB-4C3A-9837-45278937B477}" type="pres">
       <dgm:prSet presAssocID="{065C42A1-F9DA-4035-B731-3CDB539A67E7}" presName="rootConnector" presStyleLbl="node2" presStyleIdx="1" presStyleCnt="4"/>
       <dgm:spPr/>
+      <dgm:t>
+        <a:bodyPr/>
+        <a:lstStyle/>
+        <a:p>
+          <a:endParaRPr lang="zh-TW" altLang="en-US"/>
+        </a:p>
+      </dgm:t>
     </dgm:pt>
     <dgm:pt modelId="{B33964C7-964E-46CA-8B94-1DDD6C21ED94}" type="pres">
       <dgm:prSet presAssocID="{065C42A1-F9DA-4035-B731-3CDB539A67E7}" presName="hierChild4" presStyleCnt="0"/>
@@ -2683,6 +2755,13 @@
     <dgm:pt modelId="{D686A4DD-0432-408F-BE4B-506D71F04291}" type="pres">
       <dgm:prSet presAssocID="{03092E38-7CE8-4281-AACE-C88713121475}" presName="Name37" presStyleLbl="parChTrans1D3" presStyleIdx="1" presStyleCnt="8"/>
       <dgm:spPr/>
+      <dgm:t>
+        <a:bodyPr/>
+        <a:lstStyle/>
+        <a:p>
+          <a:endParaRPr lang="zh-TW" altLang="en-US"/>
+        </a:p>
+      </dgm:t>
     </dgm:pt>
     <dgm:pt modelId="{9D10307E-4BCF-460D-9EE9-C2EFD9AE6BFA}" type="pres">
       <dgm:prSet presAssocID="{7E6144F2-4DD5-477A-91C4-5DC6A2AE156A}" presName="hierRoot2" presStyleCnt="0">
@@ -2707,10 +2786,24 @@
           <a:avLst/>
         </a:prstGeom>
       </dgm:spPr>
+      <dgm:t>
+        <a:bodyPr/>
+        <a:lstStyle/>
+        <a:p>
+          <a:endParaRPr lang="zh-TW" altLang="en-US"/>
+        </a:p>
+      </dgm:t>
     </dgm:pt>
     <dgm:pt modelId="{D3519E94-C413-4BF1-B8EA-1755D9E51015}" type="pres">
       <dgm:prSet presAssocID="{7E6144F2-4DD5-477A-91C4-5DC6A2AE156A}" presName="rootConnector" presStyleLbl="node3" presStyleIdx="1" presStyleCnt="8"/>
       <dgm:spPr/>
+      <dgm:t>
+        <a:bodyPr/>
+        <a:lstStyle/>
+        <a:p>
+          <a:endParaRPr lang="zh-TW" altLang="en-US"/>
+        </a:p>
+      </dgm:t>
     </dgm:pt>
     <dgm:pt modelId="{55EF27D3-3FC2-4CDD-A613-B64A5E32049F}" type="pres">
       <dgm:prSet presAssocID="{7E6144F2-4DD5-477A-91C4-5DC6A2AE156A}" presName="hierChild4" presStyleCnt="0"/>
@@ -2723,6 +2816,13 @@
     <dgm:pt modelId="{5A91E01C-0B7A-4F13-BC3B-4EE50BCB126E}" type="pres">
       <dgm:prSet presAssocID="{8EDF0F6A-29B5-416B-9345-20D833EBE4C6}" presName="Name37" presStyleLbl="parChTrans1D3" presStyleIdx="2" presStyleCnt="8"/>
       <dgm:spPr/>
+      <dgm:t>
+        <a:bodyPr/>
+        <a:lstStyle/>
+        <a:p>
+          <a:endParaRPr lang="zh-TW" altLang="en-US"/>
+        </a:p>
+      </dgm:t>
     </dgm:pt>
     <dgm:pt modelId="{8BD94E4D-C05B-4B7D-8485-D2E2BB74F37A}" type="pres">
       <dgm:prSet presAssocID="{DE7543DB-7592-4EAD-8AF5-4D870EDC4FEF}" presName="hierRoot2" presStyleCnt="0">
@@ -2747,10 +2847,24 @@
           <a:avLst/>
         </a:prstGeom>
       </dgm:spPr>
+      <dgm:t>
+        <a:bodyPr/>
+        <a:lstStyle/>
+        <a:p>
+          <a:endParaRPr lang="zh-TW" altLang="en-US"/>
+        </a:p>
+      </dgm:t>
     </dgm:pt>
     <dgm:pt modelId="{27DB3943-37A0-4E9E-AD70-035EC189E8B8}" type="pres">
       <dgm:prSet presAssocID="{DE7543DB-7592-4EAD-8AF5-4D870EDC4FEF}" presName="rootConnector" presStyleLbl="node3" presStyleIdx="2" presStyleCnt="8"/>
       <dgm:spPr/>
+      <dgm:t>
+        <a:bodyPr/>
+        <a:lstStyle/>
+        <a:p>
+          <a:endParaRPr lang="zh-TW" altLang="en-US"/>
+        </a:p>
+      </dgm:t>
     </dgm:pt>
     <dgm:pt modelId="{33C41E20-74CA-47B9-B2F3-790C847B7C0F}" type="pres">
       <dgm:prSet presAssocID="{DE7543DB-7592-4EAD-8AF5-4D870EDC4FEF}" presName="hierChild4" presStyleCnt="0"/>
@@ -2763,6 +2877,13 @@
     <dgm:pt modelId="{43DDFD52-ABBA-4B36-9E55-C7B224745957}" type="pres">
       <dgm:prSet presAssocID="{5318C7FD-06A4-4388-B613-2F342972AB53}" presName="Name37" presStyleLbl="parChTrans1D3" presStyleIdx="3" presStyleCnt="8"/>
       <dgm:spPr/>
+      <dgm:t>
+        <a:bodyPr/>
+        <a:lstStyle/>
+        <a:p>
+          <a:endParaRPr lang="zh-TW" altLang="en-US"/>
+        </a:p>
+      </dgm:t>
     </dgm:pt>
     <dgm:pt modelId="{D14065F6-BC0E-4C55-A0EA-E71CDB20B8A7}" type="pres">
       <dgm:prSet presAssocID="{E9CAD86E-CB21-46CE-B94B-22D35AC3A8BF}" presName="hierRoot2" presStyleCnt="0">
@@ -2787,10 +2908,24 @@
           <a:avLst/>
         </a:prstGeom>
       </dgm:spPr>
+      <dgm:t>
+        <a:bodyPr/>
+        <a:lstStyle/>
+        <a:p>
+          <a:endParaRPr lang="zh-TW" altLang="en-US"/>
+        </a:p>
+      </dgm:t>
     </dgm:pt>
     <dgm:pt modelId="{C3A3E138-5EB8-42D0-BB9B-5CF8E78410A5}" type="pres">
       <dgm:prSet presAssocID="{E9CAD86E-CB21-46CE-B94B-22D35AC3A8BF}" presName="rootConnector" presStyleLbl="node3" presStyleIdx="3" presStyleCnt="8"/>
       <dgm:spPr/>
+      <dgm:t>
+        <a:bodyPr/>
+        <a:lstStyle/>
+        <a:p>
+          <a:endParaRPr lang="zh-TW" altLang="en-US"/>
+        </a:p>
+      </dgm:t>
     </dgm:pt>
     <dgm:pt modelId="{B85AD854-E1E8-4ECE-A957-90FC0BCF3AF4}" type="pres">
       <dgm:prSet presAssocID="{E9CAD86E-CB21-46CE-B94B-22D35AC3A8BF}" presName="hierChild4" presStyleCnt="0"/>
@@ -2807,6 +2942,13 @@
     <dgm:pt modelId="{A1DE884E-05B8-4BDA-8B97-EB107522A13B}" type="pres">
       <dgm:prSet presAssocID="{74A45DA7-6203-427C-95E6-97496B209C6A}" presName="Name37" presStyleLbl="parChTrans1D2" presStyleIdx="2" presStyleCnt="4"/>
       <dgm:spPr/>
+      <dgm:t>
+        <a:bodyPr/>
+        <a:lstStyle/>
+        <a:p>
+          <a:endParaRPr lang="zh-TW" altLang="en-US"/>
+        </a:p>
+      </dgm:t>
     </dgm:pt>
     <dgm:pt modelId="{F191BDBE-142C-47E2-9354-8844F32E188C}" type="pres">
       <dgm:prSet presAssocID="{6CA09A5E-B8A0-4A71-ADD4-346908CF8A6E}" presName="hierRoot2" presStyleCnt="0">
@@ -2827,10 +2969,24 @@
         </dgm:presLayoutVars>
       </dgm:prSet>
       <dgm:spPr/>
+      <dgm:t>
+        <a:bodyPr/>
+        <a:lstStyle/>
+        <a:p>
+          <a:endParaRPr lang="zh-TW" altLang="en-US"/>
+        </a:p>
+      </dgm:t>
     </dgm:pt>
     <dgm:pt modelId="{833ADFAF-9E72-4045-B33C-ECE4CF3FA42D}" type="pres">
       <dgm:prSet presAssocID="{6CA09A5E-B8A0-4A71-ADD4-346908CF8A6E}" presName="rootConnector" presStyleLbl="node2" presStyleIdx="2" presStyleCnt="4"/>
       <dgm:spPr/>
+      <dgm:t>
+        <a:bodyPr/>
+        <a:lstStyle/>
+        <a:p>
+          <a:endParaRPr lang="zh-TW" altLang="en-US"/>
+        </a:p>
+      </dgm:t>
     </dgm:pt>
     <dgm:pt modelId="{DFAFD2E4-F66A-4151-9AFC-CA9182B3F0BC}" type="pres">
       <dgm:prSet presAssocID="{6CA09A5E-B8A0-4A71-ADD4-346908CF8A6E}" presName="hierChild4" presStyleCnt="0"/>
@@ -2839,6 +2995,13 @@
     <dgm:pt modelId="{93BC48DE-105A-41DD-8BF6-6040C58E9A13}" type="pres">
       <dgm:prSet presAssocID="{F4571858-FC3A-4093-B8F7-1E141991EFC7}" presName="Name37" presStyleLbl="parChTrans1D3" presStyleIdx="4" presStyleCnt="8"/>
       <dgm:spPr/>
+      <dgm:t>
+        <a:bodyPr/>
+        <a:lstStyle/>
+        <a:p>
+          <a:endParaRPr lang="zh-TW" altLang="en-US"/>
+        </a:p>
+      </dgm:t>
     </dgm:pt>
     <dgm:pt modelId="{6DDEA65B-5ED7-4676-8323-CE36C098682B}" type="pres">
       <dgm:prSet presAssocID="{C9FE2CFE-33B3-428A-A71B-F919C91E56A9}" presName="hierRoot2" presStyleCnt="0">
@@ -2863,10 +3026,24 @@
           <a:avLst/>
         </a:prstGeom>
       </dgm:spPr>
+      <dgm:t>
+        <a:bodyPr/>
+        <a:lstStyle/>
+        <a:p>
+          <a:endParaRPr lang="zh-TW" altLang="en-US"/>
+        </a:p>
+      </dgm:t>
     </dgm:pt>
     <dgm:pt modelId="{B44BC3D0-5E73-423E-9FF3-3D41C3E3D1DE}" type="pres">
       <dgm:prSet presAssocID="{C9FE2CFE-33B3-428A-A71B-F919C91E56A9}" presName="rootConnector" presStyleLbl="node3" presStyleIdx="4" presStyleCnt="8"/>
       <dgm:spPr/>
+      <dgm:t>
+        <a:bodyPr/>
+        <a:lstStyle/>
+        <a:p>
+          <a:endParaRPr lang="zh-TW" altLang="en-US"/>
+        </a:p>
+      </dgm:t>
     </dgm:pt>
     <dgm:pt modelId="{7511CDE9-404A-4066-B1F7-E9641939160E}" type="pres">
       <dgm:prSet presAssocID="{C9FE2CFE-33B3-428A-A71B-F919C91E56A9}" presName="hierChild4" presStyleCnt="0"/>
@@ -2883,6 +3060,13 @@
     <dgm:pt modelId="{AE85C9AC-A96D-453C-B30C-912E36B3230A}" type="pres">
       <dgm:prSet presAssocID="{6701841D-B29D-4F43-A04A-C0F448C8EE4B}" presName="Name37" presStyleLbl="parChTrans1D2" presStyleIdx="3" presStyleCnt="4"/>
       <dgm:spPr/>
+      <dgm:t>
+        <a:bodyPr/>
+        <a:lstStyle/>
+        <a:p>
+          <a:endParaRPr lang="zh-TW" altLang="en-US"/>
+        </a:p>
+      </dgm:t>
     </dgm:pt>
     <dgm:pt modelId="{E245E270-5D78-4AD0-B292-4FB6E38D7AA4}" type="pres">
       <dgm:prSet presAssocID="{88701BC0-3BC4-4D6E-A745-608E267D8549}" presName="hierRoot2" presStyleCnt="0">
@@ -2903,10 +3087,24 @@
         </dgm:presLayoutVars>
       </dgm:prSet>
       <dgm:spPr/>
+      <dgm:t>
+        <a:bodyPr/>
+        <a:lstStyle/>
+        <a:p>
+          <a:endParaRPr lang="zh-TW" altLang="en-US"/>
+        </a:p>
+      </dgm:t>
     </dgm:pt>
     <dgm:pt modelId="{C0B8DD2D-5460-4E33-89E1-5D3026ACFDC9}" type="pres">
       <dgm:prSet presAssocID="{88701BC0-3BC4-4D6E-A745-608E267D8549}" presName="rootConnector" presStyleLbl="node2" presStyleIdx="3" presStyleCnt="4"/>
       <dgm:spPr/>
+      <dgm:t>
+        <a:bodyPr/>
+        <a:lstStyle/>
+        <a:p>
+          <a:endParaRPr lang="zh-TW" altLang="en-US"/>
+        </a:p>
+      </dgm:t>
     </dgm:pt>
     <dgm:pt modelId="{0EDC8715-9A38-49BD-9760-5FB3BFF47A1B}" type="pres">
       <dgm:prSet presAssocID="{88701BC0-3BC4-4D6E-A745-608E267D8549}" presName="hierChild4" presStyleCnt="0"/>
@@ -2915,6 +3113,13 @@
     <dgm:pt modelId="{5776753B-DC49-435F-995D-2AA14F866BEA}" type="pres">
       <dgm:prSet presAssocID="{830AFFBF-7265-45F5-BE7A-CAF76103F757}" presName="Name37" presStyleLbl="parChTrans1D3" presStyleIdx="5" presStyleCnt="8"/>
       <dgm:spPr/>
+      <dgm:t>
+        <a:bodyPr/>
+        <a:lstStyle/>
+        <a:p>
+          <a:endParaRPr lang="zh-TW" altLang="en-US"/>
+        </a:p>
+      </dgm:t>
     </dgm:pt>
     <dgm:pt modelId="{67ED27F1-E98F-4FE6-A87C-304BFF5F3C9A}" type="pres">
       <dgm:prSet presAssocID="{F76FE35E-0007-412A-BB13-57DA750A5E9C}" presName="hierRoot2" presStyleCnt="0">
@@ -2939,10 +3144,24 @@
           <a:avLst/>
         </a:prstGeom>
       </dgm:spPr>
+      <dgm:t>
+        <a:bodyPr/>
+        <a:lstStyle/>
+        <a:p>
+          <a:endParaRPr lang="zh-TW" altLang="en-US"/>
+        </a:p>
+      </dgm:t>
     </dgm:pt>
     <dgm:pt modelId="{EB26E828-0942-4AD7-8883-5E2E6C40E665}" type="pres">
       <dgm:prSet presAssocID="{F76FE35E-0007-412A-BB13-57DA750A5E9C}" presName="rootConnector" presStyleLbl="node3" presStyleIdx="5" presStyleCnt="8"/>
       <dgm:spPr/>
+      <dgm:t>
+        <a:bodyPr/>
+        <a:lstStyle/>
+        <a:p>
+          <a:endParaRPr lang="zh-TW" altLang="en-US"/>
+        </a:p>
+      </dgm:t>
     </dgm:pt>
     <dgm:pt modelId="{0BA4BBE3-AA88-4D0F-91B6-5F3C64F20B43}" type="pres">
       <dgm:prSet presAssocID="{F76FE35E-0007-412A-BB13-57DA750A5E9C}" presName="hierChild4" presStyleCnt="0"/>
@@ -2955,6 +3174,13 @@
     <dgm:pt modelId="{44FBA387-EEBB-4BF5-8D3B-608998B9E7FD}" type="pres">
       <dgm:prSet presAssocID="{321C0BC4-7A3B-4036-871C-D296A2CB2DDB}" presName="Name37" presStyleLbl="parChTrans1D3" presStyleIdx="6" presStyleCnt="8"/>
       <dgm:spPr/>
+      <dgm:t>
+        <a:bodyPr/>
+        <a:lstStyle/>
+        <a:p>
+          <a:endParaRPr lang="zh-TW" altLang="en-US"/>
+        </a:p>
+      </dgm:t>
     </dgm:pt>
     <dgm:pt modelId="{82E280E3-1EB5-4ADE-995A-E22FFEAF5BA1}" type="pres">
       <dgm:prSet presAssocID="{0D73AC28-ACED-48D0-A079-4DA81711ADCB}" presName="hierRoot2" presStyleCnt="0">
@@ -2979,10 +3205,24 @@
           <a:avLst/>
         </a:prstGeom>
       </dgm:spPr>
+      <dgm:t>
+        <a:bodyPr/>
+        <a:lstStyle/>
+        <a:p>
+          <a:endParaRPr lang="zh-TW" altLang="en-US"/>
+        </a:p>
+      </dgm:t>
     </dgm:pt>
     <dgm:pt modelId="{8137936B-7370-45A3-A6F4-D3CC008BC629}" type="pres">
       <dgm:prSet presAssocID="{0D73AC28-ACED-48D0-A079-4DA81711ADCB}" presName="rootConnector" presStyleLbl="node3" presStyleIdx="6" presStyleCnt="8"/>
       <dgm:spPr/>
+      <dgm:t>
+        <a:bodyPr/>
+        <a:lstStyle/>
+        <a:p>
+          <a:endParaRPr lang="zh-TW" altLang="en-US"/>
+        </a:p>
+      </dgm:t>
     </dgm:pt>
     <dgm:pt modelId="{D4420624-D02B-4DE9-8B97-5E33323BA787}" type="pres">
       <dgm:prSet presAssocID="{0D73AC28-ACED-48D0-A079-4DA81711ADCB}" presName="hierChild4" presStyleCnt="0"/>
@@ -2995,6 +3235,13 @@
     <dgm:pt modelId="{DEE13216-85AE-4378-85FD-4F9CF1B8E0AF}" type="pres">
       <dgm:prSet presAssocID="{87B2436D-3DC2-4117-A31C-771DC7AA57DB}" presName="Name37" presStyleLbl="parChTrans1D3" presStyleIdx="7" presStyleCnt="8"/>
       <dgm:spPr/>
+      <dgm:t>
+        <a:bodyPr/>
+        <a:lstStyle/>
+        <a:p>
+          <a:endParaRPr lang="zh-TW" altLang="en-US"/>
+        </a:p>
+      </dgm:t>
     </dgm:pt>
     <dgm:pt modelId="{0AFD943C-DD45-459C-AE62-15BD24253139}" type="pres">
       <dgm:prSet presAssocID="{512B5851-4D20-436F-A149-7CC370866394}" presName="hierRoot2" presStyleCnt="0">
@@ -3019,10 +3266,24 @@
           <a:avLst/>
         </a:prstGeom>
       </dgm:spPr>
+      <dgm:t>
+        <a:bodyPr/>
+        <a:lstStyle/>
+        <a:p>
+          <a:endParaRPr lang="zh-TW" altLang="en-US"/>
+        </a:p>
+      </dgm:t>
     </dgm:pt>
     <dgm:pt modelId="{1EEBB9B4-0545-45CE-99FE-2B3C1DCB29A3}" type="pres">
       <dgm:prSet presAssocID="{512B5851-4D20-436F-A149-7CC370866394}" presName="rootConnector" presStyleLbl="node3" presStyleIdx="7" presStyleCnt="8"/>
       <dgm:spPr/>
+      <dgm:t>
+        <a:bodyPr/>
+        <a:lstStyle/>
+        <a:p>
+          <a:endParaRPr lang="zh-TW" altLang="en-US"/>
+        </a:p>
+      </dgm:t>
     </dgm:pt>
     <dgm:pt modelId="{EB3548A1-CC8B-4DC3-B951-06C1486A2BCA}" type="pres">
       <dgm:prSet presAssocID="{512B5851-4D20-436F-A149-7CC370866394}" presName="hierChild4" presStyleCnt="0"/>
@@ -3042,154 +3303,154 @@
     </dgm:pt>
   </dgm:ptLst>
   <dgm:cxnLst>
+    <dgm:cxn modelId="{C6BFB0C9-25FB-4157-A9F5-85E01471A45B}" type="presOf" srcId="{5318C7FD-06A4-4388-B613-2F342972AB53}" destId="{43DDFD52-ABBA-4B36-9E55-C7B224745957}" srcOrd="0" destOrd="0" presId="urn:microsoft.com/office/officeart/2005/8/layout/orgChart1"/>
+    <dgm:cxn modelId="{08F2306E-E5B7-484A-ABAC-7D562174C5CE}" type="presOf" srcId="{87B2436D-3DC2-4117-A31C-771DC7AA57DB}" destId="{DEE13216-85AE-4378-85FD-4F9CF1B8E0AF}" srcOrd="0" destOrd="0" presId="urn:microsoft.com/office/officeart/2005/8/layout/orgChart1"/>
+    <dgm:cxn modelId="{8892BE7E-8626-458D-8970-057DABA2133D}" type="presOf" srcId="{88701BC0-3BC4-4D6E-A745-608E267D8549}" destId="{C0B8DD2D-5460-4E33-89E1-5D3026ACFDC9}" srcOrd="1" destOrd="0" presId="urn:microsoft.com/office/officeart/2005/8/layout/orgChart1"/>
+    <dgm:cxn modelId="{53C5F844-2D48-4E10-A7F5-7D8486422BE5}" type="presOf" srcId="{830AFFBF-7265-45F5-BE7A-CAF76103F757}" destId="{5776753B-DC49-435F-995D-2AA14F866BEA}" srcOrd="0" destOrd="0" presId="urn:microsoft.com/office/officeart/2005/8/layout/orgChart1"/>
+    <dgm:cxn modelId="{14FF7226-8EA9-4677-9BA1-EB1901FA6975}" type="presOf" srcId="{FD751965-2BDC-438B-947B-D07B08C2B1EB}" destId="{5A39BE46-6F34-4222-95A5-784F3CFF3102}" srcOrd="0" destOrd="0" presId="urn:microsoft.com/office/officeart/2005/8/layout/orgChart1"/>
+    <dgm:cxn modelId="{64573D24-08EF-4D9B-8CBA-0C108CF0CE2D}" type="presOf" srcId="{F76FE35E-0007-412A-BB13-57DA750A5E9C}" destId="{88997EF4-2904-47BD-A092-4DD3D6084653}" srcOrd="0" destOrd="0" presId="urn:microsoft.com/office/officeart/2005/8/layout/orgChart1"/>
+    <dgm:cxn modelId="{56B6048B-3E27-4B98-8C93-8AE2170941FF}" type="presOf" srcId="{FD751965-2BDC-438B-947B-D07B08C2B1EB}" destId="{B2855A30-360C-47D4-9654-10E3DF27B6CF}" srcOrd="1" destOrd="0" presId="urn:microsoft.com/office/officeart/2005/8/layout/orgChart1"/>
+    <dgm:cxn modelId="{CB721F69-6C15-4923-AC9F-1C04BFEC5BCA}" type="presOf" srcId="{065C42A1-F9DA-4035-B731-3CDB539A67E7}" destId="{3C742D52-E814-4314-AE86-D431494B2FD6}" srcOrd="0" destOrd="0" presId="urn:microsoft.com/office/officeart/2005/8/layout/orgChart1"/>
+    <dgm:cxn modelId="{05C5B941-8BE1-4D7F-A126-413A317C9096}" type="presOf" srcId="{6251823C-0D5B-4272-8B95-4BFB4B26389D}" destId="{264D0045-93E4-47DA-A38A-DCD39CDED102}" srcOrd="0" destOrd="0" presId="urn:microsoft.com/office/officeart/2005/8/layout/orgChart1"/>
+    <dgm:cxn modelId="{650ED146-BA68-4AE8-BD16-CB2DFF2EA80F}" type="presOf" srcId="{7E6144F2-4DD5-477A-91C4-5DC6A2AE156A}" destId="{FAF4249F-74CB-4177-B266-42B3F35A48EF}" srcOrd="0" destOrd="0" presId="urn:microsoft.com/office/officeart/2005/8/layout/orgChart1"/>
+    <dgm:cxn modelId="{2E3BFC35-C367-4F2D-A076-E262B2687DF7}" type="presOf" srcId="{6CA09A5E-B8A0-4A71-ADD4-346908CF8A6E}" destId="{F7DE2FBB-2B3A-4552-868C-42F64B9B986F}" srcOrd="0" destOrd="0" presId="urn:microsoft.com/office/officeart/2005/8/layout/orgChart1"/>
+    <dgm:cxn modelId="{CF503B8C-8103-4A18-80D8-ED09CA1B42A7}" srcId="{FD751965-2BDC-438B-947B-D07B08C2B1EB}" destId="{6CA09A5E-B8A0-4A71-ADD4-346908CF8A6E}" srcOrd="2" destOrd="0" parTransId="{74A45DA7-6203-427C-95E6-97496B209C6A}" sibTransId="{3727E362-0704-4530-B65C-D2B207B108AD}"/>
+    <dgm:cxn modelId="{A662F6A0-621B-47A7-92B9-B860A518D1B1}" type="presOf" srcId="{E9CAD86E-CB21-46CE-B94B-22D35AC3A8BF}" destId="{21014A0C-7FC5-40B0-B906-E20543D43CA2}" srcOrd="0" destOrd="0" presId="urn:microsoft.com/office/officeart/2005/8/layout/orgChart1"/>
+    <dgm:cxn modelId="{3A6FB876-DE9D-47FE-9B55-9C8F37A34A60}" srcId="{065C42A1-F9DA-4035-B731-3CDB539A67E7}" destId="{DE7543DB-7592-4EAD-8AF5-4D870EDC4FEF}" srcOrd="1" destOrd="0" parTransId="{8EDF0F6A-29B5-416B-9345-20D833EBE4C6}" sibTransId="{D800E5EB-88F2-4055-838A-86E57DB0521F}"/>
+    <dgm:cxn modelId="{98AB8674-0001-40E4-BF88-6E3446CA7E96}" type="presOf" srcId="{D7134094-D23B-4867-B1C0-8B467B464B57}" destId="{37A92CAB-72B8-4C79-B2CB-E86DAEEDC8C4}" srcOrd="1" destOrd="0" presId="urn:microsoft.com/office/officeart/2005/8/layout/orgChart1"/>
+    <dgm:cxn modelId="{BAD6F0C8-BD09-4C65-963B-91D3A858E84A}" type="presOf" srcId="{7E6144F2-4DD5-477A-91C4-5DC6A2AE156A}" destId="{D3519E94-C413-4BF1-B8EA-1755D9E51015}" srcOrd="1" destOrd="0" presId="urn:microsoft.com/office/officeart/2005/8/layout/orgChart1"/>
+    <dgm:cxn modelId="{8100F955-8455-41CB-B1D9-6D95AB42DCB4}" srcId="{065C42A1-F9DA-4035-B731-3CDB539A67E7}" destId="{E9CAD86E-CB21-46CE-B94B-22D35AC3A8BF}" srcOrd="2" destOrd="0" parTransId="{5318C7FD-06A4-4388-B613-2F342972AB53}" sibTransId="{230254FA-09E8-470F-8D00-AA06A8F35EBE}"/>
+    <dgm:cxn modelId="{6375DE71-35CE-4D2E-93D9-D41116592432}" type="presOf" srcId="{0D73AC28-ACED-48D0-A079-4DA81711ADCB}" destId="{EEA0B25C-A04A-4FF8-894A-419F43B58887}" srcOrd="0" destOrd="0" presId="urn:microsoft.com/office/officeart/2005/8/layout/orgChart1"/>
+    <dgm:cxn modelId="{80753897-E5B5-4ED8-9549-5100AF089CFB}" srcId="{6CA09A5E-B8A0-4A71-ADD4-346908CF8A6E}" destId="{C9FE2CFE-33B3-428A-A71B-F919C91E56A9}" srcOrd="0" destOrd="0" parTransId="{F4571858-FC3A-4093-B8F7-1E141991EFC7}" sibTransId="{A4286B5A-0778-4A0B-A600-F7CDFBC7DE95}"/>
     <dgm:cxn modelId="{B1017A09-108E-4A0A-BD1F-DB728A2179F3}" srcId="{88701BC0-3BC4-4D6E-A745-608E267D8549}" destId="{0D73AC28-ACED-48D0-A079-4DA81711ADCB}" srcOrd="1" destOrd="0" parTransId="{321C0BC4-7A3B-4036-871C-D296A2CB2DDB}" sibTransId="{DBF30BB3-CAC6-410B-8E97-14FD0CD14DAA}"/>
-    <dgm:cxn modelId="{FA9F530E-A804-4D59-8FDD-4D0E880B15D4}" type="presOf" srcId="{321C0BC4-7A3B-4036-871C-D296A2CB2DDB}" destId="{44FBA387-EEBB-4BF5-8D3B-608998B9E7FD}" srcOrd="0" destOrd="0" presId="urn:microsoft.com/office/officeart/2005/8/layout/orgChart1"/>
-    <dgm:cxn modelId="{60CE510F-A0CB-4E77-8707-C14FD08739CE}" type="presOf" srcId="{5318C7FD-06A4-4388-B613-2F342972AB53}" destId="{43DDFD52-ABBA-4B36-9E55-C7B224745957}" srcOrd="0" destOrd="0" presId="urn:microsoft.com/office/officeart/2005/8/layout/orgChart1"/>
-    <dgm:cxn modelId="{404A6619-D770-4499-ADCF-0C0F469E991F}" type="presOf" srcId="{C9FE2CFE-33B3-428A-A71B-F919C91E56A9}" destId="{3325CEB1-74F3-47EA-9103-89A74C3BFD21}" srcOrd="0" destOrd="0" presId="urn:microsoft.com/office/officeart/2005/8/layout/orgChart1"/>
-    <dgm:cxn modelId="{2FD59C24-7052-4579-824A-9D23776F9369}" type="presOf" srcId="{6701841D-B29D-4F43-A04A-C0F448C8EE4B}" destId="{AE85C9AC-A96D-453C-B30C-912E36B3230A}" srcOrd="0" destOrd="0" presId="urn:microsoft.com/office/officeart/2005/8/layout/orgChart1"/>
-    <dgm:cxn modelId="{91059C27-FB1F-44AA-922C-AA87C3D553D7}" type="presOf" srcId="{065C42A1-F9DA-4035-B731-3CDB539A67E7}" destId="{BA564F73-3FDB-4C3A-9837-45278937B477}" srcOrd="1" destOrd="0" presId="urn:microsoft.com/office/officeart/2005/8/layout/orgChart1"/>
-    <dgm:cxn modelId="{1D89D729-C56F-433E-A7EA-C221E1631A44}" type="presOf" srcId="{D7134094-D23B-4867-B1C0-8B467B464B57}" destId="{37A92CAB-72B8-4C79-B2CB-E86DAEEDC8C4}" srcOrd="1" destOrd="0" presId="urn:microsoft.com/office/officeart/2005/8/layout/orgChart1"/>
-    <dgm:cxn modelId="{F3D4C73C-7003-4F4D-8A06-11DA63457C50}" type="presOf" srcId="{87B2436D-3DC2-4117-A31C-771DC7AA57DB}" destId="{DEE13216-85AE-4378-85FD-4F9CF1B8E0AF}" srcOrd="0" destOrd="0" presId="urn:microsoft.com/office/officeart/2005/8/layout/orgChart1"/>
+    <dgm:cxn modelId="{0963B2A6-8E41-4BF5-BD8D-0332BF44604B}" type="presOf" srcId="{8EDF0F6A-29B5-416B-9345-20D833EBE4C6}" destId="{5A91E01C-0B7A-4F13-BC3B-4EE50BCB126E}" srcOrd="0" destOrd="0" presId="urn:microsoft.com/office/officeart/2005/8/layout/orgChart1"/>
+    <dgm:cxn modelId="{BD0EA693-ED1A-4A9A-86CA-28C977DA8FA9}" type="presOf" srcId="{065C42A1-F9DA-4035-B731-3CDB539A67E7}" destId="{BA564F73-3FDB-4C3A-9837-45278937B477}" srcOrd="1" destOrd="0" presId="urn:microsoft.com/office/officeart/2005/8/layout/orgChart1"/>
+    <dgm:cxn modelId="{4EDC3D0B-1946-43DF-B417-4E81F3A58622}" type="presOf" srcId="{DE7543DB-7592-4EAD-8AF5-4D870EDC4FEF}" destId="{8780EF36-5FF2-42AC-B5DF-0A83BD959276}" srcOrd="0" destOrd="0" presId="urn:microsoft.com/office/officeart/2005/8/layout/orgChart1"/>
+    <dgm:cxn modelId="{1BA882B1-50D9-4083-B3B9-60DB472C6282}" type="presOf" srcId="{512B5851-4D20-436F-A149-7CC370866394}" destId="{1EEBB9B4-0545-45CE-99FE-2B3C1DCB29A3}" srcOrd="1" destOrd="0" presId="urn:microsoft.com/office/officeart/2005/8/layout/orgChart1"/>
+    <dgm:cxn modelId="{1693E1C4-599C-4BFD-8FC4-B2B66F37EF17}" type="presOf" srcId="{D7134094-D23B-4867-B1C0-8B467B464B57}" destId="{7A8C1E97-CAEA-4C10-A3BA-F2C556BACFE7}" srcOrd="0" destOrd="0" presId="urn:microsoft.com/office/officeart/2005/8/layout/orgChart1"/>
+    <dgm:cxn modelId="{FDD8E7EE-312F-4875-B66F-69A85328FAA3}" type="presOf" srcId="{03092E38-7CE8-4281-AACE-C88713121475}" destId="{D686A4DD-0432-408F-BE4B-506D71F04291}" srcOrd="0" destOrd="0" presId="urn:microsoft.com/office/officeart/2005/8/layout/orgChart1"/>
+    <dgm:cxn modelId="{0D2BF8FF-27A3-40FD-BD35-890425A52DD5}" srcId="{88701BC0-3BC4-4D6E-A745-608E267D8549}" destId="{512B5851-4D20-436F-A149-7CC370866394}" srcOrd="2" destOrd="0" parTransId="{87B2436D-3DC2-4117-A31C-771DC7AA57DB}" sibTransId="{43FD5A31-1690-4F5A-AE1E-A0A4CEED32C5}"/>
+    <dgm:cxn modelId="{31F986B0-0730-4505-A8CA-9D8C86082A97}" type="presOf" srcId="{822A8367-F08A-4A9E-B6EE-8B49DD314881}" destId="{820C8BCB-CB0D-4B2B-A2A1-6529BE6B777B}" srcOrd="0" destOrd="0" presId="urn:microsoft.com/office/officeart/2005/8/layout/orgChart1"/>
+    <dgm:cxn modelId="{9D87BFD2-5C9E-4A59-A73A-E8D32DC9C8C1}" type="presOf" srcId="{DE7543DB-7592-4EAD-8AF5-4D870EDC4FEF}" destId="{27DB3943-37A0-4E9E-AD70-035EC189E8B8}" srcOrd="1" destOrd="0" presId="urn:microsoft.com/office/officeart/2005/8/layout/orgChart1"/>
+    <dgm:cxn modelId="{BDAD7689-EE5C-4696-816B-DA2F07590594}" type="presOf" srcId="{74A45DA7-6203-427C-95E6-97496B209C6A}" destId="{A1DE884E-05B8-4BDA-8B97-EB107522A13B}" srcOrd="0" destOrd="0" presId="urn:microsoft.com/office/officeart/2005/8/layout/orgChart1"/>
+    <dgm:cxn modelId="{261760DF-DA5B-455C-B671-B375A1BD8552}" type="presOf" srcId="{E9CAD86E-CB21-46CE-B94B-22D35AC3A8BF}" destId="{C3A3E138-5EB8-42D0-BB9B-5CF8E78410A5}" srcOrd="1" destOrd="0" presId="urn:microsoft.com/office/officeart/2005/8/layout/orgChart1"/>
+    <dgm:cxn modelId="{A6CE5A71-930D-409C-965D-E3EC5910741F}" srcId="{D7134094-D23B-4867-B1C0-8B467B464B57}" destId="{627DF427-CD0D-4E70-878D-4AA51C8A005C}" srcOrd="0" destOrd="0" parTransId="{8A06145A-C8D0-49A6-B1D3-0BBAF37DD652}" sibTransId="{D01C5705-F547-4BB9-846D-3977ED505D59}"/>
+    <dgm:cxn modelId="{6EEA26B3-5CC6-4EDA-B300-D8D717AEDED6}" srcId="{822A8367-F08A-4A9E-B6EE-8B49DD314881}" destId="{FD751965-2BDC-438B-947B-D07B08C2B1EB}" srcOrd="0" destOrd="0" parTransId="{D4881C79-E3A6-4A11-A561-16944FDA7E3D}" sibTransId="{12EFC5DB-9CDD-4F3B-A3AC-272CAF5B3C58}"/>
+    <dgm:cxn modelId="{420AFC4D-1BC0-4617-A369-3A6DB39E9C57}" srcId="{FD751965-2BDC-438B-947B-D07B08C2B1EB}" destId="{065C42A1-F9DA-4035-B731-3CDB539A67E7}" srcOrd="1" destOrd="0" parTransId="{27320119-E80F-4162-8F3A-3CB8909E795C}" sibTransId="{D9D1A045-241A-4511-B621-F52B845D7544}"/>
+    <dgm:cxn modelId="{6910782F-279D-41F5-A618-9B3F8977760D}" type="presOf" srcId="{8A06145A-C8D0-49A6-B1D3-0BBAF37DD652}" destId="{FC29A3EE-7F43-4509-8DFC-D59B745502B1}" srcOrd="0" destOrd="0" presId="urn:microsoft.com/office/officeart/2005/8/layout/orgChart1"/>
+    <dgm:cxn modelId="{12117B69-C8A3-490D-9806-A267C9584F61}" type="presOf" srcId="{F76FE35E-0007-412A-BB13-57DA750A5E9C}" destId="{EB26E828-0942-4AD7-8883-5E2E6C40E665}" srcOrd="1" destOrd="0" presId="urn:microsoft.com/office/officeart/2005/8/layout/orgChart1"/>
+    <dgm:cxn modelId="{92216580-BF99-4F2E-9004-D1ADF73E5516}" type="presOf" srcId="{321C0BC4-7A3B-4036-871C-D296A2CB2DDB}" destId="{44FBA387-EEBB-4BF5-8D3B-608998B9E7FD}" srcOrd="0" destOrd="0" presId="urn:microsoft.com/office/officeart/2005/8/layout/orgChart1"/>
+    <dgm:cxn modelId="{C40C296E-62A8-4DAF-B59E-C4BE71D4D5C5}" srcId="{FD751965-2BDC-438B-947B-D07B08C2B1EB}" destId="{D7134094-D23B-4867-B1C0-8B467B464B57}" srcOrd="0" destOrd="0" parTransId="{6251823C-0D5B-4272-8B95-4BFB4B26389D}" sibTransId="{2D5FD406-0298-43FD-AB8D-A90374CC4AC6}"/>
+    <dgm:cxn modelId="{D379FAC6-D979-4A1E-BD5A-5D47EF92500E}" type="presOf" srcId="{88701BC0-3BC4-4D6E-A745-608E267D8549}" destId="{E4285E3A-DB7A-4B47-9876-F8739183FC7A}" srcOrd="0" destOrd="0" presId="urn:microsoft.com/office/officeart/2005/8/layout/orgChart1"/>
+    <dgm:cxn modelId="{FEB6AB47-C768-4566-B351-AF7CEE33662D}" srcId="{88701BC0-3BC4-4D6E-A745-608E267D8549}" destId="{F76FE35E-0007-412A-BB13-57DA750A5E9C}" srcOrd="0" destOrd="0" parTransId="{830AFFBF-7265-45F5-BE7A-CAF76103F757}" sibTransId="{EE8989F4-C5DF-4849-A1D7-4C286C860460}"/>
     <dgm:cxn modelId="{F5E9345D-EFF1-4B8E-A3C0-325BA831B35E}" srcId="{065C42A1-F9DA-4035-B731-3CDB539A67E7}" destId="{7E6144F2-4DD5-477A-91C4-5DC6A2AE156A}" srcOrd="0" destOrd="0" parTransId="{03092E38-7CE8-4281-AACE-C88713121475}" sibTransId="{078EA66B-FA38-4AF1-8E86-BB4A1ABD456A}"/>
-    <dgm:cxn modelId="{D671E85E-55C3-482E-9068-B836ECBFFD96}" type="presOf" srcId="{8EDF0F6A-29B5-416B-9345-20D833EBE4C6}" destId="{5A91E01C-0B7A-4F13-BC3B-4EE50BCB126E}" srcOrd="0" destOrd="0" presId="urn:microsoft.com/office/officeart/2005/8/layout/orgChart1"/>
-    <dgm:cxn modelId="{1E99F045-C2A4-4D47-841A-744AFD6CC975}" type="presOf" srcId="{8A06145A-C8D0-49A6-B1D3-0BBAF37DD652}" destId="{FC29A3EE-7F43-4509-8DFC-D59B745502B1}" srcOrd="0" destOrd="0" presId="urn:microsoft.com/office/officeart/2005/8/layout/orgChart1"/>
+    <dgm:cxn modelId="{BE492864-00B7-4F5B-AF7B-F33240B26CBA}" type="presOf" srcId="{6CA09A5E-B8A0-4A71-ADD4-346908CF8A6E}" destId="{833ADFAF-9E72-4045-B33C-ECE4CF3FA42D}" srcOrd="1" destOrd="0" presId="urn:microsoft.com/office/officeart/2005/8/layout/orgChart1"/>
+    <dgm:cxn modelId="{1324790B-4774-4202-98FC-1B0470C79B3F}" type="presOf" srcId="{512B5851-4D20-436F-A149-7CC370866394}" destId="{AEAD0110-FF99-4697-B796-25890CE39880}" srcOrd="0" destOrd="0" presId="urn:microsoft.com/office/officeart/2005/8/layout/orgChart1"/>
+    <dgm:cxn modelId="{41AE00A9-65BD-45AD-8648-BD5378F43AA6}" type="presOf" srcId="{27320119-E80F-4162-8F3A-3CB8909E795C}" destId="{F87E183A-7BB0-4B2A-A2A7-CBA8E8BFBD21}" srcOrd="0" destOrd="0" presId="urn:microsoft.com/office/officeart/2005/8/layout/orgChart1"/>
+    <dgm:cxn modelId="{1CB09886-C34E-4A9D-BB5F-D6ECDB3985FB}" type="presOf" srcId="{0D73AC28-ACED-48D0-A079-4DA81711ADCB}" destId="{8137936B-7370-45A3-A6F4-D3CC008BC629}" srcOrd="1" destOrd="0" presId="urn:microsoft.com/office/officeart/2005/8/layout/orgChart1"/>
+    <dgm:cxn modelId="{5D0ACE7A-AA75-466E-AA4B-395C03411E8F}" type="presOf" srcId="{627DF427-CD0D-4E70-878D-4AA51C8A005C}" destId="{58F8D231-E10A-4891-BA3A-DF6162AC1084}" srcOrd="0" destOrd="0" presId="urn:microsoft.com/office/officeart/2005/8/layout/orgChart1"/>
     <dgm:cxn modelId="{B2465746-37AE-4885-A1BE-9676B73C774D}" srcId="{FD751965-2BDC-438B-947B-D07B08C2B1EB}" destId="{88701BC0-3BC4-4D6E-A745-608E267D8549}" srcOrd="3" destOrd="0" parTransId="{6701841D-B29D-4F43-A04A-C0F448C8EE4B}" sibTransId="{C42A5B7E-E971-4220-A17D-C94516963056}"/>
-    <dgm:cxn modelId="{FEB6AB47-C768-4566-B351-AF7CEE33662D}" srcId="{88701BC0-3BC4-4D6E-A745-608E267D8549}" destId="{F76FE35E-0007-412A-BB13-57DA750A5E9C}" srcOrd="0" destOrd="0" parTransId="{830AFFBF-7265-45F5-BE7A-CAF76103F757}" sibTransId="{EE8989F4-C5DF-4849-A1D7-4C286C860460}"/>
-    <dgm:cxn modelId="{71940248-4FDA-4D96-9A39-9BCE1AA752DD}" type="presOf" srcId="{512B5851-4D20-436F-A149-7CC370866394}" destId="{AEAD0110-FF99-4697-B796-25890CE39880}" srcOrd="0" destOrd="0" presId="urn:microsoft.com/office/officeart/2005/8/layout/orgChart1"/>
-    <dgm:cxn modelId="{280CDF48-ADBB-47FD-BE10-6787FE6CFA19}" type="presOf" srcId="{E9CAD86E-CB21-46CE-B94B-22D35AC3A8BF}" destId="{C3A3E138-5EB8-42D0-BB9B-5CF8E78410A5}" srcOrd="1" destOrd="0" presId="urn:microsoft.com/office/officeart/2005/8/layout/orgChart1"/>
-    <dgm:cxn modelId="{FBBE684C-7EA9-4192-9F54-917D05DB4B41}" type="presOf" srcId="{627DF427-CD0D-4E70-878D-4AA51C8A005C}" destId="{3050518C-0F47-41E1-9EEA-562169427DA0}" srcOrd="1" destOrd="0" presId="urn:microsoft.com/office/officeart/2005/8/layout/orgChart1"/>
-    <dgm:cxn modelId="{B8DDD66C-0EA2-47BA-BEDD-FDD1EC2EDBDC}" type="presOf" srcId="{E9CAD86E-CB21-46CE-B94B-22D35AC3A8BF}" destId="{21014A0C-7FC5-40B0-B906-E20543D43CA2}" srcOrd="0" destOrd="0" presId="urn:microsoft.com/office/officeart/2005/8/layout/orgChart1"/>
-    <dgm:cxn modelId="{8F28A64D-9339-4D5F-9B10-38937A7B30F7}" type="presOf" srcId="{FD751965-2BDC-438B-947B-D07B08C2B1EB}" destId="{5A39BE46-6F34-4222-95A5-784F3CFF3102}" srcOrd="0" destOrd="0" presId="urn:microsoft.com/office/officeart/2005/8/layout/orgChart1"/>
-    <dgm:cxn modelId="{420AFC4D-1BC0-4617-A369-3A6DB39E9C57}" srcId="{FD751965-2BDC-438B-947B-D07B08C2B1EB}" destId="{065C42A1-F9DA-4035-B731-3CDB539A67E7}" srcOrd="1" destOrd="0" parTransId="{27320119-E80F-4162-8F3A-3CB8909E795C}" sibTransId="{D9D1A045-241A-4511-B621-F52B845D7544}"/>
-    <dgm:cxn modelId="{C40C296E-62A8-4DAF-B59E-C4BE71D4D5C5}" srcId="{FD751965-2BDC-438B-947B-D07B08C2B1EB}" destId="{D7134094-D23B-4867-B1C0-8B467B464B57}" srcOrd="0" destOrd="0" parTransId="{6251823C-0D5B-4272-8B95-4BFB4B26389D}" sibTransId="{2D5FD406-0298-43FD-AB8D-A90374CC4AC6}"/>
-    <dgm:cxn modelId="{07D02971-0785-41B4-B60E-6D3CE1507497}" type="presOf" srcId="{830AFFBF-7265-45F5-BE7A-CAF76103F757}" destId="{5776753B-DC49-435F-995D-2AA14F866BEA}" srcOrd="0" destOrd="0" presId="urn:microsoft.com/office/officeart/2005/8/layout/orgChart1"/>
-    <dgm:cxn modelId="{A6CE5A71-930D-409C-965D-E3EC5910741F}" srcId="{D7134094-D23B-4867-B1C0-8B467B464B57}" destId="{627DF427-CD0D-4E70-878D-4AA51C8A005C}" srcOrd="0" destOrd="0" parTransId="{8A06145A-C8D0-49A6-B1D3-0BBAF37DD652}" sibTransId="{D01C5705-F547-4BB9-846D-3977ED505D59}"/>
-    <dgm:cxn modelId="{13931C75-27B7-411B-AD09-A789B622D1AC}" type="presOf" srcId="{88701BC0-3BC4-4D6E-A745-608E267D8549}" destId="{E4285E3A-DB7A-4B47-9876-F8739183FC7A}" srcOrd="0" destOrd="0" presId="urn:microsoft.com/office/officeart/2005/8/layout/orgChart1"/>
-    <dgm:cxn modelId="{F604C255-42F2-47E5-A7DC-80780BE07DA3}" type="presOf" srcId="{C9FE2CFE-33B3-428A-A71B-F919C91E56A9}" destId="{B44BC3D0-5E73-423E-9FF3-3D41C3E3D1DE}" srcOrd="1" destOrd="0" presId="urn:microsoft.com/office/officeart/2005/8/layout/orgChart1"/>
-    <dgm:cxn modelId="{4590D775-249B-42CC-8F96-DD59B4526917}" type="presOf" srcId="{DE7543DB-7592-4EAD-8AF5-4D870EDC4FEF}" destId="{27DB3943-37A0-4E9E-AD70-035EC189E8B8}" srcOrd="1" destOrd="0" presId="urn:microsoft.com/office/officeart/2005/8/layout/orgChart1"/>
-    <dgm:cxn modelId="{8100F955-8455-41CB-B1D9-6D95AB42DCB4}" srcId="{065C42A1-F9DA-4035-B731-3CDB539A67E7}" destId="{E9CAD86E-CB21-46CE-B94B-22D35AC3A8BF}" srcOrd="2" destOrd="0" parTransId="{5318C7FD-06A4-4388-B613-2F342972AB53}" sibTransId="{230254FA-09E8-470F-8D00-AA06A8F35EBE}"/>
-    <dgm:cxn modelId="{D0E0A956-E2AD-4612-85D3-D7A6A3985D84}" type="presOf" srcId="{7E6144F2-4DD5-477A-91C4-5DC6A2AE156A}" destId="{D3519E94-C413-4BF1-B8EA-1755D9E51015}" srcOrd="1" destOrd="0" presId="urn:microsoft.com/office/officeart/2005/8/layout/orgChart1"/>
-    <dgm:cxn modelId="{3A6FB876-DE9D-47FE-9B55-9C8F37A34A60}" srcId="{065C42A1-F9DA-4035-B731-3CDB539A67E7}" destId="{DE7543DB-7592-4EAD-8AF5-4D870EDC4FEF}" srcOrd="1" destOrd="0" parTransId="{8EDF0F6A-29B5-416B-9345-20D833EBE4C6}" sibTransId="{D800E5EB-88F2-4055-838A-86E57DB0521F}"/>
-    <dgm:cxn modelId="{CDDAED5A-C604-40AF-B5F3-04CB3259FE39}" type="presOf" srcId="{DE7543DB-7592-4EAD-8AF5-4D870EDC4FEF}" destId="{8780EF36-5FF2-42AC-B5DF-0A83BD959276}" srcOrd="0" destOrd="0" presId="urn:microsoft.com/office/officeart/2005/8/layout/orgChart1"/>
-    <dgm:cxn modelId="{B5E03885-0DC8-4DE6-BF8F-45ED21B06B51}" type="presOf" srcId="{6CA09A5E-B8A0-4A71-ADD4-346908CF8A6E}" destId="{F7DE2FBB-2B3A-4552-868C-42F64B9B986F}" srcOrd="0" destOrd="0" presId="urn:microsoft.com/office/officeart/2005/8/layout/orgChart1"/>
-    <dgm:cxn modelId="{CF503B8C-8103-4A18-80D8-ED09CA1B42A7}" srcId="{FD751965-2BDC-438B-947B-D07B08C2B1EB}" destId="{6CA09A5E-B8A0-4A71-ADD4-346908CF8A6E}" srcOrd="2" destOrd="0" parTransId="{74A45DA7-6203-427C-95E6-97496B209C6A}" sibTransId="{3727E362-0704-4530-B65C-D2B207B108AD}"/>
-    <dgm:cxn modelId="{55C5C48D-F2F0-468E-807F-0196A207E3AD}" type="presOf" srcId="{0D73AC28-ACED-48D0-A079-4DA81711ADCB}" destId="{EEA0B25C-A04A-4FF8-894A-419F43B58887}" srcOrd="0" destOrd="0" presId="urn:microsoft.com/office/officeart/2005/8/layout/orgChart1"/>
-    <dgm:cxn modelId="{0F030692-9BE4-4189-95F1-A7595B860FDE}" type="presOf" srcId="{F4571858-FC3A-4093-B8F7-1E141991EFC7}" destId="{93BC48DE-105A-41DD-8BF6-6040C58E9A13}" srcOrd="0" destOrd="0" presId="urn:microsoft.com/office/officeart/2005/8/layout/orgChart1"/>
-    <dgm:cxn modelId="{80753897-E5B5-4ED8-9549-5100AF089CFB}" srcId="{6CA09A5E-B8A0-4A71-ADD4-346908CF8A6E}" destId="{C9FE2CFE-33B3-428A-A71B-F919C91E56A9}" srcOrd="0" destOrd="0" parTransId="{F4571858-FC3A-4093-B8F7-1E141991EFC7}" sibTransId="{A4286B5A-0778-4A0B-A600-F7CDFBC7DE95}"/>
-    <dgm:cxn modelId="{18D742A1-B1A6-4025-81A2-142C4288915F}" type="presOf" srcId="{627DF427-CD0D-4E70-878D-4AA51C8A005C}" destId="{58F8D231-E10A-4891-BA3A-DF6162AC1084}" srcOrd="0" destOrd="0" presId="urn:microsoft.com/office/officeart/2005/8/layout/orgChart1"/>
-    <dgm:cxn modelId="{82A6D5AC-85AE-4542-826F-42ACD31DCC6A}" type="presOf" srcId="{74A45DA7-6203-427C-95E6-97496B209C6A}" destId="{A1DE884E-05B8-4BDA-8B97-EB107522A13B}" srcOrd="0" destOrd="0" presId="urn:microsoft.com/office/officeart/2005/8/layout/orgChart1"/>
-    <dgm:cxn modelId="{EE6BD4B1-B6C3-4800-97C3-DCDE512D8AA7}" type="presOf" srcId="{D7134094-D23B-4867-B1C0-8B467B464B57}" destId="{7A8C1E97-CAEA-4C10-A3BA-F2C556BACFE7}" srcOrd="0" destOrd="0" presId="urn:microsoft.com/office/officeart/2005/8/layout/orgChart1"/>
-    <dgm:cxn modelId="{6EEA26B3-5CC6-4EDA-B300-D8D717AEDED6}" srcId="{822A8367-F08A-4A9E-B6EE-8B49DD314881}" destId="{FD751965-2BDC-438B-947B-D07B08C2B1EB}" srcOrd="0" destOrd="0" parTransId="{D4881C79-E3A6-4A11-A561-16944FDA7E3D}" sibTransId="{12EFC5DB-9CDD-4F3B-A3AC-272CAF5B3C58}"/>
-    <dgm:cxn modelId="{0B311FB8-AA63-442B-857E-8CBD33C17462}" type="presOf" srcId="{F76FE35E-0007-412A-BB13-57DA750A5E9C}" destId="{EB26E828-0942-4AD7-8883-5E2E6C40E665}" srcOrd="1" destOrd="0" presId="urn:microsoft.com/office/officeart/2005/8/layout/orgChart1"/>
-    <dgm:cxn modelId="{894940BC-498F-4238-B8A1-AE9C0500231A}" type="presOf" srcId="{27320119-E80F-4162-8F3A-3CB8909E795C}" destId="{F87E183A-7BB0-4B2A-A2A7-CBA8E8BFBD21}" srcOrd="0" destOrd="0" presId="urn:microsoft.com/office/officeart/2005/8/layout/orgChart1"/>
-    <dgm:cxn modelId="{FEDC69C4-9CF1-4AE5-8DBF-E139381DF2A5}" type="presOf" srcId="{0D73AC28-ACED-48D0-A079-4DA81711ADCB}" destId="{8137936B-7370-45A3-A6F4-D3CC008BC629}" srcOrd="1" destOrd="0" presId="urn:microsoft.com/office/officeart/2005/8/layout/orgChart1"/>
-    <dgm:cxn modelId="{6FBF46CE-2BB0-4D7D-8957-4D08134DA5B9}" type="presOf" srcId="{6251823C-0D5B-4272-8B95-4BFB4B26389D}" destId="{264D0045-93E4-47DA-A38A-DCD39CDED102}" srcOrd="0" destOrd="0" presId="urn:microsoft.com/office/officeart/2005/8/layout/orgChart1"/>
-    <dgm:cxn modelId="{AB65EFD7-06A7-4ED8-8A8C-92E3A9AD6B3A}" type="presOf" srcId="{F76FE35E-0007-412A-BB13-57DA750A5E9C}" destId="{88997EF4-2904-47BD-A092-4DD3D6084653}" srcOrd="0" destOrd="0" presId="urn:microsoft.com/office/officeart/2005/8/layout/orgChart1"/>
-    <dgm:cxn modelId="{9A2777D9-9329-4992-93ED-6EC474B6B523}" type="presOf" srcId="{88701BC0-3BC4-4D6E-A745-608E267D8549}" destId="{C0B8DD2D-5460-4E33-89E1-5D3026ACFDC9}" srcOrd="1" destOrd="0" presId="urn:microsoft.com/office/officeart/2005/8/layout/orgChart1"/>
-    <dgm:cxn modelId="{3F4CC6DB-4B67-4192-84E1-7923AC888870}" type="presOf" srcId="{065C42A1-F9DA-4035-B731-3CDB539A67E7}" destId="{3C742D52-E814-4314-AE86-D431494B2FD6}" srcOrd="0" destOrd="0" presId="urn:microsoft.com/office/officeart/2005/8/layout/orgChart1"/>
-    <dgm:cxn modelId="{9AAEAEE3-2FEE-4FB3-9433-C9290E6BF1CA}" type="presOf" srcId="{7E6144F2-4DD5-477A-91C4-5DC6A2AE156A}" destId="{FAF4249F-74CB-4177-B266-42B3F35A48EF}" srcOrd="0" destOrd="0" presId="urn:microsoft.com/office/officeart/2005/8/layout/orgChart1"/>
-    <dgm:cxn modelId="{55E599ED-6794-471D-9079-232BDDABA128}" type="presOf" srcId="{03092E38-7CE8-4281-AACE-C88713121475}" destId="{D686A4DD-0432-408F-BE4B-506D71F04291}" srcOrd="0" destOrd="0" presId="urn:microsoft.com/office/officeart/2005/8/layout/orgChart1"/>
-    <dgm:cxn modelId="{928EF1F6-484D-43AB-96E4-592900A87BF2}" type="presOf" srcId="{6CA09A5E-B8A0-4A71-ADD4-346908CF8A6E}" destId="{833ADFAF-9E72-4045-B33C-ECE4CF3FA42D}" srcOrd="1" destOrd="0" presId="urn:microsoft.com/office/officeart/2005/8/layout/orgChart1"/>
-    <dgm:cxn modelId="{7EF905FA-FA8D-4CB1-8D9B-263AA0F7EC1F}" type="presOf" srcId="{512B5851-4D20-436F-A149-7CC370866394}" destId="{1EEBB9B4-0545-45CE-99FE-2B3C1DCB29A3}" srcOrd="1" destOrd="0" presId="urn:microsoft.com/office/officeart/2005/8/layout/orgChart1"/>
-    <dgm:cxn modelId="{CF276AFA-B95F-44A5-B28D-E4E028B24262}" type="presOf" srcId="{822A8367-F08A-4A9E-B6EE-8B49DD314881}" destId="{820C8BCB-CB0D-4B2B-A2A1-6529BE6B777B}" srcOrd="0" destOrd="0" presId="urn:microsoft.com/office/officeart/2005/8/layout/orgChart1"/>
-    <dgm:cxn modelId="{688548FF-6AC3-4B8A-BE0F-C655EE4339FC}" type="presOf" srcId="{FD751965-2BDC-438B-947B-D07B08C2B1EB}" destId="{B2855A30-360C-47D4-9654-10E3DF27B6CF}" srcOrd="1" destOrd="0" presId="urn:microsoft.com/office/officeart/2005/8/layout/orgChart1"/>
-    <dgm:cxn modelId="{0D2BF8FF-27A3-40FD-BD35-890425A52DD5}" srcId="{88701BC0-3BC4-4D6E-A745-608E267D8549}" destId="{512B5851-4D20-436F-A149-7CC370866394}" srcOrd="2" destOrd="0" parTransId="{87B2436D-3DC2-4117-A31C-771DC7AA57DB}" sibTransId="{43FD5A31-1690-4F5A-AE1E-A0A4CEED32C5}"/>
-    <dgm:cxn modelId="{C6599321-2190-4417-9CC1-CF034FDB213A}" type="presParOf" srcId="{820C8BCB-CB0D-4B2B-A2A1-6529BE6B777B}" destId="{8AC159B6-ACBE-45C7-B5BD-856E7FF1547A}" srcOrd="0" destOrd="0" presId="urn:microsoft.com/office/officeart/2005/8/layout/orgChart1"/>
-    <dgm:cxn modelId="{A44C2431-D844-4294-9842-4A48B7662FD7}" type="presParOf" srcId="{8AC159B6-ACBE-45C7-B5BD-856E7FF1547A}" destId="{7243BD77-DD01-4D35-9163-00750BE4F3FC}" srcOrd="0" destOrd="0" presId="urn:microsoft.com/office/officeart/2005/8/layout/orgChart1"/>
-    <dgm:cxn modelId="{C084884C-21C9-4443-B94E-B5BB33F9B8E6}" type="presParOf" srcId="{7243BD77-DD01-4D35-9163-00750BE4F3FC}" destId="{5A39BE46-6F34-4222-95A5-784F3CFF3102}" srcOrd="0" destOrd="0" presId="urn:microsoft.com/office/officeart/2005/8/layout/orgChart1"/>
-    <dgm:cxn modelId="{7B1F8410-4562-412F-A591-A08E80F22B9B}" type="presParOf" srcId="{7243BD77-DD01-4D35-9163-00750BE4F3FC}" destId="{B2855A30-360C-47D4-9654-10E3DF27B6CF}" srcOrd="1" destOrd="0" presId="urn:microsoft.com/office/officeart/2005/8/layout/orgChart1"/>
-    <dgm:cxn modelId="{5AA27465-D2DF-46E5-B41B-8B7E839ED73C}" type="presParOf" srcId="{8AC159B6-ACBE-45C7-B5BD-856E7FF1547A}" destId="{24611BE9-483D-472C-BD40-F21D021997FF}" srcOrd="1" destOrd="0" presId="urn:microsoft.com/office/officeart/2005/8/layout/orgChart1"/>
-    <dgm:cxn modelId="{E3D3C779-F5A5-408C-9ECD-B4F6EE9FCEB5}" type="presParOf" srcId="{24611BE9-483D-472C-BD40-F21D021997FF}" destId="{264D0045-93E4-47DA-A38A-DCD39CDED102}" srcOrd="0" destOrd="0" presId="urn:microsoft.com/office/officeart/2005/8/layout/orgChart1"/>
-    <dgm:cxn modelId="{2A1F40B1-1E00-4BA9-A65D-63505AE7A963}" type="presParOf" srcId="{24611BE9-483D-472C-BD40-F21D021997FF}" destId="{2984EB87-602A-4DC0-A823-FD478059F14B}" srcOrd="1" destOrd="0" presId="urn:microsoft.com/office/officeart/2005/8/layout/orgChart1"/>
-    <dgm:cxn modelId="{1EDB7BA9-EBAC-440C-8F20-4B74618BE5A5}" type="presParOf" srcId="{2984EB87-602A-4DC0-A823-FD478059F14B}" destId="{662999E0-654C-44CD-BBDF-74DB5D114AF1}" srcOrd="0" destOrd="0" presId="urn:microsoft.com/office/officeart/2005/8/layout/orgChart1"/>
-    <dgm:cxn modelId="{AA73F54D-E3A9-41E5-BF82-78883D79457A}" type="presParOf" srcId="{662999E0-654C-44CD-BBDF-74DB5D114AF1}" destId="{7A8C1E97-CAEA-4C10-A3BA-F2C556BACFE7}" srcOrd="0" destOrd="0" presId="urn:microsoft.com/office/officeart/2005/8/layout/orgChart1"/>
-    <dgm:cxn modelId="{61092F00-D284-4EB4-AC23-AB30941E0C1C}" type="presParOf" srcId="{662999E0-654C-44CD-BBDF-74DB5D114AF1}" destId="{37A92CAB-72B8-4C79-B2CB-E86DAEEDC8C4}" srcOrd="1" destOrd="0" presId="urn:microsoft.com/office/officeart/2005/8/layout/orgChart1"/>
-    <dgm:cxn modelId="{402AA5A4-15AC-4059-B509-3E529B0E1466}" type="presParOf" srcId="{2984EB87-602A-4DC0-A823-FD478059F14B}" destId="{9DC34CED-2A20-4D0A-AF2E-3CE2E8959EE6}" srcOrd="1" destOrd="0" presId="urn:microsoft.com/office/officeart/2005/8/layout/orgChart1"/>
-    <dgm:cxn modelId="{6F5BC5E6-6F4A-47C7-A40F-5BB67A0EC557}" type="presParOf" srcId="{9DC34CED-2A20-4D0A-AF2E-3CE2E8959EE6}" destId="{FC29A3EE-7F43-4509-8DFC-D59B745502B1}" srcOrd="0" destOrd="0" presId="urn:microsoft.com/office/officeart/2005/8/layout/orgChart1"/>
-    <dgm:cxn modelId="{7E896452-5E08-4DB2-98FC-32F3BB905228}" type="presParOf" srcId="{9DC34CED-2A20-4D0A-AF2E-3CE2E8959EE6}" destId="{26A1108C-6627-4609-87E8-A97D535A9031}" srcOrd="1" destOrd="0" presId="urn:microsoft.com/office/officeart/2005/8/layout/orgChart1"/>
-    <dgm:cxn modelId="{F3861B88-B939-4EE6-AE47-DFCBF686A372}" type="presParOf" srcId="{26A1108C-6627-4609-87E8-A97D535A9031}" destId="{3233993E-D6B3-4284-A97D-ABA92CDFE34C}" srcOrd="0" destOrd="0" presId="urn:microsoft.com/office/officeart/2005/8/layout/orgChart1"/>
-    <dgm:cxn modelId="{12A7E5A9-8180-4915-9D16-3E35352532F7}" type="presParOf" srcId="{3233993E-D6B3-4284-A97D-ABA92CDFE34C}" destId="{58F8D231-E10A-4891-BA3A-DF6162AC1084}" srcOrd="0" destOrd="0" presId="urn:microsoft.com/office/officeart/2005/8/layout/orgChart1"/>
-    <dgm:cxn modelId="{CFA375EF-793E-448D-95EB-BA2BF40441F7}" type="presParOf" srcId="{3233993E-D6B3-4284-A97D-ABA92CDFE34C}" destId="{3050518C-0F47-41E1-9EEA-562169427DA0}" srcOrd="1" destOrd="0" presId="urn:microsoft.com/office/officeart/2005/8/layout/orgChart1"/>
-    <dgm:cxn modelId="{D70388D9-0F5F-41F9-8EEA-DE5299E54857}" type="presParOf" srcId="{26A1108C-6627-4609-87E8-A97D535A9031}" destId="{E07C6937-2954-4B05-B110-CF5627639A9E}" srcOrd="1" destOrd="0" presId="urn:microsoft.com/office/officeart/2005/8/layout/orgChart1"/>
-    <dgm:cxn modelId="{7D398509-4622-4B85-A0E2-DDEAB79D3D05}" type="presParOf" srcId="{26A1108C-6627-4609-87E8-A97D535A9031}" destId="{BA5FEC8A-9A01-4C9E-8D72-73CE910D760E}" srcOrd="2" destOrd="0" presId="urn:microsoft.com/office/officeart/2005/8/layout/orgChart1"/>
-    <dgm:cxn modelId="{C67153E7-5BC4-472E-A0DC-205D7E2DC18D}" type="presParOf" srcId="{2984EB87-602A-4DC0-A823-FD478059F14B}" destId="{7CC7C91D-C99F-4E49-A056-D34A87082114}" srcOrd="2" destOrd="0" presId="urn:microsoft.com/office/officeart/2005/8/layout/orgChart1"/>
-    <dgm:cxn modelId="{55FEDED3-7CAC-4D98-8F9D-113542E2BA7F}" type="presParOf" srcId="{24611BE9-483D-472C-BD40-F21D021997FF}" destId="{F87E183A-7BB0-4B2A-A2A7-CBA8E8BFBD21}" srcOrd="2" destOrd="0" presId="urn:microsoft.com/office/officeart/2005/8/layout/orgChart1"/>
-    <dgm:cxn modelId="{364C296F-31D4-42D3-B508-2700AB33817A}" type="presParOf" srcId="{24611BE9-483D-472C-BD40-F21D021997FF}" destId="{2D403463-579A-4DD2-A2C0-39A7870FB4C5}" srcOrd="3" destOrd="0" presId="urn:microsoft.com/office/officeart/2005/8/layout/orgChart1"/>
-    <dgm:cxn modelId="{4187088D-9339-4328-9009-36A8225F919A}" type="presParOf" srcId="{2D403463-579A-4DD2-A2C0-39A7870FB4C5}" destId="{ADCD8B51-F890-4A94-9462-9589C842B78D}" srcOrd="0" destOrd="0" presId="urn:microsoft.com/office/officeart/2005/8/layout/orgChart1"/>
-    <dgm:cxn modelId="{D444642E-A43A-45ED-B95C-95E8AC418CAB}" type="presParOf" srcId="{ADCD8B51-F890-4A94-9462-9589C842B78D}" destId="{3C742D52-E814-4314-AE86-D431494B2FD6}" srcOrd="0" destOrd="0" presId="urn:microsoft.com/office/officeart/2005/8/layout/orgChart1"/>
-    <dgm:cxn modelId="{8AD0FA72-0DE9-4D4B-8172-4A43890B2DF5}" type="presParOf" srcId="{ADCD8B51-F890-4A94-9462-9589C842B78D}" destId="{BA564F73-3FDB-4C3A-9837-45278937B477}" srcOrd="1" destOrd="0" presId="urn:microsoft.com/office/officeart/2005/8/layout/orgChart1"/>
-    <dgm:cxn modelId="{55FC24E4-FDCB-40FC-869B-8FC2B6B7E3AC}" type="presParOf" srcId="{2D403463-579A-4DD2-A2C0-39A7870FB4C5}" destId="{B33964C7-964E-46CA-8B94-1DDD6C21ED94}" srcOrd="1" destOrd="0" presId="urn:microsoft.com/office/officeart/2005/8/layout/orgChart1"/>
-    <dgm:cxn modelId="{7B4EDCDF-6198-4C51-97EE-77D98C10EF66}" type="presParOf" srcId="{B33964C7-964E-46CA-8B94-1DDD6C21ED94}" destId="{D686A4DD-0432-408F-BE4B-506D71F04291}" srcOrd="0" destOrd="0" presId="urn:microsoft.com/office/officeart/2005/8/layout/orgChart1"/>
-    <dgm:cxn modelId="{A3D9EFD8-A74C-4FEA-B674-5088A62F5FD0}" type="presParOf" srcId="{B33964C7-964E-46CA-8B94-1DDD6C21ED94}" destId="{9D10307E-4BCF-460D-9EE9-C2EFD9AE6BFA}" srcOrd="1" destOrd="0" presId="urn:microsoft.com/office/officeart/2005/8/layout/orgChart1"/>
-    <dgm:cxn modelId="{0D440162-FD75-4879-95F7-0B96B65244C4}" type="presParOf" srcId="{9D10307E-4BCF-460D-9EE9-C2EFD9AE6BFA}" destId="{AAAB48D1-35FC-4D90-AFD9-48023E589FA0}" srcOrd="0" destOrd="0" presId="urn:microsoft.com/office/officeart/2005/8/layout/orgChart1"/>
-    <dgm:cxn modelId="{B5FD429E-224C-4BE1-A573-714A9263E5E7}" type="presParOf" srcId="{AAAB48D1-35FC-4D90-AFD9-48023E589FA0}" destId="{FAF4249F-74CB-4177-B266-42B3F35A48EF}" srcOrd="0" destOrd="0" presId="urn:microsoft.com/office/officeart/2005/8/layout/orgChart1"/>
-    <dgm:cxn modelId="{70CDE7A7-7225-470A-BB4C-C49295E08201}" type="presParOf" srcId="{AAAB48D1-35FC-4D90-AFD9-48023E589FA0}" destId="{D3519E94-C413-4BF1-B8EA-1755D9E51015}" srcOrd="1" destOrd="0" presId="urn:microsoft.com/office/officeart/2005/8/layout/orgChart1"/>
-    <dgm:cxn modelId="{B78A617F-AEC4-4375-960D-7C77B72F2BC1}" type="presParOf" srcId="{9D10307E-4BCF-460D-9EE9-C2EFD9AE6BFA}" destId="{55EF27D3-3FC2-4CDD-A613-B64A5E32049F}" srcOrd="1" destOrd="0" presId="urn:microsoft.com/office/officeart/2005/8/layout/orgChart1"/>
-    <dgm:cxn modelId="{9D834B96-E35B-45F0-BACD-8220D4BC7361}" type="presParOf" srcId="{9D10307E-4BCF-460D-9EE9-C2EFD9AE6BFA}" destId="{B56A1FDD-4E81-4C7C-BAF2-57E75754FBD8}" srcOrd="2" destOrd="0" presId="urn:microsoft.com/office/officeart/2005/8/layout/orgChart1"/>
-    <dgm:cxn modelId="{60481AEB-BECD-4999-BAFC-C7CA64E2B532}" type="presParOf" srcId="{B33964C7-964E-46CA-8B94-1DDD6C21ED94}" destId="{5A91E01C-0B7A-4F13-BC3B-4EE50BCB126E}" srcOrd="2" destOrd="0" presId="urn:microsoft.com/office/officeart/2005/8/layout/orgChart1"/>
-    <dgm:cxn modelId="{87959DCC-8404-4D20-91EE-4CC3A2EB2414}" type="presParOf" srcId="{B33964C7-964E-46CA-8B94-1DDD6C21ED94}" destId="{8BD94E4D-C05B-4B7D-8485-D2E2BB74F37A}" srcOrd="3" destOrd="0" presId="urn:microsoft.com/office/officeart/2005/8/layout/orgChart1"/>
-    <dgm:cxn modelId="{3A99F3A0-67E1-4C3F-9691-924107A38BD0}" type="presParOf" srcId="{8BD94E4D-C05B-4B7D-8485-D2E2BB74F37A}" destId="{1A3619AF-948D-4ACA-85CE-8A4BADA45624}" srcOrd="0" destOrd="0" presId="urn:microsoft.com/office/officeart/2005/8/layout/orgChart1"/>
-    <dgm:cxn modelId="{7224B039-9D2E-4C5F-8F13-E676593E3BDE}" type="presParOf" srcId="{1A3619AF-948D-4ACA-85CE-8A4BADA45624}" destId="{8780EF36-5FF2-42AC-B5DF-0A83BD959276}" srcOrd="0" destOrd="0" presId="urn:microsoft.com/office/officeart/2005/8/layout/orgChart1"/>
-    <dgm:cxn modelId="{17331380-DD9E-47D4-8D97-1D8096681CF1}" type="presParOf" srcId="{1A3619AF-948D-4ACA-85CE-8A4BADA45624}" destId="{27DB3943-37A0-4E9E-AD70-035EC189E8B8}" srcOrd="1" destOrd="0" presId="urn:microsoft.com/office/officeart/2005/8/layout/orgChart1"/>
-    <dgm:cxn modelId="{980FD9C4-5871-4D88-8EB4-F9D89E0CB611}" type="presParOf" srcId="{8BD94E4D-C05B-4B7D-8485-D2E2BB74F37A}" destId="{33C41E20-74CA-47B9-B2F3-790C847B7C0F}" srcOrd="1" destOrd="0" presId="urn:microsoft.com/office/officeart/2005/8/layout/orgChart1"/>
-    <dgm:cxn modelId="{F0AD3ABE-24EC-4997-A342-1DAE6403FC2F}" type="presParOf" srcId="{8BD94E4D-C05B-4B7D-8485-D2E2BB74F37A}" destId="{431C821B-18FA-48D0-BC34-E83B4F66F624}" srcOrd="2" destOrd="0" presId="urn:microsoft.com/office/officeart/2005/8/layout/orgChart1"/>
-    <dgm:cxn modelId="{8C86035A-8F69-49B5-AD0C-EEAEA56E9755}" type="presParOf" srcId="{B33964C7-964E-46CA-8B94-1DDD6C21ED94}" destId="{43DDFD52-ABBA-4B36-9E55-C7B224745957}" srcOrd="4" destOrd="0" presId="urn:microsoft.com/office/officeart/2005/8/layout/orgChart1"/>
-    <dgm:cxn modelId="{58604721-9D29-4366-905D-9DA1111B7827}" type="presParOf" srcId="{B33964C7-964E-46CA-8B94-1DDD6C21ED94}" destId="{D14065F6-BC0E-4C55-A0EA-E71CDB20B8A7}" srcOrd="5" destOrd="0" presId="urn:microsoft.com/office/officeart/2005/8/layout/orgChart1"/>
-    <dgm:cxn modelId="{BA7DC1B2-CFE4-4067-B557-A0A4CB863E78}" type="presParOf" srcId="{D14065F6-BC0E-4C55-A0EA-E71CDB20B8A7}" destId="{204EEF18-0D06-4737-8DC8-6559E3A51C59}" srcOrd="0" destOrd="0" presId="urn:microsoft.com/office/officeart/2005/8/layout/orgChart1"/>
-    <dgm:cxn modelId="{3A623A8B-79B1-47D2-84E0-ED772374B431}" type="presParOf" srcId="{204EEF18-0D06-4737-8DC8-6559E3A51C59}" destId="{21014A0C-7FC5-40B0-B906-E20543D43CA2}" srcOrd="0" destOrd="0" presId="urn:microsoft.com/office/officeart/2005/8/layout/orgChart1"/>
-    <dgm:cxn modelId="{946D7DEF-5DC2-4F6B-9A2B-43BF4418CDD4}" type="presParOf" srcId="{204EEF18-0D06-4737-8DC8-6559E3A51C59}" destId="{C3A3E138-5EB8-42D0-BB9B-5CF8E78410A5}" srcOrd="1" destOrd="0" presId="urn:microsoft.com/office/officeart/2005/8/layout/orgChart1"/>
-    <dgm:cxn modelId="{6CB656F4-827F-43D6-ADD6-0CF5B4C83FCB}" type="presParOf" srcId="{D14065F6-BC0E-4C55-A0EA-E71CDB20B8A7}" destId="{B85AD854-E1E8-4ECE-A957-90FC0BCF3AF4}" srcOrd="1" destOrd="0" presId="urn:microsoft.com/office/officeart/2005/8/layout/orgChart1"/>
-    <dgm:cxn modelId="{FE6A2547-5093-4E96-A50D-8734DA8BCBE7}" type="presParOf" srcId="{D14065F6-BC0E-4C55-A0EA-E71CDB20B8A7}" destId="{E3382F51-BB61-478E-A15B-47D01B16C67C}" srcOrd="2" destOrd="0" presId="urn:microsoft.com/office/officeart/2005/8/layout/orgChart1"/>
-    <dgm:cxn modelId="{F92B876F-9882-41E0-9022-5E114B8E055C}" type="presParOf" srcId="{2D403463-579A-4DD2-A2C0-39A7870FB4C5}" destId="{FF726E40-0A94-4BA6-8EC7-DB378912463F}" srcOrd="2" destOrd="0" presId="urn:microsoft.com/office/officeart/2005/8/layout/orgChart1"/>
-    <dgm:cxn modelId="{83736155-86FC-4AE5-96B1-5BE3C9CE6F17}" type="presParOf" srcId="{24611BE9-483D-472C-BD40-F21D021997FF}" destId="{A1DE884E-05B8-4BDA-8B97-EB107522A13B}" srcOrd="4" destOrd="0" presId="urn:microsoft.com/office/officeart/2005/8/layout/orgChart1"/>
-    <dgm:cxn modelId="{8E5D49A8-11A5-4A24-B1A5-52C3694F329C}" type="presParOf" srcId="{24611BE9-483D-472C-BD40-F21D021997FF}" destId="{F191BDBE-142C-47E2-9354-8844F32E188C}" srcOrd="5" destOrd="0" presId="urn:microsoft.com/office/officeart/2005/8/layout/orgChart1"/>
-    <dgm:cxn modelId="{A74EA2A0-3410-4004-93AF-7C299E9B0347}" type="presParOf" srcId="{F191BDBE-142C-47E2-9354-8844F32E188C}" destId="{84E7BC7C-8A20-4327-9335-CAB66C72CA4B}" srcOrd="0" destOrd="0" presId="urn:microsoft.com/office/officeart/2005/8/layout/orgChart1"/>
-    <dgm:cxn modelId="{44BA2B35-70DE-4C6F-91D5-5C707860199A}" type="presParOf" srcId="{84E7BC7C-8A20-4327-9335-CAB66C72CA4B}" destId="{F7DE2FBB-2B3A-4552-868C-42F64B9B986F}" srcOrd="0" destOrd="0" presId="urn:microsoft.com/office/officeart/2005/8/layout/orgChart1"/>
-    <dgm:cxn modelId="{070860D0-48E5-4934-BB27-CA757ECAA0B1}" type="presParOf" srcId="{84E7BC7C-8A20-4327-9335-CAB66C72CA4B}" destId="{833ADFAF-9E72-4045-B33C-ECE4CF3FA42D}" srcOrd="1" destOrd="0" presId="urn:microsoft.com/office/officeart/2005/8/layout/orgChart1"/>
-    <dgm:cxn modelId="{A1FBC054-60CF-47BC-A315-FBA8451F7057}" type="presParOf" srcId="{F191BDBE-142C-47E2-9354-8844F32E188C}" destId="{DFAFD2E4-F66A-4151-9AFC-CA9182B3F0BC}" srcOrd="1" destOrd="0" presId="urn:microsoft.com/office/officeart/2005/8/layout/orgChart1"/>
-    <dgm:cxn modelId="{FB450637-804D-4715-834C-14CA16DC5142}" type="presParOf" srcId="{DFAFD2E4-F66A-4151-9AFC-CA9182B3F0BC}" destId="{93BC48DE-105A-41DD-8BF6-6040C58E9A13}" srcOrd="0" destOrd="0" presId="urn:microsoft.com/office/officeart/2005/8/layout/orgChart1"/>
-    <dgm:cxn modelId="{513987D1-63A4-4559-9E62-4BD16197F2E9}" type="presParOf" srcId="{DFAFD2E4-F66A-4151-9AFC-CA9182B3F0BC}" destId="{6DDEA65B-5ED7-4676-8323-CE36C098682B}" srcOrd="1" destOrd="0" presId="urn:microsoft.com/office/officeart/2005/8/layout/orgChart1"/>
-    <dgm:cxn modelId="{1BA81FF2-F89A-4257-899D-ECCE1A6CD492}" type="presParOf" srcId="{6DDEA65B-5ED7-4676-8323-CE36C098682B}" destId="{5B631370-FEF1-4C4A-AD37-5908FE7D56A4}" srcOrd="0" destOrd="0" presId="urn:microsoft.com/office/officeart/2005/8/layout/orgChart1"/>
-    <dgm:cxn modelId="{3077F797-B065-4C29-8DF9-7DF59DC3BF61}" type="presParOf" srcId="{5B631370-FEF1-4C4A-AD37-5908FE7D56A4}" destId="{3325CEB1-74F3-47EA-9103-89A74C3BFD21}" srcOrd="0" destOrd="0" presId="urn:microsoft.com/office/officeart/2005/8/layout/orgChart1"/>
-    <dgm:cxn modelId="{3E16610D-3DB9-43F0-8D6E-414439B02328}" type="presParOf" srcId="{5B631370-FEF1-4C4A-AD37-5908FE7D56A4}" destId="{B44BC3D0-5E73-423E-9FF3-3D41C3E3D1DE}" srcOrd="1" destOrd="0" presId="urn:microsoft.com/office/officeart/2005/8/layout/orgChart1"/>
-    <dgm:cxn modelId="{01FA845C-C220-4356-AAF6-92D7A9AC15DC}" type="presParOf" srcId="{6DDEA65B-5ED7-4676-8323-CE36C098682B}" destId="{7511CDE9-404A-4066-B1F7-E9641939160E}" srcOrd="1" destOrd="0" presId="urn:microsoft.com/office/officeart/2005/8/layout/orgChart1"/>
-    <dgm:cxn modelId="{38389BEF-91CC-45A6-983E-D0E1729EE7E6}" type="presParOf" srcId="{6DDEA65B-5ED7-4676-8323-CE36C098682B}" destId="{1FDD4D03-C8B2-4D77-9410-BF1DCFF1803F}" srcOrd="2" destOrd="0" presId="urn:microsoft.com/office/officeart/2005/8/layout/orgChart1"/>
-    <dgm:cxn modelId="{033C9876-D41B-49F3-A9CC-EB7ED7EF2791}" type="presParOf" srcId="{F191BDBE-142C-47E2-9354-8844F32E188C}" destId="{099E988A-2C97-4B78-827F-052DFB20565D}" srcOrd="2" destOrd="0" presId="urn:microsoft.com/office/officeart/2005/8/layout/orgChart1"/>
-    <dgm:cxn modelId="{BF47278B-D752-443E-8452-3CC55B1FEE33}" type="presParOf" srcId="{24611BE9-483D-472C-BD40-F21D021997FF}" destId="{AE85C9AC-A96D-453C-B30C-912E36B3230A}" srcOrd="6" destOrd="0" presId="urn:microsoft.com/office/officeart/2005/8/layout/orgChart1"/>
-    <dgm:cxn modelId="{C5495CB4-74C8-4051-9021-FFD590BEC0EF}" type="presParOf" srcId="{24611BE9-483D-472C-BD40-F21D021997FF}" destId="{E245E270-5D78-4AD0-B292-4FB6E38D7AA4}" srcOrd="7" destOrd="0" presId="urn:microsoft.com/office/officeart/2005/8/layout/orgChart1"/>
-    <dgm:cxn modelId="{DD7AC3BA-26CD-43AC-A85F-F110DB3B014C}" type="presParOf" srcId="{E245E270-5D78-4AD0-B292-4FB6E38D7AA4}" destId="{3789BC93-96EE-4F4C-BF12-FD5715AEA5F3}" srcOrd="0" destOrd="0" presId="urn:microsoft.com/office/officeart/2005/8/layout/orgChart1"/>
-    <dgm:cxn modelId="{4716C918-0BE1-4226-8C0D-27DE7CE6A7ED}" type="presParOf" srcId="{3789BC93-96EE-4F4C-BF12-FD5715AEA5F3}" destId="{E4285E3A-DB7A-4B47-9876-F8739183FC7A}" srcOrd="0" destOrd="0" presId="urn:microsoft.com/office/officeart/2005/8/layout/orgChart1"/>
-    <dgm:cxn modelId="{B1A39EB0-5F64-44E5-8DB6-BDC19C22289A}" type="presParOf" srcId="{3789BC93-96EE-4F4C-BF12-FD5715AEA5F3}" destId="{C0B8DD2D-5460-4E33-89E1-5D3026ACFDC9}" srcOrd="1" destOrd="0" presId="urn:microsoft.com/office/officeart/2005/8/layout/orgChart1"/>
-    <dgm:cxn modelId="{AFBECC8F-81B4-467F-989E-A14C4AF16A8F}" type="presParOf" srcId="{E245E270-5D78-4AD0-B292-4FB6E38D7AA4}" destId="{0EDC8715-9A38-49BD-9760-5FB3BFF47A1B}" srcOrd="1" destOrd="0" presId="urn:microsoft.com/office/officeart/2005/8/layout/orgChart1"/>
-    <dgm:cxn modelId="{8B923A3D-88B7-4375-84F9-A6DFE2DB4120}" type="presParOf" srcId="{0EDC8715-9A38-49BD-9760-5FB3BFF47A1B}" destId="{5776753B-DC49-435F-995D-2AA14F866BEA}" srcOrd="0" destOrd="0" presId="urn:microsoft.com/office/officeart/2005/8/layout/orgChart1"/>
-    <dgm:cxn modelId="{89E91A86-027C-4423-BBA6-6F12A971AC2E}" type="presParOf" srcId="{0EDC8715-9A38-49BD-9760-5FB3BFF47A1B}" destId="{67ED27F1-E98F-4FE6-A87C-304BFF5F3C9A}" srcOrd="1" destOrd="0" presId="urn:microsoft.com/office/officeart/2005/8/layout/orgChart1"/>
-    <dgm:cxn modelId="{C6EE1D51-C004-4182-843E-225CE98CA65A}" type="presParOf" srcId="{67ED27F1-E98F-4FE6-A87C-304BFF5F3C9A}" destId="{17A4F2E3-5058-4CEE-9F17-55A648D603CA}" srcOrd="0" destOrd="0" presId="urn:microsoft.com/office/officeart/2005/8/layout/orgChart1"/>
-    <dgm:cxn modelId="{279ACD0B-C505-4A19-A5A1-9BE1FAE5B550}" type="presParOf" srcId="{17A4F2E3-5058-4CEE-9F17-55A648D603CA}" destId="{88997EF4-2904-47BD-A092-4DD3D6084653}" srcOrd="0" destOrd="0" presId="urn:microsoft.com/office/officeart/2005/8/layout/orgChart1"/>
-    <dgm:cxn modelId="{2CFDFE4E-802A-4480-ACC5-2619AD79B994}" type="presParOf" srcId="{17A4F2E3-5058-4CEE-9F17-55A648D603CA}" destId="{EB26E828-0942-4AD7-8883-5E2E6C40E665}" srcOrd="1" destOrd="0" presId="urn:microsoft.com/office/officeart/2005/8/layout/orgChart1"/>
-    <dgm:cxn modelId="{7F03849A-27D4-4858-889D-5D04AC4FB4D9}" type="presParOf" srcId="{67ED27F1-E98F-4FE6-A87C-304BFF5F3C9A}" destId="{0BA4BBE3-AA88-4D0F-91B6-5F3C64F20B43}" srcOrd="1" destOrd="0" presId="urn:microsoft.com/office/officeart/2005/8/layout/orgChart1"/>
-    <dgm:cxn modelId="{5A177792-BF28-4568-9A23-9B2B0E8A876F}" type="presParOf" srcId="{67ED27F1-E98F-4FE6-A87C-304BFF5F3C9A}" destId="{0B70F82F-E8B5-4459-BD31-A561299F12D5}" srcOrd="2" destOrd="0" presId="urn:microsoft.com/office/officeart/2005/8/layout/orgChart1"/>
-    <dgm:cxn modelId="{BAE0E906-EB2D-4888-B8E4-F961EEB4CBC2}" type="presParOf" srcId="{0EDC8715-9A38-49BD-9760-5FB3BFF47A1B}" destId="{44FBA387-EEBB-4BF5-8D3B-608998B9E7FD}" srcOrd="2" destOrd="0" presId="urn:microsoft.com/office/officeart/2005/8/layout/orgChart1"/>
-    <dgm:cxn modelId="{D1A93677-E9F8-4E64-B6DF-BD10006E63D3}" type="presParOf" srcId="{0EDC8715-9A38-49BD-9760-5FB3BFF47A1B}" destId="{82E280E3-1EB5-4ADE-995A-E22FFEAF5BA1}" srcOrd="3" destOrd="0" presId="urn:microsoft.com/office/officeart/2005/8/layout/orgChart1"/>
-    <dgm:cxn modelId="{62E10ADB-DC12-4132-BD59-B53040F444E3}" type="presParOf" srcId="{82E280E3-1EB5-4ADE-995A-E22FFEAF5BA1}" destId="{EC74CCD5-F866-4AA7-87DB-470CA5AAEF86}" srcOrd="0" destOrd="0" presId="urn:microsoft.com/office/officeart/2005/8/layout/orgChart1"/>
-    <dgm:cxn modelId="{D41F9344-6F2E-4128-A0E6-183F919FBACA}" type="presParOf" srcId="{EC74CCD5-F866-4AA7-87DB-470CA5AAEF86}" destId="{EEA0B25C-A04A-4FF8-894A-419F43B58887}" srcOrd="0" destOrd="0" presId="urn:microsoft.com/office/officeart/2005/8/layout/orgChart1"/>
-    <dgm:cxn modelId="{6D811203-B5B1-4A30-8776-3FA5F42DF563}" type="presParOf" srcId="{EC74CCD5-F866-4AA7-87DB-470CA5AAEF86}" destId="{8137936B-7370-45A3-A6F4-D3CC008BC629}" srcOrd="1" destOrd="0" presId="urn:microsoft.com/office/officeart/2005/8/layout/orgChart1"/>
-    <dgm:cxn modelId="{DAC7D32D-5001-4CF2-9D05-ADC0E2348088}" type="presParOf" srcId="{82E280E3-1EB5-4ADE-995A-E22FFEAF5BA1}" destId="{D4420624-D02B-4DE9-8B97-5E33323BA787}" srcOrd="1" destOrd="0" presId="urn:microsoft.com/office/officeart/2005/8/layout/orgChart1"/>
-    <dgm:cxn modelId="{3FD5996E-B21C-4A08-973F-9AB4EE5076B0}" type="presParOf" srcId="{82E280E3-1EB5-4ADE-995A-E22FFEAF5BA1}" destId="{221093CC-9643-45AE-B96B-4608F28BC368}" srcOrd="2" destOrd="0" presId="urn:microsoft.com/office/officeart/2005/8/layout/orgChart1"/>
-    <dgm:cxn modelId="{05D3037A-8A29-420D-8925-AED17FDFA01B}" type="presParOf" srcId="{0EDC8715-9A38-49BD-9760-5FB3BFF47A1B}" destId="{DEE13216-85AE-4378-85FD-4F9CF1B8E0AF}" srcOrd="4" destOrd="0" presId="urn:microsoft.com/office/officeart/2005/8/layout/orgChart1"/>
-    <dgm:cxn modelId="{ED5A0218-424F-4585-9BDA-D2DC7E682A07}" type="presParOf" srcId="{0EDC8715-9A38-49BD-9760-5FB3BFF47A1B}" destId="{0AFD943C-DD45-459C-AE62-15BD24253139}" srcOrd="5" destOrd="0" presId="urn:microsoft.com/office/officeart/2005/8/layout/orgChart1"/>
-    <dgm:cxn modelId="{C10A1CEE-0D05-42D6-9D5C-BD0B6F680892}" type="presParOf" srcId="{0AFD943C-DD45-459C-AE62-15BD24253139}" destId="{0AFB9BC3-0823-4E2D-9E35-B3DAB78E6BFE}" srcOrd="0" destOrd="0" presId="urn:microsoft.com/office/officeart/2005/8/layout/orgChart1"/>
-    <dgm:cxn modelId="{BD5B29A6-0C3C-4F81-8EA8-1FE3312D407D}" type="presParOf" srcId="{0AFB9BC3-0823-4E2D-9E35-B3DAB78E6BFE}" destId="{AEAD0110-FF99-4697-B796-25890CE39880}" srcOrd="0" destOrd="0" presId="urn:microsoft.com/office/officeart/2005/8/layout/orgChart1"/>
-    <dgm:cxn modelId="{C19CB7DB-D7C7-4231-831D-79587AA01F46}" type="presParOf" srcId="{0AFB9BC3-0823-4E2D-9E35-B3DAB78E6BFE}" destId="{1EEBB9B4-0545-45CE-99FE-2B3C1DCB29A3}" srcOrd="1" destOrd="0" presId="urn:microsoft.com/office/officeart/2005/8/layout/orgChart1"/>
-    <dgm:cxn modelId="{35EE4324-4F90-48F3-80A2-7268296CF9F3}" type="presParOf" srcId="{0AFD943C-DD45-459C-AE62-15BD24253139}" destId="{EB3548A1-CC8B-4DC3-B951-06C1486A2BCA}" srcOrd="1" destOrd="0" presId="urn:microsoft.com/office/officeart/2005/8/layout/orgChart1"/>
-    <dgm:cxn modelId="{A98D0B28-89C7-408B-AE91-29C21D0FC6DD}" type="presParOf" srcId="{0AFD943C-DD45-459C-AE62-15BD24253139}" destId="{5478BFDF-E4A3-4855-AD4D-688D9F36E100}" srcOrd="2" destOrd="0" presId="urn:microsoft.com/office/officeart/2005/8/layout/orgChart1"/>
-    <dgm:cxn modelId="{4455DC13-4DEE-423A-8023-436D08A669FD}" type="presParOf" srcId="{E245E270-5D78-4AD0-B292-4FB6E38D7AA4}" destId="{9E1B5E60-2B2C-4EA5-95B9-CA873997E2DB}" srcOrd="2" destOrd="0" presId="urn:microsoft.com/office/officeart/2005/8/layout/orgChart1"/>
-    <dgm:cxn modelId="{4F26A7EC-1CA5-4071-A593-98112D348174}" type="presParOf" srcId="{8AC159B6-ACBE-45C7-B5BD-856E7FF1547A}" destId="{5B9DE34F-A3FC-4D89-BE89-746EDAA6698F}" srcOrd="2" destOrd="0" presId="urn:microsoft.com/office/officeart/2005/8/layout/orgChart1"/>
+    <dgm:cxn modelId="{9B85BB96-ABCA-438B-B806-B12B0BE37992}" type="presOf" srcId="{C9FE2CFE-33B3-428A-A71B-F919C91E56A9}" destId="{3325CEB1-74F3-47EA-9103-89A74C3BFD21}" srcOrd="0" destOrd="0" presId="urn:microsoft.com/office/officeart/2005/8/layout/orgChart1"/>
+    <dgm:cxn modelId="{3737502D-4729-4F15-B787-E11861723776}" type="presOf" srcId="{F4571858-FC3A-4093-B8F7-1E141991EFC7}" destId="{93BC48DE-105A-41DD-8BF6-6040C58E9A13}" srcOrd="0" destOrd="0" presId="urn:microsoft.com/office/officeart/2005/8/layout/orgChart1"/>
+    <dgm:cxn modelId="{85B1CDCA-ACF1-4C13-8761-03100F385F43}" type="presOf" srcId="{C9FE2CFE-33B3-428A-A71B-F919C91E56A9}" destId="{B44BC3D0-5E73-423E-9FF3-3D41C3E3D1DE}" srcOrd="1" destOrd="0" presId="urn:microsoft.com/office/officeart/2005/8/layout/orgChart1"/>
+    <dgm:cxn modelId="{378B0F4F-9DAF-4BC1-AB08-8240ED6107B7}" type="presOf" srcId="{6701841D-B29D-4F43-A04A-C0F448C8EE4B}" destId="{AE85C9AC-A96D-453C-B30C-912E36B3230A}" srcOrd="0" destOrd="0" presId="urn:microsoft.com/office/officeart/2005/8/layout/orgChart1"/>
+    <dgm:cxn modelId="{07959DAD-67FF-4BF3-913B-EE85590EB5E0}" type="presOf" srcId="{627DF427-CD0D-4E70-878D-4AA51C8A005C}" destId="{3050518C-0F47-41E1-9EEA-562169427DA0}" srcOrd="1" destOrd="0" presId="urn:microsoft.com/office/officeart/2005/8/layout/orgChart1"/>
+    <dgm:cxn modelId="{2D798BFF-4969-414F-84F7-3FA762FE1305}" type="presParOf" srcId="{820C8BCB-CB0D-4B2B-A2A1-6529BE6B777B}" destId="{8AC159B6-ACBE-45C7-B5BD-856E7FF1547A}" srcOrd="0" destOrd="0" presId="urn:microsoft.com/office/officeart/2005/8/layout/orgChart1"/>
+    <dgm:cxn modelId="{1FCE4CC1-1F02-461F-9C05-A734C2138572}" type="presParOf" srcId="{8AC159B6-ACBE-45C7-B5BD-856E7FF1547A}" destId="{7243BD77-DD01-4D35-9163-00750BE4F3FC}" srcOrd="0" destOrd="0" presId="urn:microsoft.com/office/officeart/2005/8/layout/orgChart1"/>
+    <dgm:cxn modelId="{D5036D54-CBF8-4E7C-B8C2-6B8B4A5FCB5E}" type="presParOf" srcId="{7243BD77-DD01-4D35-9163-00750BE4F3FC}" destId="{5A39BE46-6F34-4222-95A5-784F3CFF3102}" srcOrd="0" destOrd="0" presId="urn:microsoft.com/office/officeart/2005/8/layout/orgChart1"/>
+    <dgm:cxn modelId="{062AF81B-4ACB-4B1C-8EF4-1B6921C1D860}" type="presParOf" srcId="{7243BD77-DD01-4D35-9163-00750BE4F3FC}" destId="{B2855A30-360C-47D4-9654-10E3DF27B6CF}" srcOrd="1" destOrd="0" presId="urn:microsoft.com/office/officeart/2005/8/layout/orgChart1"/>
+    <dgm:cxn modelId="{A63C2988-9A15-4F23-A907-ACB205A30E03}" type="presParOf" srcId="{8AC159B6-ACBE-45C7-B5BD-856E7FF1547A}" destId="{24611BE9-483D-472C-BD40-F21D021997FF}" srcOrd="1" destOrd="0" presId="urn:microsoft.com/office/officeart/2005/8/layout/orgChart1"/>
+    <dgm:cxn modelId="{7672887D-1336-42DB-9B9C-FF9E0B892B9F}" type="presParOf" srcId="{24611BE9-483D-472C-BD40-F21D021997FF}" destId="{264D0045-93E4-47DA-A38A-DCD39CDED102}" srcOrd="0" destOrd="0" presId="urn:microsoft.com/office/officeart/2005/8/layout/orgChart1"/>
+    <dgm:cxn modelId="{3E418B8C-B2B8-42F8-9EFF-E0AE4FAD138E}" type="presParOf" srcId="{24611BE9-483D-472C-BD40-F21D021997FF}" destId="{2984EB87-602A-4DC0-A823-FD478059F14B}" srcOrd="1" destOrd="0" presId="urn:microsoft.com/office/officeart/2005/8/layout/orgChart1"/>
+    <dgm:cxn modelId="{CBA704BB-4BA9-40AA-A2B5-6A424DF11067}" type="presParOf" srcId="{2984EB87-602A-4DC0-A823-FD478059F14B}" destId="{662999E0-654C-44CD-BBDF-74DB5D114AF1}" srcOrd="0" destOrd="0" presId="urn:microsoft.com/office/officeart/2005/8/layout/orgChart1"/>
+    <dgm:cxn modelId="{71770E06-E0EB-4DF1-9A81-7CE5621391B1}" type="presParOf" srcId="{662999E0-654C-44CD-BBDF-74DB5D114AF1}" destId="{7A8C1E97-CAEA-4C10-A3BA-F2C556BACFE7}" srcOrd="0" destOrd="0" presId="urn:microsoft.com/office/officeart/2005/8/layout/orgChart1"/>
+    <dgm:cxn modelId="{BBCF0DE1-45DC-4FE2-946A-7F3D3D7EF4D7}" type="presParOf" srcId="{662999E0-654C-44CD-BBDF-74DB5D114AF1}" destId="{37A92CAB-72B8-4C79-B2CB-E86DAEEDC8C4}" srcOrd="1" destOrd="0" presId="urn:microsoft.com/office/officeart/2005/8/layout/orgChart1"/>
+    <dgm:cxn modelId="{1DB280F9-FD2C-4270-BCF1-D871FF7F822F}" type="presParOf" srcId="{2984EB87-602A-4DC0-A823-FD478059F14B}" destId="{9DC34CED-2A20-4D0A-AF2E-3CE2E8959EE6}" srcOrd="1" destOrd="0" presId="urn:microsoft.com/office/officeart/2005/8/layout/orgChart1"/>
+    <dgm:cxn modelId="{84523191-6B26-49E7-8853-587F083FA85A}" type="presParOf" srcId="{9DC34CED-2A20-4D0A-AF2E-3CE2E8959EE6}" destId="{FC29A3EE-7F43-4509-8DFC-D59B745502B1}" srcOrd="0" destOrd="0" presId="urn:microsoft.com/office/officeart/2005/8/layout/orgChart1"/>
+    <dgm:cxn modelId="{21C85294-2304-4D67-8E0D-2653B3059A38}" type="presParOf" srcId="{9DC34CED-2A20-4D0A-AF2E-3CE2E8959EE6}" destId="{26A1108C-6627-4609-87E8-A97D535A9031}" srcOrd="1" destOrd="0" presId="urn:microsoft.com/office/officeart/2005/8/layout/orgChart1"/>
+    <dgm:cxn modelId="{2D71184A-CD6B-45C3-9593-9FBB76A5F7B0}" type="presParOf" srcId="{26A1108C-6627-4609-87E8-A97D535A9031}" destId="{3233993E-D6B3-4284-A97D-ABA92CDFE34C}" srcOrd="0" destOrd="0" presId="urn:microsoft.com/office/officeart/2005/8/layout/orgChart1"/>
+    <dgm:cxn modelId="{30C8F26F-C369-4C05-AE57-02F9E55E524D}" type="presParOf" srcId="{3233993E-D6B3-4284-A97D-ABA92CDFE34C}" destId="{58F8D231-E10A-4891-BA3A-DF6162AC1084}" srcOrd="0" destOrd="0" presId="urn:microsoft.com/office/officeart/2005/8/layout/orgChart1"/>
+    <dgm:cxn modelId="{79E67905-5A75-4FD3-B20B-D944BBC88668}" type="presParOf" srcId="{3233993E-D6B3-4284-A97D-ABA92CDFE34C}" destId="{3050518C-0F47-41E1-9EEA-562169427DA0}" srcOrd="1" destOrd="0" presId="urn:microsoft.com/office/officeart/2005/8/layout/orgChart1"/>
+    <dgm:cxn modelId="{DE768C34-7F66-498A-9DA2-CF70972C7E9E}" type="presParOf" srcId="{26A1108C-6627-4609-87E8-A97D535A9031}" destId="{E07C6937-2954-4B05-B110-CF5627639A9E}" srcOrd="1" destOrd="0" presId="urn:microsoft.com/office/officeart/2005/8/layout/orgChart1"/>
+    <dgm:cxn modelId="{7ACFF7E8-191E-4411-9D4B-FAE4CB7BE177}" type="presParOf" srcId="{26A1108C-6627-4609-87E8-A97D535A9031}" destId="{BA5FEC8A-9A01-4C9E-8D72-73CE910D760E}" srcOrd="2" destOrd="0" presId="urn:microsoft.com/office/officeart/2005/8/layout/orgChart1"/>
+    <dgm:cxn modelId="{E60D7669-F887-453A-AA37-D081A0812B5C}" type="presParOf" srcId="{2984EB87-602A-4DC0-A823-FD478059F14B}" destId="{7CC7C91D-C99F-4E49-A056-D34A87082114}" srcOrd="2" destOrd="0" presId="urn:microsoft.com/office/officeart/2005/8/layout/orgChart1"/>
+    <dgm:cxn modelId="{F330CFFF-5C05-4510-8DDB-5E90CE77E6DA}" type="presParOf" srcId="{24611BE9-483D-472C-BD40-F21D021997FF}" destId="{F87E183A-7BB0-4B2A-A2A7-CBA8E8BFBD21}" srcOrd="2" destOrd="0" presId="urn:microsoft.com/office/officeart/2005/8/layout/orgChart1"/>
+    <dgm:cxn modelId="{6FAEC9F0-3C43-4749-AA62-3D32705373E2}" type="presParOf" srcId="{24611BE9-483D-472C-BD40-F21D021997FF}" destId="{2D403463-579A-4DD2-A2C0-39A7870FB4C5}" srcOrd="3" destOrd="0" presId="urn:microsoft.com/office/officeart/2005/8/layout/orgChart1"/>
+    <dgm:cxn modelId="{9F885516-DC20-43E3-8A10-C0124445E425}" type="presParOf" srcId="{2D403463-579A-4DD2-A2C0-39A7870FB4C5}" destId="{ADCD8B51-F890-4A94-9462-9589C842B78D}" srcOrd="0" destOrd="0" presId="urn:microsoft.com/office/officeart/2005/8/layout/orgChart1"/>
+    <dgm:cxn modelId="{3F6C5267-AE06-4860-A19A-A54400BCF21E}" type="presParOf" srcId="{ADCD8B51-F890-4A94-9462-9589C842B78D}" destId="{3C742D52-E814-4314-AE86-D431494B2FD6}" srcOrd="0" destOrd="0" presId="urn:microsoft.com/office/officeart/2005/8/layout/orgChart1"/>
+    <dgm:cxn modelId="{627BB2DA-8824-4FB4-B7FF-CC3FA135BD9D}" type="presParOf" srcId="{ADCD8B51-F890-4A94-9462-9589C842B78D}" destId="{BA564F73-3FDB-4C3A-9837-45278937B477}" srcOrd="1" destOrd="0" presId="urn:microsoft.com/office/officeart/2005/8/layout/orgChart1"/>
+    <dgm:cxn modelId="{702FFAE6-B625-466B-AEC9-941072C501F6}" type="presParOf" srcId="{2D403463-579A-4DD2-A2C0-39A7870FB4C5}" destId="{B33964C7-964E-46CA-8B94-1DDD6C21ED94}" srcOrd="1" destOrd="0" presId="urn:microsoft.com/office/officeart/2005/8/layout/orgChart1"/>
+    <dgm:cxn modelId="{DF8294D8-76CC-4B6A-B9E4-263E9B43938E}" type="presParOf" srcId="{B33964C7-964E-46CA-8B94-1DDD6C21ED94}" destId="{D686A4DD-0432-408F-BE4B-506D71F04291}" srcOrd="0" destOrd="0" presId="urn:microsoft.com/office/officeart/2005/8/layout/orgChart1"/>
+    <dgm:cxn modelId="{48EBF616-6A7D-4FB1-90F3-3CC198D65140}" type="presParOf" srcId="{B33964C7-964E-46CA-8B94-1DDD6C21ED94}" destId="{9D10307E-4BCF-460D-9EE9-C2EFD9AE6BFA}" srcOrd="1" destOrd="0" presId="urn:microsoft.com/office/officeart/2005/8/layout/orgChart1"/>
+    <dgm:cxn modelId="{EB3A0927-848A-494D-8929-D39D4F4E5851}" type="presParOf" srcId="{9D10307E-4BCF-460D-9EE9-C2EFD9AE6BFA}" destId="{AAAB48D1-35FC-4D90-AFD9-48023E589FA0}" srcOrd="0" destOrd="0" presId="urn:microsoft.com/office/officeart/2005/8/layout/orgChart1"/>
+    <dgm:cxn modelId="{7B0F4E5F-2F10-4584-88FD-CD3693D66F03}" type="presParOf" srcId="{AAAB48D1-35FC-4D90-AFD9-48023E589FA0}" destId="{FAF4249F-74CB-4177-B266-42B3F35A48EF}" srcOrd="0" destOrd="0" presId="urn:microsoft.com/office/officeart/2005/8/layout/orgChart1"/>
+    <dgm:cxn modelId="{D96C47BE-DA0A-4228-8F7A-504CF6FB9B30}" type="presParOf" srcId="{AAAB48D1-35FC-4D90-AFD9-48023E589FA0}" destId="{D3519E94-C413-4BF1-B8EA-1755D9E51015}" srcOrd="1" destOrd="0" presId="urn:microsoft.com/office/officeart/2005/8/layout/orgChart1"/>
+    <dgm:cxn modelId="{BB8F164D-EB41-41FA-B8A9-1F6357BF38FF}" type="presParOf" srcId="{9D10307E-4BCF-460D-9EE9-C2EFD9AE6BFA}" destId="{55EF27D3-3FC2-4CDD-A613-B64A5E32049F}" srcOrd="1" destOrd="0" presId="urn:microsoft.com/office/officeart/2005/8/layout/orgChart1"/>
+    <dgm:cxn modelId="{CCBBD6A4-F45A-483D-8DAA-F4853ABE5BF6}" type="presParOf" srcId="{9D10307E-4BCF-460D-9EE9-C2EFD9AE6BFA}" destId="{B56A1FDD-4E81-4C7C-BAF2-57E75754FBD8}" srcOrd="2" destOrd="0" presId="urn:microsoft.com/office/officeart/2005/8/layout/orgChart1"/>
+    <dgm:cxn modelId="{B7EF8999-4216-4DBD-94EF-1FD7D7428712}" type="presParOf" srcId="{B33964C7-964E-46CA-8B94-1DDD6C21ED94}" destId="{5A91E01C-0B7A-4F13-BC3B-4EE50BCB126E}" srcOrd="2" destOrd="0" presId="urn:microsoft.com/office/officeart/2005/8/layout/orgChart1"/>
+    <dgm:cxn modelId="{E5D4FAB8-ADD8-4886-B046-F62BCF3A8CDA}" type="presParOf" srcId="{B33964C7-964E-46CA-8B94-1DDD6C21ED94}" destId="{8BD94E4D-C05B-4B7D-8485-D2E2BB74F37A}" srcOrd="3" destOrd="0" presId="urn:microsoft.com/office/officeart/2005/8/layout/orgChart1"/>
+    <dgm:cxn modelId="{D4F7F006-76C0-48CB-95C0-7CB87A7AFBE6}" type="presParOf" srcId="{8BD94E4D-C05B-4B7D-8485-D2E2BB74F37A}" destId="{1A3619AF-948D-4ACA-85CE-8A4BADA45624}" srcOrd="0" destOrd="0" presId="urn:microsoft.com/office/officeart/2005/8/layout/orgChart1"/>
+    <dgm:cxn modelId="{DD12A286-2896-474C-B502-544F0CEF3266}" type="presParOf" srcId="{1A3619AF-948D-4ACA-85CE-8A4BADA45624}" destId="{8780EF36-5FF2-42AC-B5DF-0A83BD959276}" srcOrd="0" destOrd="0" presId="urn:microsoft.com/office/officeart/2005/8/layout/orgChart1"/>
+    <dgm:cxn modelId="{602EAD63-FBA6-4FC6-8272-E557911BD6D7}" type="presParOf" srcId="{1A3619AF-948D-4ACA-85CE-8A4BADA45624}" destId="{27DB3943-37A0-4E9E-AD70-035EC189E8B8}" srcOrd="1" destOrd="0" presId="urn:microsoft.com/office/officeart/2005/8/layout/orgChart1"/>
+    <dgm:cxn modelId="{BE4576D7-B168-4C52-BEB4-F90E570FC812}" type="presParOf" srcId="{8BD94E4D-C05B-4B7D-8485-D2E2BB74F37A}" destId="{33C41E20-74CA-47B9-B2F3-790C847B7C0F}" srcOrd="1" destOrd="0" presId="urn:microsoft.com/office/officeart/2005/8/layout/orgChart1"/>
+    <dgm:cxn modelId="{5201EC1E-033B-4F24-8E42-B41E8F8C9CF8}" type="presParOf" srcId="{8BD94E4D-C05B-4B7D-8485-D2E2BB74F37A}" destId="{431C821B-18FA-48D0-BC34-E83B4F66F624}" srcOrd="2" destOrd="0" presId="urn:microsoft.com/office/officeart/2005/8/layout/orgChart1"/>
+    <dgm:cxn modelId="{CB6CC617-716A-4997-B6E7-BBB2046ABF70}" type="presParOf" srcId="{B33964C7-964E-46CA-8B94-1DDD6C21ED94}" destId="{43DDFD52-ABBA-4B36-9E55-C7B224745957}" srcOrd="4" destOrd="0" presId="urn:microsoft.com/office/officeart/2005/8/layout/orgChart1"/>
+    <dgm:cxn modelId="{8150389A-5939-4E7F-AF0D-E939EE87FDC6}" type="presParOf" srcId="{B33964C7-964E-46CA-8B94-1DDD6C21ED94}" destId="{D14065F6-BC0E-4C55-A0EA-E71CDB20B8A7}" srcOrd="5" destOrd="0" presId="urn:microsoft.com/office/officeart/2005/8/layout/orgChart1"/>
+    <dgm:cxn modelId="{522D543B-29D4-4D72-B29E-5299914D6F86}" type="presParOf" srcId="{D14065F6-BC0E-4C55-A0EA-E71CDB20B8A7}" destId="{204EEF18-0D06-4737-8DC8-6559E3A51C59}" srcOrd="0" destOrd="0" presId="urn:microsoft.com/office/officeart/2005/8/layout/orgChart1"/>
+    <dgm:cxn modelId="{B5918C52-8BAB-45E2-9D78-7BD2E16F91DB}" type="presParOf" srcId="{204EEF18-0D06-4737-8DC8-6559E3A51C59}" destId="{21014A0C-7FC5-40B0-B906-E20543D43CA2}" srcOrd="0" destOrd="0" presId="urn:microsoft.com/office/officeart/2005/8/layout/orgChart1"/>
+    <dgm:cxn modelId="{A5E1EF70-BBC6-459B-B62D-3FC3B0BE9DC1}" type="presParOf" srcId="{204EEF18-0D06-4737-8DC8-6559E3A51C59}" destId="{C3A3E138-5EB8-42D0-BB9B-5CF8E78410A5}" srcOrd="1" destOrd="0" presId="urn:microsoft.com/office/officeart/2005/8/layout/orgChart1"/>
+    <dgm:cxn modelId="{02566353-53E8-40E8-944D-CB5A45D91F0A}" type="presParOf" srcId="{D14065F6-BC0E-4C55-A0EA-E71CDB20B8A7}" destId="{B85AD854-E1E8-4ECE-A957-90FC0BCF3AF4}" srcOrd="1" destOrd="0" presId="urn:microsoft.com/office/officeart/2005/8/layout/orgChart1"/>
+    <dgm:cxn modelId="{9C529C5A-623C-414A-A9D8-4F03F9B4EE8E}" type="presParOf" srcId="{D14065F6-BC0E-4C55-A0EA-E71CDB20B8A7}" destId="{E3382F51-BB61-478E-A15B-47D01B16C67C}" srcOrd="2" destOrd="0" presId="urn:microsoft.com/office/officeart/2005/8/layout/orgChart1"/>
+    <dgm:cxn modelId="{B4AD3023-02B1-409C-91DB-4B654FCA6BFD}" type="presParOf" srcId="{2D403463-579A-4DD2-A2C0-39A7870FB4C5}" destId="{FF726E40-0A94-4BA6-8EC7-DB378912463F}" srcOrd="2" destOrd="0" presId="urn:microsoft.com/office/officeart/2005/8/layout/orgChart1"/>
+    <dgm:cxn modelId="{C7DB3548-1F6A-4560-9E35-1AE73F2E6CCD}" type="presParOf" srcId="{24611BE9-483D-472C-BD40-F21D021997FF}" destId="{A1DE884E-05B8-4BDA-8B97-EB107522A13B}" srcOrd="4" destOrd="0" presId="urn:microsoft.com/office/officeart/2005/8/layout/orgChart1"/>
+    <dgm:cxn modelId="{8699E7A7-01D7-4951-BF20-83A4130DF7BF}" type="presParOf" srcId="{24611BE9-483D-472C-BD40-F21D021997FF}" destId="{F191BDBE-142C-47E2-9354-8844F32E188C}" srcOrd="5" destOrd="0" presId="urn:microsoft.com/office/officeart/2005/8/layout/orgChart1"/>
+    <dgm:cxn modelId="{1E20C50E-5FC3-4B28-8DFE-D0D0EC0BC095}" type="presParOf" srcId="{F191BDBE-142C-47E2-9354-8844F32E188C}" destId="{84E7BC7C-8A20-4327-9335-CAB66C72CA4B}" srcOrd="0" destOrd="0" presId="urn:microsoft.com/office/officeart/2005/8/layout/orgChart1"/>
+    <dgm:cxn modelId="{2B446D2F-DCA0-418F-ADF1-DBAD4FA40692}" type="presParOf" srcId="{84E7BC7C-8A20-4327-9335-CAB66C72CA4B}" destId="{F7DE2FBB-2B3A-4552-868C-42F64B9B986F}" srcOrd="0" destOrd="0" presId="urn:microsoft.com/office/officeart/2005/8/layout/orgChart1"/>
+    <dgm:cxn modelId="{6BB13CE8-6B2B-4678-A775-508D534D6205}" type="presParOf" srcId="{84E7BC7C-8A20-4327-9335-CAB66C72CA4B}" destId="{833ADFAF-9E72-4045-B33C-ECE4CF3FA42D}" srcOrd="1" destOrd="0" presId="urn:microsoft.com/office/officeart/2005/8/layout/orgChart1"/>
+    <dgm:cxn modelId="{AE74813C-4CE9-425D-9391-F035C8D6767C}" type="presParOf" srcId="{F191BDBE-142C-47E2-9354-8844F32E188C}" destId="{DFAFD2E4-F66A-4151-9AFC-CA9182B3F0BC}" srcOrd="1" destOrd="0" presId="urn:microsoft.com/office/officeart/2005/8/layout/orgChart1"/>
+    <dgm:cxn modelId="{5EF3C625-6AEB-4473-92F0-D4C47C3D503D}" type="presParOf" srcId="{DFAFD2E4-F66A-4151-9AFC-CA9182B3F0BC}" destId="{93BC48DE-105A-41DD-8BF6-6040C58E9A13}" srcOrd="0" destOrd="0" presId="urn:microsoft.com/office/officeart/2005/8/layout/orgChart1"/>
+    <dgm:cxn modelId="{B472E903-967B-4189-ADF9-6F53FAA61D06}" type="presParOf" srcId="{DFAFD2E4-F66A-4151-9AFC-CA9182B3F0BC}" destId="{6DDEA65B-5ED7-4676-8323-CE36C098682B}" srcOrd="1" destOrd="0" presId="urn:microsoft.com/office/officeart/2005/8/layout/orgChart1"/>
+    <dgm:cxn modelId="{9B59369D-64FF-47EA-9CFB-D9BD54849272}" type="presParOf" srcId="{6DDEA65B-5ED7-4676-8323-CE36C098682B}" destId="{5B631370-FEF1-4C4A-AD37-5908FE7D56A4}" srcOrd="0" destOrd="0" presId="urn:microsoft.com/office/officeart/2005/8/layout/orgChart1"/>
+    <dgm:cxn modelId="{E0B294BB-D4E9-4A09-8D8B-FAC90DF1720D}" type="presParOf" srcId="{5B631370-FEF1-4C4A-AD37-5908FE7D56A4}" destId="{3325CEB1-74F3-47EA-9103-89A74C3BFD21}" srcOrd="0" destOrd="0" presId="urn:microsoft.com/office/officeart/2005/8/layout/orgChart1"/>
+    <dgm:cxn modelId="{FD3B7E43-D11F-41DA-A916-2FE76F397F7A}" type="presParOf" srcId="{5B631370-FEF1-4C4A-AD37-5908FE7D56A4}" destId="{B44BC3D0-5E73-423E-9FF3-3D41C3E3D1DE}" srcOrd="1" destOrd="0" presId="urn:microsoft.com/office/officeart/2005/8/layout/orgChart1"/>
+    <dgm:cxn modelId="{E57C48B6-E6B6-4E50-B4F4-FF0B6D61563B}" type="presParOf" srcId="{6DDEA65B-5ED7-4676-8323-CE36C098682B}" destId="{7511CDE9-404A-4066-B1F7-E9641939160E}" srcOrd="1" destOrd="0" presId="urn:microsoft.com/office/officeart/2005/8/layout/orgChart1"/>
+    <dgm:cxn modelId="{CE229F7A-8C15-46A7-9BD9-CFC727A589C7}" type="presParOf" srcId="{6DDEA65B-5ED7-4676-8323-CE36C098682B}" destId="{1FDD4D03-C8B2-4D77-9410-BF1DCFF1803F}" srcOrd="2" destOrd="0" presId="urn:microsoft.com/office/officeart/2005/8/layout/orgChart1"/>
+    <dgm:cxn modelId="{FE5B480D-4EB2-4931-ACE9-EF9F93D1B38E}" type="presParOf" srcId="{F191BDBE-142C-47E2-9354-8844F32E188C}" destId="{099E988A-2C97-4B78-827F-052DFB20565D}" srcOrd="2" destOrd="0" presId="urn:microsoft.com/office/officeart/2005/8/layout/orgChart1"/>
+    <dgm:cxn modelId="{8C860891-71D1-4B00-8826-005607E052D2}" type="presParOf" srcId="{24611BE9-483D-472C-BD40-F21D021997FF}" destId="{AE85C9AC-A96D-453C-B30C-912E36B3230A}" srcOrd="6" destOrd="0" presId="urn:microsoft.com/office/officeart/2005/8/layout/orgChart1"/>
+    <dgm:cxn modelId="{8BA9D4D3-B337-4564-9AC7-7236CD6B4017}" type="presParOf" srcId="{24611BE9-483D-472C-BD40-F21D021997FF}" destId="{E245E270-5D78-4AD0-B292-4FB6E38D7AA4}" srcOrd="7" destOrd="0" presId="urn:microsoft.com/office/officeart/2005/8/layout/orgChart1"/>
+    <dgm:cxn modelId="{367C9923-E7AF-4BDF-92E8-490A223FEB9A}" type="presParOf" srcId="{E245E270-5D78-4AD0-B292-4FB6E38D7AA4}" destId="{3789BC93-96EE-4F4C-BF12-FD5715AEA5F3}" srcOrd="0" destOrd="0" presId="urn:microsoft.com/office/officeart/2005/8/layout/orgChart1"/>
+    <dgm:cxn modelId="{05E645A2-3B7C-4D29-A9ED-09F6548B19E6}" type="presParOf" srcId="{3789BC93-96EE-4F4C-BF12-FD5715AEA5F3}" destId="{E4285E3A-DB7A-4B47-9876-F8739183FC7A}" srcOrd="0" destOrd="0" presId="urn:microsoft.com/office/officeart/2005/8/layout/orgChart1"/>
+    <dgm:cxn modelId="{CE101655-1C5E-431E-8932-69DB513EBDE2}" type="presParOf" srcId="{3789BC93-96EE-4F4C-BF12-FD5715AEA5F3}" destId="{C0B8DD2D-5460-4E33-89E1-5D3026ACFDC9}" srcOrd="1" destOrd="0" presId="urn:microsoft.com/office/officeart/2005/8/layout/orgChart1"/>
+    <dgm:cxn modelId="{41BD089E-456A-489C-B570-FB4AE1F9FE06}" type="presParOf" srcId="{E245E270-5D78-4AD0-B292-4FB6E38D7AA4}" destId="{0EDC8715-9A38-49BD-9760-5FB3BFF47A1B}" srcOrd="1" destOrd="0" presId="urn:microsoft.com/office/officeart/2005/8/layout/orgChart1"/>
+    <dgm:cxn modelId="{90E13DA3-6E94-46B8-9F06-5B387C9045AE}" type="presParOf" srcId="{0EDC8715-9A38-49BD-9760-5FB3BFF47A1B}" destId="{5776753B-DC49-435F-995D-2AA14F866BEA}" srcOrd="0" destOrd="0" presId="urn:microsoft.com/office/officeart/2005/8/layout/orgChart1"/>
+    <dgm:cxn modelId="{AF9DAC9C-676C-4826-9A59-D0E46BC895C6}" type="presParOf" srcId="{0EDC8715-9A38-49BD-9760-5FB3BFF47A1B}" destId="{67ED27F1-E98F-4FE6-A87C-304BFF5F3C9A}" srcOrd="1" destOrd="0" presId="urn:microsoft.com/office/officeart/2005/8/layout/orgChart1"/>
+    <dgm:cxn modelId="{57603D79-47BE-4DF2-B297-37A6FDE20FCC}" type="presParOf" srcId="{67ED27F1-E98F-4FE6-A87C-304BFF5F3C9A}" destId="{17A4F2E3-5058-4CEE-9F17-55A648D603CA}" srcOrd="0" destOrd="0" presId="urn:microsoft.com/office/officeart/2005/8/layout/orgChart1"/>
+    <dgm:cxn modelId="{E970C99F-9AF9-46DF-A6F6-E498C7596441}" type="presParOf" srcId="{17A4F2E3-5058-4CEE-9F17-55A648D603CA}" destId="{88997EF4-2904-47BD-A092-4DD3D6084653}" srcOrd="0" destOrd="0" presId="urn:microsoft.com/office/officeart/2005/8/layout/orgChart1"/>
+    <dgm:cxn modelId="{823319D8-06F0-49C7-9C0C-6DB55A675FC6}" type="presParOf" srcId="{17A4F2E3-5058-4CEE-9F17-55A648D603CA}" destId="{EB26E828-0942-4AD7-8883-5E2E6C40E665}" srcOrd="1" destOrd="0" presId="urn:microsoft.com/office/officeart/2005/8/layout/orgChart1"/>
+    <dgm:cxn modelId="{C4435892-259C-42AD-881C-0C5B582AE272}" type="presParOf" srcId="{67ED27F1-E98F-4FE6-A87C-304BFF5F3C9A}" destId="{0BA4BBE3-AA88-4D0F-91B6-5F3C64F20B43}" srcOrd="1" destOrd="0" presId="urn:microsoft.com/office/officeart/2005/8/layout/orgChart1"/>
+    <dgm:cxn modelId="{A8AE3C28-4707-4207-B72C-2B637A8C9970}" type="presParOf" srcId="{67ED27F1-E98F-4FE6-A87C-304BFF5F3C9A}" destId="{0B70F82F-E8B5-4459-BD31-A561299F12D5}" srcOrd="2" destOrd="0" presId="urn:microsoft.com/office/officeart/2005/8/layout/orgChart1"/>
+    <dgm:cxn modelId="{833B96A8-FFFB-4F40-87C8-96FE416BFB42}" type="presParOf" srcId="{0EDC8715-9A38-49BD-9760-5FB3BFF47A1B}" destId="{44FBA387-EEBB-4BF5-8D3B-608998B9E7FD}" srcOrd="2" destOrd="0" presId="urn:microsoft.com/office/officeart/2005/8/layout/orgChart1"/>
+    <dgm:cxn modelId="{AF34493C-5462-41CB-AD61-1223887256A0}" type="presParOf" srcId="{0EDC8715-9A38-49BD-9760-5FB3BFF47A1B}" destId="{82E280E3-1EB5-4ADE-995A-E22FFEAF5BA1}" srcOrd="3" destOrd="0" presId="urn:microsoft.com/office/officeart/2005/8/layout/orgChart1"/>
+    <dgm:cxn modelId="{B95D12B1-5C2E-4CE4-B4BB-FB3A6594D3C6}" type="presParOf" srcId="{82E280E3-1EB5-4ADE-995A-E22FFEAF5BA1}" destId="{EC74CCD5-F866-4AA7-87DB-470CA5AAEF86}" srcOrd="0" destOrd="0" presId="urn:microsoft.com/office/officeart/2005/8/layout/orgChart1"/>
+    <dgm:cxn modelId="{5DC9D7D4-16CE-46EE-8BC7-17B295D9A683}" type="presParOf" srcId="{EC74CCD5-F866-4AA7-87DB-470CA5AAEF86}" destId="{EEA0B25C-A04A-4FF8-894A-419F43B58887}" srcOrd="0" destOrd="0" presId="urn:microsoft.com/office/officeart/2005/8/layout/orgChart1"/>
+    <dgm:cxn modelId="{F953C304-B5C7-44AD-B21D-F802B5D6B985}" type="presParOf" srcId="{EC74CCD5-F866-4AA7-87DB-470CA5AAEF86}" destId="{8137936B-7370-45A3-A6F4-D3CC008BC629}" srcOrd="1" destOrd="0" presId="urn:microsoft.com/office/officeart/2005/8/layout/orgChart1"/>
+    <dgm:cxn modelId="{5C8C60B6-DD4F-45BA-9F3B-EA1A504F433E}" type="presParOf" srcId="{82E280E3-1EB5-4ADE-995A-E22FFEAF5BA1}" destId="{D4420624-D02B-4DE9-8B97-5E33323BA787}" srcOrd="1" destOrd="0" presId="urn:microsoft.com/office/officeart/2005/8/layout/orgChart1"/>
+    <dgm:cxn modelId="{8265BEB5-9F76-44F7-BA6A-9F0C8756EC70}" type="presParOf" srcId="{82E280E3-1EB5-4ADE-995A-E22FFEAF5BA1}" destId="{221093CC-9643-45AE-B96B-4608F28BC368}" srcOrd="2" destOrd="0" presId="urn:microsoft.com/office/officeart/2005/8/layout/orgChart1"/>
+    <dgm:cxn modelId="{16CDFF9D-EFCF-41D1-82DC-06BC8F618959}" type="presParOf" srcId="{0EDC8715-9A38-49BD-9760-5FB3BFF47A1B}" destId="{DEE13216-85AE-4378-85FD-4F9CF1B8E0AF}" srcOrd="4" destOrd="0" presId="urn:microsoft.com/office/officeart/2005/8/layout/orgChart1"/>
+    <dgm:cxn modelId="{754B82A3-0444-4564-8DF3-BFC259757D64}" type="presParOf" srcId="{0EDC8715-9A38-49BD-9760-5FB3BFF47A1B}" destId="{0AFD943C-DD45-459C-AE62-15BD24253139}" srcOrd="5" destOrd="0" presId="urn:microsoft.com/office/officeart/2005/8/layout/orgChart1"/>
+    <dgm:cxn modelId="{5298AE7C-E66F-4D9D-B41F-6478CFF139F7}" type="presParOf" srcId="{0AFD943C-DD45-459C-AE62-15BD24253139}" destId="{0AFB9BC3-0823-4E2D-9E35-B3DAB78E6BFE}" srcOrd="0" destOrd="0" presId="urn:microsoft.com/office/officeart/2005/8/layout/orgChart1"/>
+    <dgm:cxn modelId="{FA7CDA28-863F-401E-8F63-8FB060FCD05A}" type="presParOf" srcId="{0AFB9BC3-0823-4E2D-9E35-B3DAB78E6BFE}" destId="{AEAD0110-FF99-4697-B796-25890CE39880}" srcOrd="0" destOrd="0" presId="urn:microsoft.com/office/officeart/2005/8/layout/orgChart1"/>
+    <dgm:cxn modelId="{C76F5F5D-7801-44A7-AB50-3DF430C665A1}" type="presParOf" srcId="{0AFB9BC3-0823-4E2D-9E35-B3DAB78E6BFE}" destId="{1EEBB9B4-0545-45CE-99FE-2B3C1DCB29A3}" srcOrd="1" destOrd="0" presId="urn:microsoft.com/office/officeart/2005/8/layout/orgChart1"/>
+    <dgm:cxn modelId="{662A37A7-780A-4D14-AD41-CA93AED7D71A}" type="presParOf" srcId="{0AFD943C-DD45-459C-AE62-15BD24253139}" destId="{EB3548A1-CC8B-4DC3-B951-06C1486A2BCA}" srcOrd="1" destOrd="0" presId="urn:microsoft.com/office/officeart/2005/8/layout/orgChart1"/>
+    <dgm:cxn modelId="{4F723E3A-F29F-4E18-9E2C-862CB4C2697B}" type="presParOf" srcId="{0AFD943C-DD45-459C-AE62-15BD24253139}" destId="{5478BFDF-E4A3-4855-AD4D-688D9F36E100}" srcOrd="2" destOrd="0" presId="urn:microsoft.com/office/officeart/2005/8/layout/orgChart1"/>
+    <dgm:cxn modelId="{C864F368-8D91-4E8B-89F9-0798D7D5AE58}" type="presParOf" srcId="{E245E270-5D78-4AD0-B292-4FB6E38D7AA4}" destId="{9E1B5E60-2B2C-4EA5-95B9-CA873997E2DB}" srcOrd="2" destOrd="0" presId="urn:microsoft.com/office/officeart/2005/8/layout/orgChart1"/>
+    <dgm:cxn modelId="{B6A16ECE-7353-4651-851E-54CB49FBBF85}" type="presParOf" srcId="{8AC159B6-ACBE-45C7-B5BD-856E7FF1547A}" destId="{5B9DE34F-A3FC-4D89-BE89-746EDAA6698F}" srcOrd="2" destOrd="0" presId="urn:microsoft.com/office/officeart/2005/8/layout/orgChart1"/>
   </dgm:cxnLst>
   <dgm:bg/>
   <dgm:whole/>
   <dgm:extLst>
     <a:ext uri="http://schemas.microsoft.com/office/drawing/2008/diagram">
-      <dsp:dataModelExt xmlns:dsp="http://schemas.microsoft.com/office/drawing/2008/diagram" relId="rId6" minVer="http://schemas.openxmlformats.org/drawingml/2006/diagram"/>
+      <dsp:dataModelExt xmlns:dsp="http://schemas.microsoft.com/office/drawing/2008/diagram" xmlns="" relId="rId6" minVer="http://schemas.openxmlformats.org/drawingml/2006/diagram"/>
     </a:ext>
   </dgm:extLst>
 </dgm:dataModel>
@@ -3252,20 +3513,20 @@
         <a:p>
           <a:pPr>
             <a:lnSpc>
-              <a:spcPts val="1800"/>
+              <a:spcPts val="2200"/>
             </a:lnSpc>
             <a:spcAft>
               <a:spcPts val="0"/>
             </a:spcAft>
           </a:pPr>
           <a:r>
-            <a:rPr lang="zh-TW" altLang="en-US" sz="1200" kern="0" baseline="0" dirty="0">
+            <a:rPr lang="zh-TW" altLang="en-US" sz="2000" kern="0" baseline="0" dirty="0">
               <a:latin typeface="微軟正黑體" pitchFamily="34" charset="-120"/>
               <a:ea typeface="微軟正黑體" pitchFamily="34" charset="-120"/>
             </a:rPr>
             <a:t>提供免費平台供使用者進行交流</a:t>
           </a:r>
-          <a:endParaRPr lang="en-US" altLang="zh-TW" sz="1200" kern="0" baseline="0" dirty="0">
+          <a:endParaRPr lang="en-US" altLang="zh-TW" sz="2000" kern="0" baseline="0" dirty="0">
             <a:latin typeface="微軟正黑體" pitchFamily="34" charset="-120"/>
             <a:ea typeface="微軟正黑體" pitchFamily="34" charset="-120"/>
           </a:endParaRPr>
@@ -3273,20 +3534,20 @@
         <a:p>
           <a:pPr>
             <a:lnSpc>
-              <a:spcPts val="1800"/>
+              <a:spcPts val="2200"/>
             </a:lnSpc>
             <a:spcAft>
               <a:spcPts val="0"/>
             </a:spcAft>
           </a:pPr>
           <a:r>
-            <a:rPr lang="zh-TW" altLang="en-US" sz="1200" kern="0" baseline="0" dirty="0">
+            <a:rPr lang="zh-TW" altLang="en-US" sz="2000" kern="0" baseline="0" dirty="0">
               <a:latin typeface="微軟正黑體" pitchFamily="34" charset="-120"/>
               <a:ea typeface="微軟正黑體" pitchFamily="34" charset="-120"/>
             </a:rPr>
             <a:t>使用者可以追蹤自己喜歡的案件</a:t>
           </a:r>
-          <a:endParaRPr lang="en-US" altLang="zh-TW" sz="1200" kern="0" baseline="0" dirty="0">
+          <a:endParaRPr lang="en-US" altLang="zh-TW" sz="2000" kern="0" baseline="0" dirty="0">
             <a:latin typeface="微軟正黑體" pitchFamily="34" charset="-120"/>
             <a:ea typeface="微軟正黑體" pitchFamily="34" charset="-120"/>
           </a:endParaRPr>
@@ -3294,20 +3555,20 @@
         <a:p>
           <a:pPr>
             <a:lnSpc>
-              <a:spcPts val="1800"/>
+              <a:spcPts val="2200"/>
             </a:lnSpc>
             <a:spcAft>
               <a:spcPts val="0"/>
             </a:spcAft>
           </a:pPr>
           <a:r>
-            <a:rPr lang="zh-TW" altLang="en-US" sz="1200" kern="0" baseline="0" dirty="0">
+            <a:rPr lang="zh-TW" altLang="en-US" sz="2000" kern="0" baseline="0" dirty="0">
               <a:latin typeface="微軟正黑體" pitchFamily="34" charset="-120"/>
               <a:ea typeface="微軟正黑體" pitchFamily="34" charset="-120"/>
             </a:rPr>
             <a:t>能夠關注最新的流浪動物</a:t>
           </a:r>
-          <a:endParaRPr lang="zh-TW" altLang="en-US" sz="1200" kern="1200" dirty="0"/>
+          <a:endParaRPr lang="zh-TW" altLang="en-US" sz="2000" kern="1200" dirty="0"/>
         </a:p>
       </dgm:t>
     </dgm:pt>
@@ -3349,7 +3610,7 @@
             </a:spcAft>
           </a:pPr>
           <a:r>
-            <a:rPr lang="en-US" altLang="zh-TW" sz="2800" b="0" i="0" u="none" strike="noStrike" kern="1200" cap="none">
+            <a:rPr lang="en-US" altLang="zh-TW" sz="2800" b="0" i="0" u="none" strike="noStrike" kern="1200" cap="none" dirty="0">
               <a:latin typeface="MS UI Gothic" pitchFamily="34" charset="-128"/>
               <a:ea typeface="MS UI Gothic" pitchFamily="34" charset="-128"/>
               <a:cs typeface="Nunito"/>
@@ -3358,7 +3619,7 @@
             <a:t>W</a:t>
           </a:r>
           <a:r>
-            <a:rPr lang="zh-TW" altLang="en-US" sz="2800" b="0" i="0" u="none" strike="noStrike" kern="1200" cap="none">
+            <a:rPr lang="zh-TW" altLang="en-US" sz="2800" b="0" i="0" u="none" strike="noStrike" kern="1200" cap="none" dirty="0">
               <a:latin typeface="MS UI Gothic" pitchFamily="34" charset="-128"/>
               <a:ea typeface="MS UI Gothic" pitchFamily="34" charset="-128"/>
               <a:cs typeface="Nunito"/>
@@ -3366,7 +3627,7 @@
             </a:rPr>
             <a:t> 劣勢</a:t>
           </a:r>
-          <a:endParaRPr lang="en-US" altLang="zh-TW" sz="2800" b="0" i="0" u="none" strike="noStrike" kern="1200" cap="none">
+          <a:endParaRPr lang="en-US" altLang="zh-TW" sz="2800" b="0" i="0" u="none" strike="noStrike" kern="1200" cap="none" dirty="0">
             <a:latin typeface="MS UI Gothic" pitchFamily="34" charset="-128"/>
             <a:ea typeface="MS UI Gothic" pitchFamily="34" charset="-128"/>
             <a:cs typeface="Nunito"/>
@@ -3376,76 +3637,34 @@
         <a:p>
           <a:pPr>
             <a:lnSpc>
-              <a:spcPts val="1800"/>
+              <a:spcPts val="2200"/>
             </a:lnSpc>
             <a:spcAft>
               <a:spcPts val="0"/>
             </a:spcAft>
           </a:pPr>
           <a:r>
-            <a:rPr lang="zh-TW" altLang="en-US" sz="1200" kern="0" baseline="0">
+            <a:rPr lang="zh-TW" altLang="en-US" sz="2000" kern="0" baseline="0" dirty="0" smtClean="0">
               <a:latin typeface="微軟正黑體" pitchFamily="34" charset="-120"/>
               <a:ea typeface="微軟正黑體" pitchFamily="34" charset="-120"/>
             </a:rPr>
-            <a:t>自身網站目前並無提救援服務項目</a:t>
+            <a:t>網站僅</a:t>
           </a:r>
-          <a:endParaRPr lang="en-US" altLang="zh-TW" sz="1200" kern="0" baseline="0">
-            <a:latin typeface="微軟正黑體" pitchFamily="34" charset="-120"/>
-            <a:ea typeface="微軟正黑體" pitchFamily="34" charset="-120"/>
-          </a:endParaRPr>
-        </a:p>
-        <a:p>
-          <a:pPr>
-            <a:lnSpc>
-              <a:spcPts val="1800"/>
-            </a:lnSpc>
-            <a:spcAft>
-              <a:spcPts val="0"/>
-            </a:spcAft>
-          </a:pPr>
           <a:r>
-            <a:rPr lang="zh-TW" altLang="en-US" sz="1200" kern="0" baseline="0">
+            <a:rPr lang="zh-TW" altLang="en-US" sz="2000" kern="0" baseline="0" dirty="0">
               <a:latin typeface="微軟正黑體" pitchFamily="34" charset="-120"/>
               <a:ea typeface="微軟正黑體" pitchFamily="34" charset="-120"/>
             </a:rPr>
-            <a:t>或收容場所</a:t>
+            <a:t>能提供資料請求第三方</a:t>
           </a:r>
-          <a:endParaRPr lang="en-US" altLang="zh-TW" sz="1200" kern="0" baseline="0">
-            <a:latin typeface="微軟正黑體" pitchFamily="34" charset="-120"/>
-            <a:ea typeface="微軟正黑體" pitchFamily="34" charset="-120"/>
-          </a:endParaRPr>
-        </a:p>
-        <a:p>
-          <a:pPr>
-            <a:lnSpc>
-              <a:spcPts val="1800"/>
-            </a:lnSpc>
-            <a:spcAft>
-              <a:spcPts val="0"/>
-            </a:spcAft>
-          </a:pPr>
           <a:r>
-            <a:rPr lang="en-US" altLang="zh-TW" sz="1200" kern="0" baseline="0">
+            <a:rPr lang="zh-TW" altLang="en-US" sz="2000" kern="0" baseline="0" dirty="0" smtClean="0">
               <a:latin typeface="微軟正黑體" pitchFamily="34" charset="-120"/>
               <a:ea typeface="微軟正黑體" pitchFamily="34" charset="-120"/>
             </a:rPr>
-            <a:t>(</a:t>
+            <a:t>協助</a:t>
           </a:r>
-          <a:r>
-            <a:rPr lang="zh-TW" altLang="en-US" sz="1200" kern="0" baseline="0">
-              <a:latin typeface="微軟正黑體" pitchFamily="34" charset="-120"/>
-              <a:ea typeface="微軟正黑體" pitchFamily="34" charset="-120"/>
-            </a:rPr>
-            <a:t>僅能提供資料請求第三方協助</a:t>
-          </a:r>
-          <a:r>
-            <a:rPr lang="en-US" altLang="zh-TW" sz="1200" kern="0" baseline="0">
-              <a:latin typeface="微軟正黑體" pitchFamily="34" charset="-120"/>
-              <a:ea typeface="微軟正黑體" pitchFamily="34" charset="-120"/>
-            </a:rPr>
-            <a:t>)</a:t>
-          </a:r>
-          <a:endParaRPr lang="zh-TW" altLang="en-US" sz="1200" kern="0" baseline="0" dirty="0">
+          <a:endParaRPr lang="zh-TW" altLang="en-US" sz="2000" kern="0" baseline="0" dirty="0">
             <a:latin typeface="微軟正黑體" pitchFamily="34" charset="-120"/>
             <a:ea typeface="微軟正黑體" pitchFamily="34" charset="-120"/>
           </a:endParaRPr>
@@ -3481,8 +3700,13 @@
         <a:bodyPr anchor="t"/>
         <a:lstStyle/>
         <a:p>
+          <a:pPr>
+            <a:lnSpc>
+              <a:spcPct val="90000"/>
+            </a:lnSpc>
+          </a:pPr>
           <a:r>
-            <a:rPr lang="en-US" altLang="zh-TW" sz="2800" b="0" i="0" u="none" strike="noStrike" cap="none">
+            <a:rPr lang="en-US" altLang="zh-TW" sz="2800" b="0" i="0" u="none" strike="noStrike" kern="1200" cap="none" dirty="0">
               <a:latin typeface="MS UI Gothic" pitchFamily="34" charset="-128"/>
               <a:ea typeface="MS UI Gothic" pitchFamily="34" charset="-128"/>
               <a:cs typeface="Nunito"/>
@@ -3491,7 +3715,7 @@
             <a:t>O</a:t>
           </a:r>
           <a:r>
-            <a:rPr lang="zh-TW" altLang="en-US" sz="2800" b="0" i="0" u="none" strike="noStrike" cap="none">
+            <a:rPr lang="zh-TW" altLang="en-US" sz="2800" b="0" i="0" u="none" strike="noStrike" kern="1200" cap="none" dirty="0">
               <a:latin typeface="MS UI Gothic" pitchFamily="34" charset="-128"/>
               <a:ea typeface="MS UI Gothic" pitchFamily="34" charset="-128"/>
               <a:cs typeface="Nunito"/>
@@ -3501,14 +3725,40 @@
           </a:r>
         </a:p>
         <a:p>
+          <a:pPr>
+            <a:lnSpc>
+              <a:spcPts val="2200"/>
+            </a:lnSpc>
+          </a:pPr>
           <a:r>
-            <a:rPr lang="zh-TW" altLang="en-US" sz="1200">
+            <a:rPr lang="zh-TW" altLang="en-US" sz="2000" kern="0" baseline="0" dirty="0">
               <a:latin typeface="微軟正黑體" pitchFamily="34" charset="-120"/>
               <a:ea typeface="微軟正黑體" pitchFamily="34" charset="-120"/>
             </a:rPr>
-            <a:t>社會至今仍有許多流浪動物，動物保護的理念慢慢建築在人們的觀念教育宣導逐漸增加，讓大眾更了解流浪動物的問題。</a:t>
+            <a:t>社會至今仍有許多流浪動物，動物保護的理念</a:t>
           </a:r>
-          <a:endParaRPr lang="en-US" altLang="zh-TW" sz="1200" dirty="0">
+          <a:r>
+            <a:rPr lang="zh-TW" altLang="en-US" sz="2000" kern="0" baseline="0" dirty="0" smtClean="0">
+              <a:latin typeface="微軟正黑體" pitchFamily="34" charset="-120"/>
+              <a:ea typeface="微軟正黑體" pitchFamily="34" charset="-120"/>
+            </a:rPr>
+            <a:t>慢慢抬頭，</a:t>
+          </a:r>
+          <a:r>
+            <a:rPr lang="zh-TW" altLang="en-US" sz="2000" kern="0" baseline="0" dirty="0">
+              <a:latin typeface="微軟正黑體" pitchFamily="34" charset="-120"/>
+              <a:ea typeface="微軟正黑體" pitchFamily="34" charset="-120"/>
+            </a:rPr>
+            <a:t>讓大眾更了解流浪動物的問題</a:t>
+          </a:r>
+          <a:r>
+            <a:rPr lang="zh-TW" altLang="en-US" sz="1200" kern="1200" dirty="0">
+              <a:latin typeface="微軟正黑體" pitchFamily="34" charset="-120"/>
+              <a:ea typeface="微軟正黑體" pitchFamily="34" charset="-120"/>
+            </a:rPr>
+            <a:t>。</a:t>
+          </a:r>
+          <a:endParaRPr lang="en-US" altLang="zh-TW" sz="1200" kern="1200" dirty="0">
             <a:latin typeface="微軟正黑體" pitchFamily="34" charset="-120"/>
             <a:ea typeface="微軟正黑體" pitchFamily="34" charset="-120"/>
           </a:endParaRPr>
@@ -3545,7 +3795,7 @@
         <a:lstStyle/>
         <a:p>
           <a:r>
-            <a:rPr lang="en-US" altLang="zh-TW" sz="2800" b="0" i="0" u="none" strike="noStrike" cap="none">
+            <a:rPr lang="en-US" altLang="zh-TW" sz="2800" b="0" i="0" u="none" strike="noStrike" kern="1200" cap="none" dirty="0">
               <a:latin typeface="MS UI Gothic" pitchFamily="34" charset="-128"/>
               <a:ea typeface="MS UI Gothic" pitchFamily="34" charset="-128"/>
               <a:cs typeface="Nunito"/>
@@ -3554,7 +3804,7 @@
             <a:t>T</a:t>
           </a:r>
           <a:r>
-            <a:rPr lang="zh-TW" altLang="en-US" sz="2800" b="0" i="0" u="none" strike="noStrike" cap="none">
+            <a:rPr lang="zh-TW" altLang="en-US" sz="2800" b="0" i="0" u="none" strike="noStrike" kern="1200" cap="none" dirty="0">
               <a:latin typeface="MS UI Gothic" pitchFamily="34" charset="-128"/>
               <a:ea typeface="MS UI Gothic" pitchFamily="34" charset="-128"/>
               <a:cs typeface="Nunito"/>
@@ -3562,7 +3812,7 @@
             </a:rPr>
             <a:t> 威脅</a:t>
           </a:r>
-          <a:endParaRPr lang="en-US" altLang="zh-TW" sz="2800" b="0" i="0" u="none" strike="noStrike" cap="none">
+          <a:endParaRPr lang="en-US" altLang="zh-TW" sz="2800" b="0" i="0" u="none" strike="noStrike" kern="1200" cap="none" dirty="0">
             <a:latin typeface="MS UI Gothic" pitchFamily="34" charset="-128"/>
             <a:ea typeface="MS UI Gothic" pitchFamily="34" charset="-128"/>
             <a:cs typeface="Nunito"/>
@@ -3571,19 +3821,19 @@
         </a:p>
         <a:p>
           <a:r>
-            <a:rPr lang="zh-TW" altLang="en-US" sz="1200">
+            <a:rPr lang="zh-TW" altLang="en-US" sz="2000" kern="0" baseline="0" dirty="0">
               <a:latin typeface="微軟正黑體" pitchFamily="34" charset="-120"/>
               <a:ea typeface="微軟正黑體" pitchFamily="34" charset="-120"/>
             </a:rPr>
             <a:t>網站使用率會影響到資訊的傳遞</a:t>
           </a:r>
-          <a:endParaRPr lang="en-US" altLang="zh-TW" sz="1200">
+          <a:endParaRPr lang="en-US" altLang="zh-TW" sz="2000" kern="0" baseline="0" dirty="0">
             <a:latin typeface="微軟正黑體" pitchFamily="34" charset="-120"/>
             <a:ea typeface="微軟正黑體" pitchFamily="34" charset="-120"/>
           </a:endParaRPr>
         </a:p>
         <a:p>
-          <a:endParaRPr lang="en-US" altLang="zh-TW" sz="1200" dirty="0"/>
+          <a:endParaRPr lang="en-US" altLang="zh-TW" sz="1200" kern="1200" dirty="0"/>
         </a:p>
       </dgm:t>
     </dgm:pt>
@@ -3618,6 +3868,13 @@
         </dgm:presLayoutVars>
       </dgm:prSet>
       <dgm:spPr/>
+      <dgm:t>
+        <a:bodyPr/>
+        <a:lstStyle/>
+        <a:p>
+          <a:endParaRPr lang="zh-TW" altLang="en-US"/>
+        </a:p>
+      </dgm:t>
     </dgm:pt>
     <dgm:pt modelId="{72CD40D8-85B6-4E34-97EB-4DA0DF347757}" type="pres">
       <dgm:prSet presAssocID="{B1C65449-F2F1-4D80-B6DD-1D44579B3D57}" presName="diamond" presStyleLbl="bgShp" presStyleIdx="0" presStyleCnt="1"/>
@@ -3632,6 +3889,13 @@
         </dgm:presLayoutVars>
       </dgm:prSet>
       <dgm:spPr/>
+      <dgm:t>
+        <a:bodyPr/>
+        <a:lstStyle/>
+        <a:p>
+          <a:endParaRPr lang="zh-TW" altLang="en-US"/>
+        </a:p>
+      </dgm:t>
     </dgm:pt>
     <dgm:pt modelId="{3084FC60-27C3-442D-9386-366F9828B96E}" type="pres">
       <dgm:prSet presAssocID="{B1C65449-F2F1-4D80-B6DD-1D44579B3D57}" presName="quad2" presStyleLbl="node1" presStyleIdx="1" presStyleCnt="4" custScaleX="202398" custLinFactNeighborX="52086" custLinFactNeighborY="-1">
@@ -3642,6 +3906,13 @@
         </dgm:presLayoutVars>
       </dgm:prSet>
       <dgm:spPr/>
+      <dgm:t>
+        <a:bodyPr/>
+        <a:lstStyle/>
+        <a:p>
+          <a:endParaRPr lang="zh-TW" altLang="en-US"/>
+        </a:p>
+      </dgm:t>
     </dgm:pt>
     <dgm:pt modelId="{C4C91AFB-1A07-404F-9A1B-8A21826D22AE}" type="pres">
       <dgm:prSet presAssocID="{B1C65449-F2F1-4D80-B6DD-1D44579B3D57}" presName="quad3" presStyleLbl="node1" presStyleIdx="2" presStyleCnt="4" custScaleX="202716" custLinFactNeighborX="-52484" custLinFactNeighborY="-2">
@@ -3652,6 +3923,13 @@
         </dgm:presLayoutVars>
       </dgm:prSet>
       <dgm:spPr/>
+      <dgm:t>
+        <a:bodyPr/>
+        <a:lstStyle/>
+        <a:p>
+          <a:endParaRPr lang="zh-TW" altLang="en-US"/>
+        </a:p>
+      </dgm:t>
     </dgm:pt>
     <dgm:pt modelId="{EA45ED88-AFA6-43F3-BAF4-5C1E6EBF87D6}" type="pres">
       <dgm:prSet presAssocID="{B1C65449-F2F1-4D80-B6DD-1D44579B3D57}" presName="quad4" presStyleLbl="node1" presStyleIdx="3" presStyleCnt="4" custScaleX="199935" custLinFactNeighborX="50879">
@@ -3662,36 +3940,43 @@
         </dgm:presLayoutVars>
       </dgm:prSet>
       <dgm:spPr/>
+      <dgm:t>
+        <a:bodyPr/>
+        <a:lstStyle/>
+        <a:p>
+          <a:endParaRPr lang="zh-TW" altLang="en-US"/>
+        </a:p>
+      </dgm:t>
     </dgm:pt>
   </dgm:ptLst>
   <dgm:cxnLst>
+    <dgm:cxn modelId="{97CA0644-254C-45D4-8234-C00E7D838AF7}" type="presOf" srcId="{B1C65449-F2F1-4D80-B6DD-1D44579B3D57}" destId="{8A7E462B-E649-488B-81FB-A6847FDD50C8}" srcOrd="0" destOrd="0" presId="urn:microsoft.com/office/officeart/2005/8/layout/matrix3"/>
+    <dgm:cxn modelId="{E6E923C0-EA5E-4D56-89AC-1080901BA53F}" srcId="{B1C65449-F2F1-4D80-B6DD-1D44579B3D57}" destId="{78673C81-D223-404F-A570-2091DBE07E56}" srcOrd="3" destOrd="0" parTransId="{977298DF-4720-467D-AA4F-36B07FF30D54}" sibTransId="{A5CEC6B7-4B66-4726-85D0-4946AAE2C55B}"/>
+    <dgm:cxn modelId="{C63E809C-7953-4231-B833-04916C683715}" srcId="{B1C65449-F2F1-4D80-B6DD-1D44579B3D57}" destId="{6099A837-DAEE-4F51-9D41-7F44C9F540A4}" srcOrd="0" destOrd="0" parTransId="{7FB262C9-5941-46AE-8BCB-9F603A6C3F94}" sibTransId="{786E8605-FBCC-454C-8FBE-96CC7C644518}"/>
+    <dgm:cxn modelId="{32AE00F1-581F-43C9-9622-8EAE1592FF2B}" type="presOf" srcId="{7552028F-E008-4954-ADC7-5EE8994A443B}" destId="{C4C91AFB-1A07-404F-9A1B-8A21826D22AE}" srcOrd="0" destOrd="0" presId="urn:microsoft.com/office/officeart/2005/8/layout/matrix3"/>
+    <dgm:cxn modelId="{D6C64335-3CCB-4769-8F22-2E962C5BE4EC}" type="presOf" srcId="{6099A837-DAEE-4F51-9D41-7F44C9F540A4}" destId="{2DC065FB-B2BF-4D31-B8BF-3169A4E089D3}" srcOrd="0" destOrd="0" presId="urn:microsoft.com/office/officeart/2005/8/layout/matrix3"/>
     <dgm:cxn modelId="{BA0B721C-0905-42A0-8244-A256C7A7032A}" srcId="{B1C65449-F2F1-4D80-B6DD-1D44579B3D57}" destId="{7552028F-E008-4954-ADC7-5EE8994A443B}" srcOrd="2" destOrd="0" parTransId="{E3ABFC9E-A3B1-4EB0-A904-684AC81CD15A}" sibTransId="{E3A83E3E-44D8-44CE-9B9D-810F1E12C96A}"/>
-    <dgm:cxn modelId="{42153748-43F8-4238-B5E8-E10E50C15600}" type="presOf" srcId="{893A72DD-9B23-484E-A46A-E34A31FCFD20}" destId="{3084FC60-27C3-442D-9386-366F9828B96E}" srcOrd="0" destOrd="0" presId="urn:microsoft.com/office/officeart/2005/8/layout/matrix3"/>
-    <dgm:cxn modelId="{1CCFD469-C399-474C-95AA-D4A204BD0BFD}" type="presOf" srcId="{B1C65449-F2F1-4D80-B6DD-1D44579B3D57}" destId="{8A7E462B-E649-488B-81FB-A6847FDD50C8}" srcOrd="0" destOrd="0" presId="urn:microsoft.com/office/officeart/2005/8/layout/matrix3"/>
-    <dgm:cxn modelId="{B6A3FF70-7AFC-46BA-9B2E-E0AFD14F2FA6}" type="presOf" srcId="{78673C81-D223-404F-A570-2091DBE07E56}" destId="{EA45ED88-AFA6-43F3-BAF4-5C1E6EBF87D6}" srcOrd="0" destOrd="0" presId="urn:microsoft.com/office/officeart/2005/8/layout/matrix3"/>
     <dgm:cxn modelId="{5F09207F-5276-48ED-A2D8-A99E091454D8}" srcId="{B1C65449-F2F1-4D80-B6DD-1D44579B3D57}" destId="{893A72DD-9B23-484E-A46A-E34A31FCFD20}" srcOrd="1" destOrd="0" parTransId="{D4085825-B038-4592-9782-78AFF8DA2424}" sibTransId="{14696414-243A-47FF-9AFC-BBD33DA949EF}"/>
-    <dgm:cxn modelId="{C63E809C-7953-4231-B833-04916C683715}" srcId="{B1C65449-F2F1-4D80-B6DD-1D44579B3D57}" destId="{6099A837-DAEE-4F51-9D41-7F44C9F540A4}" srcOrd="0" destOrd="0" parTransId="{7FB262C9-5941-46AE-8BCB-9F603A6C3F94}" sibTransId="{786E8605-FBCC-454C-8FBE-96CC7C644518}"/>
-    <dgm:cxn modelId="{E71671B9-A9DA-422F-9D59-5B266D573248}" type="presOf" srcId="{7552028F-E008-4954-ADC7-5EE8994A443B}" destId="{C4C91AFB-1A07-404F-9A1B-8A21826D22AE}" srcOrd="0" destOrd="0" presId="urn:microsoft.com/office/officeart/2005/8/layout/matrix3"/>
-    <dgm:cxn modelId="{E6E923C0-EA5E-4D56-89AC-1080901BA53F}" srcId="{B1C65449-F2F1-4D80-B6DD-1D44579B3D57}" destId="{78673C81-D223-404F-A570-2091DBE07E56}" srcOrd="3" destOrd="0" parTransId="{977298DF-4720-467D-AA4F-36B07FF30D54}" sibTransId="{A5CEC6B7-4B66-4726-85D0-4946AAE2C55B}"/>
-    <dgm:cxn modelId="{A15BCEF1-07A4-416B-8C6B-6C1FAB12DE71}" type="presOf" srcId="{6099A837-DAEE-4F51-9D41-7F44C9F540A4}" destId="{2DC065FB-B2BF-4D31-B8BF-3169A4E089D3}" srcOrd="0" destOrd="0" presId="urn:microsoft.com/office/officeart/2005/8/layout/matrix3"/>
-    <dgm:cxn modelId="{C57CAF0F-FD4D-463B-B7C8-163669142D97}" type="presParOf" srcId="{8A7E462B-E649-488B-81FB-A6847FDD50C8}" destId="{72CD40D8-85B6-4E34-97EB-4DA0DF347757}" srcOrd="0" destOrd="0" presId="urn:microsoft.com/office/officeart/2005/8/layout/matrix3"/>
-    <dgm:cxn modelId="{EE077A2A-28AC-4D55-91F4-9F83EC29EF81}" type="presParOf" srcId="{8A7E462B-E649-488B-81FB-A6847FDD50C8}" destId="{2DC065FB-B2BF-4D31-B8BF-3169A4E089D3}" srcOrd="1" destOrd="0" presId="urn:microsoft.com/office/officeart/2005/8/layout/matrix3"/>
-    <dgm:cxn modelId="{D99BD206-3CB5-4F4F-B5F0-F4D2F5B3C7D6}" type="presParOf" srcId="{8A7E462B-E649-488B-81FB-A6847FDD50C8}" destId="{3084FC60-27C3-442D-9386-366F9828B96E}" srcOrd="2" destOrd="0" presId="urn:microsoft.com/office/officeart/2005/8/layout/matrix3"/>
-    <dgm:cxn modelId="{BC0803E0-70C2-4906-8AF6-616E54C7ABA9}" type="presParOf" srcId="{8A7E462B-E649-488B-81FB-A6847FDD50C8}" destId="{C4C91AFB-1A07-404F-9A1B-8A21826D22AE}" srcOrd="3" destOrd="0" presId="urn:microsoft.com/office/officeart/2005/8/layout/matrix3"/>
-    <dgm:cxn modelId="{BC77F623-58D5-4A6D-A2AE-C36FAC32D033}" type="presParOf" srcId="{8A7E462B-E649-488B-81FB-A6847FDD50C8}" destId="{EA45ED88-AFA6-43F3-BAF4-5C1E6EBF87D6}" srcOrd="4" destOrd="0" presId="urn:microsoft.com/office/officeart/2005/8/layout/matrix3"/>
+    <dgm:cxn modelId="{780F2FE4-E3A4-4F3B-95B1-8AE093499569}" type="presOf" srcId="{78673C81-D223-404F-A570-2091DBE07E56}" destId="{EA45ED88-AFA6-43F3-BAF4-5C1E6EBF87D6}" srcOrd="0" destOrd="0" presId="urn:microsoft.com/office/officeart/2005/8/layout/matrix3"/>
+    <dgm:cxn modelId="{CD998167-F2AD-43C1-8490-93B3C1A93F2E}" type="presOf" srcId="{893A72DD-9B23-484E-A46A-E34A31FCFD20}" destId="{3084FC60-27C3-442D-9386-366F9828B96E}" srcOrd="0" destOrd="0" presId="urn:microsoft.com/office/officeart/2005/8/layout/matrix3"/>
+    <dgm:cxn modelId="{5C6039CE-6442-4F0F-BDAE-DF2F69FAE115}" type="presParOf" srcId="{8A7E462B-E649-488B-81FB-A6847FDD50C8}" destId="{72CD40D8-85B6-4E34-97EB-4DA0DF347757}" srcOrd="0" destOrd="0" presId="urn:microsoft.com/office/officeart/2005/8/layout/matrix3"/>
+    <dgm:cxn modelId="{79396A90-5A37-4584-B57E-22143F0FFF78}" type="presParOf" srcId="{8A7E462B-E649-488B-81FB-A6847FDD50C8}" destId="{2DC065FB-B2BF-4D31-B8BF-3169A4E089D3}" srcOrd="1" destOrd="0" presId="urn:microsoft.com/office/officeart/2005/8/layout/matrix3"/>
+    <dgm:cxn modelId="{976FC038-285B-431B-BAED-8199829DD064}" type="presParOf" srcId="{8A7E462B-E649-488B-81FB-A6847FDD50C8}" destId="{3084FC60-27C3-442D-9386-366F9828B96E}" srcOrd="2" destOrd="0" presId="urn:microsoft.com/office/officeart/2005/8/layout/matrix3"/>
+    <dgm:cxn modelId="{4221619A-FD44-4AD7-85B2-6758B878AA38}" type="presParOf" srcId="{8A7E462B-E649-488B-81FB-A6847FDD50C8}" destId="{C4C91AFB-1A07-404F-9A1B-8A21826D22AE}" srcOrd="3" destOrd="0" presId="urn:microsoft.com/office/officeart/2005/8/layout/matrix3"/>
+    <dgm:cxn modelId="{278F329B-76AD-4DEF-9F10-AA7AB3BAEF1B}" type="presParOf" srcId="{8A7E462B-E649-488B-81FB-A6847FDD50C8}" destId="{EA45ED88-AFA6-43F3-BAF4-5C1E6EBF87D6}" srcOrd="4" destOrd="0" presId="urn:microsoft.com/office/officeart/2005/8/layout/matrix3"/>
   </dgm:cxnLst>
   <dgm:bg/>
   <dgm:whole/>
   <dgm:extLst>
     <a:ext uri="http://schemas.microsoft.com/office/drawing/2008/diagram">
-      <dsp:dataModelExt xmlns:dsp="http://schemas.microsoft.com/office/drawing/2008/diagram" relId="rId6" minVer="http://schemas.openxmlformats.org/drawingml/2006/diagram"/>
+      <dsp:dataModelExt xmlns:dsp="http://schemas.microsoft.com/office/drawing/2008/diagram" xmlns="" relId="rId6" minVer="http://schemas.openxmlformats.org/drawingml/2006/diagram"/>
     </a:ext>
   </dgm:extLst>
 </dgm:dataModel>
 </file>
 
 <file path=ppt/diagrams/drawing1.xml><?xml version="1.0" encoding="utf-8"?>
-<dsp:drawing xmlns:dgm="http://schemas.openxmlformats.org/drawingml/2006/diagram" xmlns:dsp="http://schemas.microsoft.com/office/drawing/2008/diagram" xmlns:a="http://schemas.openxmlformats.org/drawingml/2006/main">
+<dsp:drawing xmlns:dgm="http://schemas.openxmlformats.org/drawingml/2006/diagram" xmlns:a="http://schemas.openxmlformats.org/drawingml/2006/main" xmlns:dsp="http://schemas.microsoft.com/office/drawing/2008/diagram">
   <dsp:spTree>
     <dsp:nvGrpSpPr>
       <dsp:cNvPr id="0" name=""/>
@@ -4489,7 +4774,7 @@
         </a:bodyPr>
         <a:lstStyle/>
         <a:p>
-          <a:pPr marL="0" lvl="0" indent="0" algn="ctr" defTabSz="1244600">
+          <a:pPr lvl="0" algn="ctr" defTabSz="1244600">
             <a:lnSpc>
               <a:spcPct val="90000"/>
             </a:lnSpc>
@@ -4499,7 +4784,6 @@
             <a:spcAft>
               <a:spcPct val="35000"/>
             </a:spcAft>
-            <a:buNone/>
           </a:pPr>
           <a:r>
             <a:rPr lang="zh-TW" altLang="en-US" sz="2800" b="1" kern="1200" dirty="0">
@@ -4511,8 +4795,8 @@
         </a:p>
       </dsp:txBody>
       <dsp:txXfrm>
-        <a:off x="3621778" y="40592"/>
-        <a:ext cx="1566983" cy="743281"/>
+        <a:off x="3581568" y="382"/>
+        <a:ext cx="1647403" cy="823701"/>
       </dsp:txXfrm>
     </dsp:sp>
     <dsp:sp modelId="{7A8C1E97-CAEA-4C10-A3BA-F2C556BACFE7}">
@@ -4569,7 +4853,7 @@
         </a:bodyPr>
         <a:lstStyle/>
         <a:p>
-          <a:pPr marL="0" lvl="0" indent="0" algn="ctr" defTabSz="1066800">
+          <a:pPr lvl="0" algn="ctr" defTabSz="1066800">
             <a:lnSpc>
               <a:spcPct val="90000"/>
             </a:lnSpc>
@@ -4579,7 +4863,6 @@
             <a:spcAft>
               <a:spcPct val="35000"/>
             </a:spcAft>
-            <a:buNone/>
           </a:pPr>
           <a:r>
             <a:rPr lang="zh-TW" altLang="en-US" sz="2400" b="1" kern="1200" dirty="0">
@@ -4685,7 +4968,7 @@
         </a:bodyPr>
         <a:lstStyle/>
         <a:p>
-          <a:pPr marL="0" lvl="0" indent="0" algn="ctr" defTabSz="800100">
+          <a:pPr lvl="0" algn="ctr" defTabSz="800100">
             <a:lnSpc>
               <a:spcPct val="90000"/>
             </a:lnSpc>
@@ -4695,7 +4978,6 @@
             <a:spcAft>
               <a:spcPct val="35000"/>
             </a:spcAft>
-            <a:buNone/>
           </a:pPr>
           <a:r>
             <a:rPr lang="zh-TW" altLang="en-US" sz="1800" kern="1200" dirty="0">
@@ -4707,8 +4989,8 @@
         </a:p>
       </dsp:txBody>
       <dsp:txXfrm>
-        <a:off x="993330" y="2282611"/>
-        <a:ext cx="1424530" cy="675711"/>
+        <a:off x="956776" y="2246057"/>
+        <a:ext cx="1497638" cy="748819"/>
       </dsp:txXfrm>
     </dsp:sp>
     <dsp:sp modelId="{3C742D52-E814-4314-AE86-D431494B2FD6}">
@@ -4765,7 +5047,7 @@
         </a:bodyPr>
         <a:lstStyle/>
         <a:p>
-          <a:pPr marL="0" lvl="0" indent="0" algn="ctr" defTabSz="889000">
+          <a:pPr lvl="0" algn="ctr" defTabSz="889000">
             <a:lnSpc>
               <a:spcPct val="100000"/>
             </a:lnSpc>
@@ -4775,7 +5057,6 @@
             <a:spcAft>
               <a:spcPts val="0"/>
             </a:spcAft>
-            <a:buNone/>
           </a:pPr>
           <a:r>
             <a:rPr lang="zh-TW" altLang="en-US" sz="2000" b="1" kern="1200" spc="-150" dirty="0">
@@ -4804,7 +5085,7 @@
           </a:endParaRPr>
         </a:p>
         <a:p>
-          <a:pPr marL="0" lvl="0" indent="0" algn="ctr" defTabSz="889000">
+          <a:pPr lvl="0" algn="ctr" defTabSz="889000">
             <a:lnSpc>
               <a:spcPct val="90000"/>
             </a:lnSpc>
@@ -4814,7 +5095,6 @@
             <a:spcAft>
               <a:spcPct val="35000"/>
             </a:spcAft>
-            <a:buNone/>
           </a:pPr>
           <a:r>
             <a:rPr lang="zh-TW" altLang="en-US" sz="2000" b="1" kern="1200" spc="-150" dirty="0">
@@ -4920,7 +5200,7 @@
         </a:bodyPr>
         <a:lstStyle/>
         <a:p>
-          <a:pPr marL="0" lvl="0" indent="0" algn="ctr" defTabSz="800100">
+          <a:pPr lvl="0" algn="ctr" defTabSz="800100">
             <a:lnSpc>
               <a:spcPct val="90000"/>
             </a:lnSpc>
@@ -4930,7 +5210,6 @@
             <a:spcAft>
               <a:spcPct val="35000"/>
             </a:spcAft>
-            <a:buNone/>
           </a:pPr>
           <a:r>
             <a:rPr lang="zh-TW" altLang="en-US" sz="1800" kern="1200" dirty="0">
@@ -4942,8 +5221,8 @@
         </a:p>
       </dsp:txBody>
       <dsp:txXfrm>
-        <a:off x="2996392" y="2284012"/>
-        <a:ext cx="1424530" cy="675711"/>
+        <a:off x="2959838" y="2247458"/>
+        <a:ext cx="1497638" cy="748819"/>
       </dsp:txXfrm>
     </dsp:sp>
     <dsp:sp modelId="{8780EF36-5FF2-42AC-B5DF-0A83BD959276}">
@@ -5029,7 +5308,7 @@
         </a:bodyPr>
         <a:lstStyle/>
         <a:p>
-          <a:pPr marL="0" lvl="0" indent="0" algn="ctr" defTabSz="800100">
+          <a:pPr lvl="0" algn="ctr" defTabSz="800100">
             <a:lnSpc>
               <a:spcPct val="90000"/>
             </a:lnSpc>
@@ -5039,7 +5318,6 @@
             <a:spcAft>
               <a:spcPct val="35000"/>
             </a:spcAft>
-            <a:buNone/>
           </a:pPr>
           <a:r>
             <a:rPr lang="zh-TW" altLang="en-US" sz="1800" kern="1200" dirty="0">
@@ -5051,8 +5329,8 @@
         </a:p>
       </dsp:txBody>
       <dsp:txXfrm>
-        <a:off x="3024068" y="3221936"/>
-        <a:ext cx="1424530" cy="675711"/>
+        <a:off x="2987514" y="3185382"/>
+        <a:ext cx="1497638" cy="748819"/>
       </dsp:txXfrm>
     </dsp:sp>
     <dsp:sp modelId="{21014A0C-7FC5-40B0-B906-E20543D43CA2}">
@@ -5138,7 +5416,7 @@
         </a:bodyPr>
         <a:lstStyle/>
         <a:p>
-          <a:pPr marL="0" lvl="0" indent="0" algn="ctr" defTabSz="800100">
+          <a:pPr lvl="0" algn="ctr" defTabSz="800100">
             <a:lnSpc>
               <a:spcPct val="90000"/>
             </a:lnSpc>
@@ -5148,7 +5426,6 @@
             <a:spcAft>
               <a:spcPct val="35000"/>
             </a:spcAft>
-            <a:buNone/>
           </a:pPr>
           <a:r>
             <a:rPr lang="zh-TW" altLang="en-US" sz="1800" kern="1200" dirty="0">
@@ -5160,8 +5437,8 @@
         </a:p>
       </dsp:txBody>
       <dsp:txXfrm>
-        <a:off x="3024068" y="4178328"/>
-        <a:ext cx="1424530" cy="675711"/>
+        <a:off x="2987514" y="4141774"/>
+        <a:ext cx="1497638" cy="748819"/>
       </dsp:txXfrm>
     </dsp:sp>
     <dsp:sp modelId="{F7DE2FBB-2B3A-4552-868C-42F64B9B986F}">
@@ -5218,7 +5495,7 @@
         </a:bodyPr>
         <a:lstStyle/>
         <a:p>
-          <a:pPr marL="0" lvl="0" indent="0" algn="ctr" defTabSz="1066800">
+          <a:pPr lvl="0" algn="ctr" defTabSz="1066800">
             <a:lnSpc>
               <a:spcPct val="90000"/>
             </a:lnSpc>
@@ -5228,7 +5505,6 @@
             <a:spcAft>
               <a:spcPct val="35000"/>
             </a:spcAft>
-            <a:buNone/>
           </a:pPr>
           <a:r>
             <a:rPr lang="zh-TW" altLang="en-US" sz="2400" b="1" kern="1200" dirty="0">
@@ -5334,7 +5610,7 @@
         </a:bodyPr>
         <a:lstStyle/>
         <a:p>
-          <a:pPr marL="0" lvl="0" indent="0" algn="ctr" defTabSz="800100">
+          <a:pPr lvl="0" algn="ctr" defTabSz="800100">
             <a:lnSpc>
               <a:spcPct val="90000"/>
             </a:lnSpc>
@@ -5344,7 +5620,6 @@
             <a:spcAft>
               <a:spcPct val="35000"/>
             </a:spcAft>
-            <a:buNone/>
           </a:pPr>
           <a:r>
             <a:rPr lang="zh-TW" altLang="en-US" sz="1800" kern="1200" dirty="0">
@@ -5356,8 +5631,8 @@
         </a:p>
       </dsp:txBody>
       <dsp:txXfrm>
-        <a:off x="5026652" y="2293221"/>
-        <a:ext cx="1424530" cy="675711"/>
+        <a:off x="4990098" y="2256667"/>
+        <a:ext cx="1497638" cy="748819"/>
       </dsp:txXfrm>
     </dsp:sp>
     <dsp:sp modelId="{E4285E3A-DB7A-4B47-9876-F8739183FC7A}">
@@ -5414,7 +5689,7 @@
         </a:bodyPr>
         <a:lstStyle/>
         <a:p>
-          <a:pPr marL="0" lvl="0" indent="0" algn="ctr" defTabSz="1066800">
+          <a:pPr lvl="0" algn="ctr" defTabSz="1066800">
             <a:lnSpc>
               <a:spcPct val="90000"/>
             </a:lnSpc>
@@ -5424,7 +5699,6 @@
             <a:spcAft>
               <a:spcPct val="35000"/>
             </a:spcAft>
-            <a:buNone/>
           </a:pPr>
           <a:r>
             <a:rPr lang="zh-TW" altLang="en-US" sz="2400" b="1" kern="1200" dirty="0">
@@ -5530,7 +5804,7 @@
         </a:bodyPr>
         <a:lstStyle/>
         <a:p>
-          <a:pPr marL="0" lvl="0" indent="0" algn="ctr" defTabSz="800100">
+          <a:pPr lvl="0" algn="ctr" defTabSz="800100">
             <a:lnSpc>
               <a:spcPct val="90000"/>
             </a:lnSpc>
@@ -5540,24 +5814,19 @@
             <a:spcAft>
               <a:spcPct val="35000"/>
             </a:spcAft>
-            <a:buNone/>
           </a:pPr>
           <a:r>
-            <a:rPr lang="zh-TW" altLang="en-US" sz="1800" kern="1200">
+            <a:rPr lang="zh-TW" altLang="en-US" sz="1800" kern="1200" dirty="0">
               <a:latin typeface="微軟正黑體" pitchFamily="34" charset="-120"/>
               <a:ea typeface="微軟正黑體" pitchFamily="34" charset="-120"/>
             </a:rPr>
             <a:t>會員追蹤管理</a:t>
           </a:r>
-          <a:endParaRPr lang="zh-TW" altLang="en-US" sz="1800" kern="1200" dirty="0">
-            <a:latin typeface="微軟正黑體" pitchFamily="34" charset="-120"/>
-            <a:ea typeface="微軟正黑體" pitchFamily="34" charset="-120"/>
-          </a:endParaRPr>
         </a:p>
       </dsp:txBody>
       <dsp:txXfrm>
-        <a:off x="7020011" y="2293221"/>
-        <a:ext cx="1424530" cy="675711"/>
+        <a:off x="6983457" y="2256667"/>
+        <a:ext cx="1497638" cy="748819"/>
       </dsp:txXfrm>
     </dsp:sp>
     <dsp:sp modelId="{EEA0B25C-A04A-4FF8-894A-419F43B58887}">
@@ -5643,7 +5912,7 @@
         </a:bodyPr>
         <a:lstStyle/>
         <a:p>
-          <a:pPr marL="0" lvl="0" indent="0" algn="ctr" defTabSz="800100">
+          <a:pPr lvl="0" algn="ctr" defTabSz="800100">
             <a:lnSpc>
               <a:spcPct val="90000"/>
             </a:lnSpc>
@@ -5653,24 +5922,19 @@
             <a:spcAft>
               <a:spcPct val="35000"/>
             </a:spcAft>
-            <a:buNone/>
           </a:pPr>
           <a:r>
-            <a:rPr lang="zh-TW" altLang="en-US" sz="1800" kern="1200">
+            <a:rPr lang="zh-TW" altLang="en-US" sz="1800" kern="1200" dirty="0">
               <a:latin typeface="微軟正黑體" pitchFamily="34" charset="-120"/>
               <a:ea typeface="微軟正黑體" pitchFamily="34" charset="-120"/>
             </a:rPr>
             <a:t>會員基本資料</a:t>
           </a:r>
-          <a:endParaRPr lang="zh-TW" altLang="en-US" sz="1800" kern="1200" dirty="0">
-            <a:latin typeface="微軟正黑體" pitchFamily="34" charset="-120"/>
-            <a:ea typeface="微軟正黑體" pitchFamily="34" charset="-120"/>
-          </a:endParaRPr>
         </a:p>
       </dsp:txBody>
       <dsp:txXfrm>
-        <a:off x="7010785" y="3221936"/>
-        <a:ext cx="1424530" cy="675711"/>
+        <a:off x="6974231" y="3185382"/>
+        <a:ext cx="1497638" cy="748819"/>
       </dsp:txXfrm>
     </dsp:sp>
     <dsp:sp modelId="{AEAD0110-FF99-4697-B796-25890CE39880}">
@@ -5756,7 +6020,7 @@
         </a:bodyPr>
         <a:lstStyle/>
         <a:p>
-          <a:pPr marL="0" lvl="0" indent="0" algn="ctr" defTabSz="800100">
+          <a:pPr lvl="0" algn="ctr" defTabSz="800100">
             <a:lnSpc>
               <a:spcPct val="90000"/>
             </a:lnSpc>
@@ -5766,38 +6030,33 @@
             <a:spcAft>
               <a:spcPct val="35000"/>
             </a:spcAft>
-            <a:buNone/>
           </a:pPr>
           <a:r>
-            <a:rPr lang="zh-TW" altLang="en-US" sz="1800" kern="1200">
+            <a:rPr lang="zh-TW" altLang="en-US" sz="1800" kern="1200" dirty="0">
               <a:latin typeface="微軟正黑體" pitchFamily="34" charset="-120"/>
               <a:ea typeface="微軟正黑體" pitchFamily="34" charset="-120"/>
             </a:rPr>
             <a:t>登入</a:t>
           </a:r>
           <a:r>
-            <a:rPr lang="en-US" altLang="zh-TW" sz="1800" kern="1200">
+            <a:rPr lang="en-US" altLang="zh-TW" sz="1800" kern="1200" dirty="0">
               <a:latin typeface="微軟正黑體" pitchFamily="34" charset="-120"/>
               <a:ea typeface="微軟正黑體" pitchFamily="34" charset="-120"/>
             </a:rPr>
             <a:t>/</a:t>
           </a:r>
           <a:r>
-            <a:rPr lang="zh-TW" altLang="en-US" sz="1800" kern="1200">
+            <a:rPr lang="zh-TW" altLang="en-US" sz="1800" kern="1200" dirty="0">
               <a:latin typeface="微軟正黑體" pitchFamily="34" charset="-120"/>
               <a:ea typeface="微軟正黑體" pitchFamily="34" charset="-120"/>
             </a:rPr>
             <a:t>註冊</a:t>
           </a:r>
-          <a:endParaRPr lang="zh-TW" altLang="en-US" sz="1800" kern="1200" dirty="0">
-            <a:latin typeface="微軟正黑體" pitchFamily="34" charset="-120"/>
-            <a:ea typeface="微軟正黑體" pitchFamily="34" charset="-120"/>
-          </a:endParaRPr>
         </a:p>
       </dsp:txBody>
       <dsp:txXfrm>
-        <a:off x="7010785" y="4178328"/>
-        <a:ext cx="1424530" cy="675711"/>
+        <a:off x="6974231" y="4141774"/>
+        <a:ext cx="1497638" cy="748819"/>
       </dsp:txXfrm>
     </dsp:sp>
   </dsp:spTree>
@@ -5805,7 +6064,7 @@
 </file>
 
 <file path=ppt/diagrams/drawing2.xml><?xml version="1.0" encoding="utf-8"?>
-<dsp:drawing xmlns:dgm="http://schemas.openxmlformats.org/drawingml/2006/diagram" xmlns:dsp="http://schemas.microsoft.com/office/drawing/2008/diagram" xmlns:a="http://schemas.openxmlformats.org/drawingml/2006/main">
+<dsp:drawing xmlns:dgm="http://schemas.openxmlformats.org/drawingml/2006/diagram" xmlns:a="http://schemas.openxmlformats.org/drawingml/2006/main" xmlns:dsp="http://schemas.microsoft.com/office/drawing/2008/diagram">
   <dsp:spTree>
     <dsp:nvGrpSpPr>
       <dsp:cNvPr id="0" name=""/>
@@ -5819,8 +6078,8 @@
       </dsp:nvSpPr>
       <dsp:spPr>
         <a:xfrm>
-          <a:off x="1585935" y="0"/>
-          <a:ext cx="4064000" cy="4064000"/>
+          <a:off x="2007214" y="0"/>
+          <a:ext cx="5143536" cy="5143536"/>
         </a:xfrm>
         <a:prstGeom prst="diamond">
           <a:avLst/>
@@ -5859,8 +6118,8 @@
       </dsp:nvSpPr>
       <dsp:spPr>
         <a:xfrm>
-          <a:off x="312776" y="379724"/>
-          <a:ext cx="3239769" cy="1584960"/>
+          <a:off x="395860" y="480591"/>
+          <a:ext cx="4100361" cy="2005979"/>
         </a:xfrm>
         <a:prstGeom prst="roundRect">
           <a:avLst/>
@@ -5935,7 +6194,7 @@
         </a:bodyPr>
         <a:lstStyle/>
         <a:p>
-          <a:pPr marL="0" lvl="0" indent="0" algn="ctr" defTabSz="1244600">
+          <a:pPr lvl="0" algn="ctr" defTabSz="1244600">
             <a:lnSpc>
               <a:spcPct val="90000"/>
             </a:lnSpc>
@@ -5945,7 +6204,6 @@
             <a:spcAft>
               <a:spcPct val="35000"/>
             </a:spcAft>
-            <a:buNone/>
           </a:pPr>
           <a:r>
             <a:rPr lang="en-US" altLang="zh-TW" sz="2800" b="0" i="0" u="none" strike="noStrike" kern="1200" cap="none" dirty="0">
@@ -5973,9 +6231,9 @@
           </a:endParaRPr>
         </a:p>
         <a:p>
-          <a:pPr marL="0" lvl="0" indent="0" algn="ctr" defTabSz="1244600">
+          <a:pPr lvl="0" algn="ctr" defTabSz="1244600">
             <a:lnSpc>
-              <a:spcPts val="1800"/>
+              <a:spcPts val="2200"/>
             </a:lnSpc>
             <a:spcBef>
               <a:spcPct val="0"/>
@@ -5983,24 +6241,23 @@
             <a:spcAft>
               <a:spcPts val="0"/>
             </a:spcAft>
-            <a:buNone/>
           </a:pPr>
           <a:r>
-            <a:rPr lang="zh-TW" altLang="en-US" sz="1200" kern="0" baseline="0" dirty="0">
+            <a:rPr lang="zh-TW" altLang="en-US" sz="2000" kern="0" baseline="0" dirty="0">
               <a:latin typeface="微軟正黑體" pitchFamily="34" charset="-120"/>
               <a:ea typeface="微軟正黑體" pitchFamily="34" charset="-120"/>
             </a:rPr>
             <a:t>提供免費平台供使用者進行交流</a:t>
           </a:r>
-          <a:endParaRPr lang="en-US" altLang="zh-TW" sz="1200" kern="0" baseline="0" dirty="0">
+          <a:endParaRPr lang="en-US" altLang="zh-TW" sz="2000" kern="0" baseline="0" dirty="0">
             <a:latin typeface="微軟正黑體" pitchFamily="34" charset="-120"/>
             <a:ea typeface="微軟正黑體" pitchFamily="34" charset="-120"/>
           </a:endParaRPr>
         </a:p>
         <a:p>
-          <a:pPr marL="0" lvl="0" indent="0" algn="ctr" defTabSz="1244600">
+          <a:pPr lvl="0" algn="ctr" defTabSz="1244600">
             <a:lnSpc>
-              <a:spcPts val="1800"/>
+              <a:spcPts val="2200"/>
             </a:lnSpc>
             <a:spcBef>
               <a:spcPct val="0"/>
@@ -6008,24 +6265,23 @@
             <a:spcAft>
               <a:spcPts val="0"/>
             </a:spcAft>
-            <a:buNone/>
           </a:pPr>
           <a:r>
-            <a:rPr lang="zh-TW" altLang="en-US" sz="1200" kern="0" baseline="0" dirty="0">
+            <a:rPr lang="zh-TW" altLang="en-US" sz="2000" kern="0" baseline="0" dirty="0">
               <a:latin typeface="微軟正黑體" pitchFamily="34" charset="-120"/>
               <a:ea typeface="微軟正黑體" pitchFamily="34" charset="-120"/>
             </a:rPr>
             <a:t>使用者可以追蹤自己喜歡的案件</a:t>
           </a:r>
-          <a:endParaRPr lang="en-US" altLang="zh-TW" sz="1200" kern="0" baseline="0" dirty="0">
+          <a:endParaRPr lang="en-US" altLang="zh-TW" sz="2000" kern="0" baseline="0" dirty="0">
             <a:latin typeface="微軟正黑體" pitchFamily="34" charset="-120"/>
             <a:ea typeface="微軟正黑體" pitchFamily="34" charset="-120"/>
           </a:endParaRPr>
         </a:p>
         <a:p>
-          <a:pPr marL="0" lvl="0" indent="0" algn="ctr" defTabSz="1244600">
+          <a:pPr lvl="0" algn="ctr" defTabSz="1244600">
             <a:lnSpc>
-              <a:spcPts val="1800"/>
+              <a:spcPts val="2200"/>
             </a:lnSpc>
             <a:spcBef>
               <a:spcPct val="0"/>
@@ -6033,21 +6289,20 @@
             <a:spcAft>
               <a:spcPts val="0"/>
             </a:spcAft>
-            <a:buNone/>
           </a:pPr>
           <a:r>
-            <a:rPr lang="zh-TW" altLang="en-US" sz="1200" kern="0" baseline="0" dirty="0">
+            <a:rPr lang="zh-TW" altLang="en-US" sz="2000" kern="0" baseline="0" dirty="0">
               <a:latin typeface="微軟正黑體" pitchFamily="34" charset="-120"/>
               <a:ea typeface="微軟正黑體" pitchFamily="34" charset="-120"/>
             </a:rPr>
             <a:t>能夠關注最新的流浪動物</a:t>
           </a:r>
-          <a:endParaRPr lang="zh-TW" altLang="en-US" sz="1200" kern="1200" dirty="0"/>
+          <a:endParaRPr lang="zh-TW" altLang="en-US" sz="2000" kern="1200" dirty="0"/>
         </a:p>
       </dsp:txBody>
       <dsp:txXfrm>
-        <a:off x="390147" y="457095"/>
-        <a:ext cx="3085027" cy="1430218"/>
+        <a:off x="395860" y="480591"/>
+        <a:ext cx="4100361" cy="2005979"/>
       </dsp:txXfrm>
     </dsp:sp>
     <dsp:sp modelId="{3084FC60-27C3-442D-9386-366F9828B96E}">
@@ -6057,8 +6312,8 @@
       </dsp:nvSpPr>
       <dsp:spPr>
         <a:xfrm>
-          <a:off x="3692954" y="386064"/>
-          <a:ext cx="3207927" cy="1584960"/>
+          <a:off x="4673928" y="488615"/>
+          <a:ext cx="4060061" cy="2005979"/>
         </a:xfrm>
         <a:prstGeom prst="roundRect">
           <a:avLst/>
@@ -6133,7 +6388,7 @@
         </a:bodyPr>
         <a:lstStyle/>
         <a:p>
-          <a:pPr marL="0" lvl="0" indent="0" algn="ctr" defTabSz="1244600">
+          <a:pPr lvl="0" algn="ctr" defTabSz="1244600">
             <a:lnSpc>
               <a:spcPct val="90000"/>
             </a:lnSpc>
@@ -6143,10 +6398,9 @@
             <a:spcAft>
               <a:spcPct val="35000"/>
             </a:spcAft>
-            <a:buNone/>
           </a:pPr>
           <a:r>
-            <a:rPr lang="en-US" altLang="zh-TW" sz="2800" b="0" i="0" u="none" strike="noStrike" kern="1200" cap="none">
+            <a:rPr lang="en-US" altLang="zh-TW" sz="2800" b="0" i="0" u="none" strike="noStrike" kern="1200" cap="none" dirty="0">
               <a:latin typeface="MS UI Gothic" pitchFamily="34" charset="-128"/>
               <a:ea typeface="MS UI Gothic" pitchFamily="34" charset="-128"/>
               <a:cs typeface="Nunito"/>
@@ -6155,7 +6409,7 @@
             <a:t>W</a:t>
           </a:r>
           <a:r>
-            <a:rPr lang="zh-TW" altLang="en-US" sz="2800" b="0" i="0" u="none" strike="noStrike" kern="1200" cap="none">
+            <a:rPr lang="zh-TW" altLang="en-US" sz="2800" b="0" i="0" u="none" strike="noStrike" kern="1200" cap="none" dirty="0">
               <a:latin typeface="MS UI Gothic" pitchFamily="34" charset="-128"/>
               <a:ea typeface="MS UI Gothic" pitchFamily="34" charset="-128"/>
               <a:cs typeface="Nunito"/>
@@ -6163,7 +6417,7 @@
             </a:rPr>
             <a:t> 劣勢</a:t>
           </a:r>
-          <a:endParaRPr lang="en-US" altLang="zh-TW" sz="2800" b="0" i="0" u="none" strike="noStrike" kern="1200" cap="none">
+          <a:endParaRPr lang="en-US" altLang="zh-TW" sz="2800" b="0" i="0" u="none" strike="noStrike" kern="1200" cap="none" dirty="0">
             <a:latin typeface="MS UI Gothic" pitchFamily="34" charset="-128"/>
             <a:ea typeface="MS UI Gothic" pitchFamily="34" charset="-128"/>
             <a:cs typeface="Nunito"/>
@@ -6171,9 +6425,9 @@
           </a:endParaRPr>
         </a:p>
         <a:p>
-          <a:pPr marL="0" lvl="0" indent="0" algn="ctr" defTabSz="1244600">
+          <a:pPr lvl="0" algn="ctr" defTabSz="1244600">
             <a:lnSpc>
-              <a:spcPts val="1800"/>
+              <a:spcPts val="2200"/>
             </a:lnSpc>
             <a:spcBef>
               <a:spcPct val="0"/>
@@ -6181,88 +6435,37 @@
             <a:spcAft>
               <a:spcPts val="0"/>
             </a:spcAft>
-            <a:buNone/>
           </a:pPr>
           <a:r>
-            <a:rPr lang="zh-TW" altLang="en-US" sz="1200" kern="0" baseline="0">
+            <a:rPr lang="zh-TW" altLang="en-US" sz="2000" kern="0" baseline="0" dirty="0" smtClean="0">
               <a:latin typeface="微軟正黑體" pitchFamily="34" charset="-120"/>
               <a:ea typeface="微軟正黑體" pitchFamily="34" charset="-120"/>
             </a:rPr>
-            <a:t>自身網站目前並無提救援服務項目</a:t>
+            <a:t>網站僅</a:t>
           </a:r>
-          <a:endParaRPr lang="en-US" altLang="zh-TW" sz="1200" kern="0" baseline="0">
-            <a:latin typeface="微軟正黑體" pitchFamily="34" charset="-120"/>
-            <a:ea typeface="微軟正黑體" pitchFamily="34" charset="-120"/>
-          </a:endParaRPr>
-        </a:p>
-        <a:p>
-          <a:pPr marL="0" lvl="0" indent="0" algn="ctr" defTabSz="1244600">
-            <a:lnSpc>
-              <a:spcPts val="1800"/>
-            </a:lnSpc>
-            <a:spcBef>
-              <a:spcPct val="0"/>
-            </a:spcBef>
-            <a:spcAft>
-              <a:spcPts val="0"/>
-            </a:spcAft>
-            <a:buNone/>
-          </a:pPr>
           <a:r>
-            <a:rPr lang="zh-TW" altLang="en-US" sz="1200" kern="0" baseline="0">
+            <a:rPr lang="zh-TW" altLang="en-US" sz="2000" kern="0" baseline="0" dirty="0">
               <a:latin typeface="微軟正黑體" pitchFamily="34" charset="-120"/>
               <a:ea typeface="微軟正黑體" pitchFamily="34" charset="-120"/>
             </a:rPr>
-            <a:t>或收容場所</a:t>
+            <a:t>能提供資料請求第三方</a:t>
           </a:r>
-          <a:endParaRPr lang="en-US" altLang="zh-TW" sz="1200" kern="0" baseline="0">
-            <a:latin typeface="微軟正黑體" pitchFamily="34" charset="-120"/>
-            <a:ea typeface="微軟正黑體" pitchFamily="34" charset="-120"/>
-          </a:endParaRPr>
-        </a:p>
-        <a:p>
-          <a:pPr marL="0" lvl="0" indent="0" algn="ctr" defTabSz="1244600">
-            <a:lnSpc>
-              <a:spcPts val="1800"/>
-            </a:lnSpc>
-            <a:spcBef>
-              <a:spcPct val="0"/>
-            </a:spcBef>
-            <a:spcAft>
-              <a:spcPts val="0"/>
-            </a:spcAft>
-            <a:buNone/>
-          </a:pPr>
           <a:r>
-            <a:rPr lang="en-US" altLang="zh-TW" sz="1200" kern="0" baseline="0">
+            <a:rPr lang="zh-TW" altLang="en-US" sz="2000" kern="0" baseline="0" dirty="0" smtClean="0">
               <a:latin typeface="微軟正黑體" pitchFamily="34" charset="-120"/>
               <a:ea typeface="微軟正黑體" pitchFamily="34" charset="-120"/>
             </a:rPr>
-            <a:t>(</a:t>
+            <a:t>協助</a:t>
           </a:r>
-          <a:r>
-            <a:rPr lang="zh-TW" altLang="en-US" sz="1200" kern="0" baseline="0">
-              <a:latin typeface="微軟正黑體" pitchFamily="34" charset="-120"/>
-              <a:ea typeface="微軟正黑體" pitchFamily="34" charset="-120"/>
-            </a:rPr>
-            <a:t>僅能提供資料請求第三方協助</a:t>
-          </a:r>
-          <a:r>
-            <a:rPr lang="en-US" altLang="zh-TW" sz="1200" kern="0" baseline="0">
-              <a:latin typeface="微軟正黑體" pitchFamily="34" charset="-120"/>
-              <a:ea typeface="微軟正黑體" pitchFamily="34" charset="-120"/>
-            </a:rPr>
-            <a:t>)</a:t>
-          </a:r>
-          <a:endParaRPr lang="zh-TW" altLang="en-US" sz="1200" kern="0" baseline="0" dirty="0">
+          <a:endParaRPr lang="zh-TW" altLang="en-US" sz="2000" kern="0" baseline="0" dirty="0">
             <a:latin typeface="微軟正黑體" pitchFamily="34" charset="-120"/>
             <a:ea typeface="微軟正黑體" pitchFamily="34" charset="-120"/>
           </a:endParaRPr>
         </a:p>
       </dsp:txBody>
       <dsp:txXfrm>
-        <a:off x="3770325" y="463435"/>
-        <a:ext cx="3053185" cy="1430218"/>
+        <a:off x="4673928" y="488615"/>
+        <a:ext cx="4060061" cy="2005979"/>
       </dsp:txXfrm>
     </dsp:sp>
     <dsp:sp modelId="{C4C91AFB-1A07-404F-9A1B-8A21826D22AE}">
@@ -6272,8 +6475,8 @@
       </dsp:nvSpPr>
       <dsp:spPr>
         <a:xfrm>
-          <a:off x="326161" y="2092928"/>
-          <a:ext cx="3212967" cy="1584960"/>
+          <a:off x="412801" y="2648880"/>
+          <a:ext cx="4066440" cy="2005979"/>
         </a:xfrm>
         <a:prstGeom prst="roundRect">
           <a:avLst/>
@@ -6348,7 +6551,7 @@
         </a:bodyPr>
         <a:lstStyle/>
         <a:p>
-          <a:pPr marL="0" lvl="0" indent="0" algn="ctr" defTabSz="1244600">
+          <a:pPr lvl="0" algn="ctr" defTabSz="1244600">
             <a:lnSpc>
               <a:spcPct val="90000"/>
             </a:lnSpc>
@@ -6358,10 +6561,9 @@
             <a:spcAft>
               <a:spcPct val="35000"/>
             </a:spcAft>
-            <a:buNone/>
           </a:pPr>
           <a:r>
-            <a:rPr lang="en-US" altLang="zh-TW" sz="2800" b="0" i="0" u="none" strike="noStrike" kern="1200" cap="none">
+            <a:rPr lang="en-US" altLang="zh-TW" sz="2800" b="0" i="0" u="none" strike="noStrike" kern="1200" cap="none" dirty="0">
               <a:latin typeface="MS UI Gothic" pitchFamily="34" charset="-128"/>
               <a:ea typeface="MS UI Gothic" pitchFamily="34" charset="-128"/>
               <a:cs typeface="Nunito"/>
@@ -6370,7 +6572,7 @@
             <a:t>O</a:t>
           </a:r>
           <a:r>
-            <a:rPr lang="zh-TW" altLang="en-US" sz="2800" b="0" i="0" u="none" strike="noStrike" kern="1200" cap="none">
+            <a:rPr lang="zh-TW" altLang="en-US" sz="2800" b="0" i="0" u="none" strike="noStrike" kern="1200" cap="none" dirty="0">
               <a:latin typeface="MS UI Gothic" pitchFamily="34" charset="-128"/>
               <a:ea typeface="MS UI Gothic" pitchFamily="34" charset="-128"/>
               <a:cs typeface="Nunito"/>
@@ -6380,9 +6582,9 @@
           </a:r>
         </a:p>
         <a:p>
-          <a:pPr marL="0" lvl="0" indent="0" algn="ctr" defTabSz="1244600">
+          <a:pPr lvl="0" algn="ctr" defTabSz="1244600">
             <a:lnSpc>
-              <a:spcPct val="90000"/>
+              <a:spcPts val="2200"/>
             </a:lnSpc>
             <a:spcBef>
               <a:spcPct val="0"/>
@@ -6390,14 +6592,34 @@
             <a:spcAft>
               <a:spcPct val="35000"/>
             </a:spcAft>
-            <a:buNone/>
           </a:pPr>
           <a:r>
-            <a:rPr lang="zh-TW" altLang="en-US" sz="1200" kern="1200">
+            <a:rPr lang="zh-TW" altLang="en-US" sz="2000" kern="0" baseline="0" dirty="0">
               <a:latin typeface="微軟正黑體" pitchFamily="34" charset="-120"/>
               <a:ea typeface="微軟正黑體" pitchFamily="34" charset="-120"/>
             </a:rPr>
-            <a:t>社會至今仍有許多流浪動物，動物保護的理念慢慢建築在人們的觀念教育宣導逐漸增加，讓大眾更了解流浪動物的問題。</a:t>
+            <a:t>社會至今仍有許多流浪動物，動物保護的理念</a:t>
+          </a:r>
+          <a:r>
+            <a:rPr lang="zh-TW" altLang="en-US" sz="2000" kern="0" baseline="0" dirty="0" smtClean="0">
+              <a:latin typeface="微軟正黑體" pitchFamily="34" charset="-120"/>
+              <a:ea typeface="微軟正黑體" pitchFamily="34" charset="-120"/>
+            </a:rPr>
+            <a:t>慢慢抬頭，</a:t>
+          </a:r>
+          <a:r>
+            <a:rPr lang="zh-TW" altLang="en-US" sz="2000" kern="0" baseline="0" dirty="0">
+              <a:latin typeface="微軟正黑體" pitchFamily="34" charset="-120"/>
+              <a:ea typeface="微軟正黑體" pitchFamily="34" charset="-120"/>
+            </a:rPr>
+            <a:t>讓大眾更了解流浪動物的問題</a:t>
+          </a:r>
+          <a:r>
+            <a:rPr lang="zh-TW" altLang="en-US" sz="1200" kern="1200" dirty="0">
+              <a:latin typeface="微軟正黑體" pitchFamily="34" charset="-120"/>
+              <a:ea typeface="微軟正黑體" pitchFamily="34" charset="-120"/>
+            </a:rPr>
+            <a:t>。</a:t>
           </a:r>
           <a:endParaRPr lang="en-US" altLang="zh-TW" sz="1200" kern="1200" dirty="0">
             <a:latin typeface="微軟正黑體" pitchFamily="34" charset="-120"/>
@@ -6406,8 +6628,8 @@
         </a:p>
       </dsp:txBody>
       <dsp:txXfrm>
-        <a:off x="403532" y="2170299"/>
-        <a:ext cx="3058225" cy="1430218"/>
+        <a:off x="412801" y="2648880"/>
+        <a:ext cx="4066440" cy="2005979"/>
       </dsp:txXfrm>
     </dsp:sp>
     <dsp:sp modelId="{EA45ED88-AFA6-43F3-BAF4-5C1E6EBF87D6}">
@@ -6417,8 +6639,8 @@
       </dsp:nvSpPr>
       <dsp:spPr>
         <a:xfrm>
-          <a:off x="3693342" y="2092960"/>
-          <a:ext cx="3168889" cy="1584960"/>
+          <a:off x="4674419" y="2648921"/>
+          <a:ext cx="4010654" cy="2005979"/>
         </a:xfrm>
         <a:prstGeom prst="roundRect">
           <a:avLst/>
@@ -6493,7 +6715,7 @@
         </a:bodyPr>
         <a:lstStyle/>
         <a:p>
-          <a:pPr marL="0" lvl="0" indent="0" algn="ctr" defTabSz="1244600">
+          <a:pPr lvl="0" algn="ctr" defTabSz="1244600">
             <a:lnSpc>
               <a:spcPct val="90000"/>
             </a:lnSpc>
@@ -6503,10 +6725,9 @@
             <a:spcAft>
               <a:spcPct val="35000"/>
             </a:spcAft>
-            <a:buNone/>
           </a:pPr>
           <a:r>
-            <a:rPr lang="en-US" altLang="zh-TW" sz="2800" b="0" i="0" u="none" strike="noStrike" kern="1200" cap="none">
+            <a:rPr lang="en-US" altLang="zh-TW" sz="2800" b="0" i="0" u="none" strike="noStrike" kern="1200" cap="none" dirty="0">
               <a:latin typeface="MS UI Gothic" pitchFamily="34" charset="-128"/>
               <a:ea typeface="MS UI Gothic" pitchFamily="34" charset="-128"/>
               <a:cs typeface="Nunito"/>
@@ -6515,7 +6736,7 @@
             <a:t>T</a:t>
           </a:r>
           <a:r>
-            <a:rPr lang="zh-TW" altLang="en-US" sz="2800" b="0" i="0" u="none" strike="noStrike" kern="1200" cap="none">
+            <a:rPr lang="zh-TW" altLang="en-US" sz="2800" b="0" i="0" u="none" strike="noStrike" kern="1200" cap="none" dirty="0">
               <a:latin typeface="MS UI Gothic" pitchFamily="34" charset="-128"/>
               <a:ea typeface="MS UI Gothic" pitchFamily="34" charset="-128"/>
               <a:cs typeface="Nunito"/>
@@ -6523,7 +6744,7 @@
             </a:rPr>
             <a:t> 威脅</a:t>
           </a:r>
-          <a:endParaRPr lang="en-US" altLang="zh-TW" sz="2800" b="0" i="0" u="none" strike="noStrike" kern="1200" cap="none">
+          <a:endParaRPr lang="en-US" altLang="zh-TW" sz="2800" b="0" i="0" u="none" strike="noStrike" kern="1200" cap="none" dirty="0">
             <a:latin typeface="MS UI Gothic" pitchFamily="34" charset="-128"/>
             <a:ea typeface="MS UI Gothic" pitchFamily="34" charset="-128"/>
             <a:cs typeface="Nunito"/>
@@ -6531,7 +6752,7 @@
           </a:endParaRPr>
         </a:p>
         <a:p>
-          <a:pPr marL="0" lvl="0" indent="0" algn="ctr" defTabSz="1244600">
+          <a:pPr lvl="0" algn="ctr" defTabSz="1244600">
             <a:lnSpc>
               <a:spcPct val="90000"/>
             </a:lnSpc>
@@ -6541,22 +6762,21 @@
             <a:spcAft>
               <a:spcPct val="35000"/>
             </a:spcAft>
-            <a:buNone/>
           </a:pPr>
           <a:r>
-            <a:rPr lang="zh-TW" altLang="en-US" sz="1200" kern="1200">
+            <a:rPr lang="zh-TW" altLang="en-US" sz="2000" kern="0" baseline="0" dirty="0">
               <a:latin typeface="微軟正黑體" pitchFamily="34" charset="-120"/>
               <a:ea typeface="微軟正黑體" pitchFamily="34" charset="-120"/>
             </a:rPr>
             <a:t>網站使用率會影響到資訊的傳遞</a:t>
           </a:r>
-          <a:endParaRPr lang="en-US" altLang="zh-TW" sz="1200" kern="1200">
+          <a:endParaRPr lang="en-US" altLang="zh-TW" sz="2000" kern="0" baseline="0" dirty="0">
             <a:latin typeface="微軟正黑體" pitchFamily="34" charset="-120"/>
             <a:ea typeface="微軟正黑體" pitchFamily="34" charset="-120"/>
           </a:endParaRPr>
         </a:p>
         <a:p>
-          <a:pPr marL="0" lvl="0" indent="0" algn="ctr" defTabSz="1244600">
+          <a:pPr lvl="0" algn="ctr" defTabSz="1244600">
             <a:lnSpc>
               <a:spcPct val="90000"/>
             </a:lnSpc>
@@ -6566,14 +6786,13 @@
             <a:spcAft>
               <a:spcPct val="35000"/>
             </a:spcAft>
-            <a:buNone/>
           </a:pPr>
           <a:endParaRPr lang="en-US" altLang="zh-TW" sz="1200" kern="1200" dirty="0"/>
         </a:p>
       </dsp:txBody>
       <dsp:txXfrm>
-        <a:off x="3770713" y="2170331"/>
-        <a:ext cx="3014147" cy="1430218"/>
+        <a:off x="4674419" y="2648921"/>
+        <a:ext cx="4010654" cy="2005979"/>
       </dsp:txXfrm>
     </dsp:sp>
   </dsp:spTree>
@@ -10148,7 +10367,7 @@
             <a:fld id="{05BF5AB9-3463-4E65-AFD3-5431B79ADFDC}" type="datetimeFigureOut">
               <a:rPr lang="zh-TW" altLang="en-US" smtClean="0"/>
               <a:pPr/>
-              <a:t>2022/3/5</a:t>
+              <a:t>2022/3/11</a:t>
             </a:fld>
             <a:endParaRPr lang="zh-TW" altLang="en-US"/>
           </a:p>
@@ -10224,7 +10443,7 @@
     </p:spTree>
     <p:extLst>
       <p:ext uri="{BB962C8B-B14F-4D97-AF65-F5344CB8AC3E}">
-        <p14:creationId xmlns:p14="http://schemas.microsoft.com/office/powerpoint/2010/main" val="2352107376"/>
+        <p14:creationId xmlns:p14="http://schemas.microsoft.com/office/powerpoint/2010/main" xmlns="" val="2352107376"/>
       </p:ext>
     </p:extLst>
   </p:cSld>
@@ -10315,7 +10534,7 @@
             <a:fld id="{838FF680-7B6B-4655-B6A1-33A8AD0AE8B4}" type="datetimeFigureOut">
               <a:rPr lang="zh-TW" altLang="en-US" smtClean="0"/>
               <a:pPr/>
-              <a:t>2022/3/5</a:t>
+              <a:t>2022/3/11</a:t>
             </a:fld>
             <a:endParaRPr lang="zh-TW" altLang="en-US"/>
           </a:p>
@@ -10483,7 +10702,7 @@
     </p:spTree>
     <p:extLst>
       <p:ext uri="{BB962C8B-B14F-4D97-AF65-F5344CB8AC3E}">
-        <p14:creationId xmlns:p14="http://schemas.microsoft.com/office/powerpoint/2010/main" val="91953023"/>
+        <p14:creationId xmlns:p14="http://schemas.microsoft.com/office/powerpoint/2010/main" xmlns="" val="91953023"/>
       </p:ext>
     </p:extLst>
   </p:cSld>
@@ -10764,7 +10983,7 @@
     </p:spTree>
     <p:extLst>
       <p:ext uri="{BB962C8B-B14F-4D97-AF65-F5344CB8AC3E}">
-        <p14:creationId xmlns:p14="http://schemas.microsoft.com/office/powerpoint/2010/main" val="3554531283"/>
+        <p14:creationId xmlns:p14="http://schemas.microsoft.com/office/powerpoint/2010/main" xmlns="" val="3554531283"/>
       </p:ext>
     </p:extLst>
   </p:cSld>
@@ -11047,7 +11266,7 @@
     </p:spTree>
     <p:extLst>
       <p:ext uri="{BB962C8B-B14F-4D97-AF65-F5344CB8AC3E}">
-        <p14:creationId xmlns:p14="http://schemas.microsoft.com/office/powerpoint/2010/main" val="2915487638"/>
+        <p14:creationId xmlns:p14="http://schemas.microsoft.com/office/powerpoint/2010/main" xmlns="" val="2915487638"/>
       </p:ext>
     </p:extLst>
   </p:cSld>
@@ -11465,7 +11684,7 @@
     </p:spTree>
     <p:extLst>
       <p:ext uri="{BB962C8B-B14F-4D97-AF65-F5344CB8AC3E}">
-        <p14:creationId xmlns:p14="http://schemas.microsoft.com/office/powerpoint/2010/main" val="1321302552"/>
+        <p14:creationId xmlns:p14="http://schemas.microsoft.com/office/powerpoint/2010/main" xmlns="" val="1321302552"/>
       </p:ext>
     </p:extLst>
   </p:cSld>
@@ -11540,7 +11759,7 @@
     </p:spTree>
     <p:extLst>
       <p:ext uri="{BB962C8B-B14F-4D97-AF65-F5344CB8AC3E}">
-        <p14:creationId xmlns:p14="http://schemas.microsoft.com/office/powerpoint/2010/main" val="4108560607"/>
+        <p14:creationId xmlns:p14="http://schemas.microsoft.com/office/powerpoint/2010/main" xmlns="" val="4108560607"/>
       </p:ext>
     </p:extLst>
   </p:cSld>
@@ -11570,7 +11789,7 @@
     </p:spTree>
     <p:extLst>
       <p:ext uri="{BB962C8B-B14F-4D97-AF65-F5344CB8AC3E}">
-        <p14:creationId xmlns:p14="http://schemas.microsoft.com/office/powerpoint/2010/main" val="289152772"/>
+        <p14:creationId xmlns:p14="http://schemas.microsoft.com/office/powerpoint/2010/main" xmlns="" val="289152772"/>
       </p:ext>
     </p:extLst>
   </p:cSld>
@@ -11816,7 +12035,7 @@
     </p:spTree>
     <p:extLst>
       <p:ext uri="{BB962C8B-B14F-4D97-AF65-F5344CB8AC3E}">
-        <p14:creationId xmlns:p14="http://schemas.microsoft.com/office/powerpoint/2010/main" val="2352718898"/>
+        <p14:creationId xmlns:p14="http://schemas.microsoft.com/office/powerpoint/2010/main" xmlns="" val="2352718898"/>
       </p:ext>
     </p:extLst>
   </p:cSld>
@@ -12009,7 +12228,7 @@
     </p:spTree>
     <p:extLst>
       <p:ext uri="{BB962C8B-B14F-4D97-AF65-F5344CB8AC3E}">
-        <p14:creationId xmlns:p14="http://schemas.microsoft.com/office/powerpoint/2010/main" val="121933658"/>
+        <p14:creationId xmlns:p14="http://schemas.microsoft.com/office/powerpoint/2010/main" xmlns="" val="121933658"/>
       </p:ext>
     </p:extLst>
   </p:cSld>
@@ -12018,7 +12237,7 @@
   </p:clrMapOvr>
   <p:extLst>
     <p:ext uri="{DCECCB84-F9BA-43D5-87BE-67443E8EF086}">
-      <p15:sldGuideLst xmlns:p15="http://schemas.microsoft.com/office/powerpoint/2012/main">
+      <p15:sldGuideLst xmlns:p15="http://schemas.microsoft.com/office/powerpoint/2012/main" xmlns="">
         <p15:guide id="1" orient="horz" pos="2160">
           <p15:clr>
             <a:srgbClr val="FBAE40"/>
@@ -12196,7 +12415,7 @@
     </p:spTree>
     <p:extLst>
       <p:ext uri="{BB962C8B-B14F-4D97-AF65-F5344CB8AC3E}">
-        <p14:creationId xmlns:p14="http://schemas.microsoft.com/office/powerpoint/2010/main" val="157785957"/>
+        <p14:creationId xmlns:p14="http://schemas.microsoft.com/office/powerpoint/2010/main" xmlns="" val="157785957"/>
       </p:ext>
     </p:extLst>
   </p:cSld>
@@ -12270,7 +12489,7 @@
     </p:spTree>
     <p:extLst>
       <p:ext uri="{BB962C8B-B14F-4D97-AF65-F5344CB8AC3E}">
-        <p14:creationId xmlns:p14="http://schemas.microsoft.com/office/powerpoint/2010/main" val="2618894774"/>
+        <p14:creationId xmlns:p14="http://schemas.microsoft.com/office/powerpoint/2010/main" xmlns="" val="2618894774"/>
       </p:ext>
     </p:extLst>
   </p:cSld>
@@ -12437,7 +12656,7 @@
     </p:spTree>
     <p:extLst>
       <p:ext uri="{BB962C8B-B14F-4D97-AF65-F5344CB8AC3E}">
-        <p14:creationId xmlns:p14="http://schemas.microsoft.com/office/powerpoint/2010/main" val="1872930602"/>
+        <p14:creationId xmlns:p14="http://schemas.microsoft.com/office/powerpoint/2010/main" xmlns="" val="1872930602"/>
       </p:ext>
     </p:extLst>
   </p:cSld>
@@ -12652,7 +12871,7 @@
     </p:spTree>
     <p:extLst>
       <p:ext uri="{BB962C8B-B14F-4D97-AF65-F5344CB8AC3E}">
-        <p14:creationId xmlns:p14="http://schemas.microsoft.com/office/powerpoint/2010/main" val="4106461826"/>
+        <p14:creationId xmlns:p14="http://schemas.microsoft.com/office/powerpoint/2010/main" xmlns="" val="4106461826"/>
       </p:ext>
     </p:extLst>
   </p:cSld>
@@ -12911,7 +13130,7 @@
     </p:spTree>
     <p:extLst>
       <p:ext uri="{BB962C8B-B14F-4D97-AF65-F5344CB8AC3E}">
-        <p14:creationId xmlns:p14="http://schemas.microsoft.com/office/powerpoint/2010/main" val="3591219130"/>
+        <p14:creationId xmlns:p14="http://schemas.microsoft.com/office/powerpoint/2010/main" xmlns="" val="3591219130"/>
       </p:ext>
     </p:extLst>
   </p:cSld>
@@ -13159,7 +13378,7 @@
     </p:spTree>
     <p:extLst>
       <p:ext uri="{BB962C8B-B14F-4D97-AF65-F5344CB8AC3E}">
-        <p14:creationId xmlns:p14="http://schemas.microsoft.com/office/powerpoint/2010/main" val="1177517027"/>
+        <p14:creationId xmlns:p14="http://schemas.microsoft.com/office/powerpoint/2010/main" xmlns="" val="1177517027"/>
       </p:ext>
     </p:extLst>
   </p:cSld>
@@ -13234,7 +13453,7 @@
     </p:spTree>
     <p:extLst>
       <p:ext uri="{BB962C8B-B14F-4D97-AF65-F5344CB8AC3E}">
-        <p14:creationId xmlns:p14="http://schemas.microsoft.com/office/powerpoint/2010/main" val="4133833829"/>
+        <p14:creationId xmlns:p14="http://schemas.microsoft.com/office/powerpoint/2010/main" xmlns="" val="4133833829"/>
       </p:ext>
     </p:extLst>
   </p:cSld>
@@ -13419,7 +13638,7 @@
           <p:cNvPr id="6" name="圖片 5">
             <a:extLst>
               <a:ext uri="{FF2B5EF4-FFF2-40B4-BE49-F238E27FC236}">
-                <a16:creationId xmlns:a16="http://schemas.microsoft.com/office/drawing/2014/main" id="{A38F83B7-CC73-4E3F-9287-CF590BE57B63}"/>
+                <a16:creationId xmlns:a16="http://schemas.microsoft.com/office/drawing/2014/main" xmlns="" id="{A38F83B7-CC73-4E3F-9287-CF590BE57B63}"/>
               </a:ext>
             </a:extLst>
           </p:cNvPr>
@@ -13429,7 +13648,7 @@
           <p:nvPr userDrawn="1"/>
         </p:nvPicPr>
         <p:blipFill>
-          <a:blip r:embed="rId17"/>
+          <a:blip r:embed="rId17" cstate="print"/>
           <a:stretch>
             <a:fillRect/>
           </a:stretch>
@@ -13481,7 +13700,7 @@
           <p:cNvPr id="7" name="群組 6">
             <a:extLst>
               <a:ext uri="{FF2B5EF4-FFF2-40B4-BE49-F238E27FC236}">
-                <a16:creationId xmlns:a16="http://schemas.microsoft.com/office/drawing/2014/main" id="{C165526D-DB92-4A98-9E03-1227F7138DBB}"/>
+                <a16:creationId xmlns:a16="http://schemas.microsoft.com/office/drawing/2014/main" xmlns="" id="{C165526D-DB92-4A98-9E03-1227F7138DBB}"/>
               </a:ext>
             </a:extLst>
           </p:cNvPr>
@@ -13501,7 +13720,7 @@
             <p:cNvPr id="8" name="圖片 7">
               <a:extLst>
                 <a:ext uri="{FF2B5EF4-FFF2-40B4-BE49-F238E27FC236}">
-                  <a16:creationId xmlns:a16="http://schemas.microsoft.com/office/drawing/2014/main" id="{15CFBFC1-A069-4FBC-A453-306DD6015A7E}"/>
+                  <a16:creationId xmlns:a16="http://schemas.microsoft.com/office/drawing/2014/main" xmlns="" id="{15CFBFC1-A069-4FBC-A453-306DD6015A7E}"/>
                 </a:ext>
               </a:extLst>
             </p:cNvPr>
@@ -13511,7 +13730,7 @@
             <p:nvPr userDrawn="1"/>
           </p:nvPicPr>
           <p:blipFill>
-            <a:blip r:embed="rId18"/>
+            <a:blip r:embed="rId18" cstate="print"/>
             <a:stretch>
               <a:fillRect/>
             </a:stretch>
@@ -13531,7 +13750,7 @@
             <p:cNvPr id="9" name="文字方塊 8">
               <a:extLst>
                 <a:ext uri="{FF2B5EF4-FFF2-40B4-BE49-F238E27FC236}">
-                  <a16:creationId xmlns:a16="http://schemas.microsoft.com/office/drawing/2014/main" id="{3DEC8BE7-DA71-4BDA-8CB8-33EEA10823B6}"/>
+                  <a16:creationId xmlns:a16="http://schemas.microsoft.com/office/drawing/2014/main" xmlns="" id="{3DEC8BE7-DA71-4BDA-8CB8-33EEA10823B6}"/>
                 </a:ext>
               </a:extLst>
             </p:cNvPr>
@@ -13581,7 +13800,7 @@
             <p:cNvPr id="10" name="矩形 9">
               <a:extLst>
                 <a:ext uri="{FF2B5EF4-FFF2-40B4-BE49-F238E27FC236}">
-                  <a16:creationId xmlns:a16="http://schemas.microsoft.com/office/drawing/2014/main" id="{0E2543E6-D835-43CF-8323-BB5950B7F5DC}"/>
+                  <a16:creationId xmlns:a16="http://schemas.microsoft.com/office/drawing/2014/main" xmlns="" id="{0E2543E6-D835-43CF-8323-BB5950B7F5DC}"/>
                 </a:ext>
               </a:extLst>
             </p:cNvPr>
@@ -13625,7 +13844,7 @@
             <p:cNvPr id="11" name="文字方塊 10">
               <a:extLst>
                 <a:ext uri="{FF2B5EF4-FFF2-40B4-BE49-F238E27FC236}">
-                  <a16:creationId xmlns:a16="http://schemas.microsoft.com/office/drawing/2014/main" id="{56E7BB63-E6A1-4E5D-BBDE-09FA7D686D38}"/>
+                  <a16:creationId xmlns:a16="http://schemas.microsoft.com/office/drawing/2014/main" xmlns="" id="{56E7BB63-E6A1-4E5D-BBDE-09FA7D686D38}"/>
                 </a:ext>
               </a:extLst>
             </p:cNvPr>
@@ -13674,7 +13893,7 @@
             <p:cNvPr id="12" name="文字方塊 11">
               <a:extLst>
                 <a:ext uri="{FF2B5EF4-FFF2-40B4-BE49-F238E27FC236}">
-                  <a16:creationId xmlns:a16="http://schemas.microsoft.com/office/drawing/2014/main" id="{66D811A0-564C-4DD2-8EB6-01EBFFC8B991}"/>
+                  <a16:creationId xmlns:a16="http://schemas.microsoft.com/office/drawing/2014/main" xmlns="" id="{66D811A0-564C-4DD2-8EB6-01EBFFC8B991}"/>
                 </a:ext>
               </a:extLst>
             </p:cNvPr>
@@ -13723,7 +13942,7 @@
             <p:cNvPr id="13" name="文字方塊 12">
               <a:extLst>
                 <a:ext uri="{FF2B5EF4-FFF2-40B4-BE49-F238E27FC236}">
-                  <a16:creationId xmlns:a16="http://schemas.microsoft.com/office/drawing/2014/main" id="{B589B725-0E0C-40CC-9549-C1BDEC14B51E}"/>
+                  <a16:creationId xmlns:a16="http://schemas.microsoft.com/office/drawing/2014/main" xmlns="" id="{B589B725-0E0C-40CC-9549-C1BDEC14B51E}"/>
                 </a:ext>
               </a:extLst>
             </p:cNvPr>
@@ -13771,7 +13990,7 @@
     </p:spTree>
     <p:extLst>
       <p:ext uri="{BB962C8B-B14F-4D97-AF65-F5344CB8AC3E}">
-        <p14:creationId xmlns:p14="http://schemas.microsoft.com/office/powerpoint/2010/main" val="927912257"/>
+        <p14:creationId xmlns:p14="http://schemas.microsoft.com/office/powerpoint/2010/main" xmlns="" val="927912257"/>
       </p:ext>
     </p:extLst>
   </p:cSld>
@@ -14524,18 +14743,25 @@
     </p:spTree>
     <p:extLst>
       <p:ext uri="{BB962C8B-B14F-4D97-AF65-F5344CB8AC3E}">
-        <p14:creationId xmlns:p14="http://schemas.microsoft.com/office/powerpoint/2010/main" val="2586117660"/>
+        <p14:creationId xmlns="" xmlns:p14="http://schemas.microsoft.com/office/powerpoint/2010/main" val="2586117660"/>
       </p:ext>
     </p:extLst>
   </p:cSld>
   <p:clrMapOvr>
     <a:masterClrMapping/>
   </p:clrMapOvr>
+  <p:timing>
+    <p:tnLst>
+      <p:par>
+        <p:cTn id="1" dur="indefinite" restart="never" nodeType="tmRoot"/>
+      </p:par>
+    </p:tnLst>
+  </p:timing>
 </p:sld>
 </file>
 
 <file path=ppt/slides/slide10.xml><?xml version="1.0" encoding="utf-8"?>
-<p:sld xmlns:a="http://schemas.openxmlformats.org/drawingml/2006/main" xmlns:r="http://schemas.openxmlformats.org/officeDocument/2006/relationships" xmlns:p="http://schemas.openxmlformats.org/presentationml/2006/main" show="0">
+<p:sld xmlns:a="http://schemas.openxmlformats.org/drawingml/2006/main" xmlns:r="http://schemas.openxmlformats.org/officeDocument/2006/relationships" xmlns:p="http://schemas.openxmlformats.org/presentationml/2006/main">
   <p:cSld>
     <p:spTree>
       <p:nvGrpSpPr>
@@ -14617,7 +14843,7 @@
     </p:spTree>
     <p:extLst>
       <p:ext uri="{BB962C8B-B14F-4D97-AF65-F5344CB8AC3E}">
-        <p14:creationId xmlns:p14="http://schemas.microsoft.com/office/powerpoint/2010/main" val="4034723819"/>
+        <p14:creationId xmlns="" xmlns:p14="http://schemas.microsoft.com/office/powerpoint/2010/main" val="4034723819"/>
       </p:ext>
     </p:extLst>
   </p:cSld>
@@ -14625,11 +14851,18 @@
     <a:masterClrMapping/>
   </p:clrMapOvr>
   <p:transition/>
+  <p:timing>
+    <p:tnLst>
+      <p:par>
+        <p:cTn id="1" dur="indefinite" restart="never" nodeType="tmRoot"/>
+      </p:par>
+    </p:tnLst>
+  </p:timing>
 </p:sld>
 </file>
 
 <file path=ppt/slides/slide11.xml><?xml version="1.0" encoding="utf-8"?>
-<p:sld xmlns:a="http://schemas.openxmlformats.org/drawingml/2006/main" xmlns:r="http://schemas.openxmlformats.org/officeDocument/2006/relationships" xmlns:p="http://schemas.openxmlformats.org/presentationml/2006/main" show="0">
+<p:sld xmlns:a="http://schemas.openxmlformats.org/drawingml/2006/main" xmlns:r="http://schemas.openxmlformats.org/officeDocument/2006/relationships" xmlns:p="http://schemas.openxmlformats.org/presentationml/2006/main">
   <p:cSld>
     <p:spTree>
       <p:nvGrpSpPr>
@@ -14645,39 +14878,138 @@
           <a:chExt cx="0" cy="0"/>
         </a:xfrm>
       </p:grpSpPr>
-      <p:sp>
-        <p:nvSpPr>
-          <p:cNvPr id="2" name="內容版面配置區 1"/>
-          <p:cNvSpPr>
-            <a:spLocks noGrp="1"/>
-          </p:cNvSpPr>
+      <p:pic>
+        <p:nvPicPr>
+          <p:cNvPr id="4" name="第四組大專介紹影片.mp4">
+            <a:hlinkClick r:id="" action="ppaction://media"/>
+          </p:cNvPr>
+          <p:cNvPicPr>
+            <a:picLocks noGrp="1" noRot="1" noChangeAspect="1"/>
+          </p:cNvPicPr>
           <p:nvPr>
             <p:ph idx="1"/>
+            <a:videoFile r:link="rId1"/>
           </p:nvPr>
-        </p:nvSpPr>
-        <p:spPr/>
-        <p:txBody>
-          <a:bodyPr/>
-          <a:lstStyle/>
-          <a:p>
-            <a:r>
-              <a:rPr lang="zh-TW" altLang="en-US" dirty="0"/>
-              <a:t>影片站存區</a:t>
-            </a:r>
-          </a:p>
-        </p:txBody>
-      </p:sp>
+        </p:nvPicPr>
+        <p:blipFill>
+          <a:blip r:embed="rId3" cstate="print"/>
+          <a:stretch>
+            <a:fillRect/>
+          </a:stretch>
+        </p:blipFill>
+        <p:spPr>
+          <a:xfrm>
+            <a:off x="488504" y="188640"/>
+            <a:ext cx="8568952" cy="6426714"/>
+          </a:xfrm>
+          <a:prstGeom prst="rect">
+            <a:avLst/>
+          </a:prstGeom>
+        </p:spPr>
+      </p:pic>
     </p:spTree>
   </p:cSld>
   <p:clrMapOvr>
     <a:masterClrMapping/>
   </p:clrMapOvr>
   <p:transition/>
+  <p:timing>
+    <p:tnLst>
+      <p:par>
+        <p:cTn id="1" dur="indefinite" restart="never" nodeType="tmRoot">
+          <p:childTnLst>
+            <p:seq concurrent="1" nextAc="seek">
+              <p:cTn id="2" restart="whenNotActive" fill="hold" evtFilter="cancelBubble" nodeType="interactiveSeq">
+                <p:stCondLst>
+                  <p:cond evt="onClick" delay="0">
+                    <p:tgtEl>
+                      <p:spTgt spid="4"/>
+                    </p:tgtEl>
+                  </p:cond>
+                </p:stCondLst>
+                <p:endSync evt="end" delay="0">
+                  <p:rtn val="all"/>
+                </p:endSync>
+                <p:childTnLst>
+                  <p:par>
+                    <p:cTn id="3" fill="hold">
+                      <p:stCondLst>
+                        <p:cond delay="0"/>
+                      </p:stCondLst>
+                      <p:childTnLst>
+                        <p:par>
+                          <p:cTn id="4" fill="hold">
+                            <p:stCondLst>
+                              <p:cond delay="0"/>
+                            </p:stCondLst>
+                            <p:childTnLst>
+                              <p:par>
+                                <p:cTn id="5" presetID="2" presetClass="mediacall" presetSubtype="0" fill="hold" nodeType="clickEffect">
+                                  <p:stCondLst>
+                                    <p:cond delay="0"/>
+                                  </p:stCondLst>
+                                  <p:childTnLst>
+                                    <p:cmd type="call" cmd="togglePause">
+                                      <p:cBhvr>
+                                        <p:cTn id="6" dur="1" fill="hold"/>
+                                        <p:tgtEl>
+                                          <p:spTgt spid="4"/>
+                                        </p:tgtEl>
+                                      </p:cBhvr>
+                                    </p:cmd>
+                                  </p:childTnLst>
+                                </p:cTn>
+                              </p:par>
+                            </p:childTnLst>
+                          </p:cTn>
+                        </p:par>
+                      </p:childTnLst>
+                    </p:cTn>
+                  </p:par>
+                </p:childTnLst>
+              </p:cTn>
+              <p:nextCondLst>
+                <p:cond evt="onClick" delay="0">
+                  <p:tgtEl>
+                    <p:spTgt spid="4"/>
+                  </p:tgtEl>
+                </p:cond>
+              </p:nextCondLst>
+            </p:seq>
+            <p:video>
+              <p:cMediaNode>
+                <p:cTn id="7" fill="hold" display="0">
+                  <p:stCondLst>
+                    <p:cond delay="indefinite"/>
+                  </p:stCondLst>
+                  <p:endCondLst>
+                    <p:cond evt="onNext" delay="0">
+                      <p:tgtEl>
+                        <p:sldTgt/>
+                      </p:tgtEl>
+                    </p:cond>
+                    <p:cond evt="onPrev" delay="0">
+                      <p:tgtEl>
+                        <p:sldTgt/>
+                      </p:tgtEl>
+                    </p:cond>
+                  </p:endCondLst>
+                </p:cTn>
+                <p:tgtEl>
+                  <p:spTgt spid="4"/>
+                </p:tgtEl>
+              </p:cMediaNode>
+            </p:video>
+          </p:childTnLst>
+        </p:cTn>
+      </p:par>
+    </p:tnLst>
+  </p:timing>
 </p:sld>
 </file>
 
 <file path=ppt/slides/slide12.xml><?xml version="1.0" encoding="utf-8"?>
-<p:sld xmlns:a="http://schemas.openxmlformats.org/drawingml/2006/main" xmlns:r="http://schemas.openxmlformats.org/officeDocument/2006/relationships" xmlns:p="http://schemas.openxmlformats.org/presentationml/2006/main" show="0">
+<p:sld xmlns:a="http://schemas.openxmlformats.org/drawingml/2006/main" xmlns:r="http://schemas.openxmlformats.org/officeDocument/2006/relationships" xmlns:p="http://schemas.openxmlformats.org/presentationml/2006/main">
   <p:cSld>
     <p:spTree>
       <p:nvGrpSpPr>
@@ -14702,7 +15034,7 @@
         <p:spPr>
           <a:xfrm>
             <a:off x="3512840" y="2996952"/>
-            <a:ext cx="2880320" cy="707886"/>
+            <a:ext cx="2880320" cy="720080"/>
           </a:xfrm>
           <a:prstGeom prst="rect">
             <a:avLst/>
@@ -14789,7 +15121,7 @@
               </a:rPr>
               <a:t>u</a:t>
             </a:r>
-            <a:endParaRPr lang="zh-TW" altLang="en-US" sz="4000" dirty="0">
+            <a:endParaRPr lang="zh-TW" altLang="en-US" sz="4000" dirty="0" err="1">
               <a:solidFill>
                 <a:schemeClr val="accent3"/>
               </a:solidFill>
@@ -14800,14 +15132,20 @@
     </p:spTree>
     <p:extLst>
       <p:ext uri="{BB962C8B-B14F-4D97-AF65-F5344CB8AC3E}">
-        <p14:creationId xmlns:p14="http://schemas.microsoft.com/office/powerpoint/2010/main" val="4034723819"/>
+        <p14:creationId xmlns="" xmlns:p14="http://schemas.microsoft.com/office/powerpoint/2010/main" val="4034723819"/>
       </p:ext>
     </p:extLst>
   </p:cSld>
   <p:clrMapOvr>
     <a:masterClrMapping/>
   </p:clrMapOvr>
-  <p:transition/>
+  <p:timing>
+    <p:tnLst>
+      <p:par>
+        <p:cTn id="1" dur="indefinite" restart="never" nodeType="tmRoot"/>
+      </p:par>
+    </p:tnLst>
+  </p:timing>
 </p:sld>
 </file>
 
@@ -14926,7 +15264,7 @@
               <a:t>◆</a:t>
             </a:r>
             <a:r>
-              <a:rPr lang="zh-TW" altLang="en-US" sz="1700" dirty="0">
+              <a:rPr lang="zh-TW" altLang="en-US" sz="2000" dirty="0">
                 <a:solidFill>
                   <a:srgbClr val="FFFFFF"/>
                 </a:solidFill>
@@ -14936,7 +15274,7 @@
               </a:rPr>
               <a:t>網站規劃</a:t>
             </a:r>
-            <a:endParaRPr lang="en-US" altLang="zh-TW" sz="1700" dirty="0">
+            <a:endParaRPr lang="en-US" altLang="zh-TW" sz="2000" dirty="0">
               <a:solidFill>
                 <a:srgbClr val="FFFFFF"/>
               </a:solidFill>
@@ -14959,7 +15297,7 @@
               <a:t>◆ </a:t>
             </a:r>
             <a:r>
-              <a:rPr lang="en-US" altLang="zh-TW" sz="1700" dirty="0">
+              <a:rPr lang="en-US" altLang="zh-TW" sz="2000" dirty="0">
                 <a:solidFill>
                   <a:srgbClr val="FFFFFF"/>
                 </a:solidFill>
@@ -14970,7 +15308,7 @@
               <a:t>LOGO</a:t>
             </a:r>
             <a:r>
-              <a:rPr lang="zh-TW" altLang="en-US" sz="1700" dirty="0">
+              <a:rPr lang="zh-TW" altLang="en-US" sz="2000" dirty="0">
                 <a:solidFill>
                   <a:srgbClr val="FFFFFF"/>
                 </a:solidFill>
@@ -14980,7 +15318,7 @@
               </a:rPr>
               <a:t>設計</a:t>
             </a:r>
-            <a:endParaRPr lang="en-US" altLang="zh-TW" sz="1700" dirty="0">
+            <a:endParaRPr lang="en-US" altLang="zh-TW" sz="2000" dirty="0">
               <a:solidFill>
                 <a:srgbClr val="FFFFFF"/>
               </a:solidFill>
@@ -15000,21 +15338,10 @@
                 <a:ea typeface="微軟正黑體" pitchFamily="34" charset="-120"/>
                 <a:sym typeface="Calibri"/>
               </a:rPr>
-              <a:t>◆</a:t>
-            </a:r>
-            <a:r>
-              <a:rPr lang="zh-TW" altLang="en-US" sz="1600" dirty="0">
-                <a:solidFill>
-                  <a:srgbClr val="6ECBD4"/>
-                </a:solidFill>
-                <a:latin typeface="微軟正黑體" pitchFamily="34" charset="-120"/>
-                <a:ea typeface="微軟正黑體" pitchFamily="34" charset="-120"/>
-                <a:sym typeface="Calibri"/>
-              </a:rPr>
-              <a:t> </a:t>
-            </a:r>
-            <a:r>
-              <a:rPr lang="en-US" altLang="zh-TW" sz="1700" dirty="0">
+              <a:t>◆ </a:t>
+            </a:r>
+            <a:r>
+              <a:rPr lang="zh-TW" altLang="en-US" sz="2000" dirty="0" smtClean="0">
                 <a:solidFill>
                   <a:srgbClr val="FFFFFF"/>
                 </a:solidFill>
@@ -15022,12 +15349,25 @@
                 <a:ea typeface="微軟正黑體" pitchFamily="34" charset="-120"/>
                 <a:sym typeface="Calibri"/>
               </a:rPr>
-              <a:t>PHP</a:t>
-            </a:r>
-            <a:endParaRPr dirty="0">
-              <a:latin typeface="標楷體" pitchFamily="65" charset="-120"/>
-              <a:ea typeface="標楷體" pitchFamily="65" charset="-120"/>
-              <a:cs typeface="Calibri"/>
+              <a:t>程式優</a:t>
+            </a:r>
+            <a:r>
+              <a:rPr lang="zh-TW" altLang="en-US" sz="2000" dirty="0" smtClean="0">
+                <a:solidFill>
+                  <a:srgbClr val="FFFFFF"/>
+                </a:solidFill>
+                <a:latin typeface="微軟正黑體" pitchFamily="34" charset="-120"/>
+                <a:ea typeface="微軟正黑體" pitchFamily="34" charset="-120"/>
+                <a:sym typeface="Calibri"/>
+              </a:rPr>
+              <a:t>化</a:t>
+            </a:r>
+            <a:endParaRPr lang="zh-TW" altLang="en-US" sz="2000" dirty="0">
+              <a:solidFill>
+                <a:srgbClr val="FFFFFF"/>
+              </a:solidFill>
+              <a:latin typeface="微軟正黑體" pitchFamily="34" charset="-120"/>
+              <a:ea typeface="微軟正黑體" pitchFamily="34" charset="-120"/>
               <a:sym typeface="Calibri"/>
             </a:endParaRPr>
           </a:p>
@@ -15041,8 +15381,8 @@
         </p:nvSpPr>
         <p:spPr>
           <a:xfrm>
-            <a:off x="2246669" y="2857496"/>
-            <a:ext cx="1351652" cy="1446550"/>
+            <a:off x="2246668" y="2857496"/>
+            <a:ext cx="1991952" cy="1446550"/>
           </a:xfrm>
           <a:prstGeom prst="rect">
             <a:avLst/>
@@ -15076,10 +15416,11 @@
             </a:endParaRPr>
           </a:p>
           <a:p>
-            <a:r>
-              <a:rPr lang="zh-TW" altLang="en-US" sz="2000" dirty="0">
+            <a:pPr indent="-828000"/>
+            <a:r>
+              <a:rPr lang="zh-TW" altLang="en-US" sz="2000" dirty="0" smtClean="0">
                 <a:solidFill>
-                  <a:srgbClr val="6ECBD4"/>
+                  <a:schemeClr val="accent6"/>
                 </a:solidFill>
                 <a:latin typeface="微軟正黑體" pitchFamily="34" charset="-120"/>
                 <a:ea typeface="微軟正黑體" pitchFamily="34" charset="-120"/>
@@ -15088,7 +15429,7 @@
               <a:t>◆</a:t>
             </a:r>
             <a:r>
-              <a:rPr lang="zh-TW" altLang="en-US" sz="1700" dirty="0">
+              <a:rPr lang="zh-TW" altLang="en-US" sz="2000" dirty="0" smtClean="0">
                 <a:solidFill>
                   <a:srgbClr val="FFFFFF"/>
                 </a:solidFill>
@@ -15096,9 +15437,9 @@
                 <a:ea typeface="微軟正黑體" pitchFamily="34" charset="-120"/>
                 <a:sym typeface="Calibri"/>
               </a:rPr>
-              <a:t>版面設計</a:t>
-            </a:r>
-            <a:endParaRPr lang="en-US" altLang="zh-TW" sz="1700" dirty="0">
+              <a:t>搜尋功能</a:t>
+            </a:r>
+            <a:endParaRPr lang="en-US" altLang="zh-TW" sz="2000" dirty="0">
               <a:solidFill>
                 <a:srgbClr val="FFFFFF"/>
               </a:solidFill>
@@ -15108,30 +15449,20 @@
             </a:endParaRPr>
           </a:p>
           <a:p>
+            <a:pPr indent="-828000"/>
             <a:r>
               <a:rPr lang="zh-TW" altLang="en-US" sz="2000" dirty="0">
                 <a:solidFill>
-                  <a:srgbClr val="6ECBD4"/>
+                  <a:schemeClr val="accent6"/>
                 </a:solidFill>
                 <a:latin typeface="微軟正黑體" pitchFamily="34" charset="-120"/>
                 <a:ea typeface="微軟正黑體" pitchFamily="34" charset="-120"/>
                 <a:sym typeface="Calibri"/>
               </a:rPr>
-              <a:t>◆</a:t>
-            </a:r>
-            <a:r>
-              <a:rPr lang="zh-TW" altLang="en-US" sz="1700" dirty="0">
-                <a:solidFill>
-                  <a:srgbClr val="FFFFFF"/>
-                </a:solidFill>
-                <a:latin typeface="微軟正黑體" pitchFamily="34" charset="-120"/>
-                <a:ea typeface="微軟正黑體" pitchFamily="34" charset="-120"/>
-                <a:sym typeface="Calibri"/>
-              </a:rPr>
-              <a:t> </a:t>
-            </a:r>
-            <a:r>
-              <a:rPr lang="en-US" altLang="zh-TW" sz="1700" dirty="0">
+              <a:t>◆ </a:t>
+            </a:r>
+            <a:r>
+              <a:rPr lang="en-US" altLang="zh-TW" sz="2000" dirty="0" smtClean="0">
                 <a:solidFill>
                   <a:srgbClr val="FFFFFF"/>
                 </a:solidFill>
@@ -15141,12 +15472,32 @@
               </a:rPr>
               <a:t>PHP</a:t>
             </a:r>
+            <a:r>
+              <a:rPr lang="zh-TW" altLang="en-US" sz="2000" dirty="0" smtClean="0">
+                <a:solidFill>
+                  <a:srgbClr val="FFFFFF"/>
+                </a:solidFill>
+                <a:latin typeface="微軟正黑體" pitchFamily="34" charset="-120"/>
+                <a:ea typeface="微軟正黑體" pitchFamily="34" charset="-120"/>
+                <a:sym typeface="Calibri"/>
+              </a:rPr>
+              <a:t>功能建置</a:t>
+            </a:r>
+            <a:endParaRPr lang="en-US" altLang="zh-TW" sz="2000" dirty="0">
+              <a:solidFill>
+                <a:srgbClr val="FFFFFF"/>
+              </a:solidFill>
+              <a:latin typeface="微軟正黑體" pitchFamily="34" charset="-120"/>
+              <a:ea typeface="微軟正黑體" pitchFamily="34" charset="-120"/>
+              <a:sym typeface="Calibri"/>
+            </a:endParaRPr>
           </a:p>
           <a:p>
+            <a:pPr indent="-828000"/>
             <a:r>
               <a:rPr lang="zh-TW" altLang="en-US" sz="2000" dirty="0">
                 <a:solidFill>
-                  <a:srgbClr val="6ECBD4"/>
+                  <a:schemeClr val="accent6"/>
                 </a:solidFill>
                 <a:latin typeface="微軟正黑體" pitchFamily="34" charset="-120"/>
                 <a:ea typeface="微軟正黑體" pitchFamily="34" charset="-120"/>
@@ -15155,7 +15506,7 @@
               <a:t>◆</a:t>
             </a:r>
             <a:r>
-              <a:rPr lang="zh-TW" altLang="en-US" sz="1700" dirty="0">
+              <a:rPr lang="zh-TW" altLang="en-US" sz="2000" dirty="0">
                 <a:solidFill>
                   <a:srgbClr val="FFFFFF"/>
                 </a:solidFill>
@@ -15165,7 +15516,7 @@
               </a:rPr>
               <a:t>頁面整合</a:t>
             </a:r>
-            <a:endParaRPr lang="en-US" altLang="zh-TW" sz="1700" dirty="0">
+            <a:endParaRPr lang="en-US" altLang="zh-TW" sz="2000" dirty="0">
               <a:solidFill>
                 <a:srgbClr val="FFFFFF"/>
               </a:solidFill>
@@ -15185,7 +15536,7 @@
         <p:spPr>
           <a:xfrm>
             <a:off x="2238356" y="4572008"/>
-            <a:ext cx="1646605" cy="1446550"/>
+            <a:ext cx="1620957" cy="1446550"/>
           </a:xfrm>
           <a:prstGeom prst="rect">
             <a:avLst/>
@@ -15219,10 +15570,11 @@
             </a:endParaRPr>
           </a:p>
           <a:p>
+            <a:pPr indent="-828000"/>
             <a:r>
               <a:rPr lang="zh-TW" altLang="en-US" sz="2000" dirty="0">
                 <a:solidFill>
-                  <a:srgbClr val="6ECBD4"/>
+                  <a:schemeClr val="accent6"/>
                 </a:solidFill>
                 <a:latin typeface="微軟正黑體" pitchFamily="34" charset="-120"/>
                 <a:ea typeface="微軟正黑體" pitchFamily="34" charset="-120"/>
@@ -15231,7 +15583,7 @@
               <a:t>◆</a:t>
             </a:r>
             <a:r>
-              <a:rPr lang="zh-TW" altLang="en-US" sz="1700" dirty="0">
+              <a:rPr lang="zh-TW" altLang="en-US" sz="2000" dirty="0">
                 <a:solidFill>
                   <a:srgbClr val="FFFFFF"/>
                 </a:solidFill>
@@ -15241,7 +15593,7 @@
               </a:rPr>
               <a:t>會員功能</a:t>
             </a:r>
-            <a:endParaRPr lang="en-US" altLang="zh-TW" sz="1700" dirty="0">
+            <a:endParaRPr lang="en-US" altLang="zh-TW" sz="2000" dirty="0">
               <a:solidFill>
                 <a:srgbClr val="FFFFFF"/>
               </a:solidFill>
@@ -15251,10 +15603,11 @@
             </a:endParaRPr>
           </a:p>
           <a:p>
-            <a:r>
-              <a:rPr lang="zh-TW" altLang="en-US" sz="2000" dirty="0">
+            <a:pPr indent="-828000"/>
+            <a:r>
+              <a:rPr lang="zh-TW" altLang="en-US" sz="2000" dirty="0" smtClean="0">
                 <a:solidFill>
-                  <a:srgbClr val="6ECBD4"/>
+                  <a:schemeClr val="accent6"/>
                 </a:solidFill>
                 <a:latin typeface="微軟正黑體" pitchFamily="34" charset="-120"/>
                 <a:ea typeface="微軟正黑體" pitchFamily="34" charset="-120"/>
@@ -15263,7 +15616,7 @@
               <a:t>◆</a:t>
             </a:r>
             <a:r>
-              <a:rPr lang="zh-TW" altLang="en-US" sz="1700" dirty="0">
+              <a:rPr lang="en-US" altLang="zh-TW" sz="2000" dirty="0" smtClean="0">
                 <a:solidFill>
                   <a:srgbClr val="FFFFFF"/>
                 </a:solidFill>
@@ -15271,9 +15624,20 @@
                 <a:ea typeface="微軟正黑體" pitchFamily="34" charset="-120"/>
                 <a:sym typeface="Calibri"/>
               </a:rPr>
-              <a:t>前端細部微調</a:t>
-            </a:r>
-            <a:endParaRPr lang="en-US" altLang="zh-TW" sz="1700" dirty="0">
+              <a:t>API</a:t>
+            </a:r>
+            <a:r>
+              <a:rPr lang="zh-TW" altLang="en-US" sz="2000" dirty="0" smtClean="0">
+                <a:solidFill>
+                  <a:srgbClr val="FFFFFF"/>
+                </a:solidFill>
+                <a:latin typeface="微軟正黑體" pitchFamily="34" charset="-120"/>
+                <a:ea typeface="微軟正黑體" pitchFamily="34" charset="-120"/>
+                <a:sym typeface="Calibri"/>
+              </a:rPr>
+              <a:t>串接</a:t>
+            </a:r>
+            <a:endParaRPr lang="en-US" altLang="zh-TW" sz="2000" dirty="0">
               <a:solidFill>
                 <a:srgbClr val="FFFFFF"/>
               </a:solidFill>
@@ -15283,10 +15647,11 @@
             </a:endParaRPr>
           </a:p>
           <a:p>
-            <a:r>
-              <a:rPr lang="zh-TW" altLang="en-US" sz="2000" dirty="0">
+            <a:pPr indent="-828000"/>
+            <a:r>
+              <a:rPr lang="zh-TW" altLang="en-US" sz="2000" dirty="0" smtClean="0">
                 <a:solidFill>
-                  <a:srgbClr val="6ECBD4"/>
+                  <a:schemeClr val="accent6"/>
                 </a:solidFill>
                 <a:latin typeface="微軟正黑體" pitchFamily="34" charset="-120"/>
                 <a:ea typeface="微軟正黑體" pitchFamily="34" charset="-120"/>
@@ -15295,7 +15660,7 @@
               <a:t>◆</a:t>
             </a:r>
             <a:r>
-              <a:rPr lang="zh-TW" altLang="en-US" sz="1700" dirty="0">
+              <a:rPr lang="zh-TW" altLang="en-US" sz="2000" dirty="0" smtClean="0">
                 <a:solidFill>
                   <a:srgbClr val="FFFFFF"/>
                 </a:solidFill>
@@ -15303,8 +15668,16 @@
                 <a:ea typeface="微軟正黑體" pitchFamily="34" charset="-120"/>
                 <a:sym typeface="Calibri"/>
               </a:rPr>
-              <a:t>蒐集資料</a:t>
-            </a:r>
+              <a:t>前後端整合</a:t>
+            </a:r>
+            <a:endParaRPr lang="zh-TW" altLang="en-US" sz="2000" dirty="0">
+              <a:solidFill>
+                <a:srgbClr val="FFFFFF"/>
+              </a:solidFill>
+              <a:latin typeface="微軟正黑體" pitchFamily="34" charset="-120"/>
+              <a:ea typeface="微軟正黑體" pitchFamily="34" charset="-120"/>
+              <a:sym typeface="Calibri"/>
+            </a:endParaRPr>
           </a:p>
         </p:txBody>
       </p:sp>
@@ -15317,7 +15690,7 @@
         <p:spPr>
           <a:xfrm>
             <a:off x="6524636" y="1857364"/>
-            <a:ext cx="1646605" cy="1446550"/>
+            <a:ext cx="1931939" cy="1446550"/>
           </a:xfrm>
           <a:prstGeom prst="rect">
             <a:avLst/>
@@ -15354,10 +15727,11 @@
             </a:endParaRPr>
           </a:p>
           <a:p>
-            <a:r>
-              <a:rPr lang="zh-TW" altLang="en-US" sz="2000" dirty="0">
+            <a:pPr indent="-828000"/>
+            <a:r>
+              <a:rPr lang="zh-TW" altLang="en-US" sz="2000" dirty="0" smtClean="0">
                 <a:solidFill>
-                  <a:srgbClr val="6ECBD4"/>
+                  <a:schemeClr val="accent6"/>
                 </a:solidFill>
                 <a:latin typeface="微軟正黑體" pitchFamily="34" charset="-120"/>
                 <a:ea typeface="微軟正黑體" pitchFamily="34" charset="-120"/>
@@ -15366,7 +15740,7 @@
               <a:t>◆</a:t>
             </a:r>
             <a:r>
-              <a:rPr lang="zh-TW" altLang="en-US" sz="1700" dirty="0">
+              <a:rPr lang="en-US" altLang="zh-TW" sz="2000" dirty="0" smtClean="0">
                 <a:solidFill>
                   <a:srgbClr val="FFFFFF"/>
                 </a:solidFill>
@@ -15374,9 +15748,20 @@
                 <a:ea typeface="微軟正黑體" pitchFamily="34" charset="-120"/>
                 <a:sym typeface="Calibri"/>
               </a:rPr>
-              <a:t>網站首頁設計</a:t>
-            </a:r>
-            <a:endParaRPr lang="en-US" altLang="zh-TW" sz="1700" dirty="0">
+              <a:t> PHP</a:t>
+            </a:r>
+            <a:r>
+              <a:rPr lang="zh-TW" altLang="en-US" sz="2000" dirty="0" smtClean="0">
+                <a:solidFill>
+                  <a:srgbClr val="FFFFFF"/>
+                </a:solidFill>
+                <a:latin typeface="微軟正黑體" pitchFamily="34" charset="-120"/>
+                <a:ea typeface="微軟正黑體" pitchFamily="34" charset="-120"/>
+                <a:sym typeface="Calibri"/>
+              </a:rPr>
+              <a:t>功能建置</a:t>
+            </a:r>
+            <a:endParaRPr lang="en-US" altLang="zh-TW" sz="2000" dirty="0">
               <a:solidFill>
                 <a:srgbClr val="FFFFFF"/>
               </a:solidFill>
@@ -15386,10 +15771,11 @@
             </a:endParaRPr>
           </a:p>
           <a:p>
+            <a:pPr indent="-828000"/>
             <a:r>
               <a:rPr lang="zh-TW" altLang="en-US" sz="2000" dirty="0">
                 <a:solidFill>
-                  <a:srgbClr val="6ECBD4"/>
+                  <a:schemeClr val="accent6"/>
                 </a:solidFill>
                 <a:latin typeface="微軟正黑體" pitchFamily="34" charset="-120"/>
                 <a:ea typeface="微軟正黑體" pitchFamily="34" charset="-120"/>
@@ -15398,7 +15784,7 @@
               <a:t>◆</a:t>
             </a:r>
             <a:r>
-              <a:rPr lang="zh-TW" altLang="en-US" sz="1700" dirty="0">
+              <a:rPr lang="zh-TW" altLang="en-US" sz="2000" dirty="0" smtClean="0">
                 <a:solidFill>
                   <a:srgbClr val="FFFFFF"/>
                 </a:solidFill>
@@ -15406,9 +15792,9 @@
                 <a:ea typeface="微軟正黑體" pitchFamily="34" charset="-120"/>
                 <a:sym typeface="Calibri"/>
               </a:rPr>
-              <a:t>資料庫</a:t>
-            </a:r>
-            <a:endParaRPr lang="en-US" altLang="zh-TW" sz="1700" dirty="0">
+              <a:t>資料庫串接</a:t>
+            </a:r>
+            <a:endParaRPr lang="en-US" altLang="zh-TW" sz="2000" dirty="0">
               <a:solidFill>
                 <a:srgbClr val="FFFFFF"/>
               </a:solidFill>
@@ -15418,10 +15804,11 @@
             </a:endParaRPr>
           </a:p>
           <a:p>
+            <a:pPr indent="-828000"/>
             <a:r>
               <a:rPr lang="zh-TW" altLang="en-US" sz="2000" dirty="0">
                 <a:solidFill>
-                  <a:srgbClr val="6ECBD4"/>
+                  <a:schemeClr val="accent6"/>
                 </a:solidFill>
                 <a:latin typeface="微軟正黑體" pitchFamily="34" charset="-120"/>
                 <a:ea typeface="微軟正黑體" pitchFamily="34" charset="-120"/>
@@ -15430,7 +15817,7 @@
               <a:t>◆ </a:t>
             </a:r>
             <a:r>
-              <a:rPr lang="en-US" altLang="zh-TW" sz="1700" dirty="0">
+              <a:rPr lang="en-US" altLang="zh-TW" sz="2000" dirty="0" smtClean="0">
                 <a:solidFill>
                   <a:srgbClr val="FFFFFF"/>
                 </a:solidFill>
@@ -15438,10 +15825,10 @@
                 <a:ea typeface="微軟正黑體" pitchFamily="34" charset="-120"/>
                 <a:sym typeface="Calibri"/>
               </a:rPr>
-              <a:t>API</a:t>
-            </a:r>
-            <a:r>
-              <a:rPr lang="zh-TW" altLang="en-US" sz="1700" dirty="0">
+              <a:t>LOGO</a:t>
+            </a:r>
+            <a:r>
+              <a:rPr lang="zh-TW" altLang="en-US" sz="2000" dirty="0" smtClean="0">
                 <a:solidFill>
                   <a:srgbClr val="FFFFFF"/>
                 </a:solidFill>
@@ -15449,8 +15836,16 @@
                 <a:ea typeface="微軟正黑體" pitchFamily="34" charset="-120"/>
                 <a:sym typeface="Calibri"/>
               </a:rPr>
-              <a:t>串接</a:t>
-            </a:r>
+              <a:t>設計</a:t>
+            </a:r>
+            <a:endParaRPr lang="zh-TW" altLang="en-US" sz="2000" dirty="0">
+              <a:solidFill>
+                <a:srgbClr val="FFFFFF"/>
+              </a:solidFill>
+              <a:latin typeface="微軟正黑體" pitchFamily="34" charset="-120"/>
+              <a:ea typeface="微軟正黑體" pitchFamily="34" charset="-120"/>
+              <a:sym typeface="Calibri"/>
+            </a:endParaRPr>
           </a:p>
         </p:txBody>
       </p:sp>
@@ -15463,7 +15858,7 @@
         <p:spPr>
           <a:xfrm>
             <a:off x="6524636" y="3929066"/>
-            <a:ext cx="1457387" cy="1138773"/>
+            <a:ext cx="1641924" cy="1446550"/>
           </a:xfrm>
           <a:prstGeom prst="rect">
             <a:avLst/>
@@ -15497,10 +15892,11 @@
             </a:endParaRPr>
           </a:p>
           <a:p>
-            <a:r>
-              <a:rPr lang="zh-TW" altLang="en-US" sz="2000" dirty="0">
+            <a:pPr indent="-828000"/>
+            <a:r>
+              <a:rPr lang="zh-TW" altLang="en-US" sz="2000" dirty="0" smtClean="0">
                 <a:solidFill>
-                  <a:srgbClr val="6ECBD4"/>
+                  <a:schemeClr val="accent6"/>
                 </a:solidFill>
                 <a:latin typeface="微軟正黑體" pitchFamily="34" charset="-120"/>
                 <a:ea typeface="微軟正黑體" pitchFamily="34" charset="-120"/>
@@ -15509,7 +15905,7 @@
               <a:t>◆ </a:t>
             </a:r>
             <a:r>
-              <a:rPr lang="en-US" altLang="zh-TW" sz="1700" dirty="0">
+              <a:rPr lang="en-US" altLang="zh-TW" sz="2000" dirty="0" smtClean="0">
                 <a:solidFill>
                   <a:srgbClr val="FFFFFF"/>
                 </a:solidFill>
@@ -15520,7 +15916,7 @@
               <a:t>LOGO</a:t>
             </a:r>
             <a:r>
-              <a:rPr lang="zh-TW" altLang="en-US" sz="1700" dirty="0">
+              <a:rPr lang="zh-TW" altLang="en-US" sz="2000" dirty="0" smtClean="0">
                 <a:solidFill>
                   <a:srgbClr val="FFFFFF"/>
                 </a:solidFill>
@@ -15530,7 +15926,7 @@
               </a:rPr>
               <a:t>設計</a:t>
             </a:r>
-            <a:endParaRPr lang="en-US" altLang="zh-TW" sz="1700" dirty="0">
+            <a:endParaRPr lang="en-US" altLang="zh-TW" sz="2000" dirty="0" smtClean="0">
               <a:solidFill>
                 <a:srgbClr val="FFFFFF"/>
               </a:solidFill>
@@ -15540,10 +15936,11 @@
             </a:endParaRPr>
           </a:p>
           <a:p>
-            <a:r>
-              <a:rPr lang="zh-TW" altLang="en-US" sz="2000" dirty="0">
+            <a:pPr indent="-828000"/>
+            <a:r>
+              <a:rPr lang="zh-TW" altLang="en-US" sz="2000" dirty="0" smtClean="0">
                 <a:solidFill>
-                  <a:srgbClr val="6ECBD4"/>
+                  <a:schemeClr val="accent6"/>
                 </a:solidFill>
                 <a:latin typeface="微軟正黑體" pitchFamily="34" charset="-120"/>
                 <a:ea typeface="微軟正黑體" pitchFamily="34" charset="-120"/>
@@ -15552,7 +15949,40 @@
               <a:t>◆</a:t>
             </a:r>
             <a:r>
-              <a:rPr lang="zh-TW" altLang="en-US" sz="1700" dirty="0">
+              <a:rPr lang="zh-TW" altLang="en-US" sz="2000" dirty="0" smtClean="0">
+                <a:solidFill>
+                  <a:srgbClr val="FFFFFF"/>
+                </a:solidFill>
+                <a:latin typeface="微軟正黑體" pitchFamily="34" charset="-120"/>
+                <a:ea typeface="微軟正黑體" pitchFamily="34" charset="-120"/>
+                <a:sym typeface="Calibri"/>
+              </a:rPr>
+              <a:t>會員管理</a:t>
+            </a:r>
+            <a:endParaRPr lang="en-US" altLang="zh-TW" sz="2000" dirty="0">
+              <a:solidFill>
+                <a:srgbClr val="FFFFFF"/>
+              </a:solidFill>
+              <a:latin typeface="微軟正黑體" pitchFamily="34" charset="-120"/>
+              <a:ea typeface="微軟正黑體" pitchFamily="34" charset="-120"/>
+              <a:sym typeface="Calibri"/>
+            </a:endParaRPr>
+          </a:p>
+          <a:p>
+            <a:pPr indent="-828000"/>
+            <a:r>
+              <a:rPr lang="zh-TW" altLang="en-US" sz="2000" dirty="0">
+                <a:solidFill>
+                  <a:schemeClr val="accent6"/>
+                </a:solidFill>
+                <a:latin typeface="微軟正黑體" pitchFamily="34" charset="-120"/>
+                <a:ea typeface="微軟正黑體" pitchFamily="34" charset="-120"/>
+                <a:sym typeface="Calibri"/>
+              </a:rPr>
+              <a:t>◆</a:t>
+            </a:r>
+            <a:r>
+              <a:rPr lang="zh-TW" altLang="en-US" sz="2000" dirty="0">
                 <a:solidFill>
                   <a:srgbClr val="FFFFFF"/>
                 </a:solidFill>
@@ -15577,7 +16007,7 @@
           <a:blip r:embed="rId2" cstate="print">
             <a:extLst>
               <a:ext uri="{28A0092B-C50C-407E-A947-70E740481C1C}">
-                <a14:useLocalDpi xmlns:a14="http://schemas.microsoft.com/office/drawing/2010/main" val="0"/>
+                <a14:useLocalDpi xmlns="" xmlns:a14="http://schemas.microsoft.com/office/drawing/2010/main" val="0"/>
               </a:ext>
             </a:extLst>
           </a:blip>
@@ -15638,7 +16068,7 @@
           <a:blip r:embed="rId4" cstate="print">
             <a:extLst>
               <a:ext uri="{28A0092B-C50C-407E-A947-70E740481C1C}">
-                <a14:useLocalDpi xmlns:a14="http://schemas.microsoft.com/office/drawing/2010/main" val="0"/>
+                <a14:useLocalDpi xmlns="" xmlns:a14="http://schemas.microsoft.com/office/drawing/2010/main" val="0"/>
               </a:ext>
             </a:extLst>
           </a:blip>
@@ -15718,13 +16148,20 @@
     </p:spTree>
     <p:extLst>
       <p:ext uri="{BB962C8B-B14F-4D97-AF65-F5344CB8AC3E}">
-        <p14:creationId xmlns:p14="http://schemas.microsoft.com/office/powerpoint/2010/main" val="1179930141"/>
+        <p14:creationId xmlns="" xmlns:p14="http://schemas.microsoft.com/office/powerpoint/2010/main" val="1179930141"/>
       </p:ext>
     </p:extLst>
   </p:cSld>
   <p:clrMapOvr>
     <a:masterClrMapping/>
   </p:clrMapOvr>
+  <p:timing>
+    <p:tnLst>
+      <p:par>
+        <p:cTn id="1" dur="indefinite" restart="never" nodeType="tmRoot"/>
+      </p:par>
+    </p:tnLst>
+  </p:timing>
 </p:sld>
 </file>
 
@@ -15795,7 +16232,7 @@
         </p:spPr>
         <p:txBody>
           <a:bodyPr vert="horz" lIns="91440" tIns="45720" rIns="91440" bIns="45720" rtlCol="0">
-            <a:normAutofit/>
+            <a:normAutofit fontScale="92500" lnSpcReduction="10000"/>
           </a:bodyPr>
           <a:lstStyle>
             <a:lvl1pPr marL="342900" indent="-342900" algn="l" defTabSz="914400" rtl="0" eaLnBrk="1" latinLnBrk="0" hangingPunct="1">
@@ -15988,14 +16425,14 @@
               <a:buChar char="l"/>
             </a:pPr>
             <a:r>
-              <a:rPr lang="zh-TW" altLang="en-US" dirty="0">
+              <a:rPr lang="zh-TW" altLang="en-US" sz="3600" dirty="0">
                 <a:solidFill>
                   <a:schemeClr val="accent5"/>
                 </a:solidFill>
               </a:rPr>
               <a:t>動機</a:t>
             </a:r>
-            <a:endParaRPr lang="en-US" altLang="zh-TW" dirty="0">
+            <a:endParaRPr lang="en-US" altLang="zh-TW" sz="3600" dirty="0">
               <a:solidFill>
                 <a:schemeClr val="accent5"/>
               </a:solidFill>
@@ -16014,22 +16451,14 @@
               <a:defRPr/>
             </a:pPr>
             <a:r>
-              <a:rPr lang="zh-TW" altLang="en-US" u="sng" dirty="0">
+              <a:rPr lang="zh-TW" altLang="en-US" sz="2800" u="sng" dirty="0">
                 <a:solidFill>
                   <a:schemeClr val="bg1"/>
                 </a:solidFill>
               </a:rPr>
-              <a:t>在世界的許多角落，有很多的毛浪浪們，牠們滿身瘡痍、無家可歸，但只要有人願意分 給牠們一點愛，</a:t>
-            </a:r>
-            <a:r>
-              <a:rPr lang="zh-TW" altLang="en-US" sz="2400" u="sng" dirty="0">
-                <a:solidFill>
-                  <a:schemeClr val="bg1"/>
-                </a:solidFill>
-              </a:rPr>
-              <a:t>這些浪浪就會脫胎換骨，變成人們最貼心的毛小孩。</a:t>
-            </a:r>
-            <a:endParaRPr lang="en-US" altLang="zh-TW" sz="2400" u="sng" dirty="0">
+              <a:t>在世界的許多角落，有很多的毛浪浪們，牠們滿身瘡痍、無家可歸，但只要有人願意分 給牠們一點愛，這些浪浪就會脫胎換骨，變成人們最貼心的毛小孩。</a:t>
+            </a:r>
+            <a:endParaRPr lang="en-US" altLang="zh-TW" sz="2800" u="sng" dirty="0">
               <a:solidFill>
                 <a:schemeClr val="bg1"/>
               </a:solidFill>
@@ -16079,14 +16508,14 @@
               <a:buChar char="l"/>
             </a:pPr>
             <a:r>
-              <a:rPr lang="zh-TW" altLang="en-US" dirty="0">
+              <a:rPr lang="zh-TW" altLang="en-US" sz="3600" dirty="0">
                 <a:solidFill>
                   <a:schemeClr val="accent5"/>
                 </a:solidFill>
               </a:rPr>
               <a:t>目的</a:t>
             </a:r>
-            <a:endParaRPr lang="en-US" altLang="zh-TW" dirty="0">
+            <a:endParaRPr lang="en-US" altLang="zh-TW" sz="3600" dirty="0">
               <a:solidFill>
                 <a:schemeClr val="accent5"/>
               </a:solidFill>
@@ -16105,14 +16534,14 @@
               <a:defRPr/>
             </a:pPr>
             <a:r>
-              <a:rPr lang="zh-TW" altLang="en-US" u="sng" dirty="0">
+              <a:rPr lang="zh-TW" altLang="en-US" sz="2800" u="sng" dirty="0">
                 <a:solidFill>
                   <a:schemeClr val="bg1"/>
                 </a:solidFill>
               </a:rPr>
               <a:t>讓無家可歸的小動物們，找到安心的飼主們，快快樂樂的一同生活</a:t>
             </a:r>
-            <a:endParaRPr lang="en-US" altLang="zh-TW" u="sng" dirty="0">
+            <a:endParaRPr lang="en-US" altLang="zh-TW" sz="2800" u="sng" dirty="0">
               <a:solidFill>
                 <a:schemeClr val="bg1"/>
               </a:solidFill>
@@ -16123,13 +16552,20 @@
     </p:spTree>
     <p:extLst>
       <p:ext uri="{BB962C8B-B14F-4D97-AF65-F5344CB8AC3E}">
-        <p14:creationId xmlns:p14="http://schemas.microsoft.com/office/powerpoint/2010/main" val="4201328092"/>
+        <p14:creationId xmlns="" xmlns:p14="http://schemas.microsoft.com/office/powerpoint/2010/main" val="4201328092"/>
       </p:ext>
     </p:extLst>
   </p:cSld>
   <p:clrMapOvr>
     <a:masterClrMapping/>
   </p:clrMapOvr>
+  <p:timing>
+    <p:tnLst>
+      <p:par>
+        <p:cTn id="1" dur="indefinite" restart="never" nodeType="tmRoot"/>
+      </p:par>
+    </p:tnLst>
+  </p:timing>
 </p:sld>
 </file>
 
@@ -16180,7 +16616,7 @@
           <p:nvPr>
             <p:extLst>
               <p:ext uri="{D42A27DB-BD31-4B8C-83A1-F6EECF244321}">
-                <p14:modId xmlns:p14="http://schemas.microsoft.com/office/powerpoint/2010/main" val="1853432042"/>
+                <p14:modId xmlns="" xmlns:p14="http://schemas.microsoft.com/office/powerpoint/2010/main" val="1853432042"/>
               </p:ext>
             </p:extLst>
           </p:nvPr>
@@ -16200,6 +16636,13 @@
   <p:clrMapOvr>
     <a:masterClrMapping/>
   </p:clrMapOvr>
+  <p:timing>
+    <p:tnLst>
+      <p:par>
+        <p:cTn id="1" dur="indefinite" restart="never" nodeType="tmRoot"/>
+      </p:par>
+    </p:tnLst>
+  </p:timing>
 </p:sld>
 </file>
 
@@ -16303,8 +16746,8 @@
         </p:nvSpPr>
         <p:spPr>
           <a:xfrm>
-            <a:off x="1238224" y="4214818"/>
-            <a:ext cx="7802136" cy="646331"/>
+            <a:off x="1238225" y="4214818"/>
+            <a:ext cx="7858179" cy="1200329"/>
           </a:xfrm>
           <a:prstGeom prst="rect">
             <a:avLst/>
@@ -16312,33 +16755,34 @@
           <a:noFill/>
         </p:spPr>
         <p:txBody>
-          <a:bodyPr wrap="none" rtlCol="0">
+          <a:bodyPr wrap="square" rtlCol="0">
             <a:spAutoFit/>
           </a:bodyPr>
           <a:lstStyle/>
           <a:p>
             <a:r>
-              <a:rPr lang="zh-TW" altLang="en-US" dirty="0">
+              <a:rPr lang="zh-TW" altLang="en-US" sz="2400" dirty="0">
                 <a:solidFill>
                   <a:schemeClr val="bg1"/>
                 </a:solidFill>
               </a:rPr>
-              <a:t>使用藍色與綠色來呈現流浪動物的處境，讓不同動物依靠在一起來表達溫暖</a:t>
-            </a:r>
-            <a:endParaRPr lang="en-US" altLang="zh-TW" dirty="0">
-              <a:solidFill>
-                <a:schemeClr val="bg1"/>
-              </a:solidFill>
-            </a:endParaRPr>
-          </a:p>
-          <a:p>
-            <a:r>
-              <a:rPr lang="zh-TW" altLang="en-US" dirty="0">
+              <a:t>使用藍色與綠色來呈現流浪動物的處境，讓不同動物依靠在一起來表達</a:t>
+            </a:r>
+            <a:r>
+              <a:rPr lang="zh-TW" altLang="en-US" sz="2400" dirty="0" smtClean="0">
                 <a:solidFill>
                   <a:schemeClr val="bg1"/>
                 </a:solidFill>
               </a:rPr>
-              <a:t>目的是要呈現一個溫暖、友善的流浪動物收容環境</a:t>
+              <a:t>溫暖，目的</a:t>
+            </a:r>
+            <a:r>
+              <a:rPr lang="zh-TW" altLang="en-US" sz="2400" dirty="0">
+                <a:solidFill>
+                  <a:schemeClr val="bg1"/>
+                </a:solidFill>
+              </a:rPr>
+              <a:t>是要呈現一個溫暖、友善的流浪動物收容環境</a:t>
             </a:r>
           </a:p>
         </p:txBody>
@@ -16613,6 +17057,13 @@
   <p:clrMapOvr>
     <a:masterClrMapping/>
   </p:clrMapOvr>
+  <p:timing>
+    <p:tnLst>
+      <p:par>
+        <p:cTn id="1" dur="indefinite" restart="never" nodeType="tmRoot"/>
+      </p:par>
+    </p:tnLst>
+  </p:timing>
 </p:sld>
 </file>
 
@@ -16665,7 +17116,7 @@
           <p:nvPr/>
         </p:nvPicPr>
         <p:blipFill>
-          <a:blip r:embed="rId2"/>
+          <a:blip r:embed="rId2" cstate="print"/>
           <a:srcRect/>
           <a:stretch>
             <a:fillRect/>
@@ -16750,7 +17201,7 @@
           <a:p>
             <a:pPr algn="ctr"/>
             <a:r>
-              <a:rPr lang="zh-TW" altLang="en-US" dirty="0">
+              <a:rPr lang="zh-TW" altLang="en-US" sz="2800" dirty="0">
                 <a:solidFill>
                   <a:schemeClr val="tx1"/>
                 </a:solidFill>
@@ -16800,7 +17251,7 @@
           <a:p>
             <a:pPr algn="ctr"/>
             <a:r>
-              <a:rPr lang="zh-TW" altLang="en-US" dirty="0">
+              <a:rPr lang="zh-TW" altLang="en-US" sz="2800" dirty="0">
                 <a:solidFill>
                   <a:schemeClr val="tx1"/>
                 </a:solidFill>
@@ -16850,7 +17301,7 @@
           <a:p>
             <a:pPr algn="ctr"/>
             <a:r>
-              <a:rPr lang="zh-TW" altLang="en-US" dirty="0">
+              <a:rPr lang="zh-TW" altLang="en-US" sz="2800" dirty="0">
                 <a:solidFill>
                   <a:schemeClr val="tx1"/>
                 </a:solidFill>
@@ -16900,7 +17351,7 @@
           <a:p>
             <a:pPr algn="ctr"/>
             <a:r>
-              <a:rPr lang="zh-TW" altLang="en-US" dirty="0">
+              <a:rPr lang="zh-TW" altLang="en-US" sz="2800" dirty="0">
                 <a:solidFill>
                   <a:schemeClr val="tx1"/>
                 </a:solidFill>
@@ -16915,6 +17366,13 @@
   <p:clrMapOvr>
     <a:masterClrMapping/>
   </p:clrMapOvr>
+  <p:timing>
+    <p:tnLst>
+      <p:par>
+        <p:cTn id="1" dur="indefinite" restart="never" nodeType="tmRoot"/>
+      </p:par>
+    </p:tnLst>
+  </p:timing>
 </p:sld>
 </file>
 
@@ -16946,6 +17404,10 @@
           </p:nvPr>
         </p:nvSpPr>
         <p:spPr>
+          <a:xfrm>
+            <a:off x="452406" y="642918"/>
+            <a:ext cx="8929750" cy="5643602"/>
+          </a:xfrm>
           <a:solidFill>
             <a:schemeClr val="bg1"/>
           </a:solidFill>
@@ -17071,7 +17533,7 @@
         </p:blipFill>
         <p:spPr>
           <a:xfrm>
-            <a:off x="2630765" y="2259425"/>
+            <a:off x="1793741" y="1520616"/>
             <a:ext cx="639904" cy="901273"/>
           </a:xfrm>
           <a:prstGeom prst="rect">
@@ -17088,14 +17550,14 @@
           <p:nvPr/>
         </p:nvPicPr>
         <p:blipFill>
-          <a:blip r:embed="rId3"/>
+          <a:blip r:embed="rId3" cstate="print"/>
           <a:stretch>
             <a:fillRect/>
           </a:stretch>
         </p:blipFill>
         <p:spPr>
           <a:xfrm>
-            <a:off x="1554456" y="2875574"/>
+            <a:off x="717432" y="2136765"/>
             <a:ext cx="1035050" cy="1035050"/>
           </a:xfrm>
           <a:prstGeom prst="rect">
@@ -17119,7 +17581,7 @@
         </p:blipFill>
         <p:spPr>
           <a:xfrm>
-            <a:off x="3432570" y="2881925"/>
+            <a:off x="2595546" y="2143116"/>
             <a:ext cx="706336" cy="995933"/>
           </a:xfrm>
           <a:prstGeom prst="rect">
@@ -17143,7 +17605,7 @@
         </p:blipFill>
         <p:spPr>
           <a:xfrm>
-            <a:off x="2410229" y="3929674"/>
+            <a:off x="1573205" y="3190865"/>
             <a:ext cx="1080977" cy="907852"/>
           </a:xfrm>
           <a:prstGeom prst="rect">
@@ -17167,7 +17629,7 @@
         </p:blipFill>
         <p:spPr>
           <a:xfrm>
-            <a:off x="5658222" y="3877858"/>
+            <a:off x="7024702" y="2643182"/>
             <a:ext cx="1422400" cy="799211"/>
           </a:xfrm>
           <a:prstGeom prst="rect">
@@ -17191,7 +17653,7 @@
         </p:blipFill>
         <p:spPr>
           <a:xfrm>
-            <a:off x="5689972" y="2567117"/>
+            <a:off x="7024702" y="1643050"/>
             <a:ext cx="1358900" cy="679450"/>
           </a:xfrm>
           <a:prstGeom prst="rect">
@@ -17207,7 +17669,7 @@
         </p:nvSpPr>
         <p:spPr>
           <a:xfrm>
-            <a:off x="2550608" y="1479550"/>
+            <a:off x="1738290" y="857232"/>
             <a:ext cx="800219" cy="461665"/>
           </a:xfrm>
           <a:prstGeom prst="rect">
@@ -17241,7 +17703,7 @@
         </p:nvSpPr>
         <p:spPr>
           <a:xfrm>
-            <a:off x="5969313" y="1474161"/>
+            <a:off x="7381892" y="857232"/>
             <a:ext cx="800219" cy="461665"/>
           </a:xfrm>
           <a:prstGeom prst="rect">
@@ -17263,6 +17725,199 @@
                 <a:sym typeface="Nunito"/>
               </a:rPr>
               <a:t>後端</a:t>
+            </a:r>
+          </a:p>
+        </p:txBody>
+      </p:sp>
+      <p:sp>
+        <p:nvSpPr>
+          <p:cNvPr id="17" name="文字方塊 16"/>
+          <p:cNvSpPr txBox="1"/>
+          <p:nvPr/>
+        </p:nvSpPr>
+        <p:spPr>
+          <a:xfrm>
+            <a:off x="4245114" y="1214422"/>
+            <a:ext cx="1415772" cy="461665"/>
+          </a:xfrm>
+          <a:prstGeom prst="rect">
+            <a:avLst/>
+          </a:prstGeom>
+          <a:noFill/>
+        </p:spPr>
+        <p:txBody>
+          <a:bodyPr wrap="none" rtlCol="0">
+            <a:spAutoFit/>
+          </a:bodyPr>
+          <a:lstStyle/>
+          <a:p>
+            <a:r>
+              <a:rPr lang="zh-TW" altLang="en-US" sz="2400" b="1" dirty="0" smtClean="0">
+                <a:latin typeface="微軟正黑體" pitchFamily="34" charset="-120"/>
+                <a:ea typeface="微軟正黑體" pitchFamily="34" charset="-120"/>
+                <a:cs typeface="Nunito"/>
+                <a:sym typeface="Nunito"/>
+              </a:rPr>
+              <a:t>版本控制</a:t>
+            </a:r>
+            <a:endParaRPr lang="zh-TW" altLang="en-US" sz="2400" b="1" dirty="0">
+              <a:latin typeface="微軟正黑體" pitchFamily="34" charset="-120"/>
+              <a:ea typeface="微軟正黑體" pitchFamily="34" charset="-120"/>
+              <a:cs typeface="Nunito"/>
+              <a:sym typeface="Nunito"/>
+            </a:endParaRPr>
+          </a:p>
+        </p:txBody>
+      </p:sp>
+      <p:pic>
+        <p:nvPicPr>
+          <p:cNvPr id="1026" name="Picture 2" descr="C:\MAMP\htdocs\work0303\images\1_dDNpLKu_oTLzStsDTnkJ-g.png"/>
+          <p:cNvPicPr>
+            <a:picLocks noChangeAspect="1" noChangeArrowheads="1"/>
+          </p:cNvPicPr>
+          <p:nvPr/>
+        </p:nvPicPr>
+        <p:blipFill>
+          <a:blip r:embed="rId8" cstate="print"/>
+          <a:srcRect/>
+          <a:stretch>
+            <a:fillRect/>
+          </a:stretch>
+        </p:blipFill>
+        <p:spPr bwMode="auto">
+          <a:xfrm>
+            <a:off x="3989358" y="2357430"/>
+            <a:ext cx="1927284" cy="714380"/>
+          </a:xfrm>
+          <a:prstGeom prst="rect">
+            <a:avLst/>
+          </a:prstGeom>
+          <a:noFill/>
+        </p:spPr>
+      </p:pic>
+      <p:sp>
+        <p:nvSpPr>
+          <p:cNvPr id="18" name="文字方塊 17"/>
+          <p:cNvSpPr txBox="1"/>
+          <p:nvPr/>
+        </p:nvSpPr>
+        <p:spPr>
+          <a:xfrm>
+            <a:off x="4245114" y="4286256"/>
+            <a:ext cx="1415772" cy="461665"/>
+          </a:xfrm>
+          <a:prstGeom prst="rect">
+            <a:avLst/>
+          </a:prstGeom>
+          <a:noFill/>
+        </p:spPr>
+        <p:txBody>
+          <a:bodyPr wrap="none" rtlCol="0">
+            <a:spAutoFit/>
+          </a:bodyPr>
+          <a:lstStyle/>
+          <a:p>
+            <a:r>
+              <a:rPr lang="zh-TW" altLang="en-US" sz="2400" b="1" dirty="0" smtClean="0">
+                <a:latin typeface="微軟正黑體" pitchFamily="34" charset="-120"/>
+                <a:ea typeface="微軟正黑體" pitchFamily="34" charset="-120"/>
+                <a:cs typeface="Nunito"/>
+                <a:sym typeface="Nunito"/>
+              </a:rPr>
+              <a:t>使用工具</a:t>
+            </a:r>
+            <a:endParaRPr lang="zh-TW" altLang="en-US" sz="2400" b="1" dirty="0">
+              <a:latin typeface="微軟正黑體" pitchFamily="34" charset="-120"/>
+              <a:ea typeface="微軟正黑體" pitchFamily="34" charset="-120"/>
+              <a:cs typeface="Nunito"/>
+              <a:sym typeface="Nunito"/>
+            </a:endParaRPr>
+          </a:p>
+        </p:txBody>
+      </p:sp>
+      <p:pic>
+        <p:nvPicPr>
+          <p:cNvPr id="1028" name="Picture 4" descr="C:\MAMP\htdocs\work0303\images\vacode.jpg"/>
+          <p:cNvPicPr>
+            <a:picLocks noChangeAspect="1" noChangeArrowheads="1"/>
+          </p:cNvPicPr>
+          <p:nvPr/>
+        </p:nvPicPr>
+        <p:blipFill>
+          <a:blip r:embed="rId9" cstate="print"/>
+          <a:srcRect/>
+          <a:stretch>
+            <a:fillRect/>
+          </a:stretch>
+        </p:blipFill>
+        <p:spPr bwMode="auto">
+          <a:xfrm>
+            <a:off x="2720752" y="4941168"/>
+            <a:ext cx="2047876" cy="1023938"/>
+          </a:xfrm>
+          <a:prstGeom prst="rect">
+            <a:avLst/>
+          </a:prstGeom>
+          <a:noFill/>
+        </p:spPr>
+      </p:pic>
+      <p:pic>
+        <p:nvPicPr>
+          <p:cNvPr id="1030" name="Picture 6" descr="C:\MAMP\htdocs\work0303\images\Adobe_Photoshop_CC_icon.svg.png"/>
+          <p:cNvPicPr>
+            <a:picLocks noChangeAspect="1" noChangeArrowheads="1"/>
+          </p:cNvPicPr>
+          <p:nvPr/>
+        </p:nvPicPr>
+        <p:blipFill>
+          <a:blip r:embed="rId10" cstate="print"/>
+          <a:srcRect/>
+          <a:stretch>
+            <a:fillRect/>
+          </a:stretch>
+        </p:blipFill>
+        <p:spPr bwMode="auto">
+          <a:xfrm>
+            <a:off x="5673080" y="5013176"/>
+            <a:ext cx="785818" cy="766173"/>
+          </a:xfrm>
+          <a:prstGeom prst="rect">
+            <a:avLst/>
+          </a:prstGeom>
+          <a:noFill/>
+        </p:spPr>
+      </p:pic>
+      <p:sp>
+        <p:nvSpPr>
+          <p:cNvPr id="24" name="文字方塊 23"/>
+          <p:cNvSpPr txBox="1"/>
+          <p:nvPr/>
+        </p:nvSpPr>
+        <p:spPr>
+          <a:xfrm>
+            <a:off x="5457056" y="5805264"/>
+            <a:ext cx="1357322" cy="338554"/>
+          </a:xfrm>
+          <a:prstGeom prst="rect">
+            <a:avLst/>
+          </a:prstGeom>
+          <a:noFill/>
+        </p:spPr>
+        <p:txBody>
+          <a:bodyPr wrap="square" rtlCol="0">
+            <a:spAutoFit/>
+          </a:bodyPr>
+          <a:lstStyle/>
+          <a:p>
+            <a:r>
+              <a:rPr lang="en-US" altLang="zh-TW" sz="1600" dirty="0" smtClean="0">
+                <a:solidFill>
+                  <a:schemeClr val="tx1">
+                    <a:lumMod val="50000"/>
+                  </a:schemeClr>
+                </a:solidFill>
+              </a:rPr>
+              <a:t>Photoshop</a:t>
             </a:r>
           </a:p>
         </p:txBody>
@@ -17657,6 +18312,94 @@
                             </p:childTnLst>
                           </p:cTn>
                         </p:par>
+                        <p:par>
+                          <p:cTn id="36" fill="hold">
+                            <p:stCondLst>
+                              <p:cond delay="1000"/>
+                            </p:stCondLst>
+                            <p:childTnLst>
+                              <p:par>
+                                <p:cTn id="37" presetID="10" presetClass="entr" presetSubtype="0" fill="hold" grpId="0" nodeType="afterEffect">
+                                  <p:stCondLst>
+                                    <p:cond delay="0"/>
+                                  </p:stCondLst>
+                                  <p:childTnLst>
+                                    <p:set>
+                                      <p:cBhvr>
+                                        <p:cTn id="38" dur="1" fill="hold">
+                                          <p:stCondLst>
+                                            <p:cond delay="0"/>
+                                          </p:stCondLst>
+                                        </p:cTn>
+                                        <p:tgtEl>
+                                          <p:spTgt spid="17"/>
+                                        </p:tgtEl>
+                                        <p:attrNameLst>
+                                          <p:attrName>style.visibility</p:attrName>
+                                        </p:attrNameLst>
+                                      </p:cBhvr>
+                                      <p:to>
+                                        <p:strVal val="visible"/>
+                                      </p:to>
+                                    </p:set>
+                                    <p:animEffect transition="in" filter="fade">
+                                      <p:cBhvr>
+                                        <p:cTn id="39" dur="500"/>
+                                        <p:tgtEl>
+                                          <p:spTgt spid="17"/>
+                                        </p:tgtEl>
+                                      </p:cBhvr>
+                                    </p:animEffect>
+                                  </p:childTnLst>
+                                </p:cTn>
+                              </p:par>
+                            </p:childTnLst>
+                          </p:cTn>
+                        </p:par>
+                        <p:par>
+                          <p:cTn id="40" fill="hold">
+                            <p:stCondLst>
+                              <p:cond delay="1500"/>
+                            </p:stCondLst>
+                            <p:childTnLst>
+                              <p:par>
+                                <p:cTn id="41" presetID="10" presetClass="entr" presetSubtype="0" fill="hold" grpId="0" nodeType="afterEffect">
+                                  <p:stCondLst>
+                                    <p:cond delay="0"/>
+                                  </p:stCondLst>
+                                  <p:childTnLst>
+                                    <p:set>
+                                      <p:cBhvr>
+                                        <p:cTn id="42" dur="1" fill="hold">
+                                          <p:stCondLst>
+                                            <p:cond delay="0"/>
+                                          </p:stCondLst>
+                                        </p:cTn>
+                                        <p:tgtEl>
+                                          <p:spTgt spid="18"/>
+                                        </p:tgtEl>
+                                        <p:attrNameLst>
+                                          <p:attrName>style.visibility</p:attrName>
+                                        </p:attrNameLst>
+                                      </p:cBhvr>
+                                      <p:to>
+                                        <p:strVal val="visible"/>
+                                      </p:to>
+                                    </p:set>
+                                    <p:animEffect transition="in" filter="fade">
+                                      <p:cBhvr>
+                                        <p:cTn id="43" dur="500"/>
+                                        <p:tgtEl>
+                                          <p:spTgt spid="18"/>
+                                        </p:tgtEl>
+                                      </p:cBhvr>
+                                    </p:animEffect>
+                                  </p:childTnLst>
+                                </p:cTn>
+                              </p:par>
+                            </p:childTnLst>
+                          </p:cTn>
+                        </p:par>
                       </p:childTnLst>
                     </p:cTn>
                   </p:par>
@@ -17686,6 +18429,8 @@
       <p:bldP spid="5" grpId="0"/>
       <p:bldP spid="14" grpId="0"/>
       <p:bldP spid="15" grpId="0"/>
+      <p:bldP spid="17" grpId="0"/>
+      <p:bldP spid="18" grpId="0"/>
     </p:bldLst>
   </p:timing>
 </p:sld>
@@ -17807,8 +18552,8 @@
           <p:nvPr/>
         </p:nvGraphicFramePr>
         <p:xfrm>
-          <a:off x="1343025" y="1397000"/>
-          <a:ext cx="7219950" cy="4064000"/>
+          <a:off x="384093" y="857232"/>
+          <a:ext cx="9137814" cy="5143536"/>
         </p:xfrm>
         <a:graphic>
           <a:graphicData uri="http://schemas.openxmlformats.org/drawingml/2006/diagram">
@@ -18132,13 +18877,20 @@
     </p:spTree>
     <p:extLst>
       <p:ext uri="{BB962C8B-B14F-4D97-AF65-F5344CB8AC3E}">
-        <p14:creationId xmlns:p14="http://schemas.microsoft.com/office/powerpoint/2010/main" val="1306577254"/>
+        <p14:creationId xmlns="" xmlns:p14="http://schemas.microsoft.com/office/powerpoint/2010/main" val="1306577254"/>
       </p:ext>
     </p:extLst>
   </p:cSld>
   <p:clrMapOvr>
     <a:masterClrMapping/>
   </p:clrMapOvr>
+  <p:timing>
+    <p:tnLst>
+      <p:par>
+        <p:cTn id="1" dur="indefinite" restart="never" nodeType="tmRoot"/>
+      </p:par>
+    </p:tnLst>
+  </p:timing>
 </p:sld>
 </file>
 
@@ -18394,7 +19146,7 @@
   <a:extraClrSchemeLst/>
   <a:extLst>
     <a:ext uri="{05A4C25C-085E-4340-85A3-A5531E510DB2}">
-      <thm15:themeFamily xmlns:thm15="http://schemas.microsoft.com/office/thememl/2012/main" name="資策會2021簡報範本_dark.potx" id="{81C76F81-1671-4B56-BD0F-02ECACBEA1CD}" vid="{64F81388-CB1B-4503-9A85-CB10ADCB8F38}"/>
+      <thm15:themeFamily xmlns:thm15="http://schemas.microsoft.com/office/thememl/2012/main" xmlns="" name="資策會2021簡報範本_dark.potx" id="{81C76F81-1671-4B56-BD0F-02ECACBEA1CD}" vid="{64F81388-CB1B-4503-9A85-CB10ADCB8F38}"/>
     </a:ext>
   </a:extLst>
 </a:theme>
